--- a/学习笔记/边缘计算/EVE.pptx
+++ b/学习笔记/边缘计算/EVE.pptx
@@ -120,6 +120,11 @@
       </a:defRPr>
     </a:lvl9pPr>
   </p:defaultTextStyle>
+  <p:extLst>
+    <p:ext uri="{EFAFB233-063F-42B5-8137-9DF3F51BA10A}">
+      <p15:sldGuideLst xmlns:p15="http://schemas.microsoft.com/office/powerpoint/2012/main"/>
+    </p:ext>
+  </p:extLst>
 </p:presentation>
 </file>
 
@@ -270,7 +275,7 @@
           <a:p>
             <a:fld id="{16952747-A5EC-4D1B-AE9D-3AC195362527}" type="datetimeFigureOut">
               <a:rPr lang="zh-CN" altLang="en-US" smtClean="0"/>
-              <a:t>2020/6/20</a:t>
+              <a:t>2020/6/21</a:t>
             </a:fld>
             <a:endParaRPr lang="zh-CN" altLang="en-US"/>
           </a:p>
@@ -468,7 +473,7 @@
           <a:p>
             <a:fld id="{16952747-A5EC-4D1B-AE9D-3AC195362527}" type="datetimeFigureOut">
               <a:rPr lang="zh-CN" altLang="en-US" smtClean="0"/>
-              <a:t>2020/6/20</a:t>
+              <a:t>2020/6/21</a:t>
             </a:fld>
             <a:endParaRPr lang="zh-CN" altLang="en-US"/>
           </a:p>
@@ -676,7 +681,7 @@
           <a:p>
             <a:fld id="{16952747-A5EC-4D1B-AE9D-3AC195362527}" type="datetimeFigureOut">
               <a:rPr lang="zh-CN" altLang="en-US" smtClean="0"/>
-              <a:t>2020/6/20</a:t>
+              <a:t>2020/6/21</a:t>
             </a:fld>
             <a:endParaRPr lang="zh-CN" altLang="en-US"/>
           </a:p>
@@ -874,7 +879,7 @@
           <a:p>
             <a:fld id="{16952747-A5EC-4D1B-AE9D-3AC195362527}" type="datetimeFigureOut">
               <a:rPr lang="zh-CN" altLang="en-US" smtClean="0"/>
-              <a:t>2020/6/20</a:t>
+              <a:t>2020/6/21</a:t>
             </a:fld>
             <a:endParaRPr lang="zh-CN" altLang="en-US"/>
           </a:p>
@@ -1149,7 +1154,7 @@
           <a:p>
             <a:fld id="{16952747-A5EC-4D1B-AE9D-3AC195362527}" type="datetimeFigureOut">
               <a:rPr lang="zh-CN" altLang="en-US" smtClean="0"/>
-              <a:t>2020/6/20</a:t>
+              <a:t>2020/6/21</a:t>
             </a:fld>
             <a:endParaRPr lang="zh-CN" altLang="en-US"/>
           </a:p>
@@ -1414,7 +1419,7 @@
           <a:p>
             <a:fld id="{16952747-A5EC-4D1B-AE9D-3AC195362527}" type="datetimeFigureOut">
               <a:rPr lang="zh-CN" altLang="en-US" smtClean="0"/>
-              <a:t>2020/6/20</a:t>
+              <a:t>2020/6/21</a:t>
             </a:fld>
             <a:endParaRPr lang="zh-CN" altLang="en-US"/>
           </a:p>
@@ -1826,7 +1831,7 @@
           <a:p>
             <a:fld id="{16952747-A5EC-4D1B-AE9D-3AC195362527}" type="datetimeFigureOut">
               <a:rPr lang="zh-CN" altLang="en-US" smtClean="0"/>
-              <a:t>2020/6/20</a:t>
+              <a:t>2020/6/21</a:t>
             </a:fld>
             <a:endParaRPr lang="zh-CN" altLang="en-US"/>
           </a:p>
@@ -1967,7 +1972,7 @@
           <a:p>
             <a:fld id="{16952747-A5EC-4D1B-AE9D-3AC195362527}" type="datetimeFigureOut">
               <a:rPr lang="zh-CN" altLang="en-US" smtClean="0"/>
-              <a:t>2020/6/20</a:t>
+              <a:t>2020/6/21</a:t>
             </a:fld>
             <a:endParaRPr lang="zh-CN" altLang="en-US"/>
           </a:p>
@@ -2080,7 +2085,7 @@
           <a:p>
             <a:fld id="{16952747-A5EC-4D1B-AE9D-3AC195362527}" type="datetimeFigureOut">
               <a:rPr lang="zh-CN" altLang="en-US" smtClean="0"/>
-              <a:t>2020/6/20</a:t>
+              <a:t>2020/6/21</a:t>
             </a:fld>
             <a:endParaRPr lang="zh-CN" altLang="en-US"/>
           </a:p>
@@ -2391,7 +2396,7 @@
           <a:p>
             <a:fld id="{16952747-A5EC-4D1B-AE9D-3AC195362527}" type="datetimeFigureOut">
               <a:rPr lang="zh-CN" altLang="en-US" smtClean="0"/>
-              <a:t>2020/6/20</a:t>
+              <a:t>2020/6/21</a:t>
             </a:fld>
             <a:endParaRPr lang="zh-CN" altLang="en-US"/>
           </a:p>
@@ -2679,7 +2684,7 @@
           <a:p>
             <a:fld id="{16952747-A5EC-4D1B-AE9D-3AC195362527}" type="datetimeFigureOut">
               <a:rPr lang="zh-CN" altLang="en-US" smtClean="0"/>
-              <a:t>2020/6/20</a:t>
+              <a:t>2020/6/21</a:t>
             </a:fld>
             <a:endParaRPr lang="zh-CN" altLang="en-US"/>
           </a:p>
@@ -2920,7 +2925,7 @@
           <a:p>
             <a:fld id="{16952747-A5EC-4D1B-AE9D-3AC195362527}" type="datetimeFigureOut">
               <a:rPr lang="zh-CN" altLang="en-US" smtClean="0"/>
-              <a:t>2020/6/20</a:t>
+              <a:t>2020/6/21</a:t>
             </a:fld>
             <a:endParaRPr lang="zh-CN" altLang="en-US"/>
           </a:p>
@@ -3393,7 +3398,11 @@
             </a:r>
             <a:r>
               <a:rPr lang="zh-CN" altLang="en-US" dirty="0"/>
-              <a:t>是一种类似</a:t>
+              <a:t>是</a:t>
+            </a:r>
+            <a:r>
+              <a:rPr lang="zh-CN" altLang="en-US"/>
+              <a:t>一种功能类似</a:t>
             </a:r>
             <a:r>
               <a:rPr lang="en-US" altLang="zh-CN" dirty="0"/>

--- a/学习笔记/边缘计算/EVE.pptx
+++ b/学习笔记/边缘计算/EVE.pptx
@@ -9,8 +9,8 @@
     <p:sldId id="263" r:id="rId3"/>
     <p:sldId id="262" r:id="rId4"/>
     <p:sldId id="258" r:id="rId5"/>
-    <p:sldId id="259" r:id="rId6"/>
-    <p:sldId id="260" r:id="rId7"/>
+    <p:sldId id="260" r:id="rId6"/>
+    <p:sldId id="259" r:id="rId7"/>
     <p:sldId id="261" r:id="rId8"/>
     <p:sldId id="264" r:id="rId9"/>
     <p:sldId id="257" r:id="rId10"/>
@@ -275,7 +275,7 @@
           <a:p>
             <a:fld id="{16952747-A5EC-4D1B-AE9D-3AC195362527}" type="datetimeFigureOut">
               <a:rPr lang="zh-CN" altLang="en-US" smtClean="0"/>
-              <a:t>2020/6/21</a:t>
+              <a:t>2020/6/22</a:t>
             </a:fld>
             <a:endParaRPr lang="zh-CN" altLang="en-US"/>
           </a:p>
@@ -473,7 +473,7 @@
           <a:p>
             <a:fld id="{16952747-A5EC-4D1B-AE9D-3AC195362527}" type="datetimeFigureOut">
               <a:rPr lang="zh-CN" altLang="en-US" smtClean="0"/>
-              <a:t>2020/6/21</a:t>
+              <a:t>2020/6/22</a:t>
             </a:fld>
             <a:endParaRPr lang="zh-CN" altLang="en-US"/>
           </a:p>
@@ -681,7 +681,7 @@
           <a:p>
             <a:fld id="{16952747-A5EC-4D1B-AE9D-3AC195362527}" type="datetimeFigureOut">
               <a:rPr lang="zh-CN" altLang="en-US" smtClean="0"/>
-              <a:t>2020/6/21</a:t>
+              <a:t>2020/6/22</a:t>
             </a:fld>
             <a:endParaRPr lang="zh-CN" altLang="en-US"/>
           </a:p>
@@ -879,7 +879,7 @@
           <a:p>
             <a:fld id="{16952747-A5EC-4D1B-AE9D-3AC195362527}" type="datetimeFigureOut">
               <a:rPr lang="zh-CN" altLang="en-US" smtClean="0"/>
-              <a:t>2020/6/21</a:t>
+              <a:t>2020/6/22</a:t>
             </a:fld>
             <a:endParaRPr lang="zh-CN" altLang="en-US"/>
           </a:p>
@@ -1154,7 +1154,7 @@
           <a:p>
             <a:fld id="{16952747-A5EC-4D1B-AE9D-3AC195362527}" type="datetimeFigureOut">
               <a:rPr lang="zh-CN" altLang="en-US" smtClean="0"/>
-              <a:t>2020/6/21</a:t>
+              <a:t>2020/6/22</a:t>
             </a:fld>
             <a:endParaRPr lang="zh-CN" altLang="en-US"/>
           </a:p>
@@ -1419,7 +1419,7 @@
           <a:p>
             <a:fld id="{16952747-A5EC-4D1B-AE9D-3AC195362527}" type="datetimeFigureOut">
               <a:rPr lang="zh-CN" altLang="en-US" smtClean="0"/>
-              <a:t>2020/6/21</a:t>
+              <a:t>2020/6/22</a:t>
             </a:fld>
             <a:endParaRPr lang="zh-CN" altLang="en-US"/>
           </a:p>
@@ -1831,7 +1831,7 @@
           <a:p>
             <a:fld id="{16952747-A5EC-4D1B-AE9D-3AC195362527}" type="datetimeFigureOut">
               <a:rPr lang="zh-CN" altLang="en-US" smtClean="0"/>
-              <a:t>2020/6/21</a:t>
+              <a:t>2020/6/22</a:t>
             </a:fld>
             <a:endParaRPr lang="zh-CN" altLang="en-US"/>
           </a:p>
@@ -1972,7 +1972,7 @@
           <a:p>
             <a:fld id="{16952747-A5EC-4D1B-AE9D-3AC195362527}" type="datetimeFigureOut">
               <a:rPr lang="zh-CN" altLang="en-US" smtClean="0"/>
-              <a:t>2020/6/21</a:t>
+              <a:t>2020/6/22</a:t>
             </a:fld>
             <a:endParaRPr lang="zh-CN" altLang="en-US"/>
           </a:p>
@@ -2085,7 +2085,7 @@
           <a:p>
             <a:fld id="{16952747-A5EC-4D1B-AE9D-3AC195362527}" type="datetimeFigureOut">
               <a:rPr lang="zh-CN" altLang="en-US" smtClean="0"/>
-              <a:t>2020/6/21</a:t>
+              <a:t>2020/6/22</a:t>
             </a:fld>
             <a:endParaRPr lang="zh-CN" altLang="en-US"/>
           </a:p>
@@ -2396,7 +2396,7 @@
           <a:p>
             <a:fld id="{16952747-A5EC-4D1B-AE9D-3AC195362527}" type="datetimeFigureOut">
               <a:rPr lang="zh-CN" altLang="en-US" smtClean="0"/>
-              <a:t>2020/6/21</a:t>
+              <a:t>2020/6/22</a:t>
             </a:fld>
             <a:endParaRPr lang="zh-CN" altLang="en-US"/>
           </a:p>
@@ -2684,7 +2684,7 @@
           <a:p>
             <a:fld id="{16952747-A5EC-4D1B-AE9D-3AC195362527}" type="datetimeFigureOut">
               <a:rPr lang="zh-CN" altLang="en-US" smtClean="0"/>
-              <a:t>2020/6/21</a:t>
+              <a:t>2020/6/22</a:t>
             </a:fld>
             <a:endParaRPr lang="zh-CN" altLang="en-US"/>
           </a:p>
@@ -2925,7 +2925,7 @@
           <a:p>
             <a:fld id="{16952747-A5EC-4D1B-AE9D-3AC195362527}" type="datetimeFigureOut">
               <a:rPr lang="zh-CN" altLang="en-US" smtClean="0"/>
-              <a:t>2020/6/21</a:t>
+              <a:t>2020/6/22</a:t>
             </a:fld>
             <a:endParaRPr lang="zh-CN" altLang="en-US"/>
           </a:p>
@@ -5415,7 +5415,7 @@
           <p:cNvPr id="2" name="标题 1">
             <a:extLst>
               <a:ext uri="{FF2B5EF4-FFF2-40B4-BE49-F238E27FC236}">
-                <a16:creationId xmlns:a16="http://schemas.microsoft.com/office/drawing/2014/main" id="{4B79B142-9AC3-46F4-BD3C-5B3608D47172}"/>
+                <a16:creationId xmlns:a16="http://schemas.microsoft.com/office/drawing/2014/main" id="{B63B71EA-2D53-4FF7-B8B0-949421697632}"/>
               </a:ext>
             </a:extLst>
           </p:cNvPr>
@@ -5433,7 +5433,7 @@
           <a:p>
             <a:r>
               <a:rPr lang="en-US" altLang="zh-CN" dirty="0"/>
-              <a:t>Device connectivity and management interfaces</a:t>
+              <a:t>Operating system services</a:t>
             </a:r>
             <a:endParaRPr lang="zh-CN" altLang="en-US" dirty="0"/>
           </a:p>
@@ -5444,7 +5444,7 @@
           <p:cNvPr id="3" name="内容占位符 2">
             <a:extLst>
               <a:ext uri="{FF2B5EF4-FFF2-40B4-BE49-F238E27FC236}">
-                <a16:creationId xmlns:a16="http://schemas.microsoft.com/office/drawing/2014/main" id="{0287737D-7262-4020-B308-37C969FFC146}"/>
+                <a16:creationId xmlns:a16="http://schemas.microsoft.com/office/drawing/2014/main" id="{1497B4FF-7E8C-4D0A-A422-6F0509E72A8C}"/>
               </a:ext>
             </a:extLst>
           </p:cNvPr>
@@ -5462,7 +5462,15 @@
           <a:p>
             <a:r>
               <a:rPr lang="zh-CN" altLang="en-US" dirty="0"/>
-              <a:t>通过网络接口管理</a:t>
+              <a:t>提供一个可信计算平台，包含以下功能</a:t>
+            </a:r>
+            <a:endParaRPr lang="en-US" altLang="zh-CN" dirty="0"/>
+          </a:p>
+          <a:p>
+            <a:pPr lvl="1"/>
+            <a:r>
+              <a:rPr lang="zh-CN" altLang="en-US" dirty="0"/>
+              <a:t>更新</a:t>
             </a:r>
             <a:r>
               <a:rPr lang="en-US" altLang="zh-CN" dirty="0"/>
@@ -5470,7 +5478,7 @@
             </a:r>
             <a:r>
               <a:rPr lang="zh-CN" altLang="en-US" dirty="0"/>
-              <a:t>设备中的应用（虚拟机）</a:t>
+              <a:t>本身</a:t>
             </a:r>
             <a:endParaRPr lang="en-US" altLang="zh-CN" dirty="0"/>
           </a:p>
@@ -5478,7 +5486,7 @@
             <a:pPr lvl="1"/>
             <a:r>
               <a:rPr lang="zh-CN" altLang="en-US" dirty="0"/>
-              <a:t>设备网络接口</a:t>
+              <a:t>身份验证</a:t>
             </a:r>
             <a:endParaRPr lang="en-US" altLang="zh-CN" dirty="0"/>
           </a:p>
@@ -5486,7 +5494,7 @@
             <a:pPr lvl="1"/>
             <a:r>
               <a:rPr lang="zh-CN" altLang="en-US" dirty="0"/>
-              <a:t>网络连接驱动（应用间连接）</a:t>
+              <a:t>内存隔离</a:t>
             </a:r>
             <a:endParaRPr lang="en-US" altLang="zh-CN" dirty="0"/>
           </a:p>
@@ -5494,28 +5502,23 @@
             <a:pPr lvl="1"/>
             <a:r>
               <a:rPr lang="zh-CN" altLang="en-US" dirty="0"/>
-              <a:t>将</a:t>
-            </a:r>
-            <a:r>
-              <a:rPr lang="en-US" altLang="zh-CN" dirty="0"/>
-              <a:t>EVE</a:t>
-            </a:r>
-            <a:r>
-              <a:rPr lang="zh-CN" altLang="en-US" dirty="0"/>
-              <a:t>终端设备连接到统一管理网络的</a:t>
-            </a:r>
-            <a:r>
-              <a:rPr lang="en-US" altLang="zh-CN" dirty="0"/>
-              <a:t>API</a:t>
-            </a:r>
-            <a:endParaRPr lang="zh-CN" altLang="en-US" dirty="0"/>
+              <a:t>存储加密</a:t>
+            </a:r>
+            <a:endParaRPr lang="en-US" altLang="zh-CN" dirty="0"/>
+          </a:p>
+          <a:p>
+            <a:pPr lvl="1"/>
+            <a:r>
+              <a:rPr lang="zh-CN" altLang="en-US" dirty="0"/>
+              <a:t>安全的网络服务</a:t>
+            </a:r>
           </a:p>
         </p:txBody>
       </p:sp>
     </p:spTree>
     <p:extLst>
       <p:ext uri="{BB962C8B-B14F-4D97-AF65-F5344CB8AC3E}">
-        <p14:creationId xmlns:p14="http://schemas.microsoft.com/office/powerpoint/2010/main" val="1756455787"/>
+        <p14:creationId xmlns:p14="http://schemas.microsoft.com/office/powerpoint/2010/main" val="2467182022"/>
       </p:ext>
     </p:extLst>
   </p:cSld>
@@ -5547,7 +5550,7 @@
           <p:cNvPr id="2" name="标题 1">
             <a:extLst>
               <a:ext uri="{FF2B5EF4-FFF2-40B4-BE49-F238E27FC236}">
-                <a16:creationId xmlns:a16="http://schemas.microsoft.com/office/drawing/2014/main" id="{B63B71EA-2D53-4FF7-B8B0-949421697632}"/>
+                <a16:creationId xmlns:a16="http://schemas.microsoft.com/office/drawing/2014/main" id="{4B79B142-9AC3-46F4-BD3C-5B3608D47172}"/>
               </a:ext>
             </a:extLst>
           </p:cNvPr>
@@ -5565,7 +5568,7 @@
           <a:p>
             <a:r>
               <a:rPr lang="en-US" altLang="zh-CN" dirty="0"/>
-              <a:t>Operating system services</a:t>
+              <a:t>Device connectivity and management interfaces</a:t>
             </a:r>
             <a:endParaRPr lang="zh-CN" altLang="en-US" dirty="0"/>
           </a:p>
@@ -5576,7 +5579,7 @@
           <p:cNvPr id="3" name="内容占位符 2">
             <a:extLst>
               <a:ext uri="{FF2B5EF4-FFF2-40B4-BE49-F238E27FC236}">
-                <a16:creationId xmlns:a16="http://schemas.microsoft.com/office/drawing/2014/main" id="{1497B4FF-7E8C-4D0A-A422-6F0509E72A8C}"/>
+                <a16:creationId xmlns:a16="http://schemas.microsoft.com/office/drawing/2014/main" id="{0287737D-7262-4020-B308-37C969FFC146}"/>
               </a:ext>
             </a:extLst>
           </p:cNvPr>
@@ -5594,15 +5597,7 @@
           <a:p>
             <a:r>
               <a:rPr lang="zh-CN" altLang="en-US" dirty="0"/>
-              <a:t>提供一个可信计算平台，包含以下功能</a:t>
-            </a:r>
-            <a:endParaRPr lang="en-US" altLang="zh-CN" dirty="0"/>
-          </a:p>
-          <a:p>
-            <a:pPr lvl="1"/>
-            <a:r>
-              <a:rPr lang="zh-CN" altLang="en-US" dirty="0"/>
-              <a:t>更新</a:t>
+              <a:t>通过网络接口管理</a:t>
             </a:r>
             <a:r>
               <a:rPr lang="en-US" altLang="zh-CN" dirty="0"/>
@@ -5610,7 +5605,7 @@
             </a:r>
             <a:r>
               <a:rPr lang="zh-CN" altLang="en-US" dirty="0"/>
-              <a:t>本身</a:t>
+              <a:t>设备中的应用（虚拟机）</a:t>
             </a:r>
             <a:endParaRPr lang="en-US" altLang="zh-CN" dirty="0"/>
           </a:p>
@@ -5618,7 +5613,7 @@
             <a:pPr lvl="1"/>
             <a:r>
               <a:rPr lang="zh-CN" altLang="en-US" dirty="0"/>
-              <a:t>身份验证</a:t>
+              <a:t>设备网络接口</a:t>
             </a:r>
             <a:endParaRPr lang="en-US" altLang="zh-CN" dirty="0"/>
           </a:p>
@@ -5626,7 +5621,7 @@
             <a:pPr lvl="1"/>
             <a:r>
               <a:rPr lang="zh-CN" altLang="en-US" dirty="0"/>
-              <a:t>内存隔离</a:t>
+              <a:t>网络连接驱动（应用间连接）</a:t>
             </a:r>
             <a:endParaRPr lang="en-US" altLang="zh-CN" dirty="0"/>
           </a:p>
@@ -5634,23 +5629,28 @@
             <a:pPr lvl="1"/>
             <a:r>
               <a:rPr lang="zh-CN" altLang="en-US" dirty="0"/>
-              <a:t>存储加密</a:t>
-            </a:r>
-            <a:endParaRPr lang="en-US" altLang="zh-CN" dirty="0"/>
-          </a:p>
-          <a:p>
-            <a:pPr lvl="1"/>
-            <a:r>
-              <a:rPr lang="zh-CN" altLang="en-US" dirty="0"/>
-              <a:t>安全的网络服务</a:t>
-            </a:r>
+              <a:t>将</a:t>
+            </a:r>
+            <a:r>
+              <a:rPr lang="en-US" altLang="zh-CN" dirty="0"/>
+              <a:t>EVE</a:t>
+            </a:r>
+            <a:r>
+              <a:rPr lang="zh-CN" altLang="en-US" dirty="0"/>
+              <a:t>终端设备连接到统一管理网络的</a:t>
+            </a:r>
+            <a:r>
+              <a:rPr lang="en-US" altLang="zh-CN" dirty="0"/>
+              <a:t>API</a:t>
+            </a:r>
+            <a:endParaRPr lang="zh-CN" altLang="en-US" dirty="0"/>
           </a:p>
         </p:txBody>
       </p:sp>
     </p:spTree>
     <p:extLst>
       <p:ext uri="{BB962C8B-B14F-4D97-AF65-F5344CB8AC3E}">
-        <p14:creationId xmlns:p14="http://schemas.microsoft.com/office/powerpoint/2010/main" val="2467182022"/>
+        <p14:creationId xmlns:p14="http://schemas.microsoft.com/office/powerpoint/2010/main" val="1756455787"/>
       </p:ext>
     </p:extLst>
   </p:cSld>

--- a/学习笔记/边缘计算/EVE.pptx
+++ b/学习笔记/边缘计算/EVE.pptx
@@ -2,15 +2,15 @@
 <file path=ppt/presentation.xml><?xml version="1.0" encoding="utf-8"?>
 <p:presentation xmlns:a="http://schemas.openxmlformats.org/drawingml/2006/main" xmlns:r="http://schemas.openxmlformats.org/officeDocument/2006/relationships" xmlns:p="http://schemas.openxmlformats.org/presentationml/2006/main" saveSubsetFonts="1">
   <p:sldMasterIdLst>
-    <p:sldMasterId id="2147483648" r:id="rId1"/>
+    <p:sldMasterId id="2147483660" r:id="rId1"/>
   </p:sldMasterIdLst>
   <p:sldIdLst>
     <p:sldId id="256" r:id="rId2"/>
     <p:sldId id="263" r:id="rId3"/>
     <p:sldId id="262" r:id="rId4"/>
     <p:sldId id="258" r:id="rId5"/>
-    <p:sldId id="260" r:id="rId6"/>
-    <p:sldId id="259" r:id="rId7"/>
+    <p:sldId id="259" r:id="rId6"/>
+    <p:sldId id="260" r:id="rId7"/>
     <p:sldId id="261" r:id="rId8"/>
     <p:sldId id="264" r:id="rId9"/>
     <p:sldId id="257" r:id="rId10"/>
@@ -19,9 +19,9 @@
     <p:sldId id="267" r:id="rId13"/>
     <p:sldId id="268" r:id="rId14"/>
     <p:sldId id="269" r:id="rId15"/>
-    <p:sldId id="270" r:id="rId16"/>
-    <p:sldId id="271" r:id="rId17"/>
-    <p:sldId id="272" r:id="rId18"/>
+    <p:sldId id="272" r:id="rId16"/>
+    <p:sldId id="270" r:id="rId17"/>
+    <p:sldId id="271" r:id="rId18"/>
   </p:sldIdLst>
   <p:sldSz cx="12192000" cy="6858000"/>
   <p:notesSz cx="6858000" cy="9144000"/>
@@ -147,13 +147,7 @@
       </p:grpSpPr>
       <p:sp>
         <p:nvSpPr>
-          <p:cNvPr id="2" name="标题 1">
-            <a:extLst>
-              <a:ext uri="{FF2B5EF4-FFF2-40B4-BE49-F238E27FC236}">
-                <a16:creationId xmlns:a16="http://schemas.microsoft.com/office/drawing/2014/main" id="{5FE93BD9-2508-4BA8-802C-8341B93CD485}"/>
-              </a:ext>
-            </a:extLst>
-          </p:cNvPr>
+          <p:cNvPr id="2" name="标题 1"/>
           <p:cNvSpPr>
             <a:spLocks noGrp="1"/>
           </p:cNvSpPr>
@@ -163,104 +157,106 @@
         </p:nvSpPr>
         <p:spPr>
           <a:xfrm>
-            <a:off x="1524000" y="1122363"/>
-            <a:ext cx="9144000" cy="2387600"/>
+            <a:off x="0" y="2052266"/>
+            <a:ext cx="12192000" cy="1562846"/>
+          </a:xfrm>
+          <a:prstGeom prst="rect">
+            <a:avLst/>
+          </a:prstGeom>
+          <a:solidFill>
+            <a:srgbClr val="02409A"/>
+          </a:solidFill>
+          <a:ln>
+            <a:noFill/>
+          </a:ln>
+          <a:effectLst>
+            <a:outerShdw blurRad="44450" dist="27940" dir="5400000" algn="ctr">
+              <a:srgbClr val="000000">
+                <a:alpha val="32000"/>
+              </a:srgbClr>
+            </a:outerShdw>
+          </a:effectLst>
+        </p:spPr>
+        <p:txBody>
+          <a:bodyPr tIns="0" bIns="0" anchor="ctr"/>
+          <a:lstStyle>
+            <a:lvl1pPr>
+              <a:defRPr lang="zh-CN" altLang="en-US" sz="2400" b="1" dirty="0">
+                <a:solidFill>
+                  <a:prstClr val="white"/>
+                </a:solidFill>
+                <a:effectLst>
+                  <a:outerShdw blurRad="38100" dist="38100" dir="2700000" algn="tl">
+                    <a:srgbClr val="000000">
+                      <a:alpha val="43137"/>
+                    </a:srgbClr>
+                  </a:outerShdw>
+                </a:effectLst>
+                <a:latin typeface="微软雅黑" panose="020B0503020204020204" pitchFamily="34" charset="-122"/>
+                <a:ea typeface="微软雅黑" panose="020B0503020204020204" pitchFamily="34" charset="-122"/>
+                <a:cs typeface="+mn-cs"/>
+              </a:defRPr>
+            </a:lvl1pPr>
+          </a:lstStyle>
+          <a:p>
+            <a:pPr marL="0" lvl="0"/>
+            <a:r>
+              <a:rPr lang="zh-CN" altLang="en-US"/>
+              <a:t>单击此处编辑母版标题样式</a:t>
+            </a:r>
+            <a:endParaRPr lang="zh-CN" altLang="en-US" dirty="0"/>
+          </a:p>
+        </p:txBody>
+      </p:sp>
+      <p:sp>
+        <p:nvSpPr>
+          <p:cNvPr id="3" name="副标题 2"/>
+          <p:cNvSpPr>
+            <a:spLocks noGrp="1"/>
+          </p:cNvSpPr>
+          <p:nvPr>
+            <p:ph type="subTitle" idx="1"/>
+          </p:nvPr>
+        </p:nvSpPr>
+        <p:spPr>
+          <a:xfrm>
+            <a:off x="1828800" y="3886200"/>
+            <a:ext cx="8534400" cy="1752600"/>
           </a:xfrm>
         </p:spPr>
         <p:txBody>
-          <a:bodyPr anchor="b"/>
+          <a:bodyPr vert="horz" lIns="91440" tIns="45720" rIns="91440" bIns="45720" rtlCol="0">
+            <a:normAutofit lnSpcReduction="10000"/>
+          </a:bodyPr>
           <a:lstStyle>
             <a:lvl1pPr algn="ctr">
-              <a:defRPr sz="6000"/>
+              <a:defRPr lang="zh-CN" altLang="en-US" b="1" dirty="0">
+                <a:solidFill>
+                  <a:srgbClr val="0033CC"/>
+                </a:solidFill>
+                <a:latin typeface="楷体" panose="02010609060101010101" pitchFamily="49" charset="-122"/>
+                <a:ea typeface="楷体" panose="02010609060101010101" pitchFamily="49" charset="-122"/>
+              </a:defRPr>
             </a:lvl1pPr>
           </a:lstStyle>
           <a:p>
-            <a:r>
-              <a:rPr lang="zh-CN" altLang="en-US"/>
-              <a:t>单击此处编辑母版标题样式</a:t>
-            </a:r>
-          </a:p>
-        </p:txBody>
-      </p:sp>
-      <p:sp>
-        <p:nvSpPr>
-          <p:cNvPr id="3" name="副标题 2">
-            <a:extLst>
-              <a:ext uri="{FF2B5EF4-FFF2-40B4-BE49-F238E27FC236}">
-                <a16:creationId xmlns:a16="http://schemas.microsoft.com/office/drawing/2014/main" id="{6D7A9D70-96C4-4CFC-900C-55BF491269B4}"/>
-              </a:ext>
-            </a:extLst>
-          </p:cNvPr>
-          <p:cNvSpPr>
-            <a:spLocks noGrp="1"/>
-          </p:cNvSpPr>
-          <p:nvPr>
-            <p:ph type="subTitle" idx="1"/>
-          </p:nvPr>
-        </p:nvSpPr>
-        <p:spPr>
-          <a:xfrm>
-            <a:off x="1524000" y="3602038"/>
-            <a:ext cx="9144000" cy="1655762"/>
-          </a:xfrm>
-        </p:spPr>
-        <p:txBody>
-          <a:bodyPr/>
-          <a:lstStyle>
-            <a:lvl1pPr marL="0" indent="0" algn="ctr">
+            <a:pPr marL="0" lvl="0" indent="0" algn="ctr">
+              <a:spcAft>
+                <a:spcPts val="2400"/>
+              </a:spcAft>
               <a:buNone/>
-              <a:defRPr sz="2400"/>
-            </a:lvl1pPr>
-            <a:lvl2pPr marL="457200" indent="0" algn="ctr">
-              <a:buNone/>
-              <a:defRPr sz="2000"/>
-            </a:lvl2pPr>
-            <a:lvl3pPr marL="914400" indent="0" algn="ctr">
-              <a:buNone/>
-              <a:defRPr sz="1800"/>
-            </a:lvl3pPr>
-            <a:lvl4pPr marL="1371600" indent="0" algn="ctr">
-              <a:buNone/>
-              <a:defRPr sz="1600"/>
-            </a:lvl4pPr>
-            <a:lvl5pPr marL="1828800" indent="0" algn="ctr">
-              <a:buNone/>
-              <a:defRPr sz="1600"/>
-            </a:lvl5pPr>
-            <a:lvl6pPr marL="2286000" indent="0" algn="ctr">
-              <a:buNone/>
-              <a:defRPr sz="1600"/>
-            </a:lvl6pPr>
-            <a:lvl7pPr marL="2743200" indent="0" algn="ctr">
-              <a:buNone/>
-              <a:defRPr sz="1600"/>
-            </a:lvl7pPr>
-            <a:lvl8pPr marL="3200400" indent="0" algn="ctr">
-              <a:buNone/>
-              <a:defRPr sz="1600"/>
-            </a:lvl8pPr>
-            <a:lvl9pPr marL="3657600" indent="0" algn="ctr">
-              <a:buNone/>
-              <a:defRPr sz="1600"/>
-            </a:lvl9pPr>
-          </a:lstStyle>
-          <a:p>
+            </a:pPr>
             <a:r>
               <a:rPr lang="zh-CN" altLang="en-US"/>
               <a:t>单击此处编辑母版副标题样式</a:t>
             </a:r>
-          </a:p>
-        </p:txBody>
-      </p:sp>
-      <p:sp>
-        <p:nvSpPr>
-          <p:cNvPr id="4" name="日期占位符 3">
-            <a:extLst>
-              <a:ext uri="{FF2B5EF4-FFF2-40B4-BE49-F238E27FC236}">
-                <a16:creationId xmlns:a16="http://schemas.microsoft.com/office/drawing/2014/main" id="{AFC4A899-5E4A-4B90-AE79-BE19CBD1CF26}"/>
-              </a:ext>
-            </a:extLst>
-          </p:cNvPr>
+            <a:endParaRPr lang="zh-CN" altLang="en-US" dirty="0"/>
+          </a:p>
+        </p:txBody>
+      </p:sp>
+      <p:sp>
+        <p:nvSpPr>
+          <p:cNvPr id="4" name="日期占位符 3"/>
           <p:cNvSpPr>
             <a:spLocks noGrp="1"/>
           </p:cNvSpPr>
@@ -275,7 +271,7 @@
           <a:p>
             <a:fld id="{16952747-A5EC-4D1B-AE9D-3AC195362527}" type="datetimeFigureOut">
               <a:rPr lang="zh-CN" altLang="en-US" smtClean="0"/>
-              <a:t>2020/6/22</a:t>
+              <a:t>2020/6/23</a:t>
             </a:fld>
             <a:endParaRPr lang="zh-CN" altLang="en-US"/>
           </a:p>
@@ -283,13 +279,7 @@
       </p:sp>
       <p:sp>
         <p:nvSpPr>
-          <p:cNvPr id="5" name="页脚占位符 4">
-            <a:extLst>
-              <a:ext uri="{FF2B5EF4-FFF2-40B4-BE49-F238E27FC236}">
-                <a16:creationId xmlns:a16="http://schemas.microsoft.com/office/drawing/2014/main" id="{4439D8D7-C988-4A7F-8E30-DBA12C4AC12C}"/>
-              </a:ext>
-            </a:extLst>
-          </p:cNvPr>
+          <p:cNvPr id="5" name="页脚占位符 4"/>
           <p:cNvSpPr>
             <a:spLocks noGrp="1"/>
           </p:cNvSpPr>
@@ -308,13 +298,7 @@
       </p:sp>
       <p:sp>
         <p:nvSpPr>
-          <p:cNvPr id="6" name="灯片编号占位符 5">
-            <a:extLst>
-              <a:ext uri="{FF2B5EF4-FFF2-40B4-BE49-F238E27FC236}">
-                <a16:creationId xmlns:a16="http://schemas.microsoft.com/office/drawing/2014/main" id="{7496E2AC-02D3-48C9-8348-EE779B5BC345}"/>
-              </a:ext>
-            </a:extLst>
-          </p:cNvPr>
+          <p:cNvPr id="6" name="灯片编号占位符 5"/>
           <p:cNvSpPr>
             <a:spLocks noGrp="1"/>
           </p:cNvSpPr>
@@ -335,10 +319,70 @@
           </a:p>
         </p:txBody>
       </p:sp>
+      <p:pic>
+        <p:nvPicPr>
+          <p:cNvPr id="8" name="Picture 5">
+            <a:extLst>
+              <a:ext uri="{FF2B5EF4-FFF2-40B4-BE49-F238E27FC236}">
+                <a16:creationId xmlns:a16="http://schemas.microsoft.com/office/drawing/2014/main" id="{5C661FD0-60DD-459F-B399-FEA4B9CFB7A6}"/>
+              </a:ext>
+            </a:extLst>
+          </p:cNvPr>
+          <p:cNvPicPr>
+            <a:picLocks noChangeAspect="1" noChangeArrowheads="1"/>
+          </p:cNvPicPr>
+          <p:nvPr/>
+        </p:nvPicPr>
+        <p:blipFill>
+          <a:blip r:embed="rId2" cstate="print">
+            <a:extLst>
+              <a:ext uri="{28A0092B-C50C-407E-A947-70E740481C1C}">
+                <a14:useLocalDpi xmlns:a14="http://schemas.microsoft.com/office/drawing/2010/main" val="0"/>
+              </a:ext>
+            </a:extLst>
+          </a:blip>
+          <a:srcRect/>
+          <a:stretch>
+            <a:fillRect/>
+          </a:stretch>
+        </p:blipFill>
+        <p:spPr bwMode="auto">
+          <a:xfrm>
+            <a:off x="180306" y="355983"/>
+            <a:ext cx="2303462" cy="766762"/>
+          </a:xfrm>
+          <a:prstGeom prst="rect">
+            <a:avLst/>
+          </a:prstGeom>
+          <a:noFill/>
+          <a:ln>
+            <a:noFill/>
+          </a:ln>
+          <a:extLst>
+            <a:ext uri="{909E8E84-426E-40DD-AFC4-6F175D3DCCD1}">
+              <a14:hiddenFill xmlns:a14="http://schemas.microsoft.com/office/drawing/2010/main">
+                <a:solidFill>
+                  <a:srgbClr val="FFFFFF"/>
+                </a:solidFill>
+              </a14:hiddenFill>
+            </a:ext>
+            <a:ext uri="{91240B29-F687-4F45-9708-019B960494DF}">
+              <a14:hiddenLine xmlns:a14="http://schemas.microsoft.com/office/drawing/2010/main" w="9525">
+                <a:solidFill>
+                  <a:srgbClr val="000000"/>
+                </a:solidFill>
+                <a:miter lim="800000"/>
+                <a:headEnd/>
+                <a:tailEnd/>
+              </a14:hiddenLine>
+            </a:ext>
+          </a:extLst>
+        </p:spPr>
+      </p:pic>
     </p:spTree>
     <p:extLst>
       <p:ext uri="{BB962C8B-B14F-4D97-AF65-F5344CB8AC3E}">
-        <p14:creationId xmlns:p14="http://schemas.microsoft.com/office/powerpoint/2010/main" val="1057548013"/>
+        <p14:creationId xmlns:p14="http://schemas.microsoft.com/office/powerpoint/2010/main" val="566701142"/>
       </p:ext>
     </p:extLst>
   </p:cSld>
@@ -349,6 +393,264 @@
 </file>
 
 <file path=ppt/slideLayouts/slideLayout10.xml><?xml version="1.0" encoding="utf-8"?>
+<p:sldLayout xmlns:a="http://schemas.openxmlformats.org/drawingml/2006/main" xmlns:r="http://schemas.openxmlformats.org/officeDocument/2006/relationships" xmlns:p="http://schemas.openxmlformats.org/presentationml/2006/main" type="picTx" preserve="1">
+  <p:cSld name="图片与标题">
+    <p:spTree>
+      <p:nvGrpSpPr>
+        <p:cNvPr id="1" name=""/>
+        <p:cNvGrpSpPr/>
+        <p:nvPr/>
+      </p:nvGrpSpPr>
+      <p:grpSpPr>
+        <a:xfrm>
+          <a:off x="0" y="0"/>
+          <a:ext cx="0" cy="0"/>
+          <a:chOff x="0" y="0"/>
+          <a:chExt cx="0" cy="0"/>
+        </a:xfrm>
+      </p:grpSpPr>
+      <p:sp>
+        <p:nvSpPr>
+          <p:cNvPr id="2" name="标题 1"/>
+          <p:cNvSpPr>
+            <a:spLocks noGrp="1"/>
+          </p:cNvSpPr>
+          <p:nvPr>
+            <p:ph type="title"/>
+          </p:nvPr>
+        </p:nvSpPr>
+        <p:spPr>
+          <a:xfrm>
+            <a:off x="2389717" y="4800600"/>
+            <a:ext cx="7315200" cy="566738"/>
+          </a:xfrm>
+          <a:prstGeom prst="rect">
+            <a:avLst/>
+          </a:prstGeom>
+        </p:spPr>
+        <p:txBody>
+          <a:bodyPr anchor="b"/>
+          <a:lstStyle>
+            <a:lvl1pPr algn="l">
+              <a:defRPr sz="2000" b="1"/>
+            </a:lvl1pPr>
+          </a:lstStyle>
+          <a:p>
+            <a:r>
+              <a:rPr lang="zh-CN" altLang="en-US"/>
+              <a:t>单击此处编辑母版标题样式</a:t>
+            </a:r>
+          </a:p>
+        </p:txBody>
+      </p:sp>
+      <p:sp>
+        <p:nvSpPr>
+          <p:cNvPr id="3" name="图片占位符 2"/>
+          <p:cNvSpPr>
+            <a:spLocks noGrp="1"/>
+          </p:cNvSpPr>
+          <p:nvPr>
+            <p:ph type="pic" idx="1"/>
+          </p:nvPr>
+        </p:nvSpPr>
+        <p:spPr>
+          <a:xfrm>
+            <a:off x="2389717" y="612775"/>
+            <a:ext cx="7315200" cy="4114800"/>
+          </a:xfrm>
+        </p:spPr>
+        <p:txBody>
+          <a:bodyPr/>
+          <a:lstStyle>
+            <a:lvl1pPr marL="0" indent="0">
+              <a:buNone/>
+              <a:defRPr sz="3200"/>
+            </a:lvl1pPr>
+            <a:lvl2pPr marL="457200" indent="0">
+              <a:buNone/>
+              <a:defRPr sz="2800"/>
+            </a:lvl2pPr>
+            <a:lvl3pPr marL="914400" indent="0">
+              <a:buNone/>
+              <a:defRPr sz="2400"/>
+            </a:lvl3pPr>
+            <a:lvl4pPr marL="1371600" indent="0">
+              <a:buNone/>
+              <a:defRPr sz="2000"/>
+            </a:lvl4pPr>
+            <a:lvl5pPr marL="1828800" indent="0">
+              <a:buNone/>
+              <a:defRPr sz="2000"/>
+            </a:lvl5pPr>
+            <a:lvl6pPr marL="2286000" indent="0">
+              <a:buNone/>
+              <a:defRPr sz="2000"/>
+            </a:lvl6pPr>
+            <a:lvl7pPr marL="2743200" indent="0">
+              <a:buNone/>
+              <a:defRPr sz="2000"/>
+            </a:lvl7pPr>
+            <a:lvl8pPr marL="3200400" indent="0">
+              <a:buNone/>
+              <a:defRPr sz="2000"/>
+            </a:lvl8pPr>
+            <a:lvl9pPr marL="3657600" indent="0">
+              <a:buNone/>
+              <a:defRPr sz="2000"/>
+            </a:lvl9pPr>
+          </a:lstStyle>
+          <a:p>
+            <a:r>
+              <a:rPr lang="zh-CN" altLang="en-US"/>
+              <a:t>单击图标添加图片</a:t>
+            </a:r>
+          </a:p>
+        </p:txBody>
+      </p:sp>
+      <p:sp>
+        <p:nvSpPr>
+          <p:cNvPr id="4" name="文本占位符 3"/>
+          <p:cNvSpPr>
+            <a:spLocks noGrp="1"/>
+          </p:cNvSpPr>
+          <p:nvPr>
+            <p:ph type="body" sz="half" idx="2"/>
+          </p:nvPr>
+        </p:nvSpPr>
+        <p:spPr>
+          <a:xfrm>
+            <a:off x="2389717" y="5367338"/>
+            <a:ext cx="7315200" cy="804862"/>
+          </a:xfrm>
+        </p:spPr>
+        <p:txBody>
+          <a:bodyPr/>
+          <a:lstStyle>
+            <a:lvl1pPr marL="0" indent="0">
+              <a:buNone/>
+              <a:defRPr sz="1400"/>
+            </a:lvl1pPr>
+            <a:lvl2pPr marL="457200" indent="0">
+              <a:buNone/>
+              <a:defRPr sz="1200"/>
+            </a:lvl2pPr>
+            <a:lvl3pPr marL="914400" indent="0">
+              <a:buNone/>
+              <a:defRPr sz="1000"/>
+            </a:lvl3pPr>
+            <a:lvl4pPr marL="1371600" indent="0">
+              <a:buNone/>
+              <a:defRPr sz="900"/>
+            </a:lvl4pPr>
+            <a:lvl5pPr marL="1828800" indent="0">
+              <a:buNone/>
+              <a:defRPr sz="900"/>
+            </a:lvl5pPr>
+            <a:lvl6pPr marL="2286000" indent="0">
+              <a:buNone/>
+              <a:defRPr sz="900"/>
+            </a:lvl6pPr>
+            <a:lvl7pPr marL="2743200" indent="0">
+              <a:buNone/>
+              <a:defRPr sz="900"/>
+            </a:lvl7pPr>
+            <a:lvl8pPr marL="3200400" indent="0">
+              <a:buNone/>
+              <a:defRPr sz="900"/>
+            </a:lvl8pPr>
+            <a:lvl9pPr marL="3657600" indent="0">
+              <a:buNone/>
+              <a:defRPr sz="900"/>
+            </a:lvl9pPr>
+          </a:lstStyle>
+          <a:p>
+            <a:pPr lvl="0"/>
+            <a:r>
+              <a:rPr lang="zh-CN" altLang="en-US"/>
+              <a:t>单击此处编辑母版文本样式</a:t>
+            </a:r>
+          </a:p>
+        </p:txBody>
+      </p:sp>
+      <p:sp>
+        <p:nvSpPr>
+          <p:cNvPr id="5" name="日期占位符 4"/>
+          <p:cNvSpPr>
+            <a:spLocks noGrp="1"/>
+          </p:cNvSpPr>
+          <p:nvPr>
+            <p:ph type="dt" sz="half" idx="10"/>
+          </p:nvPr>
+        </p:nvSpPr>
+        <p:spPr/>
+        <p:txBody>
+          <a:bodyPr/>
+          <a:lstStyle/>
+          <a:p>
+            <a:fld id="{16952747-A5EC-4D1B-AE9D-3AC195362527}" type="datetimeFigureOut">
+              <a:rPr lang="zh-CN" altLang="en-US" smtClean="0"/>
+              <a:t>2020/6/23</a:t>
+            </a:fld>
+            <a:endParaRPr lang="zh-CN" altLang="en-US"/>
+          </a:p>
+        </p:txBody>
+      </p:sp>
+      <p:sp>
+        <p:nvSpPr>
+          <p:cNvPr id="6" name="页脚占位符 5"/>
+          <p:cNvSpPr>
+            <a:spLocks noGrp="1"/>
+          </p:cNvSpPr>
+          <p:nvPr>
+            <p:ph type="ftr" sz="quarter" idx="11"/>
+          </p:nvPr>
+        </p:nvSpPr>
+        <p:spPr/>
+        <p:txBody>
+          <a:bodyPr/>
+          <a:lstStyle/>
+          <a:p>
+            <a:endParaRPr lang="zh-CN" altLang="en-US"/>
+          </a:p>
+        </p:txBody>
+      </p:sp>
+      <p:sp>
+        <p:nvSpPr>
+          <p:cNvPr id="7" name="灯片编号占位符 6"/>
+          <p:cNvSpPr>
+            <a:spLocks noGrp="1"/>
+          </p:cNvSpPr>
+          <p:nvPr>
+            <p:ph type="sldNum" sz="quarter" idx="12"/>
+          </p:nvPr>
+        </p:nvSpPr>
+        <p:spPr/>
+        <p:txBody>
+          <a:bodyPr/>
+          <a:lstStyle/>
+          <a:p>
+            <a:fld id="{3D2467E8-FF24-4166-908E-8843E8F8E9D1}" type="slidenum">
+              <a:rPr lang="zh-CN" altLang="en-US" smtClean="0"/>
+              <a:t>‹#›</a:t>
+            </a:fld>
+            <a:endParaRPr lang="zh-CN" altLang="en-US"/>
+          </a:p>
+        </p:txBody>
+      </p:sp>
+    </p:spTree>
+    <p:extLst>
+      <p:ext uri="{BB962C8B-B14F-4D97-AF65-F5344CB8AC3E}">
+        <p14:creationId xmlns:p14="http://schemas.microsoft.com/office/powerpoint/2010/main" val="468716825"/>
+      </p:ext>
+    </p:extLst>
+  </p:cSld>
+  <p:clrMapOvr>
+    <a:masterClrMapping/>
+  </p:clrMapOvr>
+</p:sldLayout>
+</file>
+
+<file path=ppt/slideLayouts/slideLayout11.xml><?xml version="1.0" encoding="utf-8"?>
 <p:sldLayout xmlns:a="http://schemas.openxmlformats.org/drawingml/2006/main" xmlns:r="http://schemas.openxmlformats.org/officeDocument/2006/relationships" xmlns:p="http://schemas.openxmlformats.org/presentationml/2006/main" type="vertTx" preserve="1">
   <p:cSld name="标题和竖排文字">
     <p:spTree>
@@ -365,20 +667,325 @@
           <a:chExt cx="0" cy="0"/>
         </a:xfrm>
       </p:grpSpPr>
-      <p:sp>
-        <p:nvSpPr>
-          <p:cNvPr id="2" name="标题 1">
+      <p:grpSp>
+        <p:nvGrpSpPr>
+          <p:cNvPr id="7" name="组合 6">
             <a:extLst>
               <a:ext uri="{FF2B5EF4-FFF2-40B4-BE49-F238E27FC236}">
-                <a16:creationId xmlns:a16="http://schemas.microsoft.com/office/drawing/2014/main" id="{97A92141-FD7A-40E3-B2FE-16704C87FE9E}"/>
+                <a16:creationId xmlns:a16="http://schemas.microsoft.com/office/drawing/2014/main" id="{F4ED3AB4-93C4-4985-9727-B5715F6DCF1B}"/>
               </a:ext>
             </a:extLst>
           </p:cNvPr>
+          <p:cNvGrpSpPr/>
+          <p:nvPr/>
+        </p:nvGrpSpPr>
+        <p:grpSpPr>
+          <a:xfrm>
+            <a:off x="0" y="-24"/>
+            <a:ext cx="12192000" cy="863601"/>
+            <a:chOff x="0" y="-26988"/>
+            <a:chExt cx="9144000" cy="863601"/>
+          </a:xfrm>
+        </p:grpSpPr>
+        <p:sp>
+          <p:nvSpPr>
+            <p:cNvPr id="8" name="标题 3">
+              <a:extLst>
+                <a:ext uri="{FF2B5EF4-FFF2-40B4-BE49-F238E27FC236}">
+                  <a16:creationId xmlns:a16="http://schemas.microsoft.com/office/drawing/2014/main" id="{E5772554-358F-47C0-96CC-C9A515D842CA}"/>
+                </a:ext>
+              </a:extLst>
+            </p:cNvPr>
+            <p:cNvSpPr txBox="1">
+              <a:spLocks/>
+            </p:cNvSpPr>
+            <p:nvPr/>
+          </p:nvSpPr>
+          <p:spPr>
+            <a:xfrm>
+              <a:off x="0" y="-26988"/>
+              <a:ext cx="9144000" cy="863601"/>
+            </a:xfrm>
+            <a:prstGeom prst="rect">
+              <a:avLst/>
+            </a:prstGeom>
+            <a:solidFill>
+              <a:srgbClr val="02409A"/>
+            </a:solidFill>
+            <a:ln>
+              <a:noFill/>
+            </a:ln>
+            <a:effectLst/>
+          </p:spPr>
+          <p:txBody>
+            <a:bodyPr tIns="0" bIns="0" anchor="ctr"/>
+            <a:lstStyle/>
+            <a:p>
+              <a:pPr algn="ctr">
+                <a:spcBef>
+                  <a:spcPct val="0"/>
+                </a:spcBef>
+                <a:defRPr/>
+              </a:pPr>
+              <a:endParaRPr lang="zh-CN" altLang="en-US" sz="4800" b="1" dirty="0">
+                <a:solidFill>
+                  <a:prstClr val="white"/>
+                </a:solidFill>
+                <a:latin typeface="微软雅黑" pitchFamily="34" charset="-122"/>
+                <a:ea typeface="微软雅黑" pitchFamily="34" charset="-122"/>
+              </a:endParaRPr>
+            </a:p>
+          </p:txBody>
+        </p:sp>
+        <p:cxnSp>
+          <p:nvCxnSpPr>
+            <p:cNvPr id="9" name="直接连接符 19">
+              <a:extLst>
+                <a:ext uri="{FF2B5EF4-FFF2-40B4-BE49-F238E27FC236}">
+                  <a16:creationId xmlns:a16="http://schemas.microsoft.com/office/drawing/2014/main" id="{952489E2-6397-44CE-8691-C678D691008E}"/>
+                </a:ext>
+              </a:extLst>
+            </p:cNvPr>
+            <p:cNvCxnSpPr>
+              <a:cxnSpLocks/>
+            </p:cNvCxnSpPr>
+            <p:nvPr/>
+          </p:nvCxnSpPr>
+          <p:spPr bwMode="auto">
+            <a:xfrm flipH="1">
+              <a:off x="449263" y="-25400"/>
+              <a:ext cx="1587" cy="841375"/>
+            </a:xfrm>
+            <a:prstGeom prst="line">
+              <a:avLst/>
+            </a:prstGeom>
+            <a:noFill/>
+            <a:ln w="28575" algn="ctr">
+              <a:solidFill>
+                <a:schemeClr val="bg1"/>
+              </a:solidFill>
+              <a:round/>
+              <a:headEnd/>
+              <a:tailEnd/>
+            </a:ln>
+            <a:effectLst/>
+            <a:extLst>
+              <a:ext uri="{909E8E84-426E-40DD-AFC4-6F175D3DCCD1}">
+                <a14:hiddenFill xmlns:a14="http://schemas.microsoft.com/office/drawing/2010/main">
+                  <a:noFill/>
+                </a14:hiddenFill>
+              </a:ext>
+            </a:extLst>
+          </p:spPr>
+        </p:cxnSp>
+        <p:cxnSp>
+          <p:nvCxnSpPr>
+            <p:cNvPr id="10" name="直接连接符 20">
+              <a:extLst>
+                <a:ext uri="{FF2B5EF4-FFF2-40B4-BE49-F238E27FC236}">
+                  <a16:creationId xmlns:a16="http://schemas.microsoft.com/office/drawing/2014/main" id="{448BAFAA-2692-4D2E-8630-5C30F4E8521F}"/>
+                </a:ext>
+              </a:extLst>
+            </p:cNvPr>
+            <p:cNvCxnSpPr>
+              <a:cxnSpLocks/>
+            </p:cNvCxnSpPr>
+            <p:nvPr/>
+          </p:nvCxnSpPr>
+          <p:spPr bwMode="auto">
+            <a:xfrm flipH="1">
+              <a:off x="511175" y="-26988"/>
+              <a:ext cx="1588" cy="554038"/>
+            </a:xfrm>
+            <a:prstGeom prst="line">
+              <a:avLst/>
+            </a:prstGeom>
+            <a:noFill/>
+            <a:ln w="28575" algn="ctr">
+              <a:solidFill>
+                <a:schemeClr val="bg1"/>
+              </a:solidFill>
+              <a:round/>
+              <a:headEnd/>
+              <a:tailEnd/>
+            </a:ln>
+            <a:effectLst/>
+            <a:extLst>
+              <a:ext uri="{909E8E84-426E-40DD-AFC4-6F175D3DCCD1}">
+                <a14:hiddenFill xmlns:a14="http://schemas.microsoft.com/office/drawing/2010/main">
+                  <a:noFill/>
+                </a14:hiddenFill>
+              </a:ext>
+            </a:extLst>
+          </p:spPr>
+        </p:cxnSp>
+        <p:cxnSp>
+          <p:nvCxnSpPr>
+            <p:cNvPr id="11" name="直接连接符 30">
+              <a:extLst>
+                <a:ext uri="{FF2B5EF4-FFF2-40B4-BE49-F238E27FC236}">
+                  <a16:creationId xmlns:a16="http://schemas.microsoft.com/office/drawing/2014/main" id="{25D89B58-495A-43A7-92C0-BF27541BD2AB}"/>
+                </a:ext>
+              </a:extLst>
+            </p:cNvPr>
+            <p:cNvCxnSpPr>
+              <a:cxnSpLocks/>
+            </p:cNvCxnSpPr>
+            <p:nvPr/>
+          </p:nvCxnSpPr>
+          <p:spPr bwMode="auto">
+            <a:xfrm>
+              <a:off x="576263" y="-26988"/>
+              <a:ext cx="0" cy="298451"/>
+            </a:xfrm>
+            <a:prstGeom prst="line">
+              <a:avLst/>
+            </a:prstGeom>
+            <a:noFill/>
+            <a:ln w="28575" algn="ctr">
+              <a:solidFill>
+                <a:schemeClr val="bg1"/>
+              </a:solidFill>
+              <a:round/>
+              <a:headEnd/>
+              <a:tailEnd/>
+            </a:ln>
+            <a:effectLst/>
+            <a:extLst>
+              <a:ext uri="{909E8E84-426E-40DD-AFC4-6F175D3DCCD1}">
+                <a14:hiddenFill xmlns:a14="http://schemas.microsoft.com/office/drawing/2010/main">
+                  <a:noFill/>
+                </a14:hiddenFill>
+              </a:ext>
+            </a:extLst>
+          </p:spPr>
+        </p:cxnSp>
+      </p:grpSp>
+      <p:sp>
+        <p:nvSpPr>
+          <p:cNvPr id="2" name="标题 1"/>
           <p:cNvSpPr>
             <a:spLocks noGrp="1"/>
           </p:cNvSpPr>
           <p:nvPr>
             <p:ph type="title"/>
+          </p:nvPr>
+        </p:nvSpPr>
+        <p:spPr>
+          <a:xfrm>
+            <a:off x="829733" y="169838"/>
+            <a:ext cx="11118683" cy="554038"/>
+          </a:xfrm>
+          <a:prstGeom prst="rect">
+            <a:avLst/>
+          </a:prstGeom>
+        </p:spPr>
+        <p:txBody>
+          <a:bodyPr vert="horz" lIns="91440" tIns="45720" rIns="91440" bIns="45720" rtlCol="0" anchor="ctr">
+            <a:normAutofit/>
+          </a:bodyPr>
+          <a:lstStyle>
+            <a:lvl1pPr>
+              <a:defRPr lang="zh-CN" altLang="en-US" sz="3000" b="1" dirty="0">
+                <a:solidFill>
+                  <a:prstClr val="white"/>
+                </a:solidFill>
+                <a:latin typeface="微软雅黑" panose="020B0503020204020204" pitchFamily="34" charset="-122"/>
+                <a:ea typeface="微软雅黑" panose="020B0503020204020204" pitchFamily="34" charset="-122"/>
+                <a:cs typeface="Arial" pitchFamily="34" charset="0"/>
+              </a:defRPr>
+            </a:lvl1pPr>
+          </a:lstStyle>
+          <a:p>
+            <a:pPr marL="0" lvl="0" algn="l" fontAlgn="base">
+              <a:spcAft>
+                <a:spcPct val="0"/>
+              </a:spcAft>
+            </a:pPr>
+            <a:r>
+              <a:rPr lang="zh-CN" altLang="en-US"/>
+              <a:t>单击此处编辑母版标题样式</a:t>
+            </a:r>
+            <a:endParaRPr lang="zh-CN" altLang="en-US" dirty="0"/>
+          </a:p>
+        </p:txBody>
+      </p:sp>
+      <p:sp>
+        <p:nvSpPr>
+          <p:cNvPr id="3" name="竖排文字占位符 2"/>
+          <p:cNvSpPr>
+            <a:spLocks noGrp="1"/>
+          </p:cNvSpPr>
+          <p:nvPr>
+            <p:ph type="body" orient="vert" idx="1"/>
+          </p:nvPr>
+        </p:nvSpPr>
+        <p:spPr>
+          <a:xfrm>
+            <a:off x="609600" y="1033440"/>
+            <a:ext cx="10972800" cy="5092724"/>
+          </a:xfrm>
+        </p:spPr>
+        <p:txBody>
+          <a:bodyPr vert="eaVert"/>
+          <a:lstStyle>
+            <a:lvl1pPr marL="342900" indent="-342900">
+              <a:buFont typeface="Wingdings" panose="05000000000000000000" pitchFamily="2" charset="2"/>
+              <a:buChar char="Ø"/>
+              <a:defRPr/>
+            </a:lvl1pPr>
+            <a:lvl2pPr marL="742950" indent="-285750">
+              <a:buFont typeface="Wingdings" panose="05000000000000000000" pitchFamily="2" charset="2"/>
+              <a:buChar char="n"/>
+              <a:defRPr/>
+            </a:lvl2pPr>
+          </a:lstStyle>
+          <a:p>
+            <a:pPr lvl="0"/>
+            <a:r>
+              <a:rPr lang="zh-CN" altLang="en-US"/>
+              <a:t>单击此处编辑母版文本样式</a:t>
+            </a:r>
+          </a:p>
+          <a:p>
+            <a:pPr lvl="1"/>
+            <a:r>
+              <a:rPr lang="zh-CN" altLang="en-US"/>
+              <a:t>二级</a:t>
+            </a:r>
+          </a:p>
+          <a:p>
+            <a:pPr lvl="2"/>
+            <a:r>
+              <a:rPr lang="zh-CN" altLang="en-US"/>
+              <a:t>三级</a:t>
+            </a:r>
+          </a:p>
+          <a:p>
+            <a:pPr lvl="3"/>
+            <a:r>
+              <a:rPr lang="zh-CN" altLang="en-US"/>
+              <a:t>四级</a:t>
+            </a:r>
+          </a:p>
+          <a:p>
+            <a:pPr lvl="4"/>
+            <a:r>
+              <a:rPr lang="zh-CN" altLang="en-US"/>
+              <a:t>五级</a:t>
+            </a:r>
+            <a:endParaRPr lang="zh-CN" altLang="en-US" dirty="0"/>
+          </a:p>
+        </p:txBody>
+      </p:sp>
+      <p:sp>
+        <p:nvSpPr>
+          <p:cNvPr id="4" name="日期占位符 3"/>
+          <p:cNvSpPr>
+            <a:spLocks noGrp="1"/>
+          </p:cNvSpPr>
+          <p:nvPr>
+            <p:ph type="dt" sz="half" idx="10"/>
           </p:nvPr>
         </p:nvSpPr>
         <p:spPr/>
@@ -386,84 +993,22 @@
           <a:bodyPr/>
           <a:lstStyle/>
           <a:p>
-            <a:r>
-              <a:rPr lang="zh-CN" altLang="en-US"/>
-              <a:t>单击此处编辑母版标题样式</a:t>
-            </a:r>
-          </a:p>
-        </p:txBody>
-      </p:sp>
-      <p:sp>
-        <p:nvSpPr>
-          <p:cNvPr id="3" name="竖排文字占位符 2">
-            <a:extLst>
-              <a:ext uri="{FF2B5EF4-FFF2-40B4-BE49-F238E27FC236}">
-                <a16:creationId xmlns:a16="http://schemas.microsoft.com/office/drawing/2014/main" id="{6820E06B-3588-405E-9DC2-25DD648011EC}"/>
-              </a:ext>
-            </a:extLst>
-          </p:cNvPr>
-          <p:cNvSpPr>
-            <a:spLocks noGrp="1"/>
-          </p:cNvSpPr>
-          <p:nvPr>
-            <p:ph type="body" orient="vert" idx="1"/>
-          </p:nvPr>
-        </p:nvSpPr>
-        <p:spPr/>
-        <p:txBody>
-          <a:bodyPr vert="eaVert"/>
-          <a:lstStyle/>
-          <a:p>
-            <a:pPr lvl="0"/>
-            <a:r>
-              <a:rPr lang="zh-CN" altLang="en-US"/>
-              <a:t>单击此处编辑母版文本样式</a:t>
-            </a:r>
-          </a:p>
-          <a:p>
-            <a:pPr lvl="1"/>
-            <a:r>
-              <a:rPr lang="zh-CN" altLang="en-US"/>
-              <a:t>二级</a:t>
-            </a:r>
-          </a:p>
-          <a:p>
-            <a:pPr lvl="2"/>
-            <a:r>
-              <a:rPr lang="zh-CN" altLang="en-US"/>
-              <a:t>三级</a:t>
-            </a:r>
-          </a:p>
-          <a:p>
-            <a:pPr lvl="3"/>
-            <a:r>
-              <a:rPr lang="zh-CN" altLang="en-US"/>
-              <a:t>四级</a:t>
-            </a:r>
-          </a:p>
-          <a:p>
-            <a:pPr lvl="4"/>
-            <a:r>
-              <a:rPr lang="zh-CN" altLang="en-US"/>
-              <a:t>五级</a:t>
-            </a:r>
-          </a:p>
-        </p:txBody>
-      </p:sp>
-      <p:sp>
-        <p:nvSpPr>
-          <p:cNvPr id="4" name="日期占位符 3">
-            <a:extLst>
-              <a:ext uri="{FF2B5EF4-FFF2-40B4-BE49-F238E27FC236}">
-                <a16:creationId xmlns:a16="http://schemas.microsoft.com/office/drawing/2014/main" id="{69819469-73DD-4571-8BB9-0D2DE50185F2}"/>
-              </a:ext>
-            </a:extLst>
-          </p:cNvPr>
-          <p:cNvSpPr>
-            <a:spLocks noGrp="1"/>
-          </p:cNvSpPr>
-          <p:nvPr>
-            <p:ph type="dt" sz="half" idx="10"/>
+            <a:fld id="{16952747-A5EC-4D1B-AE9D-3AC195362527}" type="datetimeFigureOut">
+              <a:rPr lang="zh-CN" altLang="en-US" smtClean="0"/>
+              <a:t>2020/6/23</a:t>
+            </a:fld>
+            <a:endParaRPr lang="zh-CN" altLang="en-US"/>
+          </a:p>
+        </p:txBody>
+      </p:sp>
+      <p:sp>
+        <p:nvSpPr>
+          <p:cNvPr id="5" name="页脚占位符 4"/>
+          <p:cNvSpPr>
+            <a:spLocks noGrp="1"/>
+          </p:cNvSpPr>
+          <p:nvPr>
+            <p:ph type="ftr" sz="quarter" idx="11"/>
           </p:nvPr>
         </p:nvSpPr>
         <p:spPr/>
@@ -471,48 +1016,13 @@
           <a:bodyPr/>
           <a:lstStyle/>
           <a:p>
-            <a:fld id="{16952747-A5EC-4D1B-AE9D-3AC195362527}" type="datetimeFigureOut">
-              <a:rPr lang="zh-CN" altLang="en-US" smtClean="0"/>
-              <a:t>2020/6/22</a:t>
-            </a:fld>
             <a:endParaRPr lang="zh-CN" altLang="en-US"/>
           </a:p>
         </p:txBody>
       </p:sp>
       <p:sp>
         <p:nvSpPr>
-          <p:cNvPr id="5" name="页脚占位符 4">
-            <a:extLst>
-              <a:ext uri="{FF2B5EF4-FFF2-40B4-BE49-F238E27FC236}">
-                <a16:creationId xmlns:a16="http://schemas.microsoft.com/office/drawing/2014/main" id="{8AC97F00-D667-4631-BA30-CEF89D2767AD}"/>
-              </a:ext>
-            </a:extLst>
-          </p:cNvPr>
-          <p:cNvSpPr>
-            <a:spLocks noGrp="1"/>
-          </p:cNvSpPr>
-          <p:nvPr>
-            <p:ph type="ftr" sz="quarter" idx="11"/>
-          </p:nvPr>
-        </p:nvSpPr>
-        <p:spPr/>
-        <p:txBody>
-          <a:bodyPr/>
-          <a:lstStyle/>
-          <a:p>
-            <a:endParaRPr lang="zh-CN" altLang="en-US"/>
-          </a:p>
-        </p:txBody>
-      </p:sp>
-      <p:sp>
-        <p:nvSpPr>
-          <p:cNvPr id="6" name="灯片编号占位符 5">
-            <a:extLst>
-              <a:ext uri="{FF2B5EF4-FFF2-40B4-BE49-F238E27FC236}">
-                <a16:creationId xmlns:a16="http://schemas.microsoft.com/office/drawing/2014/main" id="{624D1013-8D70-49D1-BEF0-0BDDD6B5514C}"/>
-              </a:ext>
-            </a:extLst>
-          </p:cNvPr>
+          <p:cNvPr id="6" name="灯片编号占位符 5"/>
           <p:cNvSpPr>
             <a:spLocks noGrp="1"/>
           </p:cNvSpPr>
@@ -536,7 +1046,7 @@
     </p:spTree>
     <p:extLst>
       <p:ext uri="{BB962C8B-B14F-4D97-AF65-F5344CB8AC3E}">
-        <p14:creationId xmlns:p14="http://schemas.microsoft.com/office/powerpoint/2010/main" val="3155968490"/>
+        <p14:creationId xmlns:p14="http://schemas.microsoft.com/office/powerpoint/2010/main" val="3153545018"/>
       </p:ext>
     </p:extLst>
   </p:cSld>
@@ -546,9 +1056,9 @@
 </p:sldLayout>
 </file>
 
-<file path=ppt/slideLayouts/slideLayout11.xml><?xml version="1.0" encoding="utf-8"?>
+<file path=ppt/slideLayouts/slideLayout12.xml><?xml version="1.0" encoding="utf-8"?>
 <p:sldLayout xmlns:a="http://schemas.openxmlformats.org/drawingml/2006/main" xmlns:r="http://schemas.openxmlformats.org/officeDocument/2006/relationships" xmlns:p="http://schemas.openxmlformats.org/presentationml/2006/main" type="vertTitleAndTx" preserve="1">
-  <p:cSld name="竖排标题与文本">
+  <p:cSld name="垂直排列标题与文本">
     <p:spTree>
       <p:nvGrpSpPr>
         <p:cNvPr id="1" name=""/>
@@ -563,15 +1073,203 @@
           <a:chExt cx="0" cy="0"/>
         </a:xfrm>
       </p:grpSpPr>
-      <p:sp>
-        <p:nvSpPr>
-          <p:cNvPr id="2" name="竖排标题 1">
+      <p:grpSp>
+        <p:nvGrpSpPr>
+          <p:cNvPr id="12" name="组合 11">
             <a:extLst>
               <a:ext uri="{FF2B5EF4-FFF2-40B4-BE49-F238E27FC236}">
-                <a16:creationId xmlns:a16="http://schemas.microsoft.com/office/drawing/2014/main" id="{A0932C89-2328-47A5-B474-C7FFDD99CD11}"/>
+                <a16:creationId xmlns:a16="http://schemas.microsoft.com/office/drawing/2014/main" id="{1DFD6234-749D-4F0C-9C2C-F3E5A01C882A}"/>
               </a:ext>
             </a:extLst>
           </p:cNvPr>
+          <p:cNvGrpSpPr/>
+          <p:nvPr/>
+        </p:nvGrpSpPr>
+        <p:grpSpPr>
+          <a:xfrm rot="5400000">
+            <a:off x="8187268" y="2853269"/>
+            <a:ext cx="6858001" cy="1151468"/>
+            <a:chOff x="1" y="-26988"/>
+            <a:chExt cx="6858001" cy="863601"/>
+          </a:xfrm>
+        </p:grpSpPr>
+        <p:sp>
+          <p:nvSpPr>
+            <p:cNvPr id="13" name="标题 3">
+              <a:extLst>
+                <a:ext uri="{FF2B5EF4-FFF2-40B4-BE49-F238E27FC236}">
+                  <a16:creationId xmlns:a16="http://schemas.microsoft.com/office/drawing/2014/main" id="{574037EC-6187-49F8-9EE1-3DD7CCA0BB04}"/>
+                </a:ext>
+              </a:extLst>
+            </p:cNvPr>
+            <p:cNvSpPr txBox="1">
+              <a:spLocks/>
+            </p:cNvSpPr>
+            <p:nvPr/>
+          </p:nvSpPr>
+          <p:spPr>
+            <a:xfrm>
+              <a:off x="1" y="-26988"/>
+              <a:ext cx="6858001" cy="863601"/>
+            </a:xfrm>
+            <a:prstGeom prst="rect">
+              <a:avLst/>
+            </a:prstGeom>
+            <a:solidFill>
+              <a:srgbClr val="02409A"/>
+            </a:solidFill>
+            <a:ln>
+              <a:noFill/>
+            </a:ln>
+            <a:effectLst/>
+          </p:spPr>
+          <p:txBody>
+            <a:bodyPr tIns="0" bIns="0" anchor="ctr"/>
+            <a:lstStyle/>
+            <a:p>
+              <a:pPr algn="ctr">
+                <a:spcBef>
+                  <a:spcPct val="0"/>
+                </a:spcBef>
+                <a:defRPr/>
+              </a:pPr>
+              <a:endParaRPr lang="zh-CN" altLang="en-US" sz="4800" b="1" dirty="0">
+                <a:solidFill>
+                  <a:prstClr val="white"/>
+                </a:solidFill>
+                <a:latin typeface="微软雅黑" pitchFamily="34" charset="-122"/>
+                <a:ea typeface="微软雅黑" pitchFamily="34" charset="-122"/>
+              </a:endParaRPr>
+            </a:p>
+          </p:txBody>
+        </p:sp>
+        <p:cxnSp>
+          <p:nvCxnSpPr>
+            <p:cNvPr id="14" name="直接连接符 19">
+              <a:extLst>
+                <a:ext uri="{FF2B5EF4-FFF2-40B4-BE49-F238E27FC236}">
+                  <a16:creationId xmlns:a16="http://schemas.microsoft.com/office/drawing/2014/main" id="{9017F2ED-EF73-4A0D-B8D3-D9B77AA1798B}"/>
+                </a:ext>
+              </a:extLst>
+            </p:cNvPr>
+            <p:cNvCxnSpPr>
+              <a:cxnSpLocks/>
+            </p:cNvCxnSpPr>
+            <p:nvPr/>
+          </p:nvCxnSpPr>
+          <p:spPr bwMode="auto">
+            <a:xfrm flipH="1">
+              <a:off x="449263" y="-25400"/>
+              <a:ext cx="1587" cy="841375"/>
+            </a:xfrm>
+            <a:prstGeom prst="line">
+              <a:avLst/>
+            </a:prstGeom>
+            <a:noFill/>
+            <a:ln w="28575" algn="ctr">
+              <a:solidFill>
+                <a:schemeClr val="bg1"/>
+              </a:solidFill>
+              <a:round/>
+              <a:headEnd/>
+              <a:tailEnd/>
+            </a:ln>
+            <a:effectLst/>
+            <a:extLst>
+              <a:ext uri="{909E8E84-426E-40DD-AFC4-6F175D3DCCD1}">
+                <a14:hiddenFill xmlns:a14="http://schemas.microsoft.com/office/drawing/2010/main">
+                  <a:noFill/>
+                </a14:hiddenFill>
+              </a:ext>
+            </a:extLst>
+          </p:spPr>
+        </p:cxnSp>
+        <p:cxnSp>
+          <p:nvCxnSpPr>
+            <p:cNvPr id="15" name="直接连接符 20">
+              <a:extLst>
+                <a:ext uri="{FF2B5EF4-FFF2-40B4-BE49-F238E27FC236}">
+                  <a16:creationId xmlns:a16="http://schemas.microsoft.com/office/drawing/2014/main" id="{45E0181A-AEEC-41B7-980F-4C1E8F2CEA01}"/>
+                </a:ext>
+              </a:extLst>
+            </p:cNvPr>
+            <p:cNvCxnSpPr>
+              <a:cxnSpLocks/>
+            </p:cNvCxnSpPr>
+            <p:nvPr/>
+          </p:nvCxnSpPr>
+          <p:spPr bwMode="auto">
+            <a:xfrm flipH="1">
+              <a:off x="511175" y="-26988"/>
+              <a:ext cx="1588" cy="554038"/>
+            </a:xfrm>
+            <a:prstGeom prst="line">
+              <a:avLst/>
+            </a:prstGeom>
+            <a:noFill/>
+            <a:ln w="28575" algn="ctr">
+              <a:solidFill>
+                <a:schemeClr val="bg1"/>
+              </a:solidFill>
+              <a:round/>
+              <a:headEnd/>
+              <a:tailEnd/>
+            </a:ln>
+            <a:effectLst/>
+            <a:extLst>
+              <a:ext uri="{909E8E84-426E-40DD-AFC4-6F175D3DCCD1}">
+                <a14:hiddenFill xmlns:a14="http://schemas.microsoft.com/office/drawing/2010/main">
+                  <a:noFill/>
+                </a14:hiddenFill>
+              </a:ext>
+            </a:extLst>
+          </p:spPr>
+        </p:cxnSp>
+        <p:cxnSp>
+          <p:nvCxnSpPr>
+            <p:cNvPr id="16" name="直接连接符 30">
+              <a:extLst>
+                <a:ext uri="{FF2B5EF4-FFF2-40B4-BE49-F238E27FC236}">
+                  <a16:creationId xmlns:a16="http://schemas.microsoft.com/office/drawing/2014/main" id="{385AB42A-FEB5-4E5C-A393-4C51D819CE7E}"/>
+                </a:ext>
+              </a:extLst>
+            </p:cNvPr>
+            <p:cNvCxnSpPr>
+              <a:cxnSpLocks/>
+            </p:cNvCxnSpPr>
+            <p:nvPr/>
+          </p:nvCxnSpPr>
+          <p:spPr bwMode="auto">
+            <a:xfrm>
+              <a:off x="576263" y="-26988"/>
+              <a:ext cx="0" cy="298451"/>
+            </a:xfrm>
+            <a:prstGeom prst="line">
+              <a:avLst/>
+            </a:prstGeom>
+            <a:noFill/>
+            <a:ln w="28575" algn="ctr">
+              <a:solidFill>
+                <a:schemeClr val="bg1"/>
+              </a:solidFill>
+              <a:round/>
+              <a:headEnd/>
+              <a:tailEnd/>
+            </a:ln>
+            <a:effectLst/>
+            <a:extLst>
+              <a:ext uri="{909E8E84-426E-40DD-AFC4-6F175D3DCCD1}">
+                <a14:hiddenFill xmlns:a14="http://schemas.microsoft.com/office/drawing/2010/main">
+                  <a:noFill/>
+                </a14:hiddenFill>
+              </a:ext>
+            </a:extLst>
+          </p:spPr>
+        </p:cxnSp>
+      </p:grpSp>
+      <p:sp>
+        <p:nvSpPr>
+          <p:cNvPr id="2" name="竖排标题 1"/>
           <p:cNvSpPr>
             <a:spLocks noGrp="1"/>
           </p:cNvSpPr>
@@ -581,46 +1279,73 @@
         </p:nvSpPr>
         <p:spPr>
           <a:xfrm>
-            <a:off x="8724900" y="365125"/>
-            <a:ext cx="2628900" cy="5811838"/>
+            <a:off x="11226803" y="622301"/>
+            <a:ext cx="738717" cy="5499098"/>
+          </a:xfrm>
+          <a:prstGeom prst="rect">
+            <a:avLst/>
+          </a:prstGeom>
+        </p:spPr>
+        <p:txBody>
+          <a:bodyPr vert="horz" lIns="91440" tIns="45720" rIns="91440" bIns="45720" rtlCol="0" anchor="ctr">
+            <a:normAutofit/>
+          </a:bodyPr>
+          <a:lstStyle>
+            <a:lvl1pPr>
+              <a:defRPr lang="zh-CN" altLang="en-US" sz="3000" b="1">
+                <a:solidFill>
+                  <a:prstClr val="white"/>
+                </a:solidFill>
+                <a:latin typeface="微软雅黑" panose="020B0503020204020204" pitchFamily="34" charset="-122"/>
+                <a:ea typeface="微软雅黑" panose="020B0503020204020204" pitchFamily="34" charset="-122"/>
+                <a:cs typeface="Arial" pitchFamily="34" charset="0"/>
+              </a:defRPr>
+            </a:lvl1pPr>
+          </a:lstStyle>
+          <a:p>
+            <a:pPr marL="0" lvl="0" algn="l" fontAlgn="base">
+              <a:spcAft>
+                <a:spcPct val="0"/>
+              </a:spcAft>
+            </a:pPr>
+            <a:r>
+              <a:rPr lang="zh-CN" altLang="en-US"/>
+              <a:t>单击此处编辑母版标题样式</a:t>
+            </a:r>
+            <a:endParaRPr lang="zh-CN" altLang="en-US" dirty="0"/>
+          </a:p>
+        </p:txBody>
+      </p:sp>
+      <p:sp>
+        <p:nvSpPr>
+          <p:cNvPr id="3" name="竖排文字占位符 2"/>
+          <p:cNvSpPr>
+            <a:spLocks noGrp="1"/>
+          </p:cNvSpPr>
+          <p:nvPr>
+            <p:ph type="body" orient="vert" idx="1"/>
+          </p:nvPr>
+        </p:nvSpPr>
+        <p:spPr>
+          <a:xfrm>
+            <a:off x="609599" y="274639"/>
+            <a:ext cx="10231971" cy="5851525"/>
           </a:xfrm>
         </p:spPr>
         <p:txBody>
           <a:bodyPr vert="eaVert"/>
-          <a:lstStyle/>
-          <a:p>
-            <a:r>
-              <a:rPr lang="zh-CN" altLang="en-US"/>
-              <a:t>单击此处编辑母版标题样式</a:t>
-            </a:r>
-          </a:p>
-        </p:txBody>
-      </p:sp>
-      <p:sp>
-        <p:nvSpPr>
-          <p:cNvPr id="3" name="竖排文字占位符 2">
-            <a:extLst>
-              <a:ext uri="{FF2B5EF4-FFF2-40B4-BE49-F238E27FC236}">
-                <a16:creationId xmlns:a16="http://schemas.microsoft.com/office/drawing/2014/main" id="{19D958AC-05BA-4BDF-8854-293CF195EEBD}"/>
-              </a:ext>
-            </a:extLst>
-          </p:cNvPr>
-          <p:cNvSpPr>
-            <a:spLocks noGrp="1"/>
-          </p:cNvSpPr>
-          <p:nvPr>
-            <p:ph type="body" orient="vert" idx="1"/>
-          </p:nvPr>
-        </p:nvSpPr>
-        <p:spPr>
-          <a:xfrm>
-            <a:off x="838200" y="365125"/>
-            <a:ext cx="7734300" cy="5811838"/>
-          </a:xfrm>
-        </p:spPr>
-        <p:txBody>
-          <a:bodyPr vert="eaVert"/>
-          <a:lstStyle/>
+          <a:lstStyle>
+            <a:lvl1pPr marL="342900" indent="-342900">
+              <a:buFont typeface="Wingdings" panose="05000000000000000000" pitchFamily="2" charset="2"/>
+              <a:buChar char="Ø"/>
+              <a:defRPr/>
+            </a:lvl1pPr>
+            <a:lvl2pPr marL="742950" indent="-285750">
+              <a:buFont typeface="Wingdings" panose="05000000000000000000" pitchFamily="2" charset="2"/>
+              <a:buChar char="n"/>
+              <a:defRPr/>
+            </a:lvl2pPr>
+          </a:lstStyle>
           <a:p>
             <a:pPr lvl="0"/>
             <a:r>
@@ -655,18 +1380,13 @@
               <a:rPr lang="zh-CN" altLang="en-US"/>
               <a:t>五级</a:t>
             </a:r>
-          </a:p>
-        </p:txBody>
-      </p:sp>
-      <p:sp>
-        <p:nvSpPr>
-          <p:cNvPr id="4" name="日期占位符 3">
-            <a:extLst>
-              <a:ext uri="{FF2B5EF4-FFF2-40B4-BE49-F238E27FC236}">
-                <a16:creationId xmlns:a16="http://schemas.microsoft.com/office/drawing/2014/main" id="{61744A3F-A0B1-47CB-A1E0-08D89A96CB4C}"/>
-              </a:ext>
-            </a:extLst>
-          </p:cNvPr>
+            <a:endParaRPr lang="zh-CN" altLang="en-US" dirty="0"/>
+          </a:p>
+        </p:txBody>
+      </p:sp>
+      <p:sp>
+        <p:nvSpPr>
+          <p:cNvPr id="4" name="日期占位符 3"/>
           <p:cNvSpPr>
             <a:spLocks noGrp="1"/>
           </p:cNvSpPr>
@@ -681,7 +1401,7 @@
           <a:p>
             <a:fld id="{16952747-A5EC-4D1B-AE9D-3AC195362527}" type="datetimeFigureOut">
               <a:rPr lang="zh-CN" altLang="en-US" smtClean="0"/>
-              <a:t>2020/6/22</a:t>
+              <a:t>2020/6/23</a:t>
             </a:fld>
             <a:endParaRPr lang="zh-CN" altLang="en-US"/>
           </a:p>
@@ -689,13 +1409,7 @@
       </p:sp>
       <p:sp>
         <p:nvSpPr>
-          <p:cNvPr id="5" name="页脚占位符 4">
-            <a:extLst>
-              <a:ext uri="{FF2B5EF4-FFF2-40B4-BE49-F238E27FC236}">
-                <a16:creationId xmlns:a16="http://schemas.microsoft.com/office/drawing/2014/main" id="{57B28BA6-101B-45FA-A955-01A73A672388}"/>
-              </a:ext>
-            </a:extLst>
-          </p:cNvPr>
+          <p:cNvPr id="5" name="页脚占位符 4"/>
           <p:cNvSpPr>
             <a:spLocks noGrp="1"/>
           </p:cNvSpPr>
@@ -714,13 +1428,7 @@
       </p:sp>
       <p:sp>
         <p:nvSpPr>
-          <p:cNvPr id="6" name="灯片编号占位符 5">
-            <a:extLst>
-              <a:ext uri="{FF2B5EF4-FFF2-40B4-BE49-F238E27FC236}">
-                <a16:creationId xmlns:a16="http://schemas.microsoft.com/office/drawing/2014/main" id="{EF5ABD6C-1365-4D4A-A4C3-3CE866F1676C}"/>
-              </a:ext>
-            </a:extLst>
-          </p:cNvPr>
+          <p:cNvPr id="6" name="灯片编号占位符 5"/>
           <p:cNvSpPr>
             <a:spLocks noGrp="1"/>
           </p:cNvSpPr>
@@ -744,7 +1452,7 @@
     </p:spTree>
     <p:extLst>
       <p:ext uri="{BB962C8B-B14F-4D97-AF65-F5344CB8AC3E}">
-        <p14:creationId xmlns:p14="http://schemas.microsoft.com/office/powerpoint/2010/main" val="3076041393"/>
+        <p14:creationId xmlns:p14="http://schemas.microsoft.com/office/powerpoint/2010/main" val="4084679576"/>
       </p:ext>
     </p:extLst>
   </p:cSld>
@@ -771,20 +1479,326 @@
           <a:chExt cx="0" cy="0"/>
         </a:xfrm>
       </p:grpSpPr>
-      <p:sp>
-        <p:nvSpPr>
-          <p:cNvPr id="2" name="标题 1">
+      <p:grpSp>
+        <p:nvGrpSpPr>
+          <p:cNvPr id="7" name="组合 6">
             <a:extLst>
               <a:ext uri="{FF2B5EF4-FFF2-40B4-BE49-F238E27FC236}">
-                <a16:creationId xmlns:a16="http://schemas.microsoft.com/office/drawing/2014/main" id="{3B244BC0-0AEA-4C99-A605-1F17CD2E1F0D}"/>
+                <a16:creationId xmlns:a16="http://schemas.microsoft.com/office/drawing/2014/main" id="{226DC398-675C-4A24-84B3-5404C11AC76E}"/>
               </a:ext>
             </a:extLst>
           </p:cNvPr>
+          <p:cNvGrpSpPr/>
+          <p:nvPr/>
+        </p:nvGrpSpPr>
+        <p:grpSpPr>
+          <a:xfrm>
+            <a:off x="0" y="-24"/>
+            <a:ext cx="12192000" cy="863601"/>
+            <a:chOff x="0" y="-26988"/>
+            <a:chExt cx="9144000" cy="863601"/>
+          </a:xfrm>
+        </p:grpSpPr>
+        <p:sp>
+          <p:nvSpPr>
+            <p:cNvPr id="8" name="标题 3">
+              <a:extLst>
+                <a:ext uri="{FF2B5EF4-FFF2-40B4-BE49-F238E27FC236}">
+                  <a16:creationId xmlns:a16="http://schemas.microsoft.com/office/drawing/2014/main" id="{1E0D3804-A6F0-4CDE-BDE3-E630549CBA6F}"/>
+                </a:ext>
+              </a:extLst>
+            </p:cNvPr>
+            <p:cNvSpPr txBox="1">
+              <a:spLocks/>
+            </p:cNvSpPr>
+            <p:nvPr/>
+          </p:nvSpPr>
+          <p:spPr>
+            <a:xfrm>
+              <a:off x="0" y="-26988"/>
+              <a:ext cx="9144000" cy="863601"/>
+            </a:xfrm>
+            <a:prstGeom prst="rect">
+              <a:avLst/>
+            </a:prstGeom>
+            <a:solidFill>
+              <a:srgbClr val="02409A"/>
+            </a:solidFill>
+            <a:ln>
+              <a:noFill/>
+            </a:ln>
+            <a:effectLst/>
+          </p:spPr>
+          <p:txBody>
+            <a:bodyPr tIns="0" bIns="0" anchor="ctr"/>
+            <a:lstStyle/>
+            <a:p>
+              <a:pPr algn="ctr">
+                <a:spcBef>
+                  <a:spcPct val="0"/>
+                </a:spcBef>
+                <a:defRPr/>
+              </a:pPr>
+              <a:endParaRPr lang="zh-CN" altLang="en-US" sz="4800" b="1" dirty="0">
+                <a:solidFill>
+                  <a:prstClr val="white"/>
+                </a:solidFill>
+                <a:latin typeface="微软雅黑" pitchFamily="34" charset="-122"/>
+                <a:ea typeface="微软雅黑" pitchFamily="34" charset="-122"/>
+              </a:endParaRPr>
+            </a:p>
+          </p:txBody>
+        </p:sp>
+        <p:cxnSp>
+          <p:nvCxnSpPr>
+            <p:cNvPr id="9" name="直接连接符 19">
+              <a:extLst>
+                <a:ext uri="{FF2B5EF4-FFF2-40B4-BE49-F238E27FC236}">
+                  <a16:creationId xmlns:a16="http://schemas.microsoft.com/office/drawing/2014/main" id="{B446B7E4-78F0-4194-B08A-1AC2C39958AA}"/>
+                </a:ext>
+              </a:extLst>
+            </p:cNvPr>
+            <p:cNvCxnSpPr>
+              <a:cxnSpLocks/>
+            </p:cNvCxnSpPr>
+            <p:nvPr/>
+          </p:nvCxnSpPr>
+          <p:spPr bwMode="auto">
+            <a:xfrm flipH="1">
+              <a:off x="449263" y="-25400"/>
+              <a:ext cx="1587" cy="841375"/>
+            </a:xfrm>
+            <a:prstGeom prst="line">
+              <a:avLst/>
+            </a:prstGeom>
+            <a:noFill/>
+            <a:ln w="28575" algn="ctr">
+              <a:solidFill>
+                <a:schemeClr val="bg1"/>
+              </a:solidFill>
+              <a:round/>
+              <a:headEnd/>
+              <a:tailEnd/>
+            </a:ln>
+            <a:effectLst/>
+            <a:extLst>
+              <a:ext uri="{909E8E84-426E-40DD-AFC4-6F175D3DCCD1}">
+                <a14:hiddenFill xmlns:a14="http://schemas.microsoft.com/office/drawing/2010/main">
+                  <a:noFill/>
+                </a14:hiddenFill>
+              </a:ext>
+            </a:extLst>
+          </p:spPr>
+        </p:cxnSp>
+        <p:cxnSp>
+          <p:nvCxnSpPr>
+            <p:cNvPr id="10" name="直接连接符 20">
+              <a:extLst>
+                <a:ext uri="{FF2B5EF4-FFF2-40B4-BE49-F238E27FC236}">
+                  <a16:creationId xmlns:a16="http://schemas.microsoft.com/office/drawing/2014/main" id="{B7C0A3E6-F1FF-427D-8DB1-E9791B891181}"/>
+                </a:ext>
+              </a:extLst>
+            </p:cNvPr>
+            <p:cNvCxnSpPr>
+              <a:cxnSpLocks/>
+            </p:cNvCxnSpPr>
+            <p:nvPr/>
+          </p:nvCxnSpPr>
+          <p:spPr bwMode="auto">
+            <a:xfrm flipH="1">
+              <a:off x="511175" y="-26988"/>
+              <a:ext cx="1588" cy="554038"/>
+            </a:xfrm>
+            <a:prstGeom prst="line">
+              <a:avLst/>
+            </a:prstGeom>
+            <a:noFill/>
+            <a:ln w="28575" algn="ctr">
+              <a:solidFill>
+                <a:schemeClr val="bg1"/>
+              </a:solidFill>
+              <a:round/>
+              <a:headEnd/>
+              <a:tailEnd/>
+            </a:ln>
+            <a:effectLst/>
+            <a:extLst>
+              <a:ext uri="{909E8E84-426E-40DD-AFC4-6F175D3DCCD1}">
+                <a14:hiddenFill xmlns:a14="http://schemas.microsoft.com/office/drawing/2010/main">
+                  <a:noFill/>
+                </a14:hiddenFill>
+              </a:ext>
+            </a:extLst>
+          </p:spPr>
+        </p:cxnSp>
+        <p:cxnSp>
+          <p:nvCxnSpPr>
+            <p:cNvPr id="11" name="直接连接符 30">
+              <a:extLst>
+                <a:ext uri="{FF2B5EF4-FFF2-40B4-BE49-F238E27FC236}">
+                  <a16:creationId xmlns:a16="http://schemas.microsoft.com/office/drawing/2014/main" id="{440505F1-F975-4EFE-9258-4A1E718E6358}"/>
+                </a:ext>
+              </a:extLst>
+            </p:cNvPr>
+            <p:cNvCxnSpPr>
+              <a:cxnSpLocks/>
+            </p:cNvCxnSpPr>
+            <p:nvPr/>
+          </p:nvCxnSpPr>
+          <p:spPr bwMode="auto">
+            <a:xfrm>
+              <a:off x="576263" y="-26988"/>
+              <a:ext cx="0" cy="298451"/>
+            </a:xfrm>
+            <a:prstGeom prst="line">
+              <a:avLst/>
+            </a:prstGeom>
+            <a:noFill/>
+            <a:ln w="28575" algn="ctr">
+              <a:solidFill>
+                <a:schemeClr val="bg1"/>
+              </a:solidFill>
+              <a:round/>
+              <a:headEnd/>
+              <a:tailEnd/>
+            </a:ln>
+            <a:effectLst/>
+            <a:extLst>
+              <a:ext uri="{909E8E84-426E-40DD-AFC4-6F175D3DCCD1}">
+                <a14:hiddenFill xmlns:a14="http://schemas.microsoft.com/office/drawing/2010/main">
+                  <a:noFill/>
+                </a14:hiddenFill>
+              </a:ext>
+            </a:extLst>
+          </p:spPr>
+        </p:cxnSp>
+      </p:grpSp>
+      <p:sp>
+        <p:nvSpPr>
+          <p:cNvPr id="2" name="标题 1"/>
           <p:cNvSpPr>
             <a:spLocks noGrp="1"/>
           </p:cNvSpPr>
           <p:nvPr>
             <p:ph type="title"/>
+          </p:nvPr>
+        </p:nvSpPr>
+        <p:spPr>
+          <a:xfrm>
+            <a:off x="829733" y="169838"/>
+            <a:ext cx="11120800" cy="553998"/>
+          </a:xfrm>
+          <a:prstGeom prst="rect">
+            <a:avLst/>
+          </a:prstGeom>
+        </p:spPr>
+        <p:txBody>
+          <a:bodyPr>
+            <a:normAutofit/>
+          </a:bodyPr>
+          <a:lstStyle>
+            <a:lvl1pPr marL="0" algn="l" defTabSz="914400" rtl="0" eaLnBrk="1" fontAlgn="base" latinLnBrk="0" hangingPunct="1">
+              <a:spcBef>
+                <a:spcPct val="0"/>
+              </a:spcBef>
+              <a:spcAft>
+                <a:spcPct val="0"/>
+              </a:spcAft>
+              <a:defRPr lang="zh-CN" altLang="en-US" sz="3000" b="1" kern="1200" dirty="0">
+                <a:solidFill>
+                  <a:prstClr val="white"/>
+                </a:solidFill>
+                <a:latin typeface="微软雅黑" panose="020B0503020204020204" pitchFamily="34" charset="-122"/>
+                <a:ea typeface="微软雅黑" panose="020B0503020204020204" pitchFamily="34" charset="-122"/>
+                <a:cs typeface="Arial" pitchFamily="34" charset="0"/>
+              </a:defRPr>
+            </a:lvl1pPr>
+          </a:lstStyle>
+          <a:p>
+            <a:r>
+              <a:rPr lang="zh-CN" altLang="en-US"/>
+              <a:t>单击此处编辑母版标题样式</a:t>
+            </a:r>
+            <a:endParaRPr lang="zh-CN" altLang="en-US" dirty="0"/>
+          </a:p>
+        </p:txBody>
+      </p:sp>
+      <p:sp>
+        <p:nvSpPr>
+          <p:cNvPr id="3" name="内容占位符 2"/>
+          <p:cNvSpPr>
+            <a:spLocks noGrp="1"/>
+          </p:cNvSpPr>
+          <p:nvPr>
+            <p:ph idx="1"/>
+          </p:nvPr>
+        </p:nvSpPr>
+        <p:spPr>
+          <a:xfrm>
+            <a:off x="609600" y="1033440"/>
+            <a:ext cx="10972800" cy="5092724"/>
+          </a:xfrm>
+        </p:spPr>
+        <p:txBody>
+          <a:bodyPr/>
+          <a:lstStyle>
+            <a:lvl1pPr marL="342900" indent="-342900">
+              <a:buFont typeface="Wingdings" panose="05000000000000000000" pitchFamily="2" charset="2"/>
+              <a:buChar char="Ø"/>
+              <a:defRPr/>
+            </a:lvl1pPr>
+            <a:lvl2pPr marL="742950" indent="-285750">
+              <a:buFont typeface="Wingdings" panose="05000000000000000000" pitchFamily="2" charset="2"/>
+              <a:buChar char="n"/>
+              <a:defRPr/>
+            </a:lvl2pPr>
+          </a:lstStyle>
+          <a:p>
+            <a:pPr lvl="0"/>
+            <a:r>
+              <a:rPr lang="zh-CN" altLang="en-US"/>
+              <a:t>单击此处编辑母版文本样式</a:t>
+            </a:r>
+          </a:p>
+          <a:p>
+            <a:pPr lvl="1"/>
+            <a:r>
+              <a:rPr lang="zh-CN" altLang="en-US"/>
+              <a:t>二级</a:t>
+            </a:r>
+          </a:p>
+          <a:p>
+            <a:pPr lvl="2"/>
+            <a:r>
+              <a:rPr lang="zh-CN" altLang="en-US"/>
+              <a:t>三级</a:t>
+            </a:r>
+          </a:p>
+          <a:p>
+            <a:pPr lvl="3"/>
+            <a:r>
+              <a:rPr lang="zh-CN" altLang="en-US"/>
+              <a:t>四级</a:t>
+            </a:r>
+          </a:p>
+          <a:p>
+            <a:pPr lvl="4"/>
+            <a:r>
+              <a:rPr lang="zh-CN" altLang="en-US"/>
+              <a:t>五级</a:t>
+            </a:r>
+            <a:endParaRPr lang="zh-CN" altLang="en-US" dirty="0"/>
+          </a:p>
+        </p:txBody>
+      </p:sp>
+      <p:sp>
+        <p:nvSpPr>
+          <p:cNvPr id="4" name="日期占位符 3"/>
+          <p:cNvSpPr>
+            <a:spLocks noGrp="1"/>
+          </p:cNvSpPr>
+          <p:nvPr>
+            <p:ph type="dt" sz="half" idx="10"/>
           </p:nvPr>
         </p:nvSpPr>
         <p:spPr/>
@@ -792,27 +1806,22 @@
           <a:bodyPr/>
           <a:lstStyle/>
           <a:p>
-            <a:r>
-              <a:rPr lang="zh-CN" altLang="en-US"/>
-              <a:t>单击此处编辑母版标题样式</a:t>
-            </a:r>
-          </a:p>
-        </p:txBody>
-      </p:sp>
-      <p:sp>
-        <p:nvSpPr>
-          <p:cNvPr id="3" name="内容占位符 2">
-            <a:extLst>
-              <a:ext uri="{FF2B5EF4-FFF2-40B4-BE49-F238E27FC236}">
-                <a16:creationId xmlns:a16="http://schemas.microsoft.com/office/drawing/2014/main" id="{5478A2DD-50C6-4225-8F75-7AAABCF99A55}"/>
-              </a:ext>
-            </a:extLst>
-          </p:cNvPr>
-          <p:cNvSpPr>
-            <a:spLocks noGrp="1"/>
-          </p:cNvSpPr>
-          <p:nvPr>
-            <p:ph idx="1"/>
+            <a:fld id="{16952747-A5EC-4D1B-AE9D-3AC195362527}" type="datetimeFigureOut">
+              <a:rPr lang="zh-CN" altLang="en-US" smtClean="0"/>
+              <a:t>2020/6/23</a:t>
+            </a:fld>
+            <a:endParaRPr lang="zh-CN" altLang="en-US"/>
+          </a:p>
+        </p:txBody>
+      </p:sp>
+      <p:sp>
+        <p:nvSpPr>
+          <p:cNvPr id="5" name="页脚占位符 4"/>
+          <p:cNvSpPr>
+            <a:spLocks noGrp="1"/>
+          </p:cNvSpPr>
+          <p:nvPr>
+            <p:ph type="ftr" sz="quarter" idx="11"/>
           </p:nvPr>
         </p:nvSpPr>
         <p:spPr/>
@@ -820,105 +1829,13 @@
           <a:bodyPr/>
           <a:lstStyle/>
           <a:p>
-            <a:pPr lvl="0"/>
-            <a:r>
-              <a:rPr lang="zh-CN" altLang="en-US"/>
-              <a:t>单击此处编辑母版文本样式</a:t>
-            </a:r>
-          </a:p>
-          <a:p>
-            <a:pPr lvl="1"/>
-            <a:r>
-              <a:rPr lang="zh-CN" altLang="en-US"/>
-              <a:t>二级</a:t>
-            </a:r>
-          </a:p>
-          <a:p>
-            <a:pPr lvl="2"/>
-            <a:r>
-              <a:rPr lang="zh-CN" altLang="en-US"/>
-              <a:t>三级</a:t>
-            </a:r>
-          </a:p>
-          <a:p>
-            <a:pPr lvl="3"/>
-            <a:r>
-              <a:rPr lang="zh-CN" altLang="en-US"/>
-              <a:t>四级</a:t>
-            </a:r>
-          </a:p>
-          <a:p>
-            <a:pPr lvl="4"/>
-            <a:r>
-              <a:rPr lang="zh-CN" altLang="en-US"/>
-              <a:t>五级</a:t>
-            </a:r>
-          </a:p>
-        </p:txBody>
-      </p:sp>
-      <p:sp>
-        <p:nvSpPr>
-          <p:cNvPr id="4" name="日期占位符 3">
-            <a:extLst>
-              <a:ext uri="{FF2B5EF4-FFF2-40B4-BE49-F238E27FC236}">
-                <a16:creationId xmlns:a16="http://schemas.microsoft.com/office/drawing/2014/main" id="{B80A7464-FF9A-4E1C-9B94-20ABDDC2DE33}"/>
-              </a:ext>
-            </a:extLst>
-          </p:cNvPr>
-          <p:cNvSpPr>
-            <a:spLocks noGrp="1"/>
-          </p:cNvSpPr>
-          <p:nvPr>
-            <p:ph type="dt" sz="half" idx="10"/>
-          </p:nvPr>
-        </p:nvSpPr>
-        <p:spPr/>
-        <p:txBody>
-          <a:bodyPr/>
-          <a:lstStyle/>
-          <a:p>
-            <a:fld id="{16952747-A5EC-4D1B-AE9D-3AC195362527}" type="datetimeFigureOut">
-              <a:rPr lang="zh-CN" altLang="en-US" smtClean="0"/>
-              <a:t>2020/6/22</a:t>
-            </a:fld>
             <a:endParaRPr lang="zh-CN" altLang="en-US"/>
           </a:p>
         </p:txBody>
       </p:sp>
       <p:sp>
         <p:nvSpPr>
-          <p:cNvPr id="5" name="页脚占位符 4">
-            <a:extLst>
-              <a:ext uri="{FF2B5EF4-FFF2-40B4-BE49-F238E27FC236}">
-                <a16:creationId xmlns:a16="http://schemas.microsoft.com/office/drawing/2014/main" id="{D13D318A-859C-4B8D-B1EE-21C3742A3314}"/>
-              </a:ext>
-            </a:extLst>
-          </p:cNvPr>
-          <p:cNvSpPr>
-            <a:spLocks noGrp="1"/>
-          </p:cNvSpPr>
-          <p:nvPr>
-            <p:ph type="ftr" sz="quarter" idx="11"/>
-          </p:nvPr>
-        </p:nvSpPr>
-        <p:spPr/>
-        <p:txBody>
-          <a:bodyPr/>
-          <a:lstStyle/>
-          <a:p>
-            <a:endParaRPr lang="zh-CN" altLang="en-US"/>
-          </a:p>
-        </p:txBody>
-      </p:sp>
-      <p:sp>
-        <p:nvSpPr>
-          <p:cNvPr id="6" name="灯片编号占位符 5">
-            <a:extLst>
-              <a:ext uri="{FF2B5EF4-FFF2-40B4-BE49-F238E27FC236}">
-                <a16:creationId xmlns:a16="http://schemas.microsoft.com/office/drawing/2014/main" id="{659910E9-92CE-4612-97CF-4D6B648BCD2F}"/>
-              </a:ext>
-            </a:extLst>
-          </p:cNvPr>
+          <p:cNvPr id="6" name="灯片编号占位符 5"/>
           <p:cNvSpPr>
             <a:spLocks noGrp="1"/>
           </p:cNvSpPr>
@@ -942,7 +1859,7 @@
     </p:spTree>
     <p:extLst>
       <p:ext uri="{BB962C8B-B14F-4D97-AF65-F5344CB8AC3E}">
-        <p14:creationId xmlns:p14="http://schemas.microsoft.com/office/powerpoint/2010/main" val="498954819"/>
+        <p14:creationId xmlns:p14="http://schemas.microsoft.com/office/powerpoint/2010/main" val="2924015743"/>
       </p:ext>
     </p:extLst>
   </p:cSld>
@@ -953,7 +1870,7 @@
 </file>
 
 <file path=ppt/slideLayouts/slideLayout3.xml><?xml version="1.0" encoding="utf-8"?>
-<p:sldLayout xmlns:a="http://schemas.openxmlformats.org/drawingml/2006/main" xmlns:r="http://schemas.openxmlformats.org/officeDocument/2006/relationships" xmlns:p="http://schemas.openxmlformats.org/presentationml/2006/main" type="secHead" preserve="1">
+<p:sldLayout xmlns:a="http://schemas.openxmlformats.org/drawingml/2006/main" xmlns:r="http://schemas.openxmlformats.org/officeDocument/2006/relationships" xmlns:p="http://schemas.openxmlformats.org/presentationml/2006/main" preserve="1">
   <p:cSld name="节标题">
     <p:spTree>
       <p:nvGrpSpPr>
@@ -971,13 +1888,7 @@
       </p:grpSpPr>
       <p:sp>
         <p:nvSpPr>
-          <p:cNvPr id="2" name="标题 1">
-            <a:extLst>
-              <a:ext uri="{FF2B5EF4-FFF2-40B4-BE49-F238E27FC236}">
-                <a16:creationId xmlns:a16="http://schemas.microsoft.com/office/drawing/2014/main" id="{3F693C26-C631-488D-9FA9-3E2FAA026B33}"/>
-              </a:ext>
-            </a:extLst>
-          </p:cNvPr>
+          <p:cNvPr id="2" name="标题 1"/>
           <p:cNvSpPr>
             <a:spLocks noGrp="1"/>
           </p:cNvSpPr>
@@ -987,53 +1898,50 @@
         </p:nvSpPr>
         <p:spPr>
           <a:xfrm>
-            <a:off x="831850" y="1709738"/>
-            <a:ext cx="10515600" cy="2852737"/>
+            <a:off x="963084" y="4406901"/>
+            <a:ext cx="10363200" cy="1362075"/>
+          </a:xfrm>
+          <a:prstGeom prst="rect">
+            <a:avLst/>
+          </a:prstGeom>
+        </p:spPr>
+        <p:txBody>
+          <a:bodyPr anchor="t"/>
+          <a:lstStyle>
+            <a:lvl1pPr algn="l">
+              <a:defRPr sz="4000" b="1" cap="all"/>
+            </a:lvl1pPr>
+          </a:lstStyle>
+          <a:p>
+            <a:r>
+              <a:rPr lang="zh-CN" altLang="en-US"/>
+              <a:t>单击此处编辑母版标题样式</a:t>
+            </a:r>
+          </a:p>
+        </p:txBody>
+      </p:sp>
+      <p:sp>
+        <p:nvSpPr>
+          <p:cNvPr id="3" name="文本占位符 2"/>
+          <p:cNvSpPr>
+            <a:spLocks noGrp="1"/>
+          </p:cNvSpPr>
+          <p:nvPr>
+            <p:ph type="body" idx="1"/>
+          </p:nvPr>
+        </p:nvSpPr>
+        <p:spPr>
+          <a:xfrm>
+            <a:off x="963084" y="2906713"/>
+            <a:ext cx="10363200" cy="1500187"/>
           </a:xfrm>
         </p:spPr>
         <p:txBody>
           <a:bodyPr anchor="b"/>
-          <a:lstStyle>
-            <a:lvl1pPr>
-              <a:defRPr sz="6000"/>
-            </a:lvl1pPr>
-          </a:lstStyle>
-          <a:p>
-            <a:r>
-              <a:rPr lang="zh-CN" altLang="en-US"/>
-              <a:t>单击此处编辑母版标题样式</a:t>
-            </a:r>
-          </a:p>
-        </p:txBody>
-      </p:sp>
-      <p:sp>
-        <p:nvSpPr>
-          <p:cNvPr id="3" name="文本占位符 2">
-            <a:extLst>
-              <a:ext uri="{FF2B5EF4-FFF2-40B4-BE49-F238E27FC236}">
-                <a16:creationId xmlns:a16="http://schemas.microsoft.com/office/drawing/2014/main" id="{4DEF06FC-FFCF-4835-A6F7-AD5A0EBF1824}"/>
-              </a:ext>
-            </a:extLst>
-          </p:cNvPr>
-          <p:cNvSpPr>
-            <a:spLocks noGrp="1"/>
-          </p:cNvSpPr>
-          <p:nvPr>
-            <p:ph type="body" idx="1"/>
-          </p:nvPr>
-        </p:nvSpPr>
-        <p:spPr>
-          <a:xfrm>
-            <a:off x="831850" y="4589463"/>
-            <a:ext cx="10515600" cy="1500187"/>
-          </a:xfrm>
-        </p:spPr>
-        <p:txBody>
-          <a:bodyPr/>
           <a:lstStyle>
             <a:lvl1pPr marL="0" indent="0">
               <a:buNone/>
-              <a:defRPr sz="2400">
+              <a:defRPr sz="2000">
                 <a:solidFill>
                   <a:schemeClr val="tx1">
                     <a:tint val="75000"/>
@@ -1043,7 +1951,7 @@
             </a:lvl1pPr>
             <a:lvl2pPr marL="457200" indent="0">
               <a:buNone/>
-              <a:defRPr sz="2000">
+              <a:defRPr sz="1800">
                 <a:solidFill>
                   <a:schemeClr val="tx1">
                     <a:tint val="75000"/>
@@ -1053,7 +1961,7 @@
             </a:lvl2pPr>
             <a:lvl3pPr marL="914400" indent="0">
               <a:buNone/>
-              <a:defRPr sz="1800">
+              <a:defRPr sz="1600">
                 <a:solidFill>
                   <a:schemeClr val="tx1">
                     <a:tint val="75000"/>
@@ -1063,7 +1971,7 @@
             </a:lvl3pPr>
             <a:lvl4pPr marL="1371600" indent="0">
               <a:buNone/>
-              <a:defRPr sz="1600">
+              <a:defRPr sz="1400">
                 <a:solidFill>
                   <a:schemeClr val="tx1">
                     <a:tint val="75000"/>
@@ -1073,7 +1981,7 @@
             </a:lvl4pPr>
             <a:lvl5pPr marL="1828800" indent="0">
               <a:buNone/>
-              <a:defRPr sz="1600">
+              <a:defRPr sz="1400">
                 <a:solidFill>
                   <a:schemeClr val="tx1">
                     <a:tint val="75000"/>
@@ -1083,7 +1991,7 @@
             </a:lvl5pPr>
             <a:lvl6pPr marL="2286000" indent="0">
               <a:buNone/>
-              <a:defRPr sz="1600">
+              <a:defRPr sz="1400">
                 <a:solidFill>
                   <a:schemeClr val="tx1">
                     <a:tint val="75000"/>
@@ -1093,7 +2001,7 @@
             </a:lvl6pPr>
             <a:lvl7pPr marL="2743200" indent="0">
               <a:buNone/>
-              <a:defRPr sz="1600">
+              <a:defRPr sz="1400">
                 <a:solidFill>
                   <a:schemeClr val="tx1">
                     <a:tint val="75000"/>
@@ -1103,7 +2011,7 @@
             </a:lvl7pPr>
             <a:lvl8pPr marL="3200400" indent="0">
               <a:buNone/>
-              <a:defRPr sz="1600">
+              <a:defRPr sz="1400">
                 <a:solidFill>
                   <a:schemeClr val="tx1">
                     <a:tint val="75000"/>
@@ -1113,7 +2021,7 @@
             </a:lvl8pPr>
             <a:lvl9pPr marL="3657600" indent="0">
               <a:buNone/>
-              <a:defRPr sz="1600">
+              <a:defRPr sz="1400">
                 <a:solidFill>
                   <a:schemeClr val="tx1">
                     <a:tint val="75000"/>
@@ -1133,13 +2041,7 @@
       </p:sp>
       <p:sp>
         <p:nvSpPr>
-          <p:cNvPr id="4" name="日期占位符 3">
-            <a:extLst>
-              <a:ext uri="{FF2B5EF4-FFF2-40B4-BE49-F238E27FC236}">
-                <a16:creationId xmlns:a16="http://schemas.microsoft.com/office/drawing/2014/main" id="{36E9F863-AD63-4E10-B3EF-955960FCB7D5}"/>
-              </a:ext>
-            </a:extLst>
-          </p:cNvPr>
+          <p:cNvPr id="4" name="日期占位符 3"/>
           <p:cNvSpPr>
             <a:spLocks noGrp="1"/>
           </p:cNvSpPr>
@@ -1154,7 +2056,7 @@
           <a:p>
             <a:fld id="{16952747-A5EC-4D1B-AE9D-3AC195362527}" type="datetimeFigureOut">
               <a:rPr lang="zh-CN" altLang="en-US" smtClean="0"/>
-              <a:t>2020/6/22</a:t>
+              <a:t>2020/6/23</a:t>
             </a:fld>
             <a:endParaRPr lang="zh-CN" altLang="en-US"/>
           </a:p>
@@ -1162,13 +2064,7 @@
       </p:sp>
       <p:sp>
         <p:nvSpPr>
-          <p:cNvPr id="5" name="页脚占位符 4">
-            <a:extLst>
-              <a:ext uri="{FF2B5EF4-FFF2-40B4-BE49-F238E27FC236}">
-                <a16:creationId xmlns:a16="http://schemas.microsoft.com/office/drawing/2014/main" id="{6AC04B37-3A86-4517-89F2-538E740BCF67}"/>
-              </a:ext>
-            </a:extLst>
-          </p:cNvPr>
+          <p:cNvPr id="5" name="页脚占位符 4"/>
           <p:cNvSpPr>
             <a:spLocks noGrp="1"/>
           </p:cNvSpPr>
@@ -1187,13 +2083,7 @@
       </p:sp>
       <p:sp>
         <p:nvSpPr>
-          <p:cNvPr id="6" name="灯片编号占位符 5">
-            <a:extLst>
-              <a:ext uri="{FF2B5EF4-FFF2-40B4-BE49-F238E27FC236}">
-                <a16:creationId xmlns:a16="http://schemas.microsoft.com/office/drawing/2014/main" id="{CD9EF142-5346-47E7-8144-4531E857B7F5}"/>
-              </a:ext>
-            </a:extLst>
-          </p:cNvPr>
+          <p:cNvPr id="6" name="灯片编号占位符 5"/>
           <p:cNvSpPr>
             <a:spLocks noGrp="1"/>
           </p:cNvSpPr>
@@ -1214,10 +2104,364 @@
           </a:p>
         </p:txBody>
       </p:sp>
+      <p:sp>
+        <p:nvSpPr>
+          <p:cNvPr id="7" name="标题 3">
+            <a:extLst>
+              <a:ext uri="{FF2B5EF4-FFF2-40B4-BE49-F238E27FC236}">
+                <a16:creationId xmlns:a16="http://schemas.microsoft.com/office/drawing/2014/main" id="{1EE7B386-338B-4764-85F1-67C3D55680EC}"/>
+              </a:ext>
+            </a:extLst>
+          </p:cNvPr>
+          <p:cNvSpPr txBox="1">
+            <a:spLocks/>
+          </p:cNvSpPr>
+          <p:nvPr/>
+        </p:nvSpPr>
+        <p:spPr>
+          <a:xfrm>
+            <a:off x="0" y="-24"/>
+            <a:ext cx="12192000" cy="863601"/>
+          </a:xfrm>
+          <a:prstGeom prst="rect">
+            <a:avLst/>
+          </a:prstGeom>
+          <a:solidFill>
+            <a:srgbClr val="02409A"/>
+          </a:solidFill>
+          <a:ln>
+            <a:noFill/>
+          </a:ln>
+          <a:effectLst/>
+        </p:spPr>
+        <p:txBody>
+          <a:bodyPr tIns="0" bIns="0" anchor="ctr"/>
+          <a:lstStyle/>
+          <a:p>
+            <a:pPr algn="ctr">
+              <a:spcBef>
+                <a:spcPct val="0"/>
+              </a:spcBef>
+              <a:defRPr/>
+            </a:pPr>
+            <a:endParaRPr lang="zh-CN" altLang="en-US" sz="4800" b="1" dirty="0">
+              <a:solidFill>
+                <a:prstClr val="white"/>
+              </a:solidFill>
+              <a:latin typeface="微软雅黑" pitchFamily="34" charset="-122"/>
+              <a:ea typeface="微软雅黑" pitchFamily="34" charset="-122"/>
+            </a:endParaRPr>
+          </a:p>
+        </p:txBody>
+      </p:sp>
+      <p:cxnSp>
+        <p:nvCxnSpPr>
+          <p:cNvPr id="8" name="直接连接符 19">
+            <a:extLst>
+              <a:ext uri="{FF2B5EF4-FFF2-40B4-BE49-F238E27FC236}">
+                <a16:creationId xmlns:a16="http://schemas.microsoft.com/office/drawing/2014/main" id="{5EDB0516-F82E-4E09-BCC6-78628E7E2022}"/>
+              </a:ext>
+            </a:extLst>
+          </p:cNvPr>
+          <p:cNvCxnSpPr>
+            <a:cxnSpLocks/>
+          </p:cNvCxnSpPr>
+          <p:nvPr/>
+        </p:nvCxnSpPr>
+        <p:spPr bwMode="auto">
+          <a:xfrm flipH="1">
+            <a:off x="599018" y="1565"/>
+            <a:ext cx="2116" cy="841375"/>
+          </a:xfrm>
+          <a:prstGeom prst="line">
+            <a:avLst/>
+          </a:prstGeom>
+          <a:noFill/>
+          <a:ln w="28575" algn="ctr">
+            <a:solidFill>
+              <a:schemeClr val="bg1"/>
+            </a:solidFill>
+            <a:round/>
+            <a:headEnd/>
+            <a:tailEnd/>
+          </a:ln>
+          <a:effectLst/>
+          <a:extLst>
+            <a:ext uri="{909E8E84-426E-40DD-AFC4-6F175D3DCCD1}">
+              <a14:hiddenFill xmlns:a14="http://schemas.microsoft.com/office/drawing/2010/main">
+                <a:noFill/>
+              </a14:hiddenFill>
+            </a:ext>
+          </a:extLst>
+        </p:spPr>
+      </p:cxnSp>
+      <p:cxnSp>
+        <p:nvCxnSpPr>
+          <p:cNvPr id="9" name="直接连接符 20">
+            <a:extLst>
+              <a:ext uri="{FF2B5EF4-FFF2-40B4-BE49-F238E27FC236}">
+                <a16:creationId xmlns:a16="http://schemas.microsoft.com/office/drawing/2014/main" id="{740BB1FC-B3C6-4721-92D6-BF1F1FA3F6A5}"/>
+              </a:ext>
+            </a:extLst>
+          </p:cNvPr>
+          <p:cNvCxnSpPr>
+            <a:cxnSpLocks/>
+          </p:cNvCxnSpPr>
+          <p:nvPr/>
+        </p:nvCxnSpPr>
+        <p:spPr bwMode="auto">
+          <a:xfrm flipH="1">
+            <a:off x="681567" y="-24"/>
+            <a:ext cx="2117" cy="554038"/>
+          </a:xfrm>
+          <a:prstGeom prst="line">
+            <a:avLst/>
+          </a:prstGeom>
+          <a:noFill/>
+          <a:ln w="28575" algn="ctr">
+            <a:solidFill>
+              <a:schemeClr val="bg1"/>
+            </a:solidFill>
+            <a:round/>
+            <a:headEnd/>
+            <a:tailEnd/>
+          </a:ln>
+          <a:effectLst/>
+          <a:extLst>
+            <a:ext uri="{909E8E84-426E-40DD-AFC4-6F175D3DCCD1}">
+              <a14:hiddenFill xmlns:a14="http://schemas.microsoft.com/office/drawing/2010/main">
+                <a:noFill/>
+              </a14:hiddenFill>
+            </a:ext>
+          </a:extLst>
+        </p:spPr>
+      </p:cxnSp>
+      <p:cxnSp>
+        <p:nvCxnSpPr>
+          <p:cNvPr id="10" name="直接连接符 30">
+            <a:extLst>
+              <a:ext uri="{FF2B5EF4-FFF2-40B4-BE49-F238E27FC236}">
+                <a16:creationId xmlns:a16="http://schemas.microsoft.com/office/drawing/2014/main" id="{28A6E5BF-2A0D-4294-9AFE-058CFD22D566}"/>
+              </a:ext>
+            </a:extLst>
+          </p:cNvPr>
+          <p:cNvCxnSpPr>
+            <a:cxnSpLocks/>
+          </p:cNvCxnSpPr>
+          <p:nvPr/>
+        </p:nvCxnSpPr>
+        <p:spPr bwMode="auto">
+          <a:xfrm>
+            <a:off x="768351" y="-24"/>
+            <a:ext cx="0" cy="298451"/>
+          </a:xfrm>
+          <a:prstGeom prst="line">
+            <a:avLst/>
+          </a:prstGeom>
+          <a:noFill/>
+          <a:ln w="28575" algn="ctr">
+            <a:solidFill>
+              <a:schemeClr val="bg1"/>
+            </a:solidFill>
+            <a:round/>
+            <a:headEnd/>
+            <a:tailEnd/>
+          </a:ln>
+          <a:effectLst/>
+          <a:extLst>
+            <a:ext uri="{909E8E84-426E-40DD-AFC4-6F175D3DCCD1}">
+              <a14:hiddenFill xmlns:a14="http://schemas.microsoft.com/office/drawing/2010/main">
+                <a:noFill/>
+              </a14:hiddenFill>
+            </a:ext>
+          </a:extLst>
+        </p:spPr>
+      </p:cxnSp>
+      <p:sp>
+        <p:nvSpPr>
+          <p:cNvPr id="11" name="TextBox 19">
+            <a:extLst>
+              <a:ext uri="{FF2B5EF4-FFF2-40B4-BE49-F238E27FC236}">
+                <a16:creationId xmlns:a16="http://schemas.microsoft.com/office/drawing/2014/main" id="{6EE42B8E-637A-44E6-A66B-3C85DDBB85EA}"/>
+              </a:ext>
+            </a:extLst>
+          </p:cNvPr>
+          <p:cNvSpPr txBox="1">
+            <a:spLocks noChangeArrowheads="1"/>
+          </p:cNvSpPr>
+          <p:nvPr/>
+        </p:nvSpPr>
+        <p:spPr bwMode="auto">
+          <a:xfrm>
+            <a:off x="829734" y="169838"/>
+            <a:ext cx="11122917" cy="553998"/>
+          </a:xfrm>
+          <a:prstGeom prst="rect">
+            <a:avLst/>
+          </a:prstGeom>
+          <a:noFill/>
+          <a:ln>
+            <a:noFill/>
+          </a:ln>
+          <a:effectLst/>
+          <a:extLst>
+            <a:ext uri="{909E8E84-426E-40DD-AFC4-6F175D3DCCD1}">
+              <a14:hiddenFill xmlns:a14="http://schemas.microsoft.com/office/drawing/2010/main">
+                <a:solidFill>
+                  <a:srgbClr val="FFFFFF"/>
+                </a:solidFill>
+              </a14:hiddenFill>
+            </a:ext>
+            <a:ext uri="{91240B29-F687-4F45-9708-019B960494DF}">
+              <a14:hiddenLine xmlns:a14="http://schemas.microsoft.com/office/drawing/2010/main" w="9525">
+                <a:solidFill>
+                  <a:srgbClr val="000000"/>
+                </a:solidFill>
+                <a:miter lim="800000"/>
+                <a:headEnd/>
+                <a:tailEnd/>
+              </a14:hiddenLine>
+            </a:ext>
+          </a:extLst>
+        </p:spPr>
+        <p:txBody>
+          <a:bodyPr wrap="square">
+            <a:spAutoFit/>
+          </a:bodyPr>
+          <a:lstStyle>
+            <a:lvl1pPr eaLnBrk="0" hangingPunct="0">
+              <a:defRPr>
+                <a:solidFill>
+                  <a:schemeClr val="tx1"/>
+                </a:solidFill>
+                <a:latin typeface="Calibri" pitchFamily="34" charset="0"/>
+                <a:ea typeface="宋体" pitchFamily="2" charset="-122"/>
+              </a:defRPr>
+            </a:lvl1pPr>
+            <a:lvl2pPr marL="742950" indent="-285750" eaLnBrk="0" hangingPunct="0">
+              <a:defRPr>
+                <a:solidFill>
+                  <a:schemeClr val="tx1"/>
+                </a:solidFill>
+                <a:latin typeface="Calibri" pitchFamily="34" charset="0"/>
+                <a:ea typeface="宋体" pitchFamily="2" charset="-122"/>
+              </a:defRPr>
+            </a:lvl2pPr>
+            <a:lvl3pPr marL="1143000" indent="-228600" eaLnBrk="0" hangingPunct="0">
+              <a:defRPr>
+                <a:solidFill>
+                  <a:schemeClr val="tx1"/>
+                </a:solidFill>
+                <a:latin typeface="Calibri" pitchFamily="34" charset="0"/>
+                <a:ea typeface="宋体" pitchFamily="2" charset="-122"/>
+              </a:defRPr>
+            </a:lvl3pPr>
+            <a:lvl4pPr marL="1600200" indent="-228600" eaLnBrk="0" hangingPunct="0">
+              <a:defRPr>
+                <a:solidFill>
+                  <a:schemeClr val="tx1"/>
+                </a:solidFill>
+                <a:latin typeface="Calibri" pitchFamily="34" charset="0"/>
+                <a:ea typeface="宋体" pitchFamily="2" charset="-122"/>
+              </a:defRPr>
+            </a:lvl4pPr>
+            <a:lvl5pPr marL="2057400" indent="-228600" eaLnBrk="0" hangingPunct="0">
+              <a:defRPr>
+                <a:solidFill>
+                  <a:schemeClr val="tx1"/>
+                </a:solidFill>
+                <a:latin typeface="Calibri" pitchFamily="34" charset="0"/>
+                <a:ea typeface="宋体" pitchFamily="2" charset="-122"/>
+              </a:defRPr>
+            </a:lvl5pPr>
+            <a:lvl6pPr marL="2514600" indent="-228600" eaLnBrk="0" fontAlgn="base" hangingPunct="0">
+              <a:spcBef>
+                <a:spcPct val="0"/>
+              </a:spcBef>
+              <a:spcAft>
+                <a:spcPct val="0"/>
+              </a:spcAft>
+              <a:defRPr>
+                <a:solidFill>
+                  <a:schemeClr val="tx1"/>
+                </a:solidFill>
+                <a:latin typeface="Calibri" pitchFamily="34" charset="0"/>
+                <a:ea typeface="宋体" pitchFamily="2" charset="-122"/>
+              </a:defRPr>
+            </a:lvl6pPr>
+            <a:lvl7pPr marL="2971800" indent="-228600" eaLnBrk="0" fontAlgn="base" hangingPunct="0">
+              <a:spcBef>
+                <a:spcPct val="0"/>
+              </a:spcBef>
+              <a:spcAft>
+                <a:spcPct val="0"/>
+              </a:spcAft>
+              <a:defRPr>
+                <a:solidFill>
+                  <a:schemeClr val="tx1"/>
+                </a:solidFill>
+                <a:latin typeface="Calibri" pitchFamily="34" charset="0"/>
+                <a:ea typeface="宋体" pitchFamily="2" charset="-122"/>
+              </a:defRPr>
+            </a:lvl7pPr>
+            <a:lvl8pPr marL="3429000" indent="-228600" eaLnBrk="0" fontAlgn="base" hangingPunct="0">
+              <a:spcBef>
+                <a:spcPct val="0"/>
+              </a:spcBef>
+              <a:spcAft>
+                <a:spcPct val="0"/>
+              </a:spcAft>
+              <a:defRPr>
+                <a:solidFill>
+                  <a:schemeClr val="tx1"/>
+                </a:solidFill>
+                <a:latin typeface="Calibri" pitchFamily="34" charset="0"/>
+                <a:ea typeface="宋体" pitchFamily="2" charset="-122"/>
+              </a:defRPr>
+            </a:lvl8pPr>
+            <a:lvl9pPr marL="3886200" indent="-228600" eaLnBrk="0" fontAlgn="base" hangingPunct="0">
+              <a:spcBef>
+                <a:spcPct val="0"/>
+              </a:spcBef>
+              <a:spcAft>
+                <a:spcPct val="0"/>
+              </a:spcAft>
+              <a:defRPr>
+                <a:solidFill>
+                  <a:schemeClr val="tx1"/>
+                </a:solidFill>
+                <a:latin typeface="Calibri" pitchFamily="34" charset="0"/>
+                <a:ea typeface="宋体" pitchFamily="2" charset="-122"/>
+              </a:defRPr>
+            </a:lvl9pPr>
+          </a:lstStyle>
+          <a:p>
+            <a:pPr eaLnBrk="1" fontAlgn="base" hangingPunct="1">
+              <a:spcBef>
+                <a:spcPct val="0"/>
+              </a:spcBef>
+              <a:spcAft>
+                <a:spcPct val="0"/>
+              </a:spcAft>
+            </a:pPr>
+            <a:r>
+              <a:rPr lang="zh-CN" altLang="en-US" sz="3000" b="1" dirty="0">
+                <a:solidFill>
+                  <a:prstClr val="white"/>
+                </a:solidFill>
+                <a:latin typeface="微软雅黑" panose="020B0503020204020204" pitchFamily="34" charset="-122"/>
+                <a:ea typeface="微软雅黑" panose="020B0503020204020204" pitchFamily="34" charset="-122"/>
+                <a:cs typeface="Arial" pitchFamily="34" charset="0"/>
+              </a:rPr>
+              <a:t>提纲</a:t>
+            </a:r>
+          </a:p>
+        </p:txBody>
+      </p:sp>
     </p:spTree>
     <p:extLst>
       <p:ext uri="{BB962C8B-B14F-4D97-AF65-F5344CB8AC3E}">
-        <p14:creationId xmlns:p14="http://schemas.microsoft.com/office/powerpoint/2010/main" val="995609686"/>
+        <p14:creationId xmlns:p14="http://schemas.microsoft.com/office/powerpoint/2010/main" val="4243812133"/>
       </p:ext>
     </p:extLst>
   </p:cSld>
@@ -1244,20 +2488,435 @@
           <a:chExt cx="0" cy="0"/>
         </a:xfrm>
       </p:grpSpPr>
-      <p:sp>
-        <p:nvSpPr>
-          <p:cNvPr id="2" name="标题 1">
+      <p:grpSp>
+        <p:nvGrpSpPr>
+          <p:cNvPr id="8" name="组合 7">
             <a:extLst>
               <a:ext uri="{FF2B5EF4-FFF2-40B4-BE49-F238E27FC236}">
-                <a16:creationId xmlns:a16="http://schemas.microsoft.com/office/drawing/2014/main" id="{156BCFCC-57EC-435D-AD15-CE7D68518E78}"/>
+                <a16:creationId xmlns:a16="http://schemas.microsoft.com/office/drawing/2014/main" id="{1B9BF0A4-17AA-4116-B463-360E9B871E6B}"/>
               </a:ext>
             </a:extLst>
           </p:cNvPr>
+          <p:cNvGrpSpPr/>
+          <p:nvPr/>
+        </p:nvGrpSpPr>
+        <p:grpSpPr>
+          <a:xfrm>
+            <a:off x="0" y="-24"/>
+            <a:ext cx="12192000" cy="863601"/>
+            <a:chOff x="0" y="-26988"/>
+            <a:chExt cx="9144000" cy="863601"/>
+          </a:xfrm>
+        </p:grpSpPr>
+        <p:sp>
+          <p:nvSpPr>
+            <p:cNvPr id="9" name="标题 3">
+              <a:extLst>
+                <a:ext uri="{FF2B5EF4-FFF2-40B4-BE49-F238E27FC236}">
+                  <a16:creationId xmlns:a16="http://schemas.microsoft.com/office/drawing/2014/main" id="{4CD6A6AB-DF25-4447-AA31-6C2F889D5FB2}"/>
+                </a:ext>
+              </a:extLst>
+            </p:cNvPr>
+            <p:cNvSpPr txBox="1">
+              <a:spLocks/>
+            </p:cNvSpPr>
+            <p:nvPr/>
+          </p:nvSpPr>
+          <p:spPr>
+            <a:xfrm>
+              <a:off x="0" y="-26988"/>
+              <a:ext cx="9144000" cy="863601"/>
+            </a:xfrm>
+            <a:prstGeom prst="rect">
+              <a:avLst/>
+            </a:prstGeom>
+            <a:solidFill>
+              <a:srgbClr val="02409A"/>
+            </a:solidFill>
+            <a:ln>
+              <a:noFill/>
+            </a:ln>
+            <a:effectLst/>
+          </p:spPr>
+          <p:txBody>
+            <a:bodyPr tIns="0" bIns="0" anchor="ctr"/>
+            <a:lstStyle/>
+            <a:p>
+              <a:pPr algn="ctr">
+                <a:spcBef>
+                  <a:spcPct val="0"/>
+                </a:spcBef>
+                <a:defRPr/>
+              </a:pPr>
+              <a:endParaRPr lang="zh-CN" altLang="en-US" sz="4800" b="1" dirty="0">
+                <a:solidFill>
+                  <a:prstClr val="white"/>
+                </a:solidFill>
+                <a:latin typeface="微软雅黑" pitchFamily="34" charset="-122"/>
+                <a:ea typeface="微软雅黑" pitchFamily="34" charset="-122"/>
+              </a:endParaRPr>
+            </a:p>
+          </p:txBody>
+        </p:sp>
+        <p:cxnSp>
+          <p:nvCxnSpPr>
+            <p:cNvPr id="10" name="直接连接符 19">
+              <a:extLst>
+                <a:ext uri="{FF2B5EF4-FFF2-40B4-BE49-F238E27FC236}">
+                  <a16:creationId xmlns:a16="http://schemas.microsoft.com/office/drawing/2014/main" id="{3A276ED9-4D9E-440A-A84A-84AE621A77BA}"/>
+                </a:ext>
+              </a:extLst>
+            </p:cNvPr>
+            <p:cNvCxnSpPr>
+              <a:cxnSpLocks/>
+            </p:cNvCxnSpPr>
+            <p:nvPr/>
+          </p:nvCxnSpPr>
+          <p:spPr bwMode="auto">
+            <a:xfrm flipH="1">
+              <a:off x="449263" y="-25400"/>
+              <a:ext cx="1587" cy="841375"/>
+            </a:xfrm>
+            <a:prstGeom prst="line">
+              <a:avLst/>
+            </a:prstGeom>
+            <a:noFill/>
+            <a:ln w="28575" algn="ctr">
+              <a:solidFill>
+                <a:schemeClr val="bg1"/>
+              </a:solidFill>
+              <a:round/>
+              <a:headEnd/>
+              <a:tailEnd/>
+            </a:ln>
+            <a:effectLst/>
+            <a:extLst>
+              <a:ext uri="{909E8E84-426E-40DD-AFC4-6F175D3DCCD1}">
+                <a14:hiddenFill xmlns:a14="http://schemas.microsoft.com/office/drawing/2010/main">
+                  <a:noFill/>
+                </a14:hiddenFill>
+              </a:ext>
+            </a:extLst>
+          </p:spPr>
+        </p:cxnSp>
+        <p:cxnSp>
+          <p:nvCxnSpPr>
+            <p:cNvPr id="11" name="直接连接符 20">
+              <a:extLst>
+                <a:ext uri="{FF2B5EF4-FFF2-40B4-BE49-F238E27FC236}">
+                  <a16:creationId xmlns:a16="http://schemas.microsoft.com/office/drawing/2014/main" id="{8DC851E0-C218-4FEF-871A-3065C46D640F}"/>
+                </a:ext>
+              </a:extLst>
+            </p:cNvPr>
+            <p:cNvCxnSpPr>
+              <a:cxnSpLocks/>
+            </p:cNvCxnSpPr>
+            <p:nvPr/>
+          </p:nvCxnSpPr>
+          <p:spPr bwMode="auto">
+            <a:xfrm flipH="1">
+              <a:off x="511175" y="-26988"/>
+              <a:ext cx="1588" cy="554038"/>
+            </a:xfrm>
+            <a:prstGeom prst="line">
+              <a:avLst/>
+            </a:prstGeom>
+            <a:noFill/>
+            <a:ln w="28575" algn="ctr">
+              <a:solidFill>
+                <a:schemeClr val="bg1"/>
+              </a:solidFill>
+              <a:round/>
+              <a:headEnd/>
+              <a:tailEnd/>
+            </a:ln>
+            <a:effectLst/>
+            <a:extLst>
+              <a:ext uri="{909E8E84-426E-40DD-AFC4-6F175D3DCCD1}">
+                <a14:hiddenFill xmlns:a14="http://schemas.microsoft.com/office/drawing/2010/main">
+                  <a:noFill/>
+                </a14:hiddenFill>
+              </a:ext>
+            </a:extLst>
+          </p:spPr>
+        </p:cxnSp>
+        <p:cxnSp>
+          <p:nvCxnSpPr>
+            <p:cNvPr id="12" name="直接连接符 30">
+              <a:extLst>
+                <a:ext uri="{FF2B5EF4-FFF2-40B4-BE49-F238E27FC236}">
+                  <a16:creationId xmlns:a16="http://schemas.microsoft.com/office/drawing/2014/main" id="{C400D821-542D-4941-BD6A-B493542CA5AB}"/>
+                </a:ext>
+              </a:extLst>
+            </p:cNvPr>
+            <p:cNvCxnSpPr>
+              <a:cxnSpLocks/>
+            </p:cNvCxnSpPr>
+            <p:nvPr/>
+          </p:nvCxnSpPr>
+          <p:spPr bwMode="auto">
+            <a:xfrm>
+              <a:off x="576263" y="-26988"/>
+              <a:ext cx="0" cy="298451"/>
+            </a:xfrm>
+            <a:prstGeom prst="line">
+              <a:avLst/>
+            </a:prstGeom>
+            <a:noFill/>
+            <a:ln w="28575" algn="ctr">
+              <a:solidFill>
+                <a:schemeClr val="bg1"/>
+              </a:solidFill>
+              <a:round/>
+              <a:headEnd/>
+              <a:tailEnd/>
+            </a:ln>
+            <a:effectLst/>
+            <a:extLst>
+              <a:ext uri="{909E8E84-426E-40DD-AFC4-6F175D3DCCD1}">
+                <a14:hiddenFill xmlns:a14="http://schemas.microsoft.com/office/drawing/2010/main">
+                  <a:noFill/>
+                </a14:hiddenFill>
+              </a:ext>
+            </a:extLst>
+          </p:spPr>
+        </p:cxnSp>
+      </p:grpSp>
+      <p:sp>
+        <p:nvSpPr>
+          <p:cNvPr id="2" name="标题 1"/>
           <p:cNvSpPr>
             <a:spLocks noGrp="1"/>
           </p:cNvSpPr>
           <p:nvPr>
             <p:ph type="title"/>
+          </p:nvPr>
+        </p:nvSpPr>
+        <p:spPr>
+          <a:xfrm>
+            <a:off x="829733" y="169838"/>
+            <a:ext cx="11118683" cy="553998"/>
+          </a:xfrm>
+          <a:prstGeom prst="rect">
+            <a:avLst/>
+          </a:prstGeom>
+        </p:spPr>
+        <p:txBody>
+          <a:bodyPr vert="horz" lIns="91440" tIns="45720" rIns="91440" bIns="45720" rtlCol="0" anchor="ctr">
+            <a:normAutofit/>
+          </a:bodyPr>
+          <a:lstStyle>
+            <a:lvl1pPr algn="l">
+              <a:defRPr lang="zh-CN" altLang="en-US" sz="3000" b="1" dirty="0">
+                <a:solidFill>
+                  <a:prstClr val="white"/>
+                </a:solidFill>
+                <a:latin typeface="微软雅黑" panose="020B0503020204020204" pitchFamily="34" charset="-122"/>
+                <a:ea typeface="微软雅黑" panose="020B0503020204020204" pitchFamily="34" charset="-122"/>
+                <a:cs typeface="Arial" pitchFamily="34" charset="0"/>
+              </a:defRPr>
+            </a:lvl1pPr>
+          </a:lstStyle>
+          <a:p>
+            <a:pPr marL="0" lvl="0" algn="l" fontAlgn="base">
+              <a:spcAft>
+                <a:spcPct val="0"/>
+              </a:spcAft>
+            </a:pPr>
+            <a:r>
+              <a:rPr lang="zh-CN" altLang="en-US"/>
+              <a:t>单击此处编辑母版标题样式</a:t>
+            </a:r>
+            <a:endParaRPr lang="zh-CN" altLang="en-US" dirty="0"/>
+          </a:p>
+        </p:txBody>
+      </p:sp>
+      <p:sp>
+        <p:nvSpPr>
+          <p:cNvPr id="3" name="内容占位符 2"/>
+          <p:cNvSpPr>
+            <a:spLocks noGrp="1"/>
+          </p:cNvSpPr>
+          <p:nvPr>
+            <p:ph sz="half" idx="1"/>
+          </p:nvPr>
+        </p:nvSpPr>
+        <p:spPr>
+          <a:xfrm>
+            <a:off x="609600" y="1033440"/>
+            <a:ext cx="5384800" cy="5092724"/>
+          </a:xfrm>
+        </p:spPr>
+        <p:txBody>
+          <a:bodyPr/>
+          <a:lstStyle>
+            <a:lvl1pPr marL="342900" indent="-342900">
+              <a:buFont typeface="Wingdings" panose="05000000000000000000" pitchFamily="2" charset="2"/>
+              <a:buChar char="Ø"/>
+              <a:defRPr sz="2800"/>
+            </a:lvl1pPr>
+            <a:lvl2pPr marL="742950" indent="-285750">
+              <a:buFont typeface="Wingdings" panose="05000000000000000000" pitchFamily="2" charset="2"/>
+              <a:buChar char="n"/>
+              <a:defRPr sz="2400"/>
+            </a:lvl2pPr>
+            <a:lvl3pPr>
+              <a:defRPr sz="2000"/>
+            </a:lvl3pPr>
+            <a:lvl4pPr>
+              <a:defRPr sz="1800"/>
+            </a:lvl4pPr>
+            <a:lvl5pPr>
+              <a:defRPr sz="1800"/>
+            </a:lvl5pPr>
+            <a:lvl6pPr>
+              <a:defRPr sz="1800"/>
+            </a:lvl6pPr>
+            <a:lvl7pPr>
+              <a:defRPr sz="1800"/>
+            </a:lvl7pPr>
+            <a:lvl8pPr>
+              <a:defRPr sz="1800"/>
+            </a:lvl8pPr>
+            <a:lvl9pPr>
+              <a:defRPr sz="1800"/>
+            </a:lvl9pPr>
+          </a:lstStyle>
+          <a:p>
+            <a:pPr lvl="0"/>
+            <a:r>
+              <a:rPr lang="zh-CN" altLang="en-US"/>
+              <a:t>单击此处编辑母版文本样式</a:t>
+            </a:r>
+          </a:p>
+          <a:p>
+            <a:pPr lvl="1"/>
+            <a:r>
+              <a:rPr lang="zh-CN" altLang="en-US"/>
+              <a:t>二级</a:t>
+            </a:r>
+          </a:p>
+          <a:p>
+            <a:pPr lvl="2"/>
+            <a:r>
+              <a:rPr lang="zh-CN" altLang="en-US"/>
+              <a:t>三级</a:t>
+            </a:r>
+          </a:p>
+          <a:p>
+            <a:pPr lvl="3"/>
+            <a:r>
+              <a:rPr lang="zh-CN" altLang="en-US"/>
+              <a:t>四级</a:t>
+            </a:r>
+          </a:p>
+          <a:p>
+            <a:pPr lvl="4"/>
+            <a:r>
+              <a:rPr lang="zh-CN" altLang="en-US"/>
+              <a:t>五级</a:t>
+            </a:r>
+            <a:endParaRPr lang="zh-CN" altLang="en-US" dirty="0"/>
+          </a:p>
+        </p:txBody>
+      </p:sp>
+      <p:sp>
+        <p:nvSpPr>
+          <p:cNvPr id="4" name="内容占位符 3"/>
+          <p:cNvSpPr>
+            <a:spLocks noGrp="1"/>
+          </p:cNvSpPr>
+          <p:nvPr>
+            <p:ph sz="half" idx="2"/>
+          </p:nvPr>
+        </p:nvSpPr>
+        <p:spPr>
+          <a:xfrm>
+            <a:off x="6197600" y="1033440"/>
+            <a:ext cx="5384800" cy="5092724"/>
+          </a:xfrm>
+        </p:spPr>
+        <p:txBody>
+          <a:bodyPr/>
+          <a:lstStyle>
+            <a:lvl1pPr marL="342900" indent="-342900">
+              <a:buFont typeface="Wingdings" panose="05000000000000000000" pitchFamily="2" charset="2"/>
+              <a:buChar char="Ø"/>
+              <a:defRPr sz="2800"/>
+            </a:lvl1pPr>
+            <a:lvl2pPr marL="742950" indent="-285750">
+              <a:buFont typeface="Wingdings" panose="05000000000000000000" pitchFamily="2" charset="2"/>
+              <a:buChar char="n"/>
+              <a:defRPr sz="2400"/>
+            </a:lvl2pPr>
+            <a:lvl3pPr>
+              <a:defRPr sz="2000"/>
+            </a:lvl3pPr>
+            <a:lvl4pPr>
+              <a:defRPr sz="1800"/>
+            </a:lvl4pPr>
+            <a:lvl5pPr>
+              <a:defRPr sz="1800"/>
+            </a:lvl5pPr>
+            <a:lvl6pPr>
+              <a:defRPr sz="1800"/>
+            </a:lvl6pPr>
+            <a:lvl7pPr>
+              <a:defRPr sz="1800"/>
+            </a:lvl7pPr>
+            <a:lvl8pPr>
+              <a:defRPr sz="1800"/>
+            </a:lvl8pPr>
+            <a:lvl9pPr>
+              <a:defRPr sz="1800"/>
+            </a:lvl9pPr>
+          </a:lstStyle>
+          <a:p>
+            <a:pPr lvl="0"/>
+            <a:r>
+              <a:rPr lang="zh-CN" altLang="en-US"/>
+              <a:t>单击此处编辑母版文本样式</a:t>
+            </a:r>
+          </a:p>
+          <a:p>
+            <a:pPr lvl="1"/>
+            <a:r>
+              <a:rPr lang="zh-CN" altLang="en-US"/>
+              <a:t>二级</a:t>
+            </a:r>
+          </a:p>
+          <a:p>
+            <a:pPr lvl="2"/>
+            <a:r>
+              <a:rPr lang="zh-CN" altLang="en-US"/>
+              <a:t>三级</a:t>
+            </a:r>
+          </a:p>
+          <a:p>
+            <a:pPr lvl="3"/>
+            <a:r>
+              <a:rPr lang="zh-CN" altLang="en-US"/>
+              <a:t>四级</a:t>
+            </a:r>
+          </a:p>
+          <a:p>
+            <a:pPr lvl="4"/>
+            <a:r>
+              <a:rPr lang="zh-CN" altLang="en-US"/>
+              <a:t>五级</a:t>
+            </a:r>
+            <a:endParaRPr lang="zh-CN" altLang="en-US" dirty="0"/>
+          </a:p>
+        </p:txBody>
+      </p:sp>
+      <p:sp>
+        <p:nvSpPr>
+          <p:cNvPr id="5" name="日期占位符 4"/>
+          <p:cNvSpPr>
+            <a:spLocks noGrp="1"/>
+          </p:cNvSpPr>
+          <p:nvPr>
+            <p:ph type="dt" sz="half" idx="10"/>
           </p:nvPr>
         </p:nvSpPr>
         <p:spPr/>
@@ -1265,200 +2924,36 @@
           <a:bodyPr/>
           <a:lstStyle/>
           <a:p>
-            <a:r>
-              <a:rPr lang="zh-CN" altLang="en-US"/>
-              <a:t>单击此处编辑母版标题样式</a:t>
-            </a:r>
-          </a:p>
-        </p:txBody>
-      </p:sp>
-      <p:sp>
-        <p:nvSpPr>
-          <p:cNvPr id="3" name="内容占位符 2">
-            <a:extLst>
-              <a:ext uri="{FF2B5EF4-FFF2-40B4-BE49-F238E27FC236}">
-                <a16:creationId xmlns:a16="http://schemas.microsoft.com/office/drawing/2014/main" id="{2BB1E930-E74A-4C72-A3BB-C595752BF3AA}"/>
-              </a:ext>
-            </a:extLst>
-          </p:cNvPr>
-          <p:cNvSpPr>
-            <a:spLocks noGrp="1"/>
-          </p:cNvSpPr>
-          <p:nvPr>
-            <p:ph sz="half" idx="1"/>
-          </p:nvPr>
-        </p:nvSpPr>
-        <p:spPr>
-          <a:xfrm>
-            <a:off x="838200" y="1825625"/>
-            <a:ext cx="5181600" cy="4351338"/>
-          </a:xfrm>
-        </p:spPr>
+            <a:fld id="{16952747-A5EC-4D1B-AE9D-3AC195362527}" type="datetimeFigureOut">
+              <a:rPr lang="zh-CN" altLang="en-US" smtClean="0"/>
+              <a:t>2020/6/23</a:t>
+            </a:fld>
+            <a:endParaRPr lang="zh-CN" altLang="en-US"/>
+          </a:p>
+        </p:txBody>
+      </p:sp>
+      <p:sp>
+        <p:nvSpPr>
+          <p:cNvPr id="6" name="页脚占位符 5"/>
+          <p:cNvSpPr>
+            <a:spLocks noGrp="1"/>
+          </p:cNvSpPr>
+          <p:nvPr>
+            <p:ph type="ftr" sz="quarter" idx="11"/>
+          </p:nvPr>
+        </p:nvSpPr>
+        <p:spPr/>
         <p:txBody>
           <a:bodyPr/>
           <a:lstStyle/>
           <a:p>
-            <a:pPr lvl="0"/>
-            <a:r>
-              <a:rPr lang="zh-CN" altLang="en-US"/>
-              <a:t>单击此处编辑母版文本样式</a:t>
-            </a:r>
-          </a:p>
-          <a:p>
-            <a:pPr lvl="1"/>
-            <a:r>
-              <a:rPr lang="zh-CN" altLang="en-US"/>
-              <a:t>二级</a:t>
-            </a:r>
-          </a:p>
-          <a:p>
-            <a:pPr lvl="2"/>
-            <a:r>
-              <a:rPr lang="zh-CN" altLang="en-US"/>
-              <a:t>三级</a:t>
-            </a:r>
-          </a:p>
-          <a:p>
-            <a:pPr lvl="3"/>
-            <a:r>
-              <a:rPr lang="zh-CN" altLang="en-US"/>
-              <a:t>四级</a:t>
-            </a:r>
-          </a:p>
-          <a:p>
-            <a:pPr lvl="4"/>
-            <a:r>
-              <a:rPr lang="zh-CN" altLang="en-US"/>
-              <a:t>五级</a:t>
-            </a:r>
-          </a:p>
-        </p:txBody>
-      </p:sp>
-      <p:sp>
-        <p:nvSpPr>
-          <p:cNvPr id="4" name="内容占位符 3">
-            <a:extLst>
-              <a:ext uri="{FF2B5EF4-FFF2-40B4-BE49-F238E27FC236}">
-                <a16:creationId xmlns:a16="http://schemas.microsoft.com/office/drawing/2014/main" id="{980C8F2D-FDDA-41B4-980E-2DF9DFF72683}"/>
-              </a:ext>
-            </a:extLst>
-          </p:cNvPr>
-          <p:cNvSpPr>
-            <a:spLocks noGrp="1"/>
-          </p:cNvSpPr>
-          <p:nvPr>
-            <p:ph sz="half" idx="2"/>
-          </p:nvPr>
-        </p:nvSpPr>
-        <p:spPr>
-          <a:xfrm>
-            <a:off x="6172200" y="1825625"/>
-            <a:ext cx="5181600" cy="4351338"/>
-          </a:xfrm>
-        </p:spPr>
-        <p:txBody>
-          <a:bodyPr/>
-          <a:lstStyle/>
-          <a:p>
-            <a:pPr lvl="0"/>
-            <a:r>
-              <a:rPr lang="zh-CN" altLang="en-US"/>
-              <a:t>单击此处编辑母版文本样式</a:t>
-            </a:r>
-          </a:p>
-          <a:p>
-            <a:pPr lvl="1"/>
-            <a:r>
-              <a:rPr lang="zh-CN" altLang="en-US"/>
-              <a:t>二级</a:t>
-            </a:r>
-          </a:p>
-          <a:p>
-            <a:pPr lvl="2"/>
-            <a:r>
-              <a:rPr lang="zh-CN" altLang="en-US"/>
-              <a:t>三级</a:t>
-            </a:r>
-          </a:p>
-          <a:p>
-            <a:pPr lvl="3"/>
-            <a:r>
-              <a:rPr lang="zh-CN" altLang="en-US"/>
-              <a:t>四级</a:t>
-            </a:r>
-          </a:p>
-          <a:p>
-            <a:pPr lvl="4"/>
-            <a:r>
-              <a:rPr lang="zh-CN" altLang="en-US"/>
-              <a:t>五级</a:t>
-            </a:r>
-          </a:p>
-        </p:txBody>
-      </p:sp>
-      <p:sp>
-        <p:nvSpPr>
-          <p:cNvPr id="5" name="日期占位符 4">
-            <a:extLst>
-              <a:ext uri="{FF2B5EF4-FFF2-40B4-BE49-F238E27FC236}">
-                <a16:creationId xmlns:a16="http://schemas.microsoft.com/office/drawing/2014/main" id="{88BBFDFB-F02C-42E9-AA79-7BDC61685C17}"/>
-              </a:ext>
-            </a:extLst>
-          </p:cNvPr>
-          <p:cNvSpPr>
-            <a:spLocks noGrp="1"/>
-          </p:cNvSpPr>
-          <p:nvPr>
-            <p:ph type="dt" sz="half" idx="10"/>
-          </p:nvPr>
-        </p:nvSpPr>
-        <p:spPr/>
-        <p:txBody>
-          <a:bodyPr/>
-          <a:lstStyle/>
-          <a:p>
-            <a:fld id="{16952747-A5EC-4D1B-AE9D-3AC195362527}" type="datetimeFigureOut">
-              <a:rPr lang="zh-CN" altLang="en-US" smtClean="0"/>
-              <a:t>2020/6/22</a:t>
-            </a:fld>
             <a:endParaRPr lang="zh-CN" altLang="en-US"/>
           </a:p>
         </p:txBody>
       </p:sp>
       <p:sp>
         <p:nvSpPr>
-          <p:cNvPr id="6" name="页脚占位符 5">
-            <a:extLst>
-              <a:ext uri="{FF2B5EF4-FFF2-40B4-BE49-F238E27FC236}">
-                <a16:creationId xmlns:a16="http://schemas.microsoft.com/office/drawing/2014/main" id="{152DFB3B-A1CC-431A-9361-286E7172FB79}"/>
-              </a:ext>
-            </a:extLst>
-          </p:cNvPr>
-          <p:cNvSpPr>
-            <a:spLocks noGrp="1"/>
-          </p:cNvSpPr>
-          <p:nvPr>
-            <p:ph type="ftr" sz="quarter" idx="11"/>
-          </p:nvPr>
-        </p:nvSpPr>
-        <p:spPr/>
-        <p:txBody>
-          <a:bodyPr/>
-          <a:lstStyle/>
-          <a:p>
-            <a:endParaRPr lang="zh-CN" altLang="en-US"/>
-          </a:p>
-        </p:txBody>
-      </p:sp>
-      <p:sp>
-        <p:nvSpPr>
-          <p:cNvPr id="7" name="灯片编号占位符 6">
-            <a:extLst>
-              <a:ext uri="{FF2B5EF4-FFF2-40B4-BE49-F238E27FC236}">
-                <a16:creationId xmlns:a16="http://schemas.microsoft.com/office/drawing/2014/main" id="{983DBB22-05AF-4008-A814-1205E27EC6F7}"/>
-              </a:ext>
-            </a:extLst>
-          </p:cNvPr>
+          <p:cNvPr id="7" name="灯片编号占位符 6"/>
           <p:cNvSpPr>
             <a:spLocks noGrp="1"/>
           </p:cNvSpPr>
@@ -1482,7 +2977,7 @@
     </p:spTree>
     <p:extLst>
       <p:ext uri="{BB962C8B-B14F-4D97-AF65-F5344CB8AC3E}">
-        <p14:creationId xmlns:p14="http://schemas.microsoft.com/office/powerpoint/2010/main" val="1979037728"/>
+        <p14:creationId xmlns:p14="http://schemas.microsoft.com/office/powerpoint/2010/main" val="2115031215"/>
       </p:ext>
     </p:extLst>
   </p:cSld>
@@ -1509,15 +3004,203 @@
           <a:chExt cx="0" cy="0"/>
         </a:xfrm>
       </p:grpSpPr>
-      <p:sp>
-        <p:nvSpPr>
-          <p:cNvPr id="2" name="标题 1">
+      <p:grpSp>
+        <p:nvGrpSpPr>
+          <p:cNvPr id="10" name="组合 9">
             <a:extLst>
               <a:ext uri="{FF2B5EF4-FFF2-40B4-BE49-F238E27FC236}">
-                <a16:creationId xmlns:a16="http://schemas.microsoft.com/office/drawing/2014/main" id="{5D593CAE-7FFA-4BE5-803C-C6B1A70D0534}"/>
+                <a16:creationId xmlns:a16="http://schemas.microsoft.com/office/drawing/2014/main" id="{0F997A75-5537-440A-81DD-40FE6869741F}"/>
               </a:ext>
             </a:extLst>
           </p:cNvPr>
+          <p:cNvGrpSpPr/>
+          <p:nvPr/>
+        </p:nvGrpSpPr>
+        <p:grpSpPr>
+          <a:xfrm>
+            <a:off x="0" y="-24"/>
+            <a:ext cx="12192000" cy="863601"/>
+            <a:chOff x="0" y="-26988"/>
+            <a:chExt cx="9144000" cy="863601"/>
+          </a:xfrm>
+        </p:grpSpPr>
+        <p:sp>
+          <p:nvSpPr>
+            <p:cNvPr id="11" name="标题 3">
+              <a:extLst>
+                <a:ext uri="{FF2B5EF4-FFF2-40B4-BE49-F238E27FC236}">
+                  <a16:creationId xmlns:a16="http://schemas.microsoft.com/office/drawing/2014/main" id="{7CE531F4-6090-42D3-A92F-67A519F6D078}"/>
+                </a:ext>
+              </a:extLst>
+            </p:cNvPr>
+            <p:cNvSpPr txBox="1">
+              <a:spLocks/>
+            </p:cNvSpPr>
+            <p:nvPr/>
+          </p:nvSpPr>
+          <p:spPr>
+            <a:xfrm>
+              <a:off x="0" y="-26988"/>
+              <a:ext cx="9144000" cy="863601"/>
+            </a:xfrm>
+            <a:prstGeom prst="rect">
+              <a:avLst/>
+            </a:prstGeom>
+            <a:solidFill>
+              <a:srgbClr val="02409A"/>
+            </a:solidFill>
+            <a:ln>
+              <a:noFill/>
+            </a:ln>
+            <a:effectLst/>
+          </p:spPr>
+          <p:txBody>
+            <a:bodyPr tIns="0" bIns="0" anchor="ctr"/>
+            <a:lstStyle/>
+            <a:p>
+              <a:pPr algn="ctr">
+                <a:spcBef>
+                  <a:spcPct val="0"/>
+                </a:spcBef>
+                <a:defRPr/>
+              </a:pPr>
+              <a:endParaRPr lang="zh-CN" altLang="en-US" sz="4800" b="1" dirty="0">
+                <a:solidFill>
+                  <a:prstClr val="white"/>
+                </a:solidFill>
+                <a:latin typeface="微软雅黑" pitchFamily="34" charset="-122"/>
+                <a:ea typeface="微软雅黑" pitchFamily="34" charset="-122"/>
+              </a:endParaRPr>
+            </a:p>
+          </p:txBody>
+        </p:sp>
+        <p:cxnSp>
+          <p:nvCxnSpPr>
+            <p:cNvPr id="12" name="直接连接符 19">
+              <a:extLst>
+                <a:ext uri="{FF2B5EF4-FFF2-40B4-BE49-F238E27FC236}">
+                  <a16:creationId xmlns:a16="http://schemas.microsoft.com/office/drawing/2014/main" id="{0C3A453E-A72A-4D5D-A50D-04D166C5F790}"/>
+                </a:ext>
+              </a:extLst>
+            </p:cNvPr>
+            <p:cNvCxnSpPr>
+              <a:cxnSpLocks/>
+            </p:cNvCxnSpPr>
+            <p:nvPr/>
+          </p:nvCxnSpPr>
+          <p:spPr bwMode="auto">
+            <a:xfrm flipH="1">
+              <a:off x="449263" y="-25400"/>
+              <a:ext cx="1587" cy="841375"/>
+            </a:xfrm>
+            <a:prstGeom prst="line">
+              <a:avLst/>
+            </a:prstGeom>
+            <a:noFill/>
+            <a:ln w="28575" algn="ctr">
+              <a:solidFill>
+                <a:schemeClr val="bg1"/>
+              </a:solidFill>
+              <a:round/>
+              <a:headEnd/>
+              <a:tailEnd/>
+            </a:ln>
+            <a:effectLst/>
+            <a:extLst>
+              <a:ext uri="{909E8E84-426E-40DD-AFC4-6F175D3DCCD1}">
+                <a14:hiddenFill xmlns:a14="http://schemas.microsoft.com/office/drawing/2010/main">
+                  <a:noFill/>
+                </a14:hiddenFill>
+              </a:ext>
+            </a:extLst>
+          </p:spPr>
+        </p:cxnSp>
+        <p:cxnSp>
+          <p:nvCxnSpPr>
+            <p:cNvPr id="13" name="直接连接符 20">
+              <a:extLst>
+                <a:ext uri="{FF2B5EF4-FFF2-40B4-BE49-F238E27FC236}">
+                  <a16:creationId xmlns:a16="http://schemas.microsoft.com/office/drawing/2014/main" id="{7AB50A70-8E93-4820-AAE5-F7D6D8ED343D}"/>
+                </a:ext>
+              </a:extLst>
+            </p:cNvPr>
+            <p:cNvCxnSpPr>
+              <a:cxnSpLocks/>
+            </p:cNvCxnSpPr>
+            <p:nvPr/>
+          </p:nvCxnSpPr>
+          <p:spPr bwMode="auto">
+            <a:xfrm flipH="1">
+              <a:off x="511175" y="-26988"/>
+              <a:ext cx="1588" cy="554038"/>
+            </a:xfrm>
+            <a:prstGeom prst="line">
+              <a:avLst/>
+            </a:prstGeom>
+            <a:noFill/>
+            <a:ln w="28575" algn="ctr">
+              <a:solidFill>
+                <a:schemeClr val="bg1"/>
+              </a:solidFill>
+              <a:round/>
+              <a:headEnd/>
+              <a:tailEnd/>
+            </a:ln>
+            <a:effectLst/>
+            <a:extLst>
+              <a:ext uri="{909E8E84-426E-40DD-AFC4-6F175D3DCCD1}">
+                <a14:hiddenFill xmlns:a14="http://schemas.microsoft.com/office/drawing/2010/main">
+                  <a:noFill/>
+                </a14:hiddenFill>
+              </a:ext>
+            </a:extLst>
+          </p:spPr>
+        </p:cxnSp>
+        <p:cxnSp>
+          <p:nvCxnSpPr>
+            <p:cNvPr id="14" name="直接连接符 30">
+              <a:extLst>
+                <a:ext uri="{FF2B5EF4-FFF2-40B4-BE49-F238E27FC236}">
+                  <a16:creationId xmlns:a16="http://schemas.microsoft.com/office/drawing/2014/main" id="{BC8A1772-E37A-4276-BC13-2F9DFCB9E34A}"/>
+                </a:ext>
+              </a:extLst>
+            </p:cNvPr>
+            <p:cNvCxnSpPr>
+              <a:cxnSpLocks/>
+            </p:cNvCxnSpPr>
+            <p:nvPr/>
+          </p:nvCxnSpPr>
+          <p:spPr bwMode="auto">
+            <a:xfrm>
+              <a:off x="576263" y="-26988"/>
+              <a:ext cx="0" cy="298451"/>
+            </a:xfrm>
+            <a:prstGeom prst="line">
+              <a:avLst/>
+            </a:prstGeom>
+            <a:noFill/>
+            <a:ln w="28575" algn="ctr">
+              <a:solidFill>
+                <a:schemeClr val="bg1"/>
+              </a:solidFill>
+              <a:round/>
+              <a:headEnd/>
+              <a:tailEnd/>
+            </a:ln>
+            <a:effectLst/>
+            <a:extLst>
+              <a:ext uri="{909E8E84-426E-40DD-AFC4-6F175D3DCCD1}">
+                <a14:hiddenFill xmlns:a14="http://schemas.microsoft.com/office/drawing/2010/main">
+                  <a:noFill/>
+                </a14:hiddenFill>
+              </a:ext>
+            </a:extLst>
+          </p:spPr>
+        </p:cxnSp>
+      </p:grpSp>
+      <p:sp>
+        <p:nvSpPr>
+          <p:cNvPr id="2" name="标题 1"/>
           <p:cNvSpPr>
             <a:spLocks noGrp="1"/>
           </p:cNvSpPr>
@@ -1527,30 +3210,46 @@
         </p:nvSpPr>
         <p:spPr>
           <a:xfrm>
-            <a:off x="839788" y="365125"/>
-            <a:ext cx="10515600" cy="1325563"/>
+            <a:off x="829733" y="169838"/>
+            <a:ext cx="11118683" cy="561999"/>
           </a:xfrm>
+          <a:prstGeom prst="rect">
+            <a:avLst/>
+          </a:prstGeom>
         </p:spPr>
         <p:txBody>
-          <a:bodyPr/>
-          <a:lstStyle/>
-          <a:p>
+          <a:bodyPr vert="horz" lIns="91440" tIns="45720" rIns="91440" bIns="45720" rtlCol="0" anchor="ctr">
+            <a:normAutofit/>
+          </a:bodyPr>
+          <a:lstStyle>
+            <a:lvl1pPr algn="l">
+              <a:defRPr lang="zh-CN" altLang="en-US" sz="3000" b="1" dirty="0">
+                <a:solidFill>
+                  <a:prstClr val="white"/>
+                </a:solidFill>
+                <a:latin typeface="微软雅黑" panose="020B0503020204020204" pitchFamily="34" charset="-122"/>
+                <a:ea typeface="微软雅黑" panose="020B0503020204020204" pitchFamily="34" charset="-122"/>
+                <a:cs typeface="Arial" pitchFamily="34" charset="0"/>
+              </a:defRPr>
+            </a:lvl1pPr>
+          </a:lstStyle>
+          <a:p>
+            <a:pPr marL="0" lvl="0" algn="l" fontAlgn="base">
+              <a:spcAft>
+                <a:spcPct val="0"/>
+              </a:spcAft>
+            </a:pPr>
             <a:r>
               <a:rPr lang="zh-CN" altLang="en-US"/>
               <a:t>单击此处编辑母版标题样式</a:t>
             </a:r>
-          </a:p>
-        </p:txBody>
-      </p:sp>
-      <p:sp>
-        <p:nvSpPr>
-          <p:cNvPr id="3" name="文本占位符 2">
-            <a:extLst>
-              <a:ext uri="{FF2B5EF4-FFF2-40B4-BE49-F238E27FC236}">
-                <a16:creationId xmlns:a16="http://schemas.microsoft.com/office/drawing/2014/main" id="{59C46AAB-8EDF-457B-9203-0C9AB80433C3}"/>
-              </a:ext>
-            </a:extLst>
-          </p:cNvPr>
+            <a:endParaRPr lang="zh-CN" altLang="en-US" dirty="0"/>
+          </a:p>
+        </p:txBody>
+      </p:sp>
+      <p:sp>
+        <p:nvSpPr>
+          <p:cNvPr id="3" name="文本占位符 2"/>
           <p:cNvSpPr>
             <a:spLocks noGrp="1"/>
           </p:cNvSpPr>
@@ -1560,8 +3259,8 @@
         </p:nvSpPr>
         <p:spPr>
           <a:xfrm>
-            <a:off x="839788" y="1681163"/>
-            <a:ext cx="5157787" cy="823912"/>
+            <a:off x="609600" y="1033439"/>
+            <a:ext cx="5386917" cy="639762"/>
           </a:xfrm>
         </p:spPr>
         <p:txBody>
@@ -1615,13 +3314,7 @@
       </p:sp>
       <p:sp>
         <p:nvSpPr>
-          <p:cNvPr id="4" name="内容占位符 3">
-            <a:extLst>
-              <a:ext uri="{FF2B5EF4-FFF2-40B4-BE49-F238E27FC236}">
-                <a16:creationId xmlns:a16="http://schemas.microsoft.com/office/drawing/2014/main" id="{C7675ECC-7777-49EF-9C53-29F09869D6C0}"/>
-              </a:ext>
-            </a:extLst>
-          </p:cNvPr>
+          <p:cNvPr id="4" name="内容占位符 3"/>
           <p:cNvSpPr>
             <a:spLocks noGrp="1"/>
           </p:cNvSpPr>
@@ -1631,13 +3324,45 @@
         </p:nvSpPr>
         <p:spPr>
           <a:xfrm>
-            <a:off x="839788" y="2505075"/>
-            <a:ext cx="5157787" cy="3684588"/>
+            <a:off x="609600" y="1673201"/>
+            <a:ext cx="5386917" cy="4452962"/>
           </a:xfrm>
         </p:spPr>
         <p:txBody>
           <a:bodyPr/>
-          <a:lstStyle/>
+          <a:lstStyle>
+            <a:lvl1pPr marL="342900" indent="-342900">
+              <a:buFont typeface="Wingdings" panose="05000000000000000000" pitchFamily="2" charset="2"/>
+              <a:buChar char="Ø"/>
+              <a:defRPr sz="2400"/>
+            </a:lvl1pPr>
+            <a:lvl2pPr marL="742950" indent="-285750">
+              <a:buFont typeface="Wingdings" panose="05000000000000000000" pitchFamily="2" charset="2"/>
+              <a:buChar char="n"/>
+              <a:defRPr sz="2000"/>
+            </a:lvl2pPr>
+            <a:lvl3pPr>
+              <a:defRPr sz="1800"/>
+            </a:lvl3pPr>
+            <a:lvl4pPr>
+              <a:defRPr sz="1600"/>
+            </a:lvl4pPr>
+            <a:lvl5pPr>
+              <a:defRPr sz="1600"/>
+            </a:lvl5pPr>
+            <a:lvl6pPr>
+              <a:defRPr sz="1600"/>
+            </a:lvl6pPr>
+            <a:lvl7pPr>
+              <a:defRPr sz="1600"/>
+            </a:lvl7pPr>
+            <a:lvl8pPr>
+              <a:defRPr sz="1600"/>
+            </a:lvl8pPr>
+            <a:lvl9pPr>
+              <a:defRPr sz="1600"/>
+            </a:lvl9pPr>
+          </a:lstStyle>
           <a:p>
             <a:pPr lvl="0"/>
             <a:r>
@@ -1672,18 +3397,13 @@
               <a:rPr lang="zh-CN" altLang="en-US"/>
               <a:t>五级</a:t>
             </a:r>
-          </a:p>
-        </p:txBody>
-      </p:sp>
-      <p:sp>
-        <p:nvSpPr>
-          <p:cNvPr id="5" name="文本占位符 4">
-            <a:extLst>
-              <a:ext uri="{FF2B5EF4-FFF2-40B4-BE49-F238E27FC236}">
-                <a16:creationId xmlns:a16="http://schemas.microsoft.com/office/drawing/2014/main" id="{01B00DC8-5314-48FF-8EF3-494CFF619483}"/>
-              </a:ext>
-            </a:extLst>
-          </p:cNvPr>
+            <a:endParaRPr lang="zh-CN" altLang="en-US" dirty="0"/>
+          </a:p>
+        </p:txBody>
+      </p:sp>
+      <p:sp>
+        <p:nvSpPr>
+          <p:cNvPr id="5" name="文本占位符 4"/>
           <p:cNvSpPr>
             <a:spLocks noGrp="1"/>
           </p:cNvSpPr>
@@ -1693,8 +3413,8 @@
         </p:nvSpPr>
         <p:spPr>
           <a:xfrm>
-            <a:off x="6172200" y="1681163"/>
-            <a:ext cx="5183188" cy="823912"/>
+            <a:off x="6193368" y="1033439"/>
+            <a:ext cx="5389033" cy="639762"/>
           </a:xfrm>
         </p:spPr>
         <p:txBody>
@@ -1748,13 +3468,7 @@
       </p:sp>
       <p:sp>
         <p:nvSpPr>
-          <p:cNvPr id="6" name="内容占位符 5">
-            <a:extLst>
-              <a:ext uri="{FF2B5EF4-FFF2-40B4-BE49-F238E27FC236}">
-                <a16:creationId xmlns:a16="http://schemas.microsoft.com/office/drawing/2014/main" id="{A81E9C70-4C44-4482-8E7B-4F3A7E474749}"/>
-              </a:ext>
-            </a:extLst>
-          </p:cNvPr>
+          <p:cNvPr id="6" name="内容占位符 5"/>
           <p:cNvSpPr>
             <a:spLocks noGrp="1"/>
           </p:cNvSpPr>
@@ -1764,13 +3478,45 @@
         </p:nvSpPr>
         <p:spPr>
           <a:xfrm>
-            <a:off x="6172200" y="2505075"/>
-            <a:ext cx="5183188" cy="3684588"/>
+            <a:off x="6193368" y="1673201"/>
+            <a:ext cx="5389033" cy="4452962"/>
           </a:xfrm>
         </p:spPr>
         <p:txBody>
           <a:bodyPr/>
-          <a:lstStyle/>
+          <a:lstStyle>
+            <a:lvl1pPr marL="342900" indent="-342900">
+              <a:buFont typeface="Wingdings" panose="05000000000000000000" pitchFamily="2" charset="2"/>
+              <a:buChar char="Ø"/>
+              <a:defRPr sz="2400"/>
+            </a:lvl1pPr>
+            <a:lvl2pPr marL="742950" indent="-285750">
+              <a:buFont typeface="Wingdings" panose="05000000000000000000" pitchFamily="2" charset="2"/>
+              <a:buChar char="n"/>
+              <a:defRPr sz="2000"/>
+            </a:lvl2pPr>
+            <a:lvl3pPr>
+              <a:defRPr sz="1800"/>
+            </a:lvl3pPr>
+            <a:lvl4pPr>
+              <a:defRPr sz="1600"/>
+            </a:lvl4pPr>
+            <a:lvl5pPr>
+              <a:defRPr sz="1600"/>
+            </a:lvl5pPr>
+            <a:lvl6pPr>
+              <a:defRPr sz="1600"/>
+            </a:lvl6pPr>
+            <a:lvl7pPr>
+              <a:defRPr sz="1600"/>
+            </a:lvl7pPr>
+            <a:lvl8pPr>
+              <a:defRPr sz="1600"/>
+            </a:lvl8pPr>
+            <a:lvl9pPr>
+              <a:defRPr sz="1600"/>
+            </a:lvl9pPr>
+          </a:lstStyle>
           <a:p>
             <a:pPr lvl="0"/>
             <a:r>
@@ -1805,18 +3551,13 @@
               <a:rPr lang="zh-CN" altLang="en-US"/>
               <a:t>五级</a:t>
             </a:r>
-          </a:p>
-        </p:txBody>
-      </p:sp>
-      <p:sp>
-        <p:nvSpPr>
-          <p:cNvPr id="7" name="日期占位符 6">
-            <a:extLst>
-              <a:ext uri="{FF2B5EF4-FFF2-40B4-BE49-F238E27FC236}">
-                <a16:creationId xmlns:a16="http://schemas.microsoft.com/office/drawing/2014/main" id="{79A3BB8D-324A-4EEE-9A7C-93DD838BBD45}"/>
-              </a:ext>
-            </a:extLst>
-          </p:cNvPr>
+            <a:endParaRPr lang="zh-CN" altLang="en-US" dirty="0"/>
+          </a:p>
+        </p:txBody>
+      </p:sp>
+      <p:sp>
+        <p:nvSpPr>
+          <p:cNvPr id="7" name="日期占位符 6"/>
           <p:cNvSpPr>
             <a:spLocks noGrp="1"/>
           </p:cNvSpPr>
@@ -1831,7 +3572,7 @@
           <a:p>
             <a:fld id="{16952747-A5EC-4D1B-AE9D-3AC195362527}" type="datetimeFigureOut">
               <a:rPr lang="zh-CN" altLang="en-US" smtClean="0"/>
-              <a:t>2020/6/22</a:t>
+              <a:t>2020/6/23</a:t>
             </a:fld>
             <a:endParaRPr lang="zh-CN" altLang="en-US"/>
           </a:p>
@@ -1839,13 +3580,7 @@
       </p:sp>
       <p:sp>
         <p:nvSpPr>
-          <p:cNvPr id="8" name="页脚占位符 7">
-            <a:extLst>
-              <a:ext uri="{FF2B5EF4-FFF2-40B4-BE49-F238E27FC236}">
-                <a16:creationId xmlns:a16="http://schemas.microsoft.com/office/drawing/2014/main" id="{F3B4C259-4B5D-4318-880E-F2B2E28F5705}"/>
-              </a:ext>
-            </a:extLst>
-          </p:cNvPr>
+          <p:cNvPr id="8" name="页脚占位符 7"/>
           <p:cNvSpPr>
             <a:spLocks noGrp="1"/>
           </p:cNvSpPr>
@@ -1864,13 +3599,7 @@
       </p:sp>
       <p:sp>
         <p:nvSpPr>
-          <p:cNvPr id="9" name="灯片编号占位符 8">
-            <a:extLst>
-              <a:ext uri="{FF2B5EF4-FFF2-40B4-BE49-F238E27FC236}">
-                <a16:creationId xmlns:a16="http://schemas.microsoft.com/office/drawing/2014/main" id="{C3CA6AA4-8DC1-4975-8E7B-DA987CAA0BE6}"/>
-              </a:ext>
-            </a:extLst>
-          </p:cNvPr>
+          <p:cNvPr id="9" name="灯片编号占位符 8"/>
           <p:cNvSpPr>
             <a:spLocks noGrp="1"/>
           </p:cNvSpPr>
@@ -1894,7 +3623,7 @@
     </p:spTree>
     <p:extLst>
       <p:ext uri="{BB962C8B-B14F-4D97-AF65-F5344CB8AC3E}">
-        <p14:creationId xmlns:p14="http://schemas.microsoft.com/office/powerpoint/2010/main" val="3072154654"/>
+        <p14:creationId xmlns:p14="http://schemas.microsoft.com/office/powerpoint/2010/main" val="1370379062"/>
       </p:ext>
     </p:extLst>
   </p:cSld>
@@ -1921,20 +3650,257 @@
           <a:chExt cx="0" cy="0"/>
         </a:xfrm>
       </p:grpSpPr>
-      <p:sp>
-        <p:nvSpPr>
-          <p:cNvPr id="2" name="标题 1">
+      <p:grpSp>
+        <p:nvGrpSpPr>
+          <p:cNvPr id="6" name="组合 5">
             <a:extLst>
               <a:ext uri="{FF2B5EF4-FFF2-40B4-BE49-F238E27FC236}">
-                <a16:creationId xmlns:a16="http://schemas.microsoft.com/office/drawing/2014/main" id="{03973FC0-949D-48AE-A20D-0AFB51F68B40}"/>
+                <a16:creationId xmlns:a16="http://schemas.microsoft.com/office/drawing/2014/main" id="{A12912D2-0DF4-4AFD-987D-E4A4BE79C44B}"/>
               </a:ext>
             </a:extLst>
           </p:cNvPr>
+          <p:cNvGrpSpPr/>
+          <p:nvPr/>
+        </p:nvGrpSpPr>
+        <p:grpSpPr>
+          <a:xfrm>
+            <a:off x="0" y="-24"/>
+            <a:ext cx="12192000" cy="863601"/>
+            <a:chOff x="0" y="-26988"/>
+            <a:chExt cx="9144000" cy="863601"/>
+          </a:xfrm>
+        </p:grpSpPr>
+        <p:sp>
+          <p:nvSpPr>
+            <p:cNvPr id="7" name="标题 3">
+              <a:extLst>
+                <a:ext uri="{FF2B5EF4-FFF2-40B4-BE49-F238E27FC236}">
+                  <a16:creationId xmlns:a16="http://schemas.microsoft.com/office/drawing/2014/main" id="{EE11A992-40E0-4E14-AC49-D270EDB90950}"/>
+                </a:ext>
+              </a:extLst>
+            </p:cNvPr>
+            <p:cNvSpPr txBox="1">
+              <a:spLocks/>
+            </p:cNvSpPr>
+            <p:nvPr/>
+          </p:nvSpPr>
+          <p:spPr>
+            <a:xfrm>
+              <a:off x="0" y="-26988"/>
+              <a:ext cx="9144000" cy="863601"/>
+            </a:xfrm>
+            <a:prstGeom prst="rect">
+              <a:avLst/>
+            </a:prstGeom>
+            <a:solidFill>
+              <a:srgbClr val="02409A"/>
+            </a:solidFill>
+            <a:ln>
+              <a:noFill/>
+            </a:ln>
+            <a:effectLst/>
+          </p:spPr>
+          <p:txBody>
+            <a:bodyPr tIns="0" bIns="0" anchor="ctr"/>
+            <a:lstStyle/>
+            <a:p>
+              <a:pPr algn="ctr">
+                <a:spcBef>
+                  <a:spcPct val="0"/>
+                </a:spcBef>
+                <a:defRPr/>
+              </a:pPr>
+              <a:endParaRPr lang="zh-CN" altLang="en-US" sz="4800" b="1" dirty="0">
+                <a:solidFill>
+                  <a:prstClr val="white"/>
+                </a:solidFill>
+                <a:latin typeface="微软雅黑" pitchFamily="34" charset="-122"/>
+                <a:ea typeface="微软雅黑" pitchFamily="34" charset="-122"/>
+              </a:endParaRPr>
+            </a:p>
+          </p:txBody>
+        </p:sp>
+        <p:cxnSp>
+          <p:nvCxnSpPr>
+            <p:cNvPr id="8" name="直接连接符 19">
+              <a:extLst>
+                <a:ext uri="{FF2B5EF4-FFF2-40B4-BE49-F238E27FC236}">
+                  <a16:creationId xmlns:a16="http://schemas.microsoft.com/office/drawing/2014/main" id="{5DFC2A33-AB71-4FEB-8310-CC5635A08721}"/>
+                </a:ext>
+              </a:extLst>
+            </p:cNvPr>
+            <p:cNvCxnSpPr>
+              <a:cxnSpLocks/>
+            </p:cNvCxnSpPr>
+            <p:nvPr/>
+          </p:nvCxnSpPr>
+          <p:spPr bwMode="auto">
+            <a:xfrm flipH="1">
+              <a:off x="449263" y="-25400"/>
+              <a:ext cx="1587" cy="841375"/>
+            </a:xfrm>
+            <a:prstGeom prst="line">
+              <a:avLst/>
+            </a:prstGeom>
+            <a:noFill/>
+            <a:ln w="28575" algn="ctr">
+              <a:solidFill>
+                <a:schemeClr val="bg1"/>
+              </a:solidFill>
+              <a:round/>
+              <a:headEnd/>
+              <a:tailEnd/>
+            </a:ln>
+            <a:effectLst/>
+            <a:extLst>
+              <a:ext uri="{909E8E84-426E-40DD-AFC4-6F175D3DCCD1}">
+                <a14:hiddenFill xmlns:a14="http://schemas.microsoft.com/office/drawing/2010/main">
+                  <a:noFill/>
+                </a14:hiddenFill>
+              </a:ext>
+            </a:extLst>
+          </p:spPr>
+        </p:cxnSp>
+        <p:cxnSp>
+          <p:nvCxnSpPr>
+            <p:cNvPr id="9" name="直接连接符 20">
+              <a:extLst>
+                <a:ext uri="{FF2B5EF4-FFF2-40B4-BE49-F238E27FC236}">
+                  <a16:creationId xmlns:a16="http://schemas.microsoft.com/office/drawing/2014/main" id="{7EDE707B-1815-4F6E-AE62-356B0843661F}"/>
+                </a:ext>
+              </a:extLst>
+            </p:cNvPr>
+            <p:cNvCxnSpPr>
+              <a:cxnSpLocks/>
+            </p:cNvCxnSpPr>
+            <p:nvPr/>
+          </p:nvCxnSpPr>
+          <p:spPr bwMode="auto">
+            <a:xfrm flipH="1">
+              <a:off x="511175" y="-26988"/>
+              <a:ext cx="1588" cy="554038"/>
+            </a:xfrm>
+            <a:prstGeom prst="line">
+              <a:avLst/>
+            </a:prstGeom>
+            <a:noFill/>
+            <a:ln w="28575" algn="ctr">
+              <a:solidFill>
+                <a:schemeClr val="bg1"/>
+              </a:solidFill>
+              <a:round/>
+              <a:headEnd/>
+              <a:tailEnd/>
+            </a:ln>
+            <a:effectLst/>
+            <a:extLst>
+              <a:ext uri="{909E8E84-426E-40DD-AFC4-6F175D3DCCD1}">
+                <a14:hiddenFill xmlns:a14="http://schemas.microsoft.com/office/drawing/2010/main">
+                  <a:noFill/>
+                </a14:hiddenFill>
+              </a:ext>
+            </a:extLst>
+          </p:spPr>
+        </p:cxnSp>
+        <p:cxnSp>
+          <p:nvCxnSpPr>
+            <p:cNvPr id="10" name="直接连接符 30">
+              <a:extLst>
+                <a:ext uri="{FF2B5EF4-FFF2-40B4-BE49-F238E27FC236}">
+                  <a16:creationId xmlns:a16="http://schemas.microsoft.com/office/drawing/2014/main" id="{503B0CE3-D7D8-4814-9D62-C1B54623C0E5}"/>
+                </a:ext>
+              </a:extLst>
+            </p:cNvPr>
+            <p:cNvCxnSpPr>
+              <a:cxnSpLocks/>
+            </p:cNvCxnSpPr>
+            <p:nvPr/>
+          </p:nvCxnSpPr>
+          <p:spPr bwMode="auto">
+            <a:xfrm>
+              <a:off x="576263" y="-26988"/>
+              <a:ext cx="0" cy="298451"/>
+            </a:xfrm>
+            <a:prstGeom prst="line">
+              <a:avLst/>
+            </a:prstGeom>
+            <a:noFill/>
+            <a:ln w="28575" algn="ctr">
+              <a:solidFill>
+                <a:schemeClr val="bg1"/>
+              </a:solidFill>
+              <a:round/>
+              <a:headEnd/>
+              <a:tailEnd/>
+            </a:ln>
+            <a:effectLst/>
+            <a:extLst>
+              <a:ext uri="{909E8E84-426E-40DD-AFC4-6F175D3DCCD1}">
+                <a14:hiddenFill xmlns:a14="http://schemas.microsoft.com/office/drawing/2010/main">
+                  <a:noFill/>
+                </a14:hiddenFill>
+              </a:ext>
+            </a:extLst>
+          </p:spPr>
+        </p:cxnSp>
+      </p:grpSp>
+      <p:sp>
+        <p:nvSpPr>
+          <p:cNvPr id="2" name="标题 1"/>
           <p:cNvSpPr>
             <a:spLocks noGrp="1"/>
           </p:cNvSpPr>
           <p:nvPr>
             <p:ph type="title"/>
+          </p:nvPr>
+        </p:nvSpPr>
+        <p:spPr>
+          <a:xfrm>
+            <a:off x="829733" y="169838"/>
+            <a:ext cx="11118683" cy="561999"/>
+          </a:xfrm>
+          <a:prstGeom prst="rect">
+            <a:avLst/>
+          </a:prstGeom>
+        </p:spPr>
+        <p:txBody>
+          <a:bodyPr vert="horz" lIns="91440" tIns="45720" rIns="91440" bIns="45720" rtlCol="0" anchor="ctr">
+            <a:normAutofit/>
+          </a:bodyPr>
+          <a:lstStyle>
+            <a:lvl1pPr algn="l">
+              <a:defRPr lang="zh-CN" altLang="en-US" sz="3000" b="1" dirty="0">
+                <a:solidFill>
+                  <a:prstClr val="white"/>
+                </a:solidFill>
+                <a:latin typeface="微软雅黑" panose="020B0503020204020204" pitchFamily="34" charset="-122"/>
+                <a:ea typeface="微软雅黑" panose="020B0503020204020204" pitchFamily="34" charset="-122"/>
+                <a:cs typeface="Arial" pitchFamily="34" charset="0"/>
+              </a:defRPr>
+            </a:lvl1pPr>
+          </a:lstStyle>
+          <a:p>
+            <a:pPr marL="0" lvl="0" algn="l" fontAlgn="base">
+              <a:spcAft>
+                <a:spcPct val="0"/>
+              </a:spcAft>
+            </a:pPr>
+            <a:r>
+              <a:rPr lang="zh-CN" altLang="en-US"/>
+              <a:t>单击此处编辑母版标题样式</a:t>
+            </a:r>
+            <a:endParaRPr lang="zh-CN" altLang="en-US" dirty="0"/>
+          </a:p>
+        </p:txBody>
+      </p:sp>
+      <p:sp>
+        <p:nvSpPr>
+          <p:cNvPr id="3" name="日期占位符 2"/>
+          <p:cNvSpPr>
+            <a:spLocks noGrp="1"/>
+          </p:cNvSpPr>
+          <p:nvPr>
+            <p:ph type="dt" sz="half" idx="10"/>
           </p:nvPr>
         </p:nvSpPr>
         <p:spPr/>
@@ -1942,27 +3908,22 @@
           <a:bodyPr/>
           <a:lstStyle/>
           <a:p>
-            <a:r>
-              <a:rPr lang="zh-CN" altLang="en-US"/>
-              <a:t>单击此处编辑母版标题样式</a:t>
-            </a:r>
-          </a:p>
-        </p:txBody>
-      </p:sp>
-      <p:sp>
-        <p:nvSpPr>
-          <p:cNvPr id="3" name="日期占位符 2">
-            <a:extLst>
-              <a:ext uri="{FF2B5EF4-FFF2-40B4-BE49-F238E27FC236}">
-                <a16:creationId xmlns:a16="http://schemas.microsoft.com/office/drawing/2014/main" id="{D9475E15-EDC8-4558-ABC5-17D99A325E14}"/>
-              </a:ext>
-            </a:extLst>
-          </p:cNvPr>
-          <p:cNvSpPr>
-            <a:spLocks noGrp="1"/>
-          </p:cNvSpPr>
-          <p:nvPr>
-            <p:ph type="dt" sz="half" idx="10"/>
+            <a:fld id="{16952747-A5EC-4D1B-AE9D-3AC195362527}" type="datetimeFigureOut">
+              <a:rPr lang="zh-CN" altLang="en-US" smtClean="0"/>
+              <a:t>2020/6/23</a:t>
+            </a:fld>
+            <a:endParaRPr lang="zh-CN" altLang="en-US"/>
+          </a:p>
+        </p:txBody>
+      </p:sp>
+      <p:sp>
+        <p:nvSpPr>
+          <p:cNvPr id="4" name="页脚占位符 3"/>
+          <p:cNvSpPr>
+            <a:spLocks noGrp="1"/>
+          </p:cNvSpPr>
+          <p:nvPr>
+            <p:ph type="ftr" sz="quarter" idx="11"/>
           </p:nvPr>
         </p:nvSpPr>
         <p:spPr/>
@@ -1970,48 +3931,13 @@
           <a:bodyPr/>
           <a:lstStyle/>
           <a:p>
-            <a:fld id="{16952747-A5EC-4D1B-AE9D-3AC195362527}" type="datetimeFigureOut">
-              <a:rPr lang="zh-CN" altLang="en-US" smtClean="0"/>
-              <a:t>2020/6/22</a:t>
-            </a:fld>
             <a:endParaRPr lang="zh-CN" altLang="en-US"/>
           </a:p>
         </p:txBody>
       </p:sp>
       <p:sp>
         <p:nvSpPr>
-          <p:cNvPr id="4" name="页脚占位符 3">
-            <a:extLst>
-              <a:ext uri="{FF2B5EF4-FFF2-40B4-BE49-F238E27FC236}">
-                <a16:creationId xmlns:a16="http://schemas.microsoft.com/office/drawing/2014/main" id="{AC9E479F-10FE-4475-81E2-3144500A86CF}"/>
-              </a:ext>
-            </a:extLst>
-          </p:cNvPr>
-          <p:cNvSpPr>
-            <a:spLocks noGrp="1"/>
-          </p:cNvSpPr>
-          <p:nvPr>
-            <p:ph type="ftr" sz="quarter" idx="11"/>
-          </p:nvPr>
-        </p:nvSpPr>
-        <p:spPr/>
-        <p:txBody>
-          <a:bodyPr/>
-          <a:lstStyle/>
-          <a:p>
-            <a:endParaRPr lang="zh-CN" altLang="en-US"/>
-          </a:p>
-        </p:txBody>
-      </p:sp>
-      <p:sp>
-        <p:nvSpPr>
-          <p:cNvPr id="5" name="灯片编号占位符 4">
-            <a:extLst>
-              <a:ext uri="{FF2B5EF4-FFF2-40B4-BE49-F238E27FC236}">
-                <a16:creationId xmlns:a16="http://schemas.microsoft.com/office/drawing/2014/main" id="{8A6A95B1-6678-4956-B409-C605D54823E8}"/>
-              </a:ext>
-            </a:extLst>
-          </p:cNvPr>
+          <p:cNvPr id="5" name="灯片编号占位符 4"/>
           <p:cNvSpPr>
             <a:spLocks noGrp="1"/>
           </p:cNvSpPr>
@@ -2035,7 +3961,7 @@
     </p:spTree>
     <p:extLst>
       <p:ext uri="{BB962C8B-B14F-4D97-AF65-F5344CB8AC3E}">
-        <p14:creationId xmlns:p14="http://schemas.microsoft.com/office/powerpoint/2010/main" val="3476227493"/>
+        <p14:creationId xmlns:p14="http://schemas.microsoft.com/office/powerpoint/2010/main" val="310066739"/>
       </p:ext>
     </p:extLst>
   </p:cSld>
@@ -2064,13 +3990,7 @@
       </p:grpSpPr>
       <p:sp>
         <p:nvSpPr>
-          <p:cNvPr id="2" name="日期占位符 1">
-            <a:extLst>
-              <a:ext uri="{FF2B5EF4-FFF2-40B4-BE49-F238E27FC236}">
-                <a16:creationId xmlns:a16="http://schemas.microsoft.com/office/drawing/2014/main" id="{5AE625F9-BFC6-4B44-A0F8-B1C9904083F2}"/>
-              </a:ext>
-            </a:extLst>
-          </p:cNvPr>
+          <p:cNvPr id="2" name="日期占位符 1"/>
           <p:cNvSpPr>
             <a:spLocks noGrp="1"/>
           </p:cNvSpPr>
@@ -2085,7 +4005,7 @@
           <a:p>
             <a:fld id="{16952747-A5EC-4D1B-AE9D-3AC195362527}" type="datetimeFigureOut">
               <a:rPr lang="zh-CN" altLang="en-US" smtClean="0"/>
-              <a:t>2020/6/22</a:t>
+              <a:t>2020/6/23</a:t>
             </a:fld>
             <a:endParaRPr lang="zh-CN" altLang="en-US"/>
           </a:p>
@@ -2093,13 +4013,7 @@
       </p:sp>
       <p:sp>
         <p:nvSpPr>
-          <p:cNvPr id="3" name="页脚占位符 2">
-            <a:extLst>
-              <a:ext uri="{FF2B5EF4-FFF2-40B4-BE49-F238E27FC236}">
-                <a16:creationId xmlns:a16="http://schemas.microsoft.com/office/drawing/2014/main" id="{0FC04529-16F0-447F-9102-16B11586965B}"/>
-              </a:ext>
-            </a:extLst>
-          </p:cNvPr>
+          <p:cNvPr id="3" name="页脚占位符 2"/>
           <p:cNvSpPr>
             <a:spLocks noGrp="1"/>
           </p:cNvSpPr>
@@ -2118,13 +4032,7 @@
       </p:sp>
       <p:sp>
         <p:nvSpPr>
-          <p:cNvPr id="4" name="灯片编号占位符 3">
-            <a:extLst>
-              <a:ext uri="{FF2B5EF4-FFF2-40B4-BE49-F238E27FC236}">
-                <a16:creationId xmlns:a16="http://schemas.microsoft.com/office/drawing/2014/main" id="{28AFCD08-672B-43D9-96BC-05E59F982A7C}"/>
-              </a:ext>
-            </a:extLst>
-          </p:cNvPr>
+          <p:cNvPr id="4" name="灯片编号占位符 3"/>
           <p:cNvSpPr>
             <a:spLocks noGrp="1"/>
           </p:cNvSpPr>
@@ -2148,7 +4056,7 @@
     </p:spTree>
     <p:extLst>
       <p:ext uri="{BB962C8B-B14F-4D97-AF65-F5344CB8AC3E}">
-        <p14:creationId xmlns:p14="http://schemas.microsoft.com/office/powerpoint/2010/main" val="3641800660"/>
+        <p14:creationId xmlns:p14="http://schemas.microsoft.com/office/powerpoint/2010/main" val="1296974457"/>
       </p:ext>
     </p:extLst>
   </p:cSld>
@@ -2159,6 +4067,443 @@
 </file>
 
 <file path=ppt/slideLayouts/slideLayout8.xml><?xml version="1.0" encoding="utf-8"?>
+<p:sldLayout xmlns:a="http://schemas.openxmlformats.org/drawingml/2006/main" xmlns:r="http://schemas.openxmlformats.org/officeDocument/2006/relationships" xmlns:p="http://schemas.openxmlformats.org/presentationml/2006/main" preserve="1">
+  <p:cSld name="致谢">
+    <p:spTree>
+      <p:nvGrpSpPr>
+        <p:cNvPr id="1" name=""/>
+        <p:cNvGrpSpPr/>
+        <p:nvPr/>
+      </p:nvGrpSpPr>
+      <p:grpSpPr>
+        <a:xfrm>
+          <a:off x="0" y="0"/>
+          <a:ext cx="0" cy="0"/>
+          <a:chOff x="0" y="0"/>
+          <a:chExt cx="0" cy="0"/>
+        </a:xfrm>
+      </p:grpSpPr>
+      <p:sp>
+        <p:nvSpPr>
+          <p:cNvPr id="3" name="日期占位符 2">
+            <a:extLst>
+              <a:ext uri="{FF2B5EF4-FFF2-40B4-BE49-F238E27FC236}">
+                <a16:creationId xmlns:a16="http://schemas.microsoft.com/office/drawing/2014/main" id="{4FB062C8-8753-4729-A2AC-00E51378E261}"/>
+              </a:ext>
+            </a:extLst>
+          </p:cNvPr>
+          <p:cNvSpPr>
+            <a:spLocks noGrp="1"/>
+          </p:cNvSpPr>
+          <p:nvPr>
+            <p:ph type="dt" sz="half" idx="10"/>
+          </p:nvPr>
+        </p:nvSpPr>
+        <p:spPr/>
+        <p:txBody>
+          <a:bodyPr/>
+          <a:lstStyle/>
+          <a:p>
+            <a:fld id="{16952747-A5EC-4D1B-AE9D-3AC195362527}" type="datetimeFigureOut">
+              <a:rPr lang="zh-CN" altLang="en-US" smtClean="0"/>
+              <a:t>2020/6/23</a:t>
+            </a:fld>
+            <a:endParaRPr lang="zh-CN" altLang="en-US"/>
+          </a:p>
+        </p:txBody>
+      </p:sp>
+      <p:sp>
+        <p:nvSpPr>
+          <p:cNvPr id="4" name="页脚占位符 3">
+            <a:extLst>
+              <a:ext uri="{FF2B5EF4-FFF2-40B4-BE49-F238E27FC236}">
+                <a16:creationId xmlns:a16="http://schemas.microsoft.com/office/drawing/2014/main" id="{FB0B1FA3-89C5-42E1-BC99-5A18B6AA9534}"/>
+              </a:ext>
+            </a:extLst>
+          </p:cNvPr>
+          <p:cNvSpPr>
+            <a:spLocks noGrp="1"/>
+          </p:cNvSpPr>
+          <p:nvPr>
+            <p:ph type="ftr" sz="quarter" idx="11"/>
+          </p:nvPr>
+        </p:nvSpPr>
+        <p:spPr/>
+        <p:txBody>
+          <a:bodyPr/>
+          <a:lstStyle/>
+          <a:p>
+            <a:endParaRPr lang="zh-CN" altLang="en-US"/>
+          </a:p>
+        </p:txBody>
+      </p:sp>
+      <p:sp>
+        <p:nvSpPr>
+          <p:cNvPr id="5" name="灯片编号占位符 4">
+            <a:extLst>
+              <a:ext uri="{FF2B5EF4-FFF2-40B4-BE49-F238E27FC236}">
+                <a16:creationId xmlns:a16="http://schemas.microsoft.com/office/drawing/2014/main" id="{6372A1CF-E4C3-4C1D-9AA9-A3422C5D4CA1}"/>
+              </a:ext>
+            </a:extLst>
+          </p:cNvPr>
+          <p:cNvSpPr>
+            <a:spLocks noGrp="1"/>
+          </p:cNvSpPr>
+          <p:nvPr>
+            <p:ph type="sldNum" sz="quarter" idx="12"/>
+          </p:nvPr>
+        </p:nvSpPr>
+        <p:spPr/>
+        <p:txBody>
+          <a:bodyPr/>
+          <a:lstStyle/>
+          <a:p>
+            <a:fld id="{3D2467E8-FF24-4166-908E-8843E8F8E9D1}" type="slidenum">
+              <a:rPr lang="zh-CN" altLang="en-US" smtClean="0"/>
+              <a:t>‹#›</a:t>
+            </a:fld>
+            <a:endParaRPr lang="zh-CN" altLang="en-US"/>
+          </a:p>
+        </p:txBody>
+      </p:sp>
+      <p:sp>
+        <p:nvSpPr>
+          <p:cNvPr id="6" name="标题 3">
+            <a:extLst>
+              <a:ext uri="{FF2B5EF4-FFF2-40B4-BE49-F238E27FC236}">
+                <a16:creationId xmlns:a16="http://schemas.microsoft.com/office/drawing/2014/main" id="{FC290AC1-FD36-4F3C-A293-1435AA3E4C39}"/>
+              </a:ext>
+            </a:extLst>
+          </p:cNvPr>
+          <p:cNvSpPr txBox="1">
+            <a:spLocks/>
+          </p:cNvSpPr>
+          <p:nvPr/>
+        </p:nvSpPr>
+        <p:spPr>
+          <a:xfrm>
+            <a:off x="0" y="2277691"/>
+            <a:ext cx="12192000" cy="1943844"/>
+          </a:xfrm>
+          <a:prstGeom prst="rect">
+            <a:avLst/>
+          </a:prstGeom>
+          <a:solidFill>
+            <a:srgbClr val="02409A"/>
+          </a:solidFill>
+          <a:ln>
+            <a:noFill/>
+          </a:ln>
+          <a:effectLst>
+            <a:outerShdw blurRad="44450" dist="27940" dir="5400000" algn="ctr">
+              <a:srgbClr val="000000">
+                <a:alpha val="32000"/>
+              </a:srgbClr>
+            </a:outerShdw>
+          </a:effectLst>
+        </p:spPr>
+        <p:txBody>
+          <a:bodyPr tIns="0" bIns="0" anchor="ctr"/>
+          <a:lstStyle/>
+          <a:p>
+            <a:pPr algn="ctr">
+              <a:spcBef>
+                <a:spcPct val="0"/>
+              </a:spcBef>
+              <a:defRPr/>
+            </a:pPr>
+            <a:endParaRPr lang="zh-CN" altLang="en-US" sz="4800" b="1" dirty="0">
+              <a:solidFill>
+                <a:prstClr val="white"/>
+              </a:solidFill>
+              <a:latin typeface="微软雅黑" pitchFamily="34" charset="-122"/>
+              <a:ea typeface="微软雅黑" pitchFamily="34" charset="-122"/>
+            </a:endParaRPr>
+          </a:p>
+        </p:txBody>
+      </p:sp>
+      <p:sp>
+        <p:nvSpPr>
+          <p:cNvPr id="7" name="TextBox 4">
+            <a:extLst>
+              <a:ext uri="{FF2B5EF4-FFF2-40B4-BE49-F238E27FC236}">
+                <a16:creationId xmlns:a16="http://schemas.microsoft.com/office/drawing/2014/main" id="{C8842466-337A-4916-8970-BB531A1FEC01}"/>
+              </a:ext>
+            </a:extLst>
+          </p:cNvPr>
+          <p:cNvSpPr txBox="1"/>
+          <p:nvPr/>
+        </p:nvSpPr>
+        <p:spPr>
+          <a:xfrm>
+            <a:off x="1524000" y="2464783"/>
+            <a:ext cx="9144000" cy="1569660"/>
+          </a:xfrm>
+          <a:prstGeom prst="rect">
+            <a:avLst/>
+          </a:prstGeom>
+          <a:noFill/>
+        </p:spPr>
+        <p:txBody>
+          <a:bodyPr wrap="square">
+            <a:spAutoFit/>
+          </a:bodyPr>
+          <a:lstStyle/>
+          <a:p>
+            <a:pPr algn="ctr">
+              <a:defRPr/>
+            </a:pPr>
+            <a:r>
+              <a:rPr lang="zh-CN" altLang="en-US" sz="4800" b="1" dirty="0">
+                <a:solidFill>
+                  <a:prstClr val="white"/>
+                </a:solidFill>
+                <a:effectLst>
+                  <a:outerShdw blurRad="38100" dist="38100" dir="2700000" algn="tl">
+                    <a:srgbClr val="000000">
+                      <a:alpha val="43137"/>
+                    </a:srgbClr>
+                  </a:outerShdw>
+                </a:effectLst>
+                <a:latin typeface="微软雅黑" panose="020B0503020204020204" pitchFamily="34" charset="-122"/>
+                <a:ea typeface="微软雅黑" panose="020B0503020204020204" pitchFamily="34" charset="-122"/>
+              </a:rPr>
+              <a:t>  感谢各位老师和同学！</a:t>
+            </a:r>
+          </a:p>
+          <a:p>
+            <a:pPr algn="ctr">
+              <a:defRPr/>
+            </a:pPr>
+            <a:r>
+              <a:rPr lang="zh-CN" altLang="en-US" sz="4800" b="1" dirty="0">
+                <a:solidFill>
+                  <a:prstClr val="white"/>
+                </a:solidFill>
+                <a:effectLst>
+                  <a:outerShdw blurRad="38100" dist="38100" dir="2700000" algn="tl">
+                    <a:srgbClr val="000000">
+                      <a:alpha val="43137"/>
+                    </a:srgbClr>
+                  </a:outerShdw>
+                </a:effectLst>
+                <a:latin typeface="微软雅黑" panose="020B0503020204020204" pitchFamily="34" charset="-122"/>
+                <a:ea typeface="微软雅黑" panose="020B0503020204020204" pitchFamily="34" charset="-122"/>
+              </a:rPr>
+              <a:t>  请大家提出宝贵意见！</a:t>
+            </a:r>
+          </a:p>
+        </p:txBody>
+      </p:sp>
+      <p:pic>
+        <p:nvPicPr>
+          <p:cNvPr id="8" name="Picture 5">
+            <a:extLst>
+              <a:ext uri="{FF2B5EF4-FFF2-40B4-BE49-F238E27FC236}">
+                <a16:creationId xmlns:a16="http://schemas.microsoft.com/office/drawing/2014/main" id="{E45B8ADE-1A65-4AC9-9F73-9F3D7441831A}"/>
+              </a:ext>
+            </a:extLst>
+          </p:cNvPr>
+          <p:cNvPicPr>
+            <a:picLocks noChangeAspect="1" noChangeArrowheads="1"/>
+          </p:cNvPicPr>
+          <p:nvPr/>
+        </p:nvPicPr>
+        <p:blipFill>
+          <a:blip r:embed="rId2" cstate="print">
+            <a:extLst>
+              <a:ext uri="{28A0092B-C50C-407E-A947-70E740481C1C}">
+                <a14:useLocalDpi xmlns:a14="http://schemas.microsoft.com/office/drawing/2010/main" val="0"/>
+              </a:ext>
+            </a:extLst>
+          </a:blip>
+          <a:srcRect/>
+          <a:stretch>
+            <a:fillRect/>
+          </a:stretch>
+        </p:blipFill>
+        <p:spPr bwMode="auto">
+          <a:xfrm>
+            <a:off x="180306" y="355983"/>
+            <a:ext cx="2303462" cy="766762"/>
+          </a:xfrm>
+          <a:prstGeom prst="rect">
+            <a:avLst/>
+          </a:prstGeom>
+          <a:noFill/>
+          <a:ln>
+            <a:noFill/>
+          </a:ln>
+          <a:extLst>
+            <a:ext uri="{909E8E84-426E-40DD-AFC4-6F175D3DCCD1}">
+              <a14:hiddenFill xmlns:a14="http://schemas.microsoft.com/office/drawing/2010/main">
+                <a:solidFill>
+                  <a:srgbClr val="FFFFFF"/>
+                </a:solidFill>
+              </a14:hiddenFill>
+            </a:ext>
+            <a:ext uri="{91240B29-F687-4F45-9708-019B960494DF}">
+              <a14:hiddenLine xmlns:a14="http://schemas.microsoft.com/office/drawing/2010/main" w="9525">
+                <a:solidFill>
+                  <a:srgbClr val="000000"/>
+                </a:solidFill>
+                <a:miter lim="800000"/>
+                <a:headEnd/>
+                <a:tailEnd/>
+              </a14:hiddenLine>
+            </a:ext>
+          </a:extLst>
+        </p:spPr>
+      </p:pic>
+    </p:spTree>
+    <p:extLst>
+      <p:ext uri="{BB962C8B-B14F-4D97-AF65-F5344CB8AC3E}">
+        <p14:creationId xmlns:p14="http://schemas.microsoft.com/office/powerpoint/2010/main" val="1940468"/>
+      </p:ext>
+    </p:extLst>
+  </p:cSld>
+  <p:clrMapOvr>
+    <a:masterClrMapping/>
+  </p:clrMapOvr>
+  <p:timing>
+    <p:tnLst>
+      <p:par>
+        <p:cTn id="1" dur="indefinite" restart="never" nodeType="tmRoot">
+          <p:childTnLst>
+            <p:seq concurrent="1" nextAc="seek">
+              <p:cTn id="2" dur="indefinite" nodeType="mainSeq">
+                <p:childTnLst>
+                  <p:par>
+                    <p:cTn id="3" fill="hold">
+                      <p:stCondLst>
+                        <p:cond delay="indefinite"/>
+                        <p:cond evt="onBegin" delay="0">
+                          <p:tn val="2"/>
+                        </p:cond>
+                      </p:stCondLst>
+                      <p:childTnLst>
+                        <p:par>
+                          <p:cTn id="4" fill="hold">
+                            <p:stCondLst>
+                              <p:cond delay="0"/>
+                            </p:stCondLst>
+                            <p:childTnLst>
+                              <p:par>
+                                <p:cTn id="5" presetID="53" presetClass="entr" presetSubtype="16" fill="hold" grpId="0" nodeType="withEffect">
+                                  <p:stCondLst>
+                                    <p:cond delay="0"/>
+                                  </p:stCondLst>
+                                  <p:childTnLst>
+                                    <p:set>
+                                      <p:cBhvr>
+                                        <p:cTn id="6" dur="1" fill="hold">
+                                          <p:stCondLst>
+                                            <p:cond delay="0"/>
+                                          </p:stCondLst>
+                                        </p:cTn>
+                                        <p:tgtEl>
+                                          <p:spTgt spid="7"/>
+                                        </p:tgtEl>
+                                        <p:attrNameLst>
+                                          <p:attrName>style.visibility</p:attrName>
+                                        </p:attrNameLst>
+                                      </p:cBhvr>
+                                      <p:to>
+                                        <p:strVal val="visible"/>
+                                      </p:to>
+                                    </p:set>
+                                    <p:anim calcmode="lin" valueType="num">
+                                      <p:cBhvr>
+                                        <p:cTn id="7" dur="500" fill="hold"/>
+                                        <p:tgtEl>
+                                          <p:spTgt spid="7"/>
+                                        </p:tgtEl>
+                                        <p:attrNameLst>
+                                          <p:attrName>ppt_w</p:attrName>
+                                        </p:attrNameLst>
+                                      </p:cBhvr>
+                                      <p:tavLst>
+                                        <p:tav tm="0">
+                                          <p:val>
+                                            <p:fltVal val="0"/>
+                                          </p:val>
+                                        </p:tav>
+                                        <p:tav tm="100000">
+                                          <p:val>
+                                            <p:strVal val="#ppt_w"/>
+                                          </p:val>
+                                        </p:tav>
+                                      </p:tavLst>
+                                    </p:anim>
+                                    <p:anim calcmode="lin" valueType="num">
+                                      <p:cBhvr>
+                                        <p:cTn id="8" dur="500" fill="hold"/>
+                                        <p:tgtEl>
+                                          <p:spTgt spid="7"/>
+                                        </p:tgtEl>
+                                        <p:attrNameLst>
+                                          <p:attrName>ppt_h</p:attrName>
+                                        </p:attrNameLst>
+                                      </p:cBhvr>
+                                      <p:tavLst>
+                                        <p:tav tm="0">
+                                          <p:val>
+                                            <p:fltVal val="0"/>
+                                          </p:val>
+                                        </p:tav>
+                                        <p:tav tm="100000">
+                                          <p:val>
+                                            <p:strVal val="#ppt_h"/>
+                                          </p:val>
+                                        </p:tav>
+                                      </p:tavLst>
+                                    </p:anim>
+                                    <p:animEffect transition="in" filter="fade">
+                                      <p:cBhvr>
+                                        <p:cTn id="9" dur="500"/>
+                                        <p:tgtEl>
+                                          <p:spTgt spid="7"/>
+                                        </p:tgtEl>
+                                      </p:cBhvr>
+                                    </p:animEffect>
+                                  </p:childTnLst>
+                                </p:cTn>
+                              </p:par>
+                            </p:childTnLst>
+                          </p:cTn>
+                        </p:par>
+                      </p:childTnLst>
+                    </p:cTn>
+                  </p:par>
+                </p:childTnLst>
+              </p:cTn>
+              <p:prevCondLst>
+                <p:cond evt="onPrev" delay="0">
+                  <p:tgtEl>
+                    <p:sldTgt/>
+                  </p:tgtEl>
+                </p:cond>
+              </p:prevCondLst>
+              <p:nextCondLst>
+                <p:cond evt="onNext" delay="0">
+                  <p:tgtEl>
+                    <p:sldTgt/>
+                  </p:tgtEl>
+                </p:cond>
+              </p:nextCondLst>
+            </p:seq>
+          </p:childTnLst>
+        </p:cTn>
+      </p:par>
+    </p:tnLst>
+    <p:bldLst>
+      <p:bldP spid="7" grpId="0"/>
+    </p:bldLst>
+  </p:timing>
+</p:sldLayout>
+</file>
+
+<file path=ppt/slideLayouts/slideLayout9.xml><?xml version="1.0" encoding="utf-8"?>
 <p:sldLayout xmlns:a="http://schemas.openxmlformats.org/drawingml/2006/main" xmlns:r="http://schemas.openxmlformats.org/officeDocument/2006/relationships" xmlns:p="http://schemas.openxmlformats.org/presentationml/2006/main" type="objTx" preserve="1">
   <p:cSld name="内容与标题">
     <p:spTree>
@@ -2175,15 +4520,203 @@
           <a:chExt cx="0" cy="0"/>
         </a:xfrm>
       </p:grpSpPr>
-      <p:sp>
-        <p:nvSpPr>
-          <p:cNvPr id="2" name="标题 1">
+      <p:grpSp>
+        <p:nvGrpSpPr>
+          <p:cNvPr id="8" name="组合 7">
             <a:extLst>
               <a:ext uri="{FF2B5EF4-FFF2-40B4-BE49-F238E27FC236}">
-                <a16:creationId xmlns:a16="http://schemas.microsoft.com/office/drawing/2014/main" id="{081D075E-5281-4472-90BC-C48748CEFE89}"/>
+                <a16:creationId xmlns:a16="http://schemas.microsoft.com/office/drawing/2014/main" id="{3239D7E3-952F-4DFC-A6A0-4C11CFBB9ECC}"/>
               </a:ext>
             </a:extLst>
           </p:cNvPr>
+          <p:cNvGrpSpPr/>
+          <p:nvPr/>
+        </p:nvGrpSpPr>
+        <p:grpSpPr>
+          <a:xfrm>
+            <a:off x="0" y="-24"/>
+            <a:ext cx="4766733" cy="6237336"/>
+            <a:chOff x="0" y="-26988"/>
+            <a:chExt cx="3575050" cy="6237336"/>
+          </a:xfrm>
+        </p:grpSpPr>
+        <p:sp>
+          <p:nvSpPr>
+            <p:cNvPr id="9" name="标题 3">
+              <a:extLst>
+                <a:ext uri="{FF2B5EF4-FFF2-40B4-BE49-F238E27FC236}">
+                  <a16:creationId xmlns:a16="http://schemas.microsoft.com/office/drawing/2014/main" id="{7ED03D04-5254-4133-8E60-869A42A49C69}"/>
+                </a:ext>
+              </a:extLst>
+            </p:cNvPr>
+            <p:cNvSpPr txBox="1">
+              <a:spLocks/>
+            </p:cNvSpPr>
+            <p:nvPr/>
+          </p:nvSpPr>
+          <p:spPr>
+            <a:xfrm>
+              <a:off x="0" y="-26988"/>
+              <a:ext cx="3575050" cy="6237336"/>
+            </a:xfrm>
+            <a:prstGeom prst="rect">
+              <a:avLst/>
+            </a:prstGeom>
+            <a:solidFill>
+              <a:srgbClr val="02409A"/>
+            </a:solidFill>
+            <a:ln>
+              <a:noFill/>
+            </a:ln>
+            <a:effectLst/>
+          </p:spPr>
+          <p:txBody>
+            <a:bodyPr tIns="0" bIns="0" anchor="ctr"/>
+            <a:lstStyle/>
+            <a:p>
+              <a:pPr algn="ctr">
+                <a:spcBef>
+                  <a:spcPct val="0"/>
+                </a:spcBef>
+                <a:defRPr/>
+              </a:pPr>
+              <a:endParaRPr lang="zh-CN" altLang="en-US" sz="4800" b="1" dirty="0">
+                <a:solidFill>
+                  <a:prstClr val="white"/>
+                </a:solidFill>
+                <a:latin typeface="微软雅黑" pitchFamily="34" charset="-122"/>
+                <a:ea typeface="微软雅黑" pitchFamily="34" charset="-122"/>
+              </a:endParaRPr>
+            </a:p>
+          </p:txBody>
+        </p:sp>
+        <p:cxnSp>
+          <p:nvCxnSpPr>
+            <p:cNvPr id="10" name="直接连接符 19">
+              <a:extLst>
+                <a:ext uri="{FF2B5EF4-FFF2-40B4-BE49-F238E27FC236}">
+                  <a16:creationId xmlns:a16="http://schemas.microsoft.com/office/drawing/2014/main" id="{2B907581-060F-4C52-B91A-13D97D4B12D2}"/>
+                </a:ext>
+              </a:extLst>
+            </p:cNvPr>
+            <p:cNvCxnSpPr>
+              <a:cxnSpLocks/>
+            </p:cNvCxnSpPr>
+            <p:nvPr/>
+          </p:nvCxnSpPr>
+          <p:spPr bwMode="auto">
+            <a:xfrm flipH="1">
+              <a:off x="449263" y="-25400"/>
+              <a:ext cx="1587" cy="841375"/>
+            </a:xfrm>
+            <a:prstGeom prst="line">
+              <a:avLst/>
+            </a:prstGeom>
+            <a:noFill/>
+            <a:ln w="28575" algn="ctr">
+              <a:solidFill>
+                <a:schemeClr val="bg1"/>
+              </a:solidFill>
+              <a:round/>
+              <a:headEnd/>
+              <a:tailEnd/>
+            </a:ln>
+            <a:effectLst/>
+            <a:extLst>
+              <a:ext uri="{909E8E84-426E-40DD-AFC4-6F175D3DCCD1}">
+                <a14:hiddenFill xmlns:a14="http://schemas.microsoft.com/office/drawing/2010/main">
+                  <a:noFill/>
+                </a14:hiddenFill>
+              </a:ext>
+            </a:extLst>
+          </p:spPr>
+        </p:cxnSp>
+        <p:cxnSp>
+          <p:nvCxnSpPr>
+            <p:cNvPr id="11" name="直接连接符 20">
+              <a:extLst>
+                <a:ext uri="{FF2B5EF4-FFF2-40B4-BE49-F238E27FC236}">
+                  <a16:creationId xmlns:a16="http://schemas.microsoft.com/office/drawing/2014/main" id="{F1C2E4E4-0EDE-4C0B-8343-2920F8B43D74}"/>
+                </a:ext>
+              </a:extLst>
+            </p:cNvPr>
+            <p:cNvCxnSpPr>
+              <a:cxnSpLocks/>
+            </p:cNvCxnSpPr>
+            <p:nvPr/>
+          </p:nvCxnSpPr>
+          <p:spPr bwMode="auto">
+            <a:xfrm flipH="1">
+              <a:off x="511175" y="-26988"/>
+              <a:ext cx="1588" cy="554038"/>
+            </a:xfrm>
+            <a:prstGeom prst="line">
+              <a:avLst/>
+            </a:prstGeom>
+            <a:noFill/>
+            <a:ln w="28575" algn="ctr">
+              <a:solidFill>
+                <a:schemeClr val="bg1"/>
+              </a:solidFill>
+              <a:round/>
+              <a:headEnd/>
+              <a:tailEnd/>
+            </a:ln>
+            <a:effectLst/>
+            <a:extLst>
+              <a:ext uri="{909E8E84-426E-40DD-AFC4-6F175D3DCCD1}">
+                <a14:hiddenFill xmlns:a14="http://schemas.microsoft.com/office/drawing/2010/main">
+                  <a:noFill/>
+                </a14:hiddenFill>
+              </a:ext>
+            </a:extLst>
+          </p:spPr>
+        </p:cxnSp>
+        <p:cxnSp>
+          <p:nvCxnSpPr>
+            <p:cNvPr id="12" name="直接连接符 30">
+              <a:extLst>
+                <a:ext uri="{FF2B5EF4-FFF2-40B4-BE49-F238E27FC236}">
+                  <a16:creationId xmlns:a16="http://schemas.microsoft.com/office/drawing/2014/main" id="{6BFC0A1C-1BD8-4541-8818-56E847A9B65F}"/>
+                </a:ext>
+              </a:extLst>
+            </p:cNvPr>
+            <p:cNvCxnSpPr>
+              <a:cxnSpLocks/>
+            </p:cNvCxnSpPr>
+            <p:nvPr/>
+          </p:nvCxnSpPr>
+          <p:spPr bwMode="auto">
+            <a:xfrm>
+              <a:off x="576263" y="-26988"/>
+              <a:ext cx="0" cy="298451"/>
+            </a:xfrm>
+            <a:prstGeom prst="line">
+              <a:avLst/>
+            </a:prstGeom>
+            <a:noFill/>
+            <a:ln w="28575" algn="ctr">
+              <a:solidFill>
+                <a:schemeClr val="bg1"/>
+              </a:solidFill>
+              <a:round/>
+              <a:headEnd/>
+              <a:tailEnd/>
+            </a:ln>
+            <a:effectLst/>
+            <a:extLst>
+              <a:ext uri="{909E8E84-426E-40DD-AFC4-6F175D3DCCD1}">
+                <a14:hiddenFill xmlns:a14="http://schemas.microsoft.com/office/drawing/2010/main">
+                  <a:noFill/>
+                </a14:hiddenFill>
+              </a:ext>
+            </a:extLst>
+          </p:spPr>
+        </p:cxnSp>
+      </p:grpSp>
+      <p:sp>
+        <p:nvSpPr>
+          <p:cNvPr id="2" name="标题 1"/>
           <p:cNvSpPr>
             <a:spLocks noGrp="1"/>
           </p:cNvSpPr>
@@ -2193,54 +4726,62 @@
         </p:nvSpPr>
         <p:spPr>
           <a:xfrm>
-            <a:off x="839788" y="457200"/>
-            <a:ext cx="3932237" cy="1600200"/>
+            <a:off x="609601" y="273050"/>
+            <a:ext cx="4011084" cy="1162050"/>
+          </a:xfrm>
+          <a:prstGeom prst="rect">
+            <a:avLst/>
+          </a:prstGeom>
+        </p:spPr>
+        <p:txBody>
+          <a:bodyPr anchor="b"/>
+          <a:lstStyle>
+            <a:lvl1pPr algn="l">
+              <a:defRPr sz="2000" b="1">
+                <a:solidFill>
+                  <a:schemeClr val="bg1"/>
+                </a:solidFill>
+                <a:latin typeface="微软雅黑" panose="020B0503020204020204" pitchFamily="34" charset="-122"/>
+                <a:ea typeface="微软雅黑" panose="020B0503020204020204" pitchFamily="34" charset="-122"/>
+              </a:defRPr>
+            </a:lvl1pPr>
+          </a:lstStyle>
+          <a:p>
+            <a:r>
+              <a:rPr lang="zh-CN" altLang="en-US"/>
+              <a:t>单击此处编辑母版标题样式</a:t>
+            </a:r>
+            <a:endParaRPr lang="zh-CN" altLang="en-US" dirty="0"/>
+          </a:p>
+        </p:txBody>
+      </p:sp>
+      <p:sp>
+        <p:nvSpPr>
+          <p:cNvPr id="3" name="内容占位符 2"/>
+          <p:cNvSpPr>
+            <a:spLocks noGrp="1"/>
+          </p:cNvSpPr>
+          <p:nvPr>
+            <p:ph idx="1"/>
+          </p:nvPr>
+        </p:nvSpPr>
+        <p:spPr>
+          <a:xfrm>
+            <a:off x="4766733" y="273051"/>
+            <a:ext cx="6815667" cy="5853113"/>
           </a:xfrm>
         </p:spPr>
         <p:txBody>
-          <a:bodyPr anchor="b"/>
+          <a:bodyPr/>
           <a:lstStyle>
-            <a:lvl1pPr>
+            <a:lvl1pPr marL="342900" indent="-342900">
+              <a:buFont typeface="Wingdings" panose="05000000000000000000" pitchFamily="2" charset="2"/>
+              <a:buChar char="Ø"/>
               <a:defRPr sz="3200"/>
             </a:lvl1pPr>
-          </a:lstStyle>
-          <a:p>
-            <a:r>
-              <a:rPr lang="zh-CN" altLang="en-US"/>
-              <a:t>单击此处编辑母版标题样式</a:t>
-            </a:r>
-          </a:p>
-        </p:txBody>
-      </p:sp>
-      <p:sp>
-        <p:nvSpPr>
-          <p:cNvPr id="3" name="内容占位符 2">
-            <a:extLst>
-              <a:ext uri="{FF2B5EF4-FFF2-40B4-BE49-F238E27FC236}">
-                <a16:creationId xmlns:a16="http://schemas.microsoft.com/office/drawing/2014/main" id="{9151063B-C8AC-4768-AAD9-AA1C5F1AB621}"/>
-              </a:ext>
-            </a:extLst>
-          </p:cNvPr>
-          <p:cNvSpPr>
-            <a:spLocks noGrp="1"/>
-          </p:cNvSpPr>
-          <p:nvPr>
-            <p:ph idx="1"/>
-          </p:nvPr>
-        </p:nvSpPr>
-        <p:spPr>
-          <a:xfrm>
-            <a:off x="5183188" y="987425"/>
-            <a:ext cx="6172200" cy="4873625"/>
-          </a:xfrm>
-        </p:spPr>
-        <p:txBody>
-          <a:bodyPr/>
-          <a:lstStyle>
-            <a:lvl1pPr>
-              <a:defRPr sz="3200"/>
-            </a:lvl1pPr>
-            <a:lvl2pPr>
+            <a:lvl2pPr marL="742950" indent="-285750">
+              <a:buFont typeface="Wingdings" panose="05000000000000000000" pitchFamily="2" charset="2"/>
+              <a:buChar char="n"/>
               <a:defRPr sz="2800"/>
             </a:lvl2pPr>
             <a:lvl3pPr>
@@ -2299,18 +4840,13 @@
               <a:rPr lang="zh-CN" altLang="en-US"/>
               <a:t>五级</a:t>
             </a:r>
-          </a:p>
-        </p:txBody>
-      </p:sp>
-      <p:sp>
-        <p:nvSpPr>
-          <p:cNvPr id="4" name="文本占位符 3">
-            <a:extLst>
-              <a:ext uri="{FF2B5EF4-FFF2-40B4-BE49-F238E27FC236}">
-                <a16:creationId xmlns:a16="http://schemas.microsoft.com/office/drawing/2014/main" id="{D6BAA105-15F6-4029-BD39-C78B57998F01}"/>
-              </a:ext>
-            </a:extLst>
-          </p:cNvPr>
+            <a:endParaRPr lang="zh-CN" altLang="en-US" dirty="0"/>
+          </a:p>
+        </p:txBody>
+      </p:sp>
+      <p:sp>
+        <p:nvSpPr>
+          <p:cNvPr id="4" name="文本占位符 3"/>
           <p:cNvSpPr>
             <a:spLocks noGrp="1"/>
           </p:cNvSpPr>
@@ -2320,8 +4856,8 @@
         </p:nvSpPr>
         <p:spPr>
           <a:xfrm>
-            <a:off x="839788" y="2057400"/>
-            <a:ext cx="3932237" cy="3811588"/>
+            <a:off x="609601" y="1435101"/>
+            <a:ext cx="4011084" cy="4691063"/>
           </a:xfrm>
         </p:spPr>
         <p:txBody>
@@ -2329,39 +4865,43 @@
           <a:lstStyle>
             <a:lvl1pPr marL="0" indent="0">
               <a:buNone/>
-              <a:defRPr sz="1600"/>
+              <a:defRPr sz="1400">
+                <a:solidFill>
+                  <a:schemeClr val="bg1"/>
+                </a:solidFill>
+              </a:defRPr>
             </a:lvl1pPr>
             <a:lvl2pPr marL="457200" indent="0">
               <a:buNone/>
-              <a:defRPr sz="1400"/>
+              <a:defRPr sz="1200"/>
             </a:lvl2pPr>
             <a:lvl3pPr marL="914400" indent="0">
               <a:buNone/>
-              <a:defRPr sz="1200"/>
+              <a:defRPr sz="1000"/>
             </a:lvl3pPr>
             <a:lvl4pPr marL="1371600" indent="0">
               <a:buNone/>
-              <a:defRPr sz="1000"/>
+              <a:defRPr sz="900"/>
             </a:lvl4pPr>
             <a:lvl5pPr marL="1828800" indent="0">
               <a:buNone/>
-              <a:defRPr sz="1000"/>
+              <a:defRPr sz="900"/>
             </a:lvl5pPr>
             <a:lvl6pPr marL="2286000" indent="0">
               <a:buNone/>
-              <a:defRPr sz="1000"/>
+              <a:defRPr sz="900"/>
             </a:lvl6pPr>
             <a:lvl7pPr marL="2743200" indent="0">
               <a:buNone/>
-              <a:defRPr sz="1000"/>
+              <a:defRPr sz="900"/>
             </a:lvl7pPr>
             <a:lvl8pPr marL="3200400" indent="0">
               <a:buNone/>
-              <a:defRPr sz="1000"/>
+              <a:defRPr sz="900"/>
             </a:lvl8pPr>
             <a:lvl9pPr marL="3657600" indent="0">
               <a:buNone/>
-              <a:defRPr sz="1000"/>
+              <a:defRPr sz="900"/>
             </a:lvl9pPr>
           </a:lstStyle>
           <a:p>
@@ -2375,13 +4915,7 @@
       </p:sp>
       <p:sp>
         <p:nvSpPr>
-          <p:cNvPr id="5" name="日期占位符 4">
-            <a:extLst>
-              <a:ext uri="{FF2B5EF4-FFF2-40B4-BE49-F238E27FC236}">
-                <a16:creationId xmlns:a16="http://schemas.microsoft.com/office/drawing/2014/main" id="{4837BFAB-8E3B-483E-A5D9-613239E2A5B8}"/>
-              </a:ext>
-            </a:extLst>
-          </p:cNvPr>
+          <p:cNvPr id="5" name="日期占位符 4"/>
           <p:cNvSpPr>
             <a:spLocks noGrp="1"/>
           </p:cNvSpPr>
@@ -2396,7 +4930,7 @@
           <a:p>
             <a:fld id="{16952747-A5EC-4D1B-AE9D-3AC195362527}" type="datetimeFigureOut">
               <a:rPr lang="zh-CN" altLang="en-US" smtClean="0"/>
-              <a:t>2020/6/22</a:t>
+              <a:t>2020/6/23</a:t>
             </a:fld>
             <a:endParaRPr lang="zh-CN" altLang="en-US"/>
           </a:p>
@@ -2404,13 +4938,7 @@
       </p:sp>
       <p:sp>
         <p:nvSpPr>
-          <p:cNvPr id="6" name="页脚占位符 5">
-            <a:extLst>
-              <a:ext uri="{FF2B5EF4-FFF2-40B4-BE49-F238E27FC236}">
-                <a16:creationId xmlns:a16="http://schemas.microsoft.com/office/drawing/2014/main" id="{3F61F216-27E5-417C-BFCC-505AEE56289D}"/>
-              </a:ext>
-            </a:extLst>
-          </p:cNvPr>
+          <p:cNvPr id="6" name="页脚占位符 5"/>
           <p:cNvSpPr>
             <a:spLocks noGrp="1"/>
           </p:cNvSpPr>
@@ -2429,13 +4957,7 @@
       </p:sp>
       <p:sp>
         <p:nvSpPr>
-          <p:cNvPr id="7" name="灯片编号占位符 6">
-            <a:extLst>
-              <a:ext uri="{FF2B5EF4-FFF2-40B4-BE49-F238E27FC236}">
-                <a16:creationId xmlns:a16="http://schemas.microsoft.com/office/drawing/2014/main" id="{11D00C3A-EA48-4B0D-8CF4-EC037F81EA43}"/>
-              </a:ext>
-            </a:extLst>
-          </p:cNvPr>
+          <p:cNvPr id="7" name="灯片编号占位符 6"/>
           <p:cNvSpPr>
             <a:spLocks noGrp="1"/>
           </p:cNvSpPr>
@@ -2459,295 +4981,7 @@
     </p:spTree>
     <p:extLst>
       <p:ext uri="{BB962C8B-B14F-4D97-AF65-F5344CB8AC3E}">
-        <p14:creationId xmlns:p14="http://schemas.microsoft.com/office/powerpoint/2010/main" val="3812383903"/>
-      </p:ext>
-    </p:extLst>
-  </p:cSld>
-  <p:clrMapOvr>
-    <a:masterClrMapping/>
-  </p:clrMapOvr>
-</p:sldLayout>
-</file>
-
-<file path=ppt/slideLayouts/slideLayout9.xml><?xml version="1.0" encoding="utf-8"?>
-<p:sldLayout xmlns:a="http://schemas.openxmlformats.org/drawingml/2006/main" xmlns:r="http://schemas.openxmlformats.org/officeDocument/2006/relationships" xmlns:p="http://schemas.openxmlformats.org/presentationml/2006/main" type="picTx" preserve="1">
-  <p:cSld name="图片与标题">
-    <p:spTree>
-      <p:nvGrpSpPr>
-        <p:cNvPr id="1" name=""/>
-        <p:cNvGrpSpPr/>
-        <p:nvPr/>
-      </p:nvGrpSpPr>
-      <p:grpSpPr>
-        <a:xfrm>
-          <a:off x="0" y="0"/>
-          <a:ext cx="0" cy="0"/>
-          <a:chOff x="0" y="0"/>
-          <a:chExt cx="0" cy="0"/>
-        </a:xfrm>
-      </p:grpSpPr>
-      <p:sp>
-        <p:nvSpPr>
-          <p:cNvPr id="2" name="标题 1">
-            <a:extLst>
-              <a:ext uri="{FF2B5EF4-FFF2-40B4-BE49-F238E27FC236}">
-                <a16:creationId xmlns:a16="http://schemas.microsoft.com/office/drawing/2014/main" id="{539E46F0-8B9B-48F2-BA4C-CA20F1414A98}"/>
-              </a:ext>
-            </a:extLst>
-          </p:cNvPr>
-          <p:cNvSpPr>
-            <a:spLocks noGrp="1"/>
-          </p:cNvSpPr>
-          <p:nvPr>
-            <p:ph type="title"/>
-          </p:nvPr>
-        </p:nvSpPr>
-        <p:spPr>
-          <a:xfrm>
-            <a:off x="839788" y="457200"/>
-            <a:ext cx="3932237" cy="1600200"/>
-          </a:xfrm>
-        </p:spPr>
-        <p:txBody>
-          <a:bodyPr anchor="b"/>
-          <a:lstStyle>
-            <a:lvl1pPr>
-              <a:defRPr sz="3200"/>
-            </a:lvl1pPr>
-          </a:lstStyle>
-          <a:p>
-            <a:r>
-              <a:rPr lang="zh-CN" altLang="en-US"/>
-              <a:t>单击此处编辑母版标题样式</a:t>
-            </a:r>
-          </a:p>
-        </p:txBody>
-      </p:sp>
-      <p:sp>
-        <p:nvSpPr>
-          <p:cNvPr id="3" name="图片占位符 2">
-            <a:extLst>
-              <a:ext uri="{FF2B5EF4-FFF2-40B4-BE49-F238E27FC236}">
-                <a16:creationId xmlns:a16="http://schemas.microsoft.com/office/drawing/2014/main" id="{0C5C94E7-AA62-4433-910D-4643CE4EA58F}"/>
-              </a:ext>
-            </a:extLst>
-          </p:cNvPr>
-          <p:cNvSpPr>
-            <a:spLocks noGrp="1"/>
-          </p:cNvSpPr>
-          <p:nvPr>
-            <p:ph type="pic" idx="1"/>
-          </p:nvPr>
-        </p:nvSpPr>
-        <p:spPr>
-          <a:xfrm>
-            <a:off x="5183188" y="987425"/>
-            <a:ext cx="6172200" cy="4873625"/>
-          </a:xfrm>
-        </p:spPr>
-        <p:txBody>
-          <a:bodyPr/>
-          <a:lstStyle>
-            <a:lvl1pPr marL="0" indent="0">
-              <a:buNone/>
-              <a:defRPr sz="3200"/>
-            </a:lvl1pPr>
-            <a:lvl2pPr marL="457200" indent="0">
-              <a:buNone/>
-              <a:defRPr sz="2800"/>
-            </a:lvl2pPr>
-            <a:lvl3pPr marL="914400" indent="0">
-              <a:buNone/>
-              <a:defRPr sz="2400"/>
-            </a:lvl3pPr>
-            <a:lvl4pPr marL="1371600" indent="0">
-              <a:buNone/>
-              <a:defRPr sz="2000"/>
-            </a:lvl4pPr>
-            <a:lvl5pPr marL="1828800" indent="0">
-              <a:buNone/>
-              <a:defRPr sz="2000"/>
-            </a:lvl5pPr>
-            <a:lvl6pPr marL="2286000" indent="0">
-              <a:buNone/>
-              <a:defRPr sz="2000"/>
-            </a:lvl6pPr>
-            <a:lvl7pPr marL="2743200" indent="0">
-              <a:buNone/>
-              <a:defRPr sz="2000"/>
-            </a:lvl7pPr>
-            <a:lvl8pPr marL="3200400" indent="0">
-              <a:buNone/>
-              <a:defRPr sz="2000"/>
-            </a:lvl8pPr>
-            <a:lvl9pPr marL="3657600" indent="0">
-              <a:buNone/>
-              <a:defRPr sz="2000"/>
-            </a:lvl9pPr>
-          </a:lstStyle>
-          <a:p>
-            <a:endParaRPr lang="zh-CN" altLang="en-US"/>
-          </a:p>
-        </p:txBody>
-      </p:sp>
-      <p:sp>
-        <p:nvSpPr>
-          <p:cNvPr id="4" name="文本占位符 3">
-            <a:extLst>
-              <a:ext uri="{FF2B5EF4-FFF2-40B4-BE49-F238E27FC236}">
-                <a16:creationId xmlns:a16="http://schemas.microsoft.com/office/drawing/2014/main" id="{8AD78DBC-58C3-4BD3-A2DB-2091F173391F}"/>
-              </a:ext>
-            </a:extLst>
-          </p:cNvPr>
-          <p:cNvSpPr>
-            <a:spLocks noGrp="1"/>
-          </p:cNvSpPr>
-          <p:nvPr>
-            <p:ph type="body" sz="half" idx="2"/>
-          </p:nvPr>
-        </p:nvSpPr>
-        <p:spPr>
-          <a:xfrm>
-            <a:off x="839788" y="2057400"/>
-            <a:ext cx="3932237" cy="3811588"/>
-          </a:xfrm>
-        </p:spPr>
-        <p:txBody>
-          <a:bodyPr/>
-          <a:lstStyle>
-            <a:lvl1pPr marL="0" indent="0">
-              <a:buNone/>
-              <a:defRPr sz="1600"/>
-            </a:lvl1pPr>
-            <a:lvl2pPr marL="457200" indent="0">
-              <a:buNone/>
-              <a:defRPr sz="1400"/>
-            </a:lvl2pPr>
-            <a:lvl3pPr marL="914400" indent="0">
-              <a:buNone/>
-              <a:defRPr sz="1200"/>
-            </a:lvl3pPr>
-            <a:lvl4pPr marL="1371600" indent="0">
-              <a:buNone/>
-              <a:defRPr sz="1000"/>
-            </a:lvl4pPr>
-            <a:lvl5pPr marL="1828800" indent="0">
-              <a:buNone/>
-              <a:defRPr sz="1000"/>
-            </a:lvl5pPr>
-            <a:lvl6pPr marL="2286000" indent="0">
-              <a:buNone/>
-              <a:defRPr sz="1000"/>
-            </a:lvl6pPr>
-            <a:lvl7pPr marL="2743200" indent="0">
-              <a:buNone/>
-              <a:defRPr sz="1000"/>
-            </a:lvl7pPr>
-            <a:lvl8pPr marL="3200400" indent="0">
-              <a:buNone/>
-              <a:defRPr sz="1000"/>
-            </a:lvl8pPr>
-            <a:lvl9pPr marL="3657600" indent="0">
-              <a:buNone/>
-              <a:defRPr sz="1000"/>
-            </a:lvl9pPr>
-          </a:lstStyle>
-          <a:p>
-            <a:pPr lvl="0"/>
-            <a:r>
-              <a:rPr lang="zh-CN" altLang="en-US"/>
-              <a:t>单击此处编辑母版文本样式</a:t>
-            </a:r>
-          </a:p>
-        </p:txBody>
-      </p:sp>
-      <p:sp>
-        <p:nvSpPr>
-          <p:cNvPr id="5" name="日期占位符 4">
-            <a:extLst>
-              <a:ext uri="{FF2B5EF4-FFF2-40B4-BE49-F238E27FC236}">
-                <a16:creationId xmlns:a16="http://schemas.microsoft.com/office/drawing/2014/main" id="{F3141A6A-BC85-4389-906D-D91FBA69936D}"/>
-              </a:ext>
-            </a:extLst>
-          </p:cNvPr>
-          <p:cNvSpPr>
-            <a:spLocks noGrp="1"/>
-          </p:cNvSpPr>
-          <p:nvPr>
-            <p:ph type="dt" sz="half" idx="10"/>
-          </p:nvPr>
-        </p:nvSpPr>
-        <p:spPr/>
-        <p:txBody>
-          <a:bodyPr/>
-          <a:lstStyle/>
-          <a:p>
-            <a:fld id="{16952747-A5EC-4D1B-AE9D-3AC195362527}" type="datetimeFigureOut">
-              <a:rPr lang="zh-CN" altLang="en-US" smtClean="0"/>
-              <a:t>2020/6/22</a:t>
-            </a:fld>
-            <a:endParaRPr lang="zh-CN" altLang="en-US"/>
-          </a:p>
-        </p:txBody>
-      </p:sp>
-      <p:sp>
-        <p:nvSpPr>
-          <p:cNvPr id="6" name="页脚占位符 5">
-            <a:extLst>
-              <a:ext uri="{FF2B5EF4-FFF2-40B4-BE49-F238E27FC236}">
-                <a16:creationId xmlns:a16="http://schemas.microsoft.com/office/drawing/2014/main" id="{50791AEB-6EC1-45D0-BBBC-74C629BF5770}"/>
-              </a:ext>
-            </a:extLst>
-          </p:cNvPr>
-          <p:cNvSpPr>
-            <a:spLocks noGrp="1"/>
-          </p:cNvSpPr>
-          <p:nvPr>
-            <p:ph type="ftr" sz="quarter" idx="11"/>
-          </p:nvPr>
-        </p:nvSpPr>
-        <p:spPr/>
-        <p:txBody>
-          <a:bodyPr/>
-          <a:lstStyle/>
-          <a:p>
-            <a:endParaRPr lang="zh-CN" altLang="en-US"/>
-          </a:p>
-        </p:txBody>
-      </p:sp>
-      <p:sp>
-        <p:nvSpPr>
-          <p:cNvPr id="7" name="灯片编号占位符 6">
-            <a:extLst>
-              <a:ext uri="{FF2B5EF4-FFF2-40B4-BE49-F238E27FC236}">
-                <a16:creationId xmlns:a16="http://schemas.microsoft.com/office/drawing/2014/main" id="{49765738-3399-4F1F-B1AA-694128FCCC24}"/>
-              </a:ext>
-            </a:extLst>
-          </p:cNvPr>
-          <p:cNvSpPr>
-            <a:spLocks noGrp="1"/>
-          </p:cNvSpPr>
-          <p:nvPr>
-            <p:ph type="sldNum" sz="quarter" idx="12"/>
-          </p:nvPr>
-        </p:nvSpPr>
-        <p:spPr/>
-        <p:txBody>
-          <a:bodyPr/>
-          <a:lstStyle/>
-          <a:p>
-            <a:fld id="{3D2467E8-FF24-4166-908E-8843E8F8E9D1}" type="slidenum">
-              <a:rPr lang="zh-CN" altLang="en-US" smtClean="0"/>
-              <a:t>‹#›</a:t>
-            </a:fld>
-            <a:endParaRPr lang="zh-CN" altLang="en-US"/>
-          </a:p>
-        </p:txBody>
-      </p:sp>
-    </p:spTree>
-    <p:extLst>
-      <p:ext uri="{BB962C8B-B14F-4D97-AF65-F5344CB8AC3E}">
-        <p14:creationId xmlns:p14="http://schemas.microsoft.com/office/powerpoint/2010/main" val="771584215"/>
+        <p14:creationId xmlns:p14="http://schemas.microsoft.com/office/powerpoint/2010/main" val="858594562"/>
       </p:ext>
     </p:extLst>
   </p:cSld>
@@ -2781,13 +5015,7 @@
       </p:grpSpPr>
       <p:sp>
         <p:nvSpPr>
-          <p:cNvPr id="2" name="标题占位符 1">
-            <a:extLst>
-              <a:ext uri="{FF2B5EF4-FFF2-40B4-BE49-F238E27FC236}">
-                <a16:creationId xmlns:a16="http://schemas.microsoft.com/office/drawing/2014/main" id="{ECDEC7C7-160A-4412-8FF6-D61550A0606C}"/>
-              </a:ext>
-            </a:extLst>
-          </p:cNvPr>
+          <p:cNvPr id="2" name="标题占位符 1"/>
           <p:cNvSpPr>
             <a:spLocks noGrp="1"/>
           </p:cNvSpPr>
@@ -2797,8 +5025,8 @@
         </p:nvSpPr>
         <p:spPr>
           <a:xfrm>
-            <a:off x="838200" y="365125"/>
-            <a:ext cx="10515600" cy="1325563"/>
+            <a:off x="609600" y="274638"/>
+            <a:ext cx="10972800" cy="1143000"/>
           </a:xfrm>
           <a:prstGeom prst="rect">
             <a:avLst/>
@@ -2811,7 +5039,7 @@
           <a:lstStyle/>
           <a:p>
             <a:r>
-              <a:rPr lang="zh-CN" altLang="en-US"/>
+              <a:rPr lang="zh-CN" altLang="en-US" dirty="0"/>
               <a:t>单击此处编辑母版标题样式</a:t>
             </a:r>
           </a:p>
@@ -2819,13 +5047,7 @@
       </p:sp>
       <p:sp>
         <p:nvSpPr>
-          <p:cNvPr id="3" name="文本占位符 2">
-            <a:extLst>
-              <a:ext uri="{FF2B5EF4-FFF2-40B4-BE49-F238E27FC236}">
-                <a16:creationId xmlns:a16="http://schemas.microsoft.com/office/drawing/2014/main" id="{EEE7D01F-A4FF-488A-9F0A-78227AA86DDE}"/>
-              </a:ext>
-            </a:extLst>
-          </p:cNvPr>
+          <p:cNvPr id="3" name="文本占位符 2"/>
           <p:cNvSpPr>
             <a:spLocks noGrp="1"/>
           </p:cNvSpPr>
@@ -2835,8 +5057,8 @@
         </p:nvSpPr>
         <p:spPr>
           <a:xfrm>
-            <a:off x="838200" y="1825625"/>
-            <a:ext cx="10515600" cy="4351338"/>
+            <a:off x="609600" y="1600201"/>
+            <a:ext cx="10972800" cy="4525963"/>
           </a:xfrm>
           <a:prstGeom prst="rect">
             <a:avLst/>
@@ -2858,41 +5080,35 @@
             <a:pPr lvl="1"/>
             <a:r>
               <a:rPr lang="zh-CN" altLang="en-US"/>
-              <a:t>二级</a:t>
+              <a:t>第二级</a:t>
             </a:r>
           </a:p>
           <a:p>
             <a:pPr lvl="2"/>
             <a:r>
               <a:rPr lang="zh-CN" altLang="en-US"/>
-              <a:t>三级</a:t>
+              <a:t>第三级</a:t>
             </a:r>
           </a:p>
           <a:p>
             <a:pPr lvl="3"/>
             <a:r>
               <a:rPr lang="zh-CN" altLang="en-US"/>
-              <a:t>四级</a:t>
+              <a:t>第四级</a:t>
             </a:r>
           </a:p>
           <a:p>
             <a:pPr lvl="4"/>
             <a:r>
               <a:rPr lang="zh-CN" altLang="en-US"/>
-              <a:t>五级</a:t>
-            </a:r>
-          </a:p>
-        </p:txBody>
-      </p:sp>
-      <p:sp>
-        <p:nvSpPr>
-          <p:cNvPr id="4" name="日期占位符 3">
-            <a:extLst>
-              <a:ext uri="{FF2B5EF4-FFF2-40B4-BE49-F238E27FC236}">
-                <a16:creationId xmlns:a16="http://schemas.microsoft.com/office/drawing/2014/main" id="{21D2D3AB-A9CC-4C95-A6AE-AA3D1B27A180}"/>
-              </a:ext>
-            </a:extLst>
-          </p:cNvPr>
+              <a:t>第五级</a:t>
+            </a:r>
+          </a:p>
+        </p:txBody>
+      </p:sp>
+      <p:sp>
+        <p:nvSpPr>
+          <p:cNvPr id="4" name="日期占位符 3"/>
           <p:cNvSpPr>
             <a:spLocks noGrp="1"/>
           </p:cNvSpPr>
@@ -2902,8 +5118,8 @@
         </p:nvSpPr>
         <p:spPr>
           <a:xfrm>
-            <a:off x="838200" y="6356350"/>
-            <a:ext cx="2743200" cy="365125"/>
+            <a:off x="609600" y="6356351"/>
+            <a:ext cx="2844800" cy="365125"/>
           </a:xfrm>
           <a:prstGeom prst="rect">
             <a:avLst/>
@@ -2925,7 +5141,7 @@
           <a:p>
             <a:fld id="{16952747-A5EC-4D1B-AE9D-3AC195362527}" type="datetimeFigureOut">
               <a:rPr lang="zh-CN" altLang="en-US" smtClean="0"/>
-              <a:t>2020/6/22</a:t>
+              <a:t>2020/6/23</a:t>
             </a:fld>
             <a:endParaRPr lang="zh-CN" altLang="en-US"/>
           </a:p>
@@ -2933,13 +5149,7 @@
       </p:sp>
       <p:sp>
         <p:nvSpPr>
-          <p:cNvPr id="5" name="页脚占位符 4">
-            <a:extLst>
-              <a:ext uri="{FF2B5EF4-FFF2-40B4-BE49-F238E27FC236}">
-                <a16:creationId xmlns:a16="http://schemas.microsoft.com/office/drawing/2014/main" id="{AB9B8244-F3DB-400C-8391-74113DB1895C}"/>
-              </a:ext>
-            </a:extLst>
-          </p:cNvPr>
+          <p:cNvPr id="5" name="页脚占位符 4"/>
           <p:cNvSpPr>
             <a:spLocks noGrp="1"/>
           </p:cNvSpPr>
@@ -2949,8 +5159,8 @@
         </p:nvSpPr>
         <p:spPr>
           <a:xfrm>
-            <a:off x="4038600" y="6356350"/>
-            <a:ext cx="4114800" cy="365125"/>
+            <a:off x="4165600" y="6356351"/>
+            <a:ext cx="3860800" cy="365125"/>
           </a:xfrm>
           <a:prstGeom prst="rect">
             <a:avLst/>
@@ -2976,13 +5186,7 @@
       </p:sp>
       <p:sp>
         <p:nvSpPr>
-          <p:cNvPr id="6" name="灯片编号占位符 5">
-            <a:extLst>
-              <a:ext uri="{FF2B5EF4-FFF2-40B4-BE49-F238E27FC236}">
-                <a16:creationId xmlns:a16="http://schemas.microsoft.com/office/drawing/2014/main" id="{0C4F1B9F-8FBD-4BFB-8EEF-E319D84834B3}"/>
-              </a:ext>
-            </a:extLst>
-          </p:cNvPr>
+          <p:cNvPr id="6" name="灯片编号占位符 5"/>
           <p:cNvSpPr>
             <a:spLocks noGrp="1"/>
           </p:cNvSpPr>
@@ -2992,8 +5196,8 @@
         </p:nvSpPr>
         <p:spPr>
           <a:xfrm>
-            <a:off x="8610600" y="6356350"/>
-            <a:ext cx="2743200" cy="365125"/>
+            <a:off x="8737600" y="6356351"/>
+            <a:ext cx="2844800" cy="365125"/>
           </a:xfrm>
           <a:prstGeom prst="rect">
             <a:avLst/>
@@ -3024,30 +5228,28 @@
     </p:spTree>
     <p:extLst>
       <p:ext uri="{BB962C8B-B14F-4D97-AF65-F5344CB8AC3E}">
-        <p14:creationId xmlns:p14="http://schemas.microsoft.com/office/powerpoint/2010/main" val="1935112074"/>
+        <p14:creationId xmlns:p14="http://schemas.microsoft.com/office/powerpoint/2010/main" val="1998561694"/>
       </p:ext>
     </p:extLst>
   </p:cSld>
   <p:clrMap bg1="lt1" tx1="dk1" bg2="lt2" tx2="dk2" accent1="accent1" accent2="accent2" accent3="accent3" accent4="accent4" accent5="accent5" accent6="accent6" hlink="hlink" folHlink="folHlink"/>
   <p:sldLayoutIdLst>
-    <p:sldLayoutId id="2147483649" r:id="rId1"/>
-    <p:sldLayoutId id="2147483650" r:id="rId2"/>
-    <p:sldLayoutId id="2147483651" r:id="rId3"/>
-    <p:sldLayoutId id="2147483652" r:id="rId4"/>
-    <p:sldLayoutId id="2147483653" r:id="rId5"/>
-    <p:sldLayoutId id="2147483654" r:id="rId6"/>
-    <p:sldLayoutId id="2147483655" r:id="rId7"/>
-    <p:sldLayoutId id="2147483656" r:id="rId8"/>
-    <p:sldLayoutId id="2147483657" r:id="rId9"/>
-    <p:sldLayoutId id="2147483658" r:id="rId10"/>
-    <p:sldLayoutId id="2147483659" r:id="rId11"/>
+    <p:sldLayoutId id="2147483661" r:id="rId1"/>
+    <p:sldLayoutId id="2147483662" r:id="rId2"/>
+    <p:sldLayoutId id="2147483663" r:id="rId3"/>
+    <p:sldLayoutId id="2147483664" r:id="rId4"/>
+    <p:sldLayoutId id="2147483665" r:id="rId5"/>
+    <p:sldLayoutId id="2147483666" r:id="rId6"/>
+    <p:sldLayoutId id="2147483667" r:id="rId7"/>
+    <p:sldLayoutId id="2147483668" r:id="rId8"/>
+    <p:sldLayoutId id="2147483669" r:id="rId9"/>
+    <p:sldLayoutId id="2147483670" r:id="rId10"/>
+    <p:sldLayoutId id="2147483671" r:id="rId11"/>
+    <p:sldLayoutId id="2147483672" r:id="rId12"/>
   </p:sldLayoutIdLst>
   <p:txStyles>
     <p:titleStyle>
-      <a:lvl1pPr algn="l" defTabSz="914400" rtl="0" eaLnBrk="1" latinLnBrk="0" hangingPunct="1">
-        <a:lnSpc>
-          <a:spcPct val="90000"/>
-        </a:lnSpc>
+      <a:lvl1pPr algn="ctr" defTabSz="914400" rtl="0" eaLnBrk="1" latinLnBrk="0" hangingPunct="1">
         <a:spcBef>
           <a:spcPct val="0"/>
         </a:spcBef>
@@ -3063,15 +5265,27 @@
       </a:lvl1pPr>
     </p:titleStyle>
     <p:bodyStyle>
-      <a:lvl1pPr marL="228600" indent="-228600" algn="l" defTabSz="914400" rtl="0" eaLnBrk="1" latinLnBrk="0" hangingPunct="1">
-        <a:lnSpc>
-          <a:spcPct val="90000"/>
-        </a:lnSpc>
+      <a:lvl1pPr marL="342900" indent="-342900" algn="l" defTabSz="914400" rtl="0" eaLnBrk="1" latinLnBrk="0" hangingPunct="1">
         <a:spcBef>
-          <a:spcPts val="1000"/>
+          <a:spcPct val="20000"/>
         </a:spcBef>
-        <a:buFont typeface="Arial" panose="020B0604020202020204" pitchFamily="34" charset="0"/>
+        <a:buFont typeface="Arial" pitchFamily="34" charset="0"/>
         <a:buChar char="•"/>
+        <a:defRPr sz="3200" kern="1200">
+          <a:solidFill>
+            <a:schemeClr val="tx1"/>
+          </a:solidFill>
+          <a:latin typeface="+mn-lt"/>
+          <a:ea typeface="+mn-ea"/>
+          <a:cs typeface="+mn-cs"/>
+        </a:defRPr>
+      </a:lvl1pPr>
+      <a:lvl2pPr marL="742950" indent="-285750" algn="l" defTabSz="914400" rtl="0" eaLnBrk="1" latinLnBrk="0" hangingPunct="1">
+        <a:spcBef>
+          <a:spcPct val="20000"/>
+        </a:spcBef>
+        <a:buFont typeface="Arial" pitchFamily="34" charset="0"/>
+        <a:buChar char="–"/>
         <a:defRPr sz="2800" kern="1200">
           <a:solidFill>
             <a:schemeClr val="tx1"/>
@@ -3080,15 +5294,12 @@
           <a:ea typeface="+mn-ea"/>
           <a:cs typeface="+mn-cs"/>
         </a:defRPr>
-      </a:lvl1pPr>
-      <a:lvl2pPr marL="685800" indent="-228600" algn="l" defTabSz="914400" rtl="0" eaLnBrk="1" latinLnBrk="0" hangingPunct="1">
-        <a:lnSpc>
-          <a:spcPct val="90000"/>
-        </a:lnSpc>
+      </a:lvl2pPr>
+      <a:lvl3pPr marL="1143000" indent="-228600" algn="l" defTabSz="914400" rtl="0" eaLnBrk="1" latinLnBrk="0" hangingPunct="1">
         <a:spcBef>
-          <a:spcPts val="500"/>
+          <a:spcPct val="20000"/>
         </a:spcBef>
-        <a:buFont typeface="Arial" panose="020B0604020202020204" pitchFamily="34" charset="0"/>
+        <a:buFont typeface="Arial" pitchFamily="34" charset="0"/>
         <a:buChar char="•"/>
         <a:defRPr sz="2400" kern="1200">
           <a:solidFill>
@@ -3098,15 +5309,42 @@
           <a:ea typeface="+mn-ea"/>
           <a:cs typeface="+mn-cs"/>
         </a:defRPr>
-      </a:lvl2pPr>
-      <a:lvl3pPr marL="1143000" indent="-228600" algn="l" defTabSz="914400" rtl="0" eaLnBrk="1" latinLnBrk="0" hangingPunct="1">
-        <a:lnSpc>
-          <a:spcPct val="90000"/>
-        </a:lnSpc>
+      </a:lvl3pPr>
+      <a:lvl4pPr marL="1600200" indent="-228600" algn="l" defTabSz="914400" rtl="0" eaLnBrk="1" latinLnBrk="0" hangingPunct="1">
         <a:spcBef>
-          <a:spcPts val="500"/>
+          <a:spcPct val="20000"/>
         </a:spcBef>
-        <a:buFont typeface="Arial" panose="020B0604020202020204" pitchFamily="34" charset="0"/>
+        <a:buFont typeface="Arial" pitchFamily="34" charset="0"/>
+        <a:buChar char="–"/>
+        <a:defRPr sz="2000" kern="1200">
+          <a:solidFill>
+            <a:schemeClr val="tx1"/>
+          </a:solidFill>
+          <a:latin typeface="+mn-lt"/>
+          <a:ea typeface="+mn-ea"/>
+          <a:cs typeface="+mn-cs"/>
+        </a:defRPr>
+      </a:lvl4pPr>
+      <a:lvl5pPr marL="2057400" indent="-228600" algn="l" defTabSz="914400" rtl="0" eaLnBrk="1" latinLnBrk="0" hangingPunct="1">
+        <a:spcBef>
+          <a:spcPct val="20000"/>
+        </a:spcBef>
+        <a:buFont typeface="Arial" pitchFamily="34" charset="0"/>
+        <a:buChar char="»"/>
+        <a:defRPr sz="2000" kern="1200">
+          <a:solidFill>
+            <a:schemeClr val="tx1"/>
+          </a:solidFill>
+          <a:latin typeface="+mn-lt"/>
+          <a:ea typeface="+mn-ea"/>
+          <a:cs typeface="+mn-cs"/>
+        </a:defRPr>
+      </a:lvl5pPr>
+      <a:lvl6pPr marL="2514600" indent="-228600" algn="l" defTabSz="914400" rtl="0" eaLnBrk="1" latinLnBrk="0" hangingPunct="1">
+        <a:spcBef>
+          <a:spcPct val="20000"/>
+        </a:spcBef>
+        <a:buFont typeface="Arial" pitchFamily="34" charset="0"/>
         <a:buChar char="•"/>
         <a:defRPr sz="2000" kern="1200">
           <a:solidFill>
@@ -3116,71 +5354,14 @@
           <a:ea typeface="+mn-ea"/>
           <a:cs typeface="+mn-cs"/>
         </a:defRPr>
-      </a:lvl3pPr>
-      <a:lvl4pPr marL="1600200" indent="-228600" algn="l" defTabSz="914400" rtl="0" eaLnBrk="1" latinLnBrk="0" hangingPunct="1">
-        <a:lnSpc>
-          <a:spcPct val="90000"/>
-        </a:lnSpc>
-        <a:spcBef>
-          <a:spcPts val="500"/>
-        </a:spcBef>
-        <a:buFont typeface="Arial" panose="020B0604020202020204" pitchFamily="34" charset="0"/>
-        <a:buChar char="•"/>
-        <a:defRPr sz="1800" kern="1200">
-          <a:solidFill>
-            <a:schemeClr val="tx1"/>
-          </a:solidFill>
-          <a:latin typeface="+mn-lt"/>
-          <a:ea typeface="+mn-ea"/>
-          <a:cs typeface="+mn-cs"/>
-        </a:defRPr>
-      </a:lvl4pPr>
-      <a:lvl5pPr marL="2057400" indent="-228600" algn="l" defTabSz="914400" rtl="0" eaLnBrk="1" latinLnBrk="0" hangingPunct="1">
-        <a:lnSpc>
-          <a:spcPct val="90000"/>
-        </a:lnSpc>
-        <a:spcBef>
-          <a:spcPts val="500"/>
-        </a:spcBef>
-        <a:buFont typeface="Arial" panose="020B0604020202020204" pitchFamily="34" charset="0"/>
-        <a:buChar char="•"/>
-        <a:defRPr sz="1800" kern="1200">
-          <a:solidFill>
-            <a:schemeClr val="tx1"/>
-          </a:solidFill>
-          <a:latin typeface="+mn-lt"/>
-          <a:ea typeface="+mn-ea"/>
-          <a:cs typeface="+mn-cs"/>
-        </a:defRPr>
-      </a:lvl5pPr>
-      <a:lvl6pPr marL="2514600" indent="-228600" algn="l" defTabSz="914400" rtl="0" eaLnBrk="1" latinLnBrk="0" hangingPunct="1">
-        <a:lnSpc>
-          <a:spcPct val="90000"/>
-        </a:lnSpc>
-        <a:spcBef>
-          <a:spcPts val="500"/>
-        </a:spcBef>
-        <a:buFont typeface="Arial" panose="020B0604020202020204" pitchFamily="34" charset="0"/>
-        <a:buChar char="•"/>
-        <a:defRPr sz="1800" kern="1200">
-          <a:solidFill>
-            <a:schemeClr val="tx1"/>
-          </a:solidFill>
-          <a:latin typeface="+mn-lt"/>
-          <a:ea typeface="+mn-ea"/>
-          <a:cs typeface="+mn-cs"/>
-        </a:defRPr>
       </a:lvl6pPr>
       <a:lvl7pPr marL="2971800" indent="-228600" algn="l" defTabSz="914400" rtl="0" eaLnBrk="1" latinLnBrk="0" hangingPunct="1">
-        <a:lnSpc>
-          <a:spcPct val="90000"/>
-        </a:lnSpc>
         <a:spcBef>
-          <a:spcPts val="500"/>
+          <a:spcPct val="20000"/>
         </a:spcBef>
-        <a:buFont typeface="Arial" panose="020B0604020202020204" pitchFamily="34" charset="0"/>
+        <a:buFont typeface="Arial" pitchFamily="34" charset="0"/>
         <a:buChar char="•"/>
-        <a:defRPr sz="1800" kern="1200">
+        <a:defRPr sz="2000" kern="1200">
           <a:solidFill>
             <a:schemeClr val="tx1"/>
           </a:solidFill>
@@ -3190,15 +5371,12 @@
         </a:defRPr>
       </a:lvl7pPr>
       <a:lvl8pPr marL="3429000" indent="-228600" algn="l" defTabSz="914400" rtl="0" eaLnBrk="1" latinLnBrk="0" hangingPunct="1">
-        <a:lnSpc>
-          <a:spcPct val="90000"/>
-        </a:lnSpc>
         <a:spcBef>
-          <a:spcPts val="500"/>
+          <a:spcPct val="20000"/>
         </a:spcBef>
-        <a:buFont typeface="Arial" panose="020B0604020202020204" pitchFamily="34" charset="0"/>
+        <a:buFont typeface="Arial" pitchFamily="34" charset="0"/>
         <a:buChar char="•"/>
-        <a:defRPr sz="1800" kern="1200">
+        <a:defRPr sz="2000" kern="1200">
           <a:solidFill>
             <a:schemeClr val="tx1"/>
           </a:solidFill>
@@ -3208,15 +5386,12 @@
         </a:defRPr>
       </a:lvl8pPr>
       <a:lvl9pPr marL="3886200" indent="-228600" algn="l" defTabSz="914400" rtl="0" eaLnBrk="1" latinLnBrk="0" hangingPunct="1">
-        <a:lnSpc>
-          <a:spcPct val="90000"/>
-        </a:lnSpc>
         <a:spcBef>
-          <a:spcPts val="500"/>
+          <a:spcPct val="20000"/>
         </a:spcBef>
-        <a:buFont typeface="Arial" panose="020B0604020202020204" pitchFamily="34" charset="0"/>
+        <a:buFont typeface="Arial" pitchFamily="34" charset="0"/>
         <a:buChar char="•"/>
-        <a:defRPr sz="1800" kern="1200">
+        <a:defRPr sz="2000" kern="1200">
           <a:solidFill>
             <a:schemeClr val="tx1"/>
           </a:solidFill>
@@ -3389,29 +5564,31 @@
         </p:nvSpPr>
         <p:spPr/>
         <p:txBody>
-          <a:bodyPr/>
+          <a:bodyPr>
+            <a:normAutofit/>
+          </a:bodyPr>
           <a:lstStyle/>
           <a:p>
+            <a:pPr marL="0" indent="0">
+              <a:buNone/>
+            </a:pPr>
+            <a:r>
+              <a:rPr lang="zh-CN" altLang="en-US" dirty="0"/>
+              <a:t>用</a:t>
+            </a:r>
             <a:r>
               <a:rPr lang="en-US" altLang="zh-CN" dirty="0"/>
-              <a:t>EVE</a:t>
+              <a:t>Xen</a:t>
             </a:r>
             <a:r>
               <a:rPr lang="zh-CN" altLang="en-US" dirty="0"/>
-              <a:t>是</a:t>
-            </a:r>
-            <a:r>
-              <a:rPr lang="zh-CN" altLang="en-US"/>
-              <a:t>一种功能类似</a:t>
+              <a:t>虚拟机实现更安全的</a:t>
             </a:r>
             <a:r>
               <a:rPr lang="en-US" altLang="zh-CN" dirty="0"/>
               <a:t>Docker</a:t>
             </a:r>
-            <a:r>
-              <a:rPr lang="zh-CN" altLang="en-US" dirty="0"/>
-              <a:t>的开源应用容器引擎</a:t>
-            </a:r>
+            <a:endParaRPr lang="zh-CN" altLang="en-US" dirty="0"/>
           </a:p>
         </p:txBody>
       </p:sp>
@@ -3463,7 +5640,9 @@
         </p:nvSpPr>
         <p:spPr/>
         <p:txBody>
-          <a:bodyPr/>
+          <a:bodyPr>
+            <a:normAutofit fontScale="90000"/>
+          </a:bodyPr>
           <a:lstStyle/>
           <a:p>
             <a:r>
@@ -4566,7 +6745,7 @@
             </a:r>
             <a:r>
               <a:rPr lang="zh-CN" altLang="en-US" dirty="0"/>
-              <a:t>）</a:t>
+              <a:t>引擎）</a:t>
             </a:r>
             <a:endParaRPr lang="en-US" altLang="zh-CN" dirty="0"/>
           </a:p>
@@ -4615,7 +6794,7 @@
           <p:cNvPr id="2" name="标题 1">
             <a:extLst>
               <a:ext uri="{FF2B5EF4-FFF2-40B4-BE49-F238E27FC236}">
-                <a16:creationId xmlns:a16="http://schemas.microsoft.com/office/drawing/2014/main" id="{56BB1613-E9CF-4656-A401-0DA794EBFC29}"/>
+                <a16:creationId xmlns:a16="http://schemas.microsoft.com/office/drawing/2014/main" id="{A1DF3A5F-B5B2-499C-9C6D-C4C988252CCC}"/>
               </a:ext>
             </a:extLst>
           </p:cNvPr>
@@ -4633,7 +6812,7 @@
           <a:p>
             <a:r>
               <a:rPr lang="en-US" altLang="zh-CN" dirty="0"/>
-              <a:t>Edge Container Image (ECI)</a:t>
+              <a:t>Edge Container Connectivity</a:t>
             </a:r>
             <a:endParaRPr lang="zh-CN" altLang="en-US" dirty="0"/>
           </a:p>
@@ -4644,7 +6823,7 @@
           <p:cNvPr id="3" name="内容占位符 2">
             <a:extLst>
               <a:ext uri="{FF2B5EF4-FFF2-40B4-BE49-F238E27FC236}">
-                <a16:creationId xmlns:a16="http://schemas.microsoft.com/office/drawing/2014/main" id="{9FFA9D04-C1A2-44D2-B245-F8CE831BCB4E}"/>
+                <a16:creationId xmlns:a16="http://schemas.microsoft.com/office/drawing/2014/main" id="{0FBB00BB-1349-488C-B67A-908BC6CFF25C}"/>
               </a:ext>
             </a:extLst>
           </p:cNvPr>
@@ -4661,12 +6840,43 @@
           <a:lstStyle/>
           <a:p>
             <a:r>
+              <a:rPr lang="zh-CN" altLang="en-US" dirty="0"/>
+              <a:t>容器间连接</a:t>
+            </a:r>
+            <a:endParaRPr lang="en-US" altLang="zh-CN" dirty="0"/>
+          </a:p>
+          <a:p>
+            <a:pPr lvl="1"/>
+            <a:r>
+              <a:rPr lang="zh-CN" altLang="en-US" dirty="0"/>
+              <a:t>默认通过</a:t>
+            </a:r>
+            <a:r>
               <a:rPr lang="en-US" altLang="zh-CN" dirty="0"/>
-              <a:t>EVE</a:t>
-            </a:r>
+              <a:t>NAT</a:t>
+            </a:r>
+          </a:p>
+          <a:p>
+            <a:pPr lvl="1"/>
             <a:r>
               <a:rPr lang="zh-CN" altLang="en-US" dirty="0"/>
-              <a:t>容器镜像</a:t>
+              <a:t>可以设置</a:t>
+            </a:r>
+            <a:r>
+              <a:rPr lang="en-US" altLang="zh-CN" dirty="0"/>
+              <a:t>USB</a:t>
+            </a:r>
+            <a:r>
+              <a:rPr lang="zh-CN" altLang="en-US" dirty="0"/>
+              <a:t>或者</a:t>
+            </a:r>
+            <a:r>
+              <a:rPr lang="en-US" altLang="zh-CN" dirty="0"/>
+              <a:t>COM</a:t>
+            </a:r>
+            <a:r>
+              <a:rPr lang="zh-CN" altLang="en-US" dirty="0"/>
+              <a:t>口连接</a:t>
             </a:r>
             <a:endParaRPr lang="en-US" altLang="zh-CN" dirty="0"/>
           </a:p>
@@ -4674,36 +6884,63 @@
             <a:pPr lvl="1"/>
             <a:r>
               <a:rPr lang="zh-CN" altLang="en-US" dirty="0"/>
-              <a:t>支持</a:t>
+              <a:t>可以设置交换网络</a:t>
+            </a:r>
+            <a:endParaRPr lang="en-US" altLang="zh-CN" dirty="0"/>
+          </a:p>
+          <a:p>
+            <a:pPr lvl="1"/>
+            <a:r>
+              <a:rPr lang="zh-CN" altLang="en-US" dirty="0"/>
+              <a:t>可以设置云网络连接到</a:t>
             </a:r>
             <a:r>
               <a:rPr lang="en-US" altLang="zh-CN" dirty="0"/>
-              <a:t>VMs</a:t>
+              <a:t>AWS VPN</a:t>
             </a:r>
             <a:r>
               <a:rPr lang="zh-CN" altLang="en-US" dirty="0"/>
-              <a:t>、</a:t>
+              <a:t>或者</a:t>
             </a:r>
             <a:r>
               <a:rPr lang="en-US" altLang="zh-CN" dirty="0"/>
-              <a:t>OCI/docker Image</a:t>
+              <a:t>Azure VPN</a:t>
             </a:r>
             <a:r>
               <a:rPr lang="zh-CN" altLang="en-US" dirty="0"/>
-              <a:t>格式和</a:t>
-            </a:r>
-            <a:r>
-              <a:rPr lang="en-US" altLang="zh-CN" dirty="0" err="1"/>
-              <a:t>Unikernels</a:t>
-            </a:r>
-            <a:endParaRPr lang="zh-CN" altLang="en-US" dirty="0"/>
+              <a:t>等</a:t>
+            </a:r>
+            <a:endParaRPr lang="en-US" altLang="zh-CN" dirty="0"/>
+          </a:p>
+          <a:p>
+            <a:pPr lvl="1"/>
+            <a:r>
+              <a:rPr lang="zh-CN" altLang="en-US" dirty="0"/>
+              <a:t>可以设置</a:t>
+            </a:r>
+            <a:r>
+              <a:rPr lang="en-US" altLang="zh-CN" dirty="0"/>
+              <a:t>mesh network</a:t>
+            </a:r>
+            <a:r>
+              <a:rPr lang="zh-CN" altLang="en-US" dirty="0"/>
+              <a:t>实现</a:t>
+            </a:r>
+            <a:r>
+              <a:rPr lang="en-US" altLang="zh-CN" dirty="0"/>
+              <a:t>Edge-to-Edge</a:t>
+            </a:r>
+            <a:r>
+              <a:rPr lang="zh-CN" altLang="en-US" dirty="0"/>
+              <a:t>连接</a:t>
+            </a:r>
           </a:p>
         </p:txBody>
       </p:sp>
     </p:spTree>
     <p:extLst>
       <p:ext uri="{BB962C8B-B14F-4D97-AF65-F5344CB8AC3E}">
-        <p14:creationId xmlns:p14="http://schemas.microsoft.com/office/powerpoint/2010/main" val="3732662130"/>
+        <p14:creationId xmlns:p14="http://schemas.microsoft.com/office/powerpoint/2010/main" val="4035629224"/>
       </p:ext>
     </p:extLst>
   </p:cSld>
@@ -4735,7 +6972,7 @@
           <p:cNvPr id="2" name="标题 1">
             <a:extLst>
               <a:ext uri="{FF2B5EF4-FFF2-40B4-BE49-F238E27FC236}">
-                <a16:creationId xmlns:a16="http://schemas.microsoft.com/office/drawing/2014/main" id="{370D1EFD-4CD2-4742-AF2A-5215FB79743F}"/>
+                <a16:creationId xmlns:a16="http://schemas.microsoft.com/office/drawing/2014/main" id="{56BB1613-E9CF-4656-A401-0DA794EBFC29}"/>
               </a:ext>
             </a:extLst>
           </p:cNvPr>
@@ -4753,7 +6990,7 @@
           <a:p>
             <a:r>
               <a:rPr lang="en-US" altLang="zh-CN" dirty="0"/>
-              <a:t>Edge Container Object (ECO)</a:t>
+              <a:t>Edge Container Image (ECI)</a:t>
             </a:r>
             <a:endParaRPr lang="zh-CN" altLang="en-US" dirty="0"/>
           </a:p>
@@ -4764,7 +7001,7 @@
           <p:cNvPr id="3" name="内容占位符 2">
             <a:extLst>
               <a:ext uri="{FF2B5EF4-FFF2-40B4-BE49-F238E27FC236}">
-                <a16:creationId xmlns:a16="http://schemas.microsoft.com/office/drawing/2014/main" id="{1A3336C3-8C5D-40B5-AAF5-48C55974FD8C}"/>
+                <a16:creationId xmlns:a16="http://schemas.microsoft.com/office/drawing/2014/main" id="{9FFA9D04-C1A2-44D2-B245-F8CE831BCB4E}"/>
               </a:ext>
             </a:extLst>
           </p:cNvPr>
@@ -4786,7 +7023,7 @@
             </a:r>
             <a:r>
               <a:rPr lang="zh-CN" altLang="en-US" dirty="0"/>
-              <a:t>容器</a:t>
+              <a:t>容器镜像</a:t>
             </a:r>
             <a:endParaRPr lang="en-US" altLang="zh-CN" dirty="0"/>
           </a:p>
@@ -4794,10 +7031,28 @@
             <a:pPr lvl="1"/>
             <a:r>
               <a:rPr lang="zh-CN" altLang="en-US" dirty="0"/>
-              <a:t>指一个虚拟机及其中运行的操作系统和应用</a:t>
-            </a:r>
-          </a:p>
-          <a:p>
+              <a:t>支持</a:t>
+            </a:r>
+            <a:r>
+              <a:rPr lang="en-US" altLang="zh-CN" dirty="0"/>
+              <a:t>VMs</a:t>
+            </a:r>
+            <a:r>
+              <a:rPr lang="zh-CN" altLang="en-US" dirty="0"/>
+              <a:t>、</a:t>
+            </a:r>
+            <a:r>
+              <a:rPr lang="en-US" altLang="zh-CN" dirty="0"/>
+              <a:t>OCI/docker Image</a:t>
+            </a:r>
+            <a:r>
+              <a:rPr lang="zh-CN" altLang="en-US" dirty="0"/>
+              <a:t>格式和</a:t>
+            </a:r>
+            <a:r>
+              <a:rPr lang="en-US" altLang="zh-CN" dirty="0" err="1"/>
+              <a:t>Unikernels</a:t>
+            </a:r>
             <a:endParaRPr lang="zh-CN" altLang="en-US" dirty="0"/>
           </a:p>
         </p:txBody>
@@ -4805,7 +7060,7 @@
     </p:spTree>
     <p:extLst>
       <p:ext uri="{BB962C8B-B14F-4D97-AF65-F5344CB8AC3E}">
-        <p14:creationId xmlns:p14="http://schemas.microsoft.com/office/powerpoint/2010/main" val="712980364"/>
+        <p14:creationId xmlns:p14="http://schemas.microsoft.com/office/powerpoint/2010/main" val="3732662130"/>
       </p:ext>
     </p:extLst>
   </p:cSld>
@@ -4837,7 +7092,7 @@
           <p:cNvPr id="2" name="标题 1">
             <a:extLst>
               <a:ext uri="{FF2B5EF4-FFF2-40B4-BE49-F238E27FC236}">
-                <a16:creationId xmlns:a16="http://schemas.microsoft.com/office/drawing/2014/main" id="{A1DF3A5F-B5B2-499C-9C6D-C4C988252CCC}"/>
+                <a16:creationId xmlns:a16="http://schemas.microsoft.com/office/drawing/2014/main" id="{370D1EFD-4CD2-4742-AF2A-5215FB79743F}"/>
               </a:ext>
             </a:extLst>
           </p:cNvPr>
@@ -4855,7 +7110,7 @@
           <a:p>
             <a:r>
               <a:rPr lang="en-US" altLang="zh-CN" dirty="0"/>
-              <a:t>Edge Container Connectivity</a:t>
+              <a:t>Edge Container Object (ECO)</a:t>
             </a:r>
             <a:endParaRPr lang="zh-CN" altLang="en-US" dirty="0"/>
           </a:p>
@@ -4866,7 +7121,7 @@
           <p:cNvPr id="3" name="内容占位符 2">
             <a:extLst>
               <a:ext uri="{FF2B5EF4-FFF2-40B4-BE49-F238E27FC236}">
-                <a16:creationId xmlns:a16="http://schemas.microsoft.com/office/drawing/2014/main" id="{0FBB00BB-1349-488C-B67A-908BC6CFF25C}"/>
+                <a16:creationId xmlns:a16="http://schemas.microsoft.com/office/drawing/2014/main" id="{1A3336C3-8C5D-40B5-AAF5-48C55974FD8C}"/>
               </a:ext>
             </a:extLst>
           </p:cNvPr>
@@ -4883,8 +7138,12 @@
           <a:lstStyle/>
           <a:p>
             <a:r>
+              <a:rPr lang="en-US" altLang="zh-CN" dirty="0"/>
+              <a:t>EVE</a:t>
+            </a:r>
+            <a:r>
               <a:rPr lang="zh-CN" altLang="en-US" dirty="0"/>
-              <a:t>容器间连接</a:t>
+              <a:t>容器</a:t>
             </a:r>
             <a:endParaRPr lang="en-US" altLang="zh-CN" dirty="0"/>
           </a:p>
@@ -4892,98 +7151,18 @@
             <a:pPr lvl="1"/>
             <a:r>
               <a:rPr lang="zh-CN" altLang="en-US" dirty="0"/>
-              <a:t>默认通过</a:t>
-            </a:r>
-            <a:r>
-              <a:rPr lang="en-US" altLang="zh-CN" dirty="0"/>
-              <a:t>NAT</a:t>
-            </a:r>
-          </a:p>
-          <a:p>
-            <a:pPr lvl="1"/>
-            <a:r>
-              <a:rPr lang="zh-CN" altLang="en-US" dirty="0"/>
-              <a:t>可以设置</a:t>
-            </a:r>
-            <a:r>
-              <a:rPr lang="en-US" altLang="zh-CN" dirty="0"/>
-              <a:t>USB</a:t>
-            </a:r>
-            <a:r>
-              <a:rPr lang="zh-CN" altLang="en-US" dirty="0"/>
-              <a:t>或者</a:t>
-            </a:r>
-            <a:r>
-              <a:rPr lang="en-US" altLang="zh-CN" dirty="0"/>
-              <a:t>COM</a:t>
-            </a:r>
-            <a:r>
-              <a:rPr lang="zh-CN" altLang="en-US" dirty="0"/>
-              <a:t>口连接</a:t>
-            </a:r>
-            <a:endParaRPr lang="en-US" altLang="zh-CN" dirty="0"/>
-          </a:p>
-          <a:p>
-            <a:pPr lvl="1"/>
-            <a:r>
-              <a:rPr lang="zh-CN" altLang="en-US" dirty="0"/>
-              <a:t>可以设置交换网络</a:t>
-            </a:r>
-            <a:endParaRPr lang="en-US" altLang="zh-CN" dirty="0"/>
-          </a:p>
-          <a:p>
-            <a:pPr lvl="1"/>
-            <a:r>
-              <a:rPr lang="zh-CN" altLang="en-US" dirty="0"/>
-              <a:t>可以设置云网络连接到</a:t>
-            </a:r>
-            <a:r>
-              <a:rPr lang="en-US" altLang="zh-CN" dirty="0"/>
-              <a:t>AWS VPN</a:t>
-            </a:r>
-            <a:r>
-              <a:rPr lang="zh-CN" altLang="en-US" dirty="0"/>
-              <a:t>或者</a:t>
-            </a:r>
-            <a:r>
-              <a:rPr lang="en-US" altLang="zh-CN" dirty="0"/>
-              <a:t>Azure VPN</a:t>
-            </a:r>
-            <a:r>
-              <a:rPr lang="zh-CN" altLang="en-US" dirty="0"/>
-              <a:t>等</a:t>
-            </a:r>
-            <a:endParaRPr lang="en-US" altLang="zh-CN" dirty="0"/>
-          </a:p>
-          <a:p>
-            <a:pPr lvl="1"/>
-            <a:r>
-              <a:rPr lang="zh-CN" altLang="en-US" dirty="0"/>
-              <a:t>可以设置</a:t>
-            </a:r>
-            <a:r>
-              <a:rPr lang="en-US" altLang="zh-CN" dirty="0"/>
-              <a:t>mesh network</a:t>
-            </a:r>
-            <a:r>
-              <a:rPr lang="zh-CN" altLang="en-US" dirty="0"/>
-              <a:t>实现</a:t>
-            </a:r>
-            <a:r>
-              <a:rPr lang="en-US" altLang="zh-CN" dirty="0"/>
-              <a:t>Edge-to-Edge</a:t>
-            </a:r>
-            <a:r>
-              <a:rPr lang="zh-CN" altLang="en-US" dirty="0"/>
-              <a:t>连接</a:t>
-            </a:r>
+              <a:t>指一个虚拟机及其中运行的操作系统和应用</a:t>
+            </a:r>
+          </a:p>
+          <a:p>
+            <a:endParaRPr lang="zh-CN" altLang="en-US" dirty="0"/>
           </a:p>
         </p:txBody>
       </p:sp>
     </p:spTree>
     <p:extLst>
       <p:ext uri="{BB962C8B-B14F-4D97-AF65-F5344CB8AC3E}">
-        <p14:creationId xmlns:p14="http://schemas.microsoft.com/office/powerpoint/2010/main" val="4035629224"/>
+        <p14:creationId xmlns:p14="http://schemas.microsoft.com/office/powerpoint/2010/main" val="712980364"/>
       </p:ext>
     </p:extLst>
   </p:cSld>
@@ -5326,6 +7505,14 @@
             </a:r>
           </a:p>
           <a:p>
+            <a:pPr lvl="1"/>
+            <a:r>
+              <a:rPr lang="zh-CN" altLang="en-US" dirty="0"/>
+              <a:t>裸金属架构</a:t>
+            </a:r>
+            <a:endParaRPr lang="en-US" altLang="zh-CN" dirty="0"/>
+          </a:p>
+          <a:p>
             <a:r>
               <a:rPr lang="zh-CN" altLang="en-US" dirty="0"/>
               <a:t>基于虚拟机的架构赋予</a:t>
@@ -5360,7 +7547,7 @@
             </a:r>
             <a:r>
               <a:rPr lang="en-US" altLang="zh-CN" dirty="0"/>
-              <a:t> Foundry, Azure IoT Edge, AWS Greengrass Core</a:t>
+              <a:t> Foundry, Azure IoT, AWS IoT</a:t>
             </a:r>
             <a:r>
               <a:rPr lang="zh-CN" altLang="en-US" dirty="0"/>
@@ -5415,7 +7602,7 @@
           <p:cNvPr id="2" name="标题 1">
             <a:extLst>
               <a:ext uri="{FF2B5EF4-FFF2-40B4-BE49-F238E27FC236}">
-                <a16:creationId xmlns:a16="http://schemas.microsoft.com/office/drawing/2014/main" id="{B63B71EA-2D53-4FF7-B8B0-949421697632}"/>
+                <a16:creationId xmlns:a16="http://schemas.microsoft.com/office/drawing/2014/main" id="{4B79B142-9AC3-46F4-BD3C-5B3608D47172}"/>
               </a:ext>
             </a:extLst>
           </p:cNvPr>
@@ -5433,7 +7620,7 @@
           <a:p>
             <a:r>
               <a:rPr lang="en-US" altLang="zh-CN" dirty="0"/>
-              <a:t>Operating system services</a:t>
+              <a:t>Device connectivity and management interfaces</a:t>
             </a:r>
             <a:endParaRPr lang="zh-CN" altLang="en-US" dirty="0"/>
           </a:p>
@@ -5444,7 +7631,7 @@
           <p:cNvPr id="3" name="内容占位符 2">
             <a:extLst>
               <a:ext uri="{FF2B5EF4-FFF2-40B4-BE49-F238E27FC236}">
-                <a16:creationId xmlns:a16="http://schemas.microsoft.com/office/drawing/2014/main" id="{1497B4FF-7E8C-4D0A-A422-6F0509E72A8C}"/>
+                <a16:creationId xmlns:a16="http://schemas.microsoft.com/office/drawing/2014/main" id="{0287737D-7262-4020-B308-37C969FFC146}"/>
               </a:ext>
             </a:extLst>
           </p:cNvPr>
@@ -5462,15 +7649,7 @@
           <a:p>
             <a:r>
               <a:rPr lang="zh-CN" altLang="en-US" dirty="0"/>
-              <a:t>提供一个可信计算平台，包含以下功能</a:t>
-            </a:r>
-            <a:endParaRPr lang="en-US" altLang="zh-CN" dirty="0"/>
-          </a:p>
-          <a:p>
-            <a:pPr lvl="1"/>
-            <a:r>
-              <a:rPr lang="zh-CN" altLang="en-US" dirty="0"/>
-              <a:t>更新</a:t>
+              <a:t>通过接口管理</a:t>
             </a:r>
             <a:r>
               <a:rPr lang="en-US" altLang="zh-CN" dirty="0"/>
@@ -5478,39 +7657,42 @@
             </a:r>
             <a:r>
               <a:rPr lang="zh-CN" altLang="en-US" dirty="0"/>
-              <a:t>本身</a:t>
+              <a:t>设备</a:t>
             </a:r>
             <a:endParaRPr lang="en-US" altLang="zh-CN" dirty="0"/>
           </a:p>
           <a:p>
             <a:pPr lvl="1"/>
             <a:r>
+              <a:rPr lang="en-US" altLang="zh-CN" dirty="0"/>
+              <a:t>EVE</a:t>
+            </a:r>
+            <a:r>
               <a:rPr lang="zh-CN" altLang="en-US" dirty="0"/>
-              <a:t>身份验证</a:t>
-            </a:r>
-            <a:endParaRPr lang="en-US" altLang="zh-CN" dirty="0"/>
+              <a:t>终端设备连接到</a:t>
+            </a:r>
+            <a:r>
+              <a:rPr lang="en-US" altLang="zh-CN" dirty="0"/>
+              <a:t>EVC(Edge Virtualization Controller)</a:t>
+            </a:r>
+            <a:r>
+              <a:rPr lang="zh-CN" altLang="en-US" dirty="0"/>
+              <a:t>统一管理</a:t>
+            </a:r>
           </a:p>
           <a:p>
             <a:pPr lvl="1"/>
             <a:r>
               <a:rPr lang="zh-CN" altLang="en-US" dirty="0"/>
-              <a:t>内存隔离</a:t>
-            </a:r>
-            <a:endParaRPr lang="en-US" altLang="zh-CN" dirty="0"/>
-          </a:p>
-          <a:p>
-            <a:pPr lvl="1"/>
+              <a:t>支持多种协议，包括网络和</a:t>
+            </a:r>
+            <a:r>
+              <a:rPr lang="en-US" altLang="zh-CN" dirty="0"/>
+              <a:t>USB</a:t>
+            </a:r>
             <a:r>
               <a:rPr lang="zh-CN" altLang="en-US" dirty="0"/>
-              <a:t>存储加密</a:t>
-            </a:r>
-            <a:endParaRPr lang="en-US" altLang="zh-CN" dirty="0"/>
-          </a:p>
-          <a:p>
-            <a:pPr lvl="1"/>
-            <a:r>
-              <a:rPr lang="zh-CN" altLang="en-US" dirty="0"/>
-              <a:t>安全的网络服务</a:t>
+              <a:t>等</a:t>
             </a:r>
           </a:p>
         </p:txBody>
@@ -5518,7 +7700,7 @@
     </p:spTree>
     <p:extLst>
       <p:ext uri="{BB962C8B-B14F-4D97-AF65-F5344CB8AC3E}">
-        <p14:creationId xmlns:p14="http://schemas.microsoft.com/office/powerpoint/2010/main" val="2467182022"/>
+        <p14:creationId xmlns:p14="http://schemas.microsoft.com/office/powerpoint/2010/main" val="1756455787"/>
       </p:ext>
     </p:extLst>
   </p:cSld>
@@ -5550,7 +7732,7 @@
           <p:cNvPr id="2" name="标题 1">
             <a:extLst>
               <a:ext uri="{FF2B5EF4-FFF2-40B4-BE49-F238E27FC236}">
-                <a16:creationId xmlns:a16="http://schemas.microsoft.com/office/drawing/2014/main" id="{4B79B142-9AC3-46F4-BD3C-5B3608D47172}"/>
+                <a16:creationId xmlns:a16="http://schemas.microsoft.com/office/drawing/2014/main" id="{B63B71EA-2D53-4FF7-B8B0-949421697632}"/>
               </a:ext>
             </a:extLst>
           </p:cNvPr>
@@ -5568,7 +7750,7 @@
           <a:p>
             <a:r>
               <a:rPr lang="en-US" altLang="zh-CN" dirty="0"/>
-              <a:t>Device connectivity and management interfaces</a:t>
+              <a:t>Operating system services</a:t>
             </a:r>
             <a:endParaRPr lang="zh-CN" altLang="en-US" dirty="0"/>
           </a:p>
@@ -5579,7 +7761,7 @@
           <p:cNvPr id="3" name="内容占位符 2">
             <a:extLst>
               <a:ext uri="{FF2B5EF4-FFF2-40B4-BE49-F238E27FC236}">
-                <a16:creationId xmlns:a16="http://schemas.microsoft.com/office/drawing/2014/main" id="{0287737D-7262-4020-B308-37C969FFC146}"/>
+                <a16:creationId xmlns:a16="http://schemas.microsoft.com/office/drawing/2014/main" id="{1497B4FF-7E8C-4D0A-A422-6F0509E72A8C}"/>
               </a:ext>
             </a:extLst>
           </p:cNvPr>
@@ -5597,7 +7779,15 @@
           <a:p>
             <a:r>
               <a:rPr lang="zh-CN" altLang="en-US" dirty="0"/>
-              <a:t>通过网络接口管理</a:t>
+              <a:t>提供一个可信计算平台，包含以下功能</a:t>
+            </a:r>
+            <a:endParaRPr lang="en-US" altLang="zh-CN" dirty="0"/>
+          </a:p>
+          <a:p>
+            <a:pPr lvl="1"/>
+            <a:r>
+              <a:rPr lang="zh-CN" altLang="en-US" dirty="0"/>
+              <a:t>更新</a:t>
             </a:r>
             <a:r>
               <a:rPr lang="en-US" altLang="zh-CN" dirty="0"/>
@@ -5605,7 +7795,7 @@
             </a:r>
             <a:r>
               <a:rPr lang="zh-CN" altLang="en-US" dirty="0"/>
-              <a:t>设备中的应用（虚拟机）</a:t>
+              <a:t>本身</a:t>
             </a:r>
             <a:endParaRPr lang="en-US" altLang="zh-CN" dirty="0"/>
           </a:p>
@@ -5613,7 +7803,7 @@
             <a:pPr lvl="1"/>
             <a:r>
               <a:rPr lang="zh-CN" altLang="en-US" dirty="0"/>
-              <a:t>设备网络接口</a:t>
+              <a:t>身份验证</a:t>
             </a:r>
             <a:endParaRPr lang="en-US" altLang="zh-CN" dirty="0"/>
           </a:p>
@@ -5621,7 +7811,7 @@
             <a:pPr lvl="1"/>
             <a:r>
               <a:rPr lang="zh-CN" altLang="en-US" dirty="0"/>
-              <a:t>网络连接驱动（应用间连接）</a:t>
+              <a:t>内存隔离</a:t>
             </a:r>
             <a:endParaRPr lang="en-US" altLang="zh-CN" dirty="0"/>
           </a:p>
@@ -5629,28 +7819,23 @@
             <a:pPr lvl="1"/>
             <a:r>
               <a:rPr lang="zh-CN" altLang="en-US" dirty="0"/>
-              <a:t>将</a:t>
-            </a:r>
-            <a:r>
-              <a:rPr lang="en-US" altLang="zh-CN" dirty="0"/>
-              <a:t>EVE</a:t>
-            </a:r>
+              <a:t>存储加密</a:t>
+            </a:r>
+            <a:endParaRPr lang="en-US" altLang="zh-CN" dirty="0"/>
+          </a:p>
+          <a:p>
+            <a:pPr lvl="1"/>
             <a:r>
               <a:rPr lang="zh-CN" altLang="en-US" dirty="0"/>
-              <a:t>终端设备连接到统一管理网络的</a:t>
-            </a:r>
-            <a:r>
-              <a:rPr lang="en-US" altLang="zh-CN" dirty="0"/>
-              <a:t>API</a:t>
-            </a:r>
-            <a:endParaRPr lang="zh-CN" altLang="en-US" dirty="0"/>
+              <a:t>安全的网络服务</a:t>
+            </a:r>
           </a:p>
         </p:txBody>
       </p:sp>
     </p:spTree>
     <p:extLst>
       <p:ext uri="{BB962C8B-B14F-4D97-AF65-F5344CB8AC3E}">
-        <p14:creationId xmlns:p14="http://schemas.microsoft.com/office/powerpoint/2010/main" val="1756455787"/>
+        <p14:creationId xmlns:p14="http://schemas.microsoft.com/office/powerpoint/2010/main" val="2467182022"/>
       </p:ext>
     </p:extLst>
   </p:cSld>
@@ -5954,8 +8139,8 @@
         </p:blipFill>
         <p:spPr>
           <a:xfrm>
-            <a:off x="2107638" y="1825625"/>
-            <a:ext cx="7976723" cy="4351338"/>
+            <a:off x="1428118" y="1033463"/>
+            <a:ext cx="9335763" cy="5092700"/>
           </a:xfrm>
         </p:spPr>
       </p:pic>
@@ -5973,7 +8158,7 @@
 </file>
 
 <file path=ppt/theme/theme1.xml><?xml version="1.0" encoding="utf-8"?>
-<a:theme xmlns:a="http://schemas.openxmlformats.org/drawingml/2006/main" name="Office 主题​​">
+<a:theme xmlns:a="http://schemas.openxmlformats.org/drawingml/2006/main" name="组会模板16：9">
   <a:themeElements>
     <a:clrScheme name="Office">
       <a:dk1>
@@ -5983,44 +8168,44 @@
         <a:sysClr val="window" lastClr="FFFFFF"/>
       </a:lt1>
       <a:dk2>
-        <a:srgbClr val="44546A"/>
+        <a:srgbClr val="1F497D"/>
       </a:dk2>
       <a:lt2>
-        <a:srgbClr val="E7E6E6"/>
+        <a:srgbClr val="EEECE1"/>
       </a:lt2>
       <a:accent1>
-        <a:srgbClr val="4472C4"/>
+        <a:srgbClr val="4F81BD"/>
       </a:accent1>
       <a:accent2>
-        <a:srgbClr val="ED7D31"/>
+        <a:srgbClr val="C0504D"/>
       </a:accent2>
       <a:accent3>
-        <a:srgbClr val="A5A5A5"/>
+        <a:srgbClr val="9BBB59"/>
       </a:accent3>
       <a:accent4>
-        <a:srgbClr val="FFC000"/>
+        <a:srgbClr val="8064A2"/>
       </a:accent4>
       <a:accent5>
-        <a:srgbClr val="5B9BD5"/>
+        <a:srgbClr val="4BACC6"/>
       </a:accent5>
       <a:accent6>
-        <a:srgbClr val="70AD47"/>
+        <a:srgbClr val="F79646"/>
       </a:accent6>
       <a:hlink>
-        <a:srgbClr val="0563C1"/>
+        <a:srgbClr val="0000FF"/>
       </a:hlink>
       <a:folHlink>
-        <a:srgbClr val="954F72"/>
+        <a:srgbClr val="800080"/>
       </a:folHlink>
     </a:clrScheme>
     <a:fontScheme name="Office">
       <a:majorFont>
-        <a:latin typeface="等线 Light" panose="020F0302020204030204"/>
+        <a:latin typeface="Calibri"/>
         <a:ea typeface=""/>
         <a:cs typeface=""/>
-        <a:font script="Jpan" typeface="游ゴシック Light"/>
+        <a:font script="Jpan" typeface="ＭＳ Ｐゴシック"/>
         <a:font script="Hang" typeface="맑은 고딕"/>
-        <a:font script="Hans" typeface="等线 Light"/>
+        <a:font script="Hans" typeface="宋体"/>
         <a:font script="Hant" typeface="新細明體"/>
         <a:font script="Arab" typeface="Times New Roman"/>
         <a:font script="Hebr" typeface="Times New Roman"/>
@@ -6047,32 +8232,14 @@
         <a:font script="Mong" typeface="Mongolian Baiti"/>
         <a:font script="Viet" typeface="Times New Roman"/>
         <a:font script="Uigh" typeface="Microsoft Uighur"/>
-        <a:font script="Geor" typeface="Sylfaen"/>
-        <a:font script="Armn" typeface="Arial"/>
-        <a:font script="Bugi" typeface="Leelawadee UI"/>
-        <a:font script="Bopo" typeface="Microsoft JhengHei"/>
-        <a:font script="Java" typeface="Javanese Text"/>
-        <a:font script="Lisu" typeface="Segoe UI"/>
-        <a:font script="Mymr" typeface="Myanmar Text"/>
-        <a:font script="Nkoo" typeface="Ebrima"/>
-        <a:font script="Olck" typeface="Nirmala UI"/>
-        <a:font script="Osma" typeface="Ebrima"/>
-        <a:font script="Phag" typeface="Phagspa"/>
-        <a:font script="Syrn" typeface="Estrangelo Edessa"/>
-        <a:font script="Syrj" typeface="Estrangelo Edessa"/>
-        <a:font script="Syre" typeface="Estrangelo Edessa"/>
-        <a:font script="Sora" typeface="Nirmala UI"/>
-        <a:font script="Tale" typeface="Microsoft Tai Le"/>
-        <a:font script="Talu" typeface="Microsoft New Tai Lue"/>
-        <a:font script="Tfng" typeface="Ebrima"/>
       </a:majorFont>
       <a:minorFont>
-        <a:latin typeface="等线" panose="020F0502020204030204"/>
+        <a:latin typeface="Calibri"/>
         <a:ea typeface=""/>
         <a:cs typeface=""/>
-        <a:font script="Jpan" typeface="游ゴシック"/>
+        <a:font script="Jpan" typeface="ＭＳ Ｐゴシック"/>
         <a:font script="Hang" typeface="맑은 고딕"/>
-        <a:font script="Hans" typeface="等线"/>
+        <a:font script="Hans" typeface="宋体"/>
         <a:font script="Hant" typeface="新細明體"/>
         <a:font script="Arab" typeface="Arial"/>
         <a:font script="Hebr" typeface="Arial"/>
@@ -6099,24 +8266,6 @@
         <a:font script="Mong" typeface="Mongolian Baiti"/>
         <a:font script="Viet" typeface="Arial"/>
         <a:font script="Uigh" typeface="Microsoft Uighur"/>
-        <a:font script="Geor" typeface="Sylfaen"/>
-        <a:font script="Armn" typeface="Arial"/>
-        <a:font script="Bugi" typeface="Leelawadee UI"/>
-        <a:font script="Bopo" typeface="Microsoft JhengHei"/>
-        <a:font script="Java" typeface="Javanese Text"/>
-        <a:font script="Lisu" typeface="Segoe UI"/>
-        <a:font script="Mymr" typeface="Myanmar Text"/>
-        <a:font script="Nkoo" typeface="Ebrima"/>
-        <a:font script="Olck" typeface="Nirmala UI"/>
-        <a:font script="Osma" typeface="Ebrima"/>
-        <a:font script="Phag" typeface="Phagspa"/>
-        <a:font script="Syrn" typeface="Estrangelo Edessa"/>
-        <a:font script="Syrj" typeface="Estrangelo Edessa"/>
-        <a:font script="Syre" typeface="Estrangelo Edessa"/>
-        <a:font script="Sora" typeface="Nirmala UI"/>
-        <a:font script="Tale" typeface="Microsoft Tai Le"/>
-        <a:font script="Talu" typeface="Microsoft New Tai Lue"/>
-        <a:font script="Tfng" typeface="Ebrima"/>
       </a:minorFont>
     </a:fontScheme>
     <a:fmtScheme name="Office">
@@ -6128,131 +8277,160 @@
           <a:gsLst>
             <a:gs pos="0">
               <a:schemeClr val="phClr">
-                <a:lumMod val="110000"/>
-                <a:satMod val="105000"/>
-                <a:tint val="67000"/>
+                <a:tint val="50000"/>
+                <a:satMod val="300000"/>
               </a:schemeClr>
             </a:gs>
-            <a:gs pos="50000">
+            <a:gs pos="35000">
               <a:schemeClr val="phClr">
-                <a:lumMod val="105000"/>
-                <a:satMod val="103000"/>
-                <a:tint val="73000"/>
+                <a:tint val="37000"/>
+                <a:satMod val="300000"/>
               </a:schemeClr>
             </a:gs>
             <a:gs pos="100000">
               <a:schemeClr val="phClr">
-                <a:lumMod val="105000"/>
-                <a:satMod val="109000"/>
-                <a:tint val="81000"/>
+                <a:tint val="15000"/>
+                <a:satMod val="350000"/>
               </a:schemeClr>
             </a:gs>
           </a:gsLst>
-          <a:lin ang="5400000" scaled="0"/>
+          <a:lin ang="16200000" scaled="1"/>
         </a:gradFill>
         <a:gradFill rotWithShape="1">
           <a:gsLst>
             <a:gs pos="0">
               <a:schemeClr val="phClr">
-                <a:satMod val="103000"/>
-                <a:lumMod val="102000"/>
-                <a:tint val="94000"/>
+                <a:shade val="51000"/>
+                <a:satMod val="130000"/>
               </a:schemeClr>
             </a:gs>
-            <a:gs pos="50000">
+            <a:gs pos="80000">
               <a:schemeClr val="phClr">
-                <a:satMod val="110000"/>
-                <a:lumMod val="100000"/>
-                <a:shade val="100000"/>
+                <a:shade val="93000"/>
+                <a:satMod val="130000"/>
               </a:schemeClr>
             </a:gs>
             <a:gs pos="100000">
               <a:schemeClr val="phClr">
-                <a:lumMod val="99000"/>
-                <a:satMod val="120000"/>
-                <a:shade val="78000"/>
+                <a:shade val="94000"/>
+                <a:satMod val="135000"/>
               </a:schemeClr>
             </a:gs>
           </a:gsLst>
-          <a:lin ang="5400000" scaled="0"/>
+          <a:lin ang="16200000" scaled="0"/>
         </a:gradFill>
       </a:fillStyleLst>
       <a:lnStyleLst>
-        <a:ln w="6350" cap="flat" cmpd="sng" algn="ctr">
+        <a:ln w="9525" cap="flat" cmpd="sng" algn="ctr">
+          <a:solidFill>
+            <a:schemeClr val="phClr">
+              <a:shade val="95000"/>
+              <a:satMod val="105000"/>
+            </a:schemeClr>
+          </a:solidFill>
+          <a:prstDash val="solid"/>
+        </a:ln>
+        <a:ln w="25400" cap="flat" cmpd="sng" algn="ctr">
           <a:solidFill>
             <a:schemeClr val="phClr"/>
           </a:solidFill>
           <a:prstDash val="solid"/>
-          <a:miter lim="800000"/>
         </a:ln>
-        <a:ln w="12700" cap="flat" cmpd="sng" algn="ctr">
+        <a:ln w="38100" cap="flat" cmpd="sng" algn="ctr">
           <a:solidFill>
             <a:schemeClr val="phClr"/>
           </a:solidFill>
           <a:prstDash val="solid"/>
-          <a:miter lim="800000"/>
-        </a:ln>
-        <a:ln w="19050" cap="flat" cmpd="sng" algn="ctr">
-          <a:solidFill>
-            <a:schemeClr val="phClr"/>
-          </a:solidFill>
-          <a:prstDash val="solid"/>
-          <a:miter lim="800000"/>
         </a:ln>
       </a:lnStyleLst>
       <a:effectStyleLst>
         <a:effectStyle>
-          <a:effectLst/>
-        </a:effectStyle>
-        <a:effectStyle>
-          <a:effectLst/>
+          <a:effectLst>
+            <a:outerShdw blurRad="40000" dist="20000" dir="5400000" rotWithShape="0">
+              <a:srgbClr val="000000">
+                <a:alpha val="38000"/>
+              </a:srgbClr>
+            </a:outerShdw>
+          </a:effectLst>
         </a:effectStyle>
         <a:effectStyle>
           <a:effectLst>
-            <a:outerShdw blurRad="57150" dist="19050" dir="5400000" algn="ctr" rotWithShape="0">
+            <a:outerShdw blurRad="40000" dist="23000" dir="5400000" rotWithShape="0">
               <a:srgbClr val="000000">
-                <a:alpha val="63000"/>
+                <a:alpha val="35000"/>
               </a:srgbClr>
             </a:outerShdw>
           </a:effectLst>
+        </a:effectStyle>
+        <a:effectStyle>
+          <a:effectLst>
+            <a:outerShdw blurRad="40000" dist="23000" dir="5400000" rotWithShape="0">
+              <a:srgbClr val="000000">
+                <a:alpha val="35000"/>
+              </a:srgbClr>
+            </a:outerShdw>
+          </a:effectLst>
+          <a:scene3d>
+            <a:camera prst="orthographicFront">
+              <a:rot lat="0" lon="0" rev="0"/>
+            </a:camera>
+            <a:lightRig rig="threePt" dir="t">
+              <a:rot lat="0" lon="0" rev="1200000"/>
+            </a:lightRig>
+          </a:scene3d>
+          <a:sp3d>
+            <a:bevelT w="63500" h="25400"/>
+          </a:sp3d>
         </a:effectStyle>
       </a:effectStyleLst>
       <a:bgFillStyleLst>
         <a:solidFill>
           <a:schemeClr val="phClr"/>
         </a:solidFill>
-        <a:solidFill>
-          <a:schemeClr val="phClr">
-            <a:tint val="95000"/>
-            <a:satMod val="170000"/>
-          </a:schemeClr>
-        </a:solidFill>
         <a:gradFill rotWithShape="1">
           <a:gsLst>
             <a:gs pos="0">
               <a:schemeClr val="phClr">
-                <a:tint val="93000"/>
-                <a:satMod val="150000"/>
-                <a:shade val="98000"/>
-                <a:lumMod val="102000"/>
+                <a:tint val="40000"/>
+                <a:satMod val="350000"/>
               </a:schemeClr>
             </a:gs>
-            <a:gs pos="50000">
+            <a:gs pos="40000">
               <a:schemeClr val="phClr">
-                <a:tint val="98000"/>
-                <a:satMod val="130000"/>
-                <a:shade val="90000"/>
-                <a:lumMod val="103000"/>
+                <a:tint val="45000"/>
+                <a:shade val="99000"/>
+                <a:satMod val="350000"/>
               </a:schemeClr>
             </a:gs>
             <a:gs pos="100000">
               <a:schemeClr val="phClr">
-                <a:shade val="63000"/>
-                <a:satMod val="120000"/>
+                <a:shade val="20000"/>
+                <a:satMod val="255000"/>
               </a:schemeClr>
             </a:gs>
           </a:gsLst>
-          <a:lin ang="5400000" scaled="0"/>
+          <a:path path="circle">
+            <a:fillToRect l="50000" t="-80000" r="50000" b="180000"/>
+          </a:path>
+        </a:gradFill>
+        <a:gradFill rotWithShape="1">
+          <a:gsLst>
+            <a:gs pos="0">
+              <a:schemeClr val="phClr">
+                <a:tint val="80000"/>
+                <a:satMod val="300000"/>
+              </a:schemeClr>
+            </a:gs>
+            <a:gs pos="100000">
+              <a:schemeClr val="phClr">
+                <a:shade val="30000"/>
+                <a:satMod val="200000"/>
+              </a:schemeClr>
+            </a:gs>
+          </a:gsLst>
+          <a:path path="circle">
+            <a:fillToRect l="50000" t="50000" r="50000" b="50000"/>
+          </a:path>
         </a:gradFill>
       </a:bgFillStyleLst>
     </a:fmtScheme>
@@ -6261,7 +8439,7 @@
   <a:extraClrSchemeLst/>
   <a:extLst>
     <a:ext uri="{05A4C25C-085E-4340-85A3-A5531E510DB2}">
-      <thm15:themeFamily xmlns:thm15="http://schemas.microsoft.com/office/thememl/2012/main" name="Office Theme" id="{62F939B6-93AF-4DB8-9C6B-D6C7DFDC589F}" vid="{4A3C46E8-61CC-4603-A589-7422A47A8E4A}"/>
+      <thm15:themeFamily xmlns:thm15="http://schemas.microsoft.com/office/thememl/2012/main" name="组会模板16：9" id="{722C1CE8-8F34-440C-8F82-DF9A61DD2FC2}" vid="{84B508D6-EB5E-4151-8B64-1876C2B964D2}"/>
     </a:ext>
   </a:extLst>
 </a:theme>

--- a/学习笔记/边缘计算/EVE.pptx
+++ b/学习笔记/边缘计算/EVE.pptx
@@ -4,24 +4,28 @@
   <p:sldMasterIdLst>
     <p:sldMasterId id="2147483660" r:id="rId1"/>
   </p:sldMasterIdLst>
+  <p:notesMasterIdLst>
+    <p:notesMasterId r:id="rId20"/>
+  </p:notesMasterIdLst>
   <p:sldIdLst>
     <p:sldId id="256" r:id="rId2"/>
-    <p:sldId id="263" r:id="rId3"/>
-    <p:sldId id="262" r:id="rId4"/>
-    <p:sldId id="258" r:id="rId5"/>
-    <p:sldId id="259" r:id="rId6"/>
-    <p:sldId id="260" r:id="rId7"/>
-    <p:sldId id="261" r:id="rId8"/>
-    <p:sldId id="264" r:id="rId9"/>
-    <p:sldId id="257" r:id="rId10"/>
-    <p:sldId id="265" r:id="rId11"/>
-    <p:sldId id="266" r:id="rId12"/>
-    <p:sldId id="267" r:id="rId13"/>
-    <p:sldId id="268" r:id="rId14"/>
-    <p:sldId id="269" r:id="rId15"/>
-    <p:sldId id="272" r:id="rId16"/>
-    <p:sldId id="270" r:id="rId17"/>
-    <p:sldId id="271" r:id="rId18"/>
+    <p:sldId id="317" r:id="rId3"/>
+    <p:sldId id="263" r:id="rId4"/>
+    <p:sldId id="262" r:id="rId5"/>
+    <p:sldId id="258" r:id="rId6"/>
+    <p:sldId id="259" r:id="rId7"/>
+    <p:sldId id="260" r:id="rId8"/>
+    <p:sldId id="261" r:id="rId9"/>
+    <p:sldId id="264" r:id="rId10"/>
+    <p:sldId id="257" r:id="rId11"/>
+    <p:sldId id="265" r:id="rId12"/>
+    <p:sldId id="266" r:id="rId13"/>
+    <p:sldId id="267" r:id="rId14"/>
+    <p:sldId id="268" r:id="rId15"/>
+    <p:sldId id="269" r:id="rId16"/>
+    <p:sldId id="272" r:id="rId17"/>
+    <p:sldId id="270" r:id="rId18"/>
+    <p:sldId id="271" r:id="rId19"/>
   </p:sldIdLst>
   <p:sldSz cx="12192000" cy="6858000"/>
   <p:notesSz cx="6858000" cy="9144000"/>
@@ -128,6 +132,452 @@
 </p:presentation>
 </file>
 
+<file path=ppt/notesMasters/notesMaster1.xml><?xml version="1.0" encoding="utf-8"?>
+<p:notesMaster xmlns:a="http://schemas.openxmlformats.org/drawingml/2006/main" xmlns:r="http://schemas.openxmlformats.org/officeDocument/2006/relationships" xmlns:p="http://schemas.openxmlformats.org/presentationml/2006/main">
+  <p:cSld>
+    <p:bg>
+      <p:bgRef idx="1001">
+        <a:schemeClr val="bg1"/>
+      </p:bgRef>
+    </p:bg>
+    <p:spTree>
+      <p:nvGrpSpPr>
+        <p:cNvPr id="1" name=""/>
+        <p:cNvGrpSpPr/>
+        <p:nvPr/>
+      </p:nvGrpSpPr>
+      <p:grpSpPr>
+        <a:xfrm>
+          <a:off x="0" y="0"/>
+          <a:ext cx="0" cy="0"/>
+          <a:chOff x="0" y="0"/>
+          <a:chExt cx="0" cy="0"/>
+        </a:xfrm>
+      </p:grpSpPr>
+      <p:sp>
+        <p:nvSpPr>
+          <p:cNvPr id="2" name="页眉占位符 1"/>
+          <p:cNvSpPr>
+            <a:spLocks noGrp="1"/>
+          </p:cNvSpPr>
+          <p:nvPr>
+            <p:ph type="hdr" sz="quarter"/>
+          </p:nvPr>
+        </p:nvSpPr>
+        <p:spPr>
+          <a:xfrm>
+            <a:off x="0" y="0"/>
+            <a:ext cx="2971800" cy="458788"/>
+          </a:xfrm>
+          <a:prstGeom prst="rect">
+            <a:avLst/>
+          </a:prstGeom>
+        </p:spPr>
+        <p:txBody>
+          <a:bodyPr vert="horz" lIns="91440" tIns="45720" rIns="91440" bIns="45720" rtlCol="0"/>
+          <a:lstStyle>
+            <a:lvl1pPr algn="l">
+              <a:defRPr sz="1200"/>
+            </a:lvl1pPr>
+          </a:lstStyle>
+          <a:p>
+            <a:endParaRPr lang="zh-CN" altLang="en-US"/>
+          </a:p>
+        </p:txBody>
+      </p:sp>
+      <p:sp>
+        <p:nvSpPr>
+          <p:cNvPr id="3" name="日期占位符 2"/>
+          <p:cNvSpPr>
+            <a:spLocks noGrp="1"/>
+          </p:cNvSpPr>
+          <p:nvPr>
+            <p:ph type="dt" idx="1"/>
+          </p:nvPr>
+        </p:nvSpPr>
+        <p:spPr>
+          <a:xfrm>
+            <a:off x="3884613" y="0"/>
+            <a:ext cx="2971800" cy="458788"/>
+          </a:xfrm>
+          <a:prstGeom prst="rect">
+            <a:avLst/>
+          </a:prstGeom>
+        </p:spPr>
+        <p:txBody>
+          <a:bodyPr vert="horz" lIns="91440" tIns="45720" rIns="91440" bIns="45720" rtlCol="0"/>
+          <a:lstStyle>
+            <a:lvl1pPr algn="r">
+              <a:defRPr sz="1200"/>
+            </a:lvl1pPr>
+          </a:lstStyle>
+          <a:p>
+            <a:fld id="{76AFD8BE-D844-449E-AD5E-76A86C090E77}" type="datetimeFigureOut">
+              <a:rPr lang="zh-CN" altLang="en-US" smtClean="0"/>
+              <a:t>2020/6/24</a:t>
+            </a:fld>
+            <a:endParaRPr lang="zh-CN" altLang="en-US"/>
+          </a:p>
+        </p:txBody>
+      </p:sp>
+      <p:sp>
+        <p:nvSpPr>
+          <p:cNvPr id="4" name="幻灯片图像占位符 3"/>
+          <p:cNvSpPr>
+            <a:spLocks noGrp="1" noRot="1" noChangeAspect="1"/>
+          </p:cNvSpPr>
+          <p:nvPr>
+            <p:ph type="sldImg" idx="2"/>
+          </p:nvPr>
+        </p:nvSpPr>
+        <p:spPr>
+          <a:xfrm>
+            <a:off x="685800" y="1143000"/>
+            <a:ext cx="5486400" cy="3086100"/>
+          </a:xfrm>
+          <a:prstGeom prst="rect">
+            <a:avLst/>
+          </a:prstGeom>
+          <a:noFill/>
+          <a:ln w="12700">
+            <a:solidFill>
+              <a:prstClr val="black"/>
+            </a:solidFill>
+          </a:ln>
+        </p:spPr>
+        <p:txBody>
+          <a:bodyPr vert="horz" lIns="91440" tIns="45720" rIns="91440" bIns="45720" rtlCol="0" anchor="ctr"/>
+          <a:lstStyle/>
+          <a:p>
+            <a:endParaRPr lang="zh-CN" altLang="en-US"/>
+          </a:p>
+        </p:txBody>
+      </p:sp>
+      <p:sp>
+        <p:nvSpPr>
+          <p:cNvPr id="5" name="备注占位符 4"/>
+          <p:cNvSpPr>
+            <a:spLocks noGrp="1"/>
+          </p:cNvSpPr>
+          <p:nvPr>
+            <p:ph type="body" sz="quarter" idx="3"/>
+          </p:nvPr>
+        </p:nvSpPr>
+        <p:spPr>
+          <a:xfrm>
+            <a:off x="685800" y="4400550"/>
+            <a:ext cx="5486400" cy="3600450"/>
+          </a:xfrm>
+          <a:prstGeom prst="rect">
+            <a:avLst/>
+          </a:prstGeom>
+        </p:spPr>
+        <p:txBody>
+          <a:bodyPr vert="horz" lIns="91440" tIns="45720" rIns="91440" bIns="45720" rtlCol="0"/>
+          <a:lstStyle/>
+          <a:p>
+            <a:pPr lvl="0"/>
+            <a:r>
+              <a:rPr lang="zh-CN" altLang="en-US"/>
+              <a:t>单击此处编辑母版文本样式</a:t>
+            </a:r>
+          </a:p>
+          <a:p>
+            <a:pPr lvl="1"/>
+            <a:r>
+              <a:rPr lang="zh-CN" altLang="en-US"/>
+              <a:t>二级</a:t>
+            </a:r>
+          </a:p>
+          <a:p>
+            <a:pPr lvl="2"/>
+            <a:r>
+              <a:rPr lang="zh-CN" altLang="en-US"/>
+              <a:t>三级</a:t>
+            </a:r>
+          </a:p>
+          <a:p>
+            <a:pPr lvl="3"/>
+            <a:r>
+              <a:rPr lang="zh-CN" altLang="en-US"/>
+              <a:t>四级</a:t>
+            </a:r>
+          </a:p>
+          <a:p>
+            <a:pPr lvl="4"/>
+            <a:r>
+              <a:rPr lang="zh-CN" altLang="en-US"/>
+              <a:t>五级</a:t>
+            </a:r>
+          </a:p>
+        </p:txBody>
+      </p:sp>
+      <p:sp>
+        <p:nvSpPr>
+          <p:cNvPr id="6" name="页脚占位符 5"/>
+          <p:cNvSpPr>
+            <a:spLocks noGrp="1"/>
+          </p:cNvSpPr>
+          <p:nvPr>
+            <p:ph type="ftr" sz="quarter" idx="4"/>
+          </p:nvPr>
+        </p:nvSpPr>
+        <p:spPr>
+          <a:xfrm>
+            <a:off x="0" y="8685213"/>
+            <a:ext cx="2971800" cy="458787"/>
+          </a:xfrm>
+          <a:prstGeom prst="rect">
+            <a:avLst/>
+          </a:prstGeom>
+        </p:spPr>
+        <p:txBody>
+          <a:bodyPr vert="horz" lIns="91440" tIns="45720" rIns="91440" bIns="45720" rtlCol="0" anchor="b"/>
+          <a:lstStyle>
+            <a:lvl1pPr algn="l">
+              <a:defRPr sz="1200"/>
+            </a:lvl1pPr>
+          </a:lstStyle>
+          <a:p>
+            <a:endParaRPr lang="zh-CN" altLang="en-US"/>
+          </a:p>
+        </p:txBody>
+      </p:sp>
+      <p:sp>
+        <p:nvSpPr>
+          <p:cNvPr id="7" name="灯片编号占位符 6"/>
+          <p:cNvSpPr>
+            <a:spLocks noGrp="1"/>
+          </p:cNvSpPr>
+          <p:nvPr>
+            <p:ph type="sldNum" sz="quarter" idx="5"/>
+          </p:nvPr>
+        </p:nvSpPr>
+        <p:spPr>
+          <a:xfrm>
+            <a:off x="3884613" y="8685213"/>
+            <a:ext cx="2971800" cy="458787"/>
+          </a:xfrm>
+          <a:prstGeom prst="rect">
+            <a:avLst/>
+          </a:prstGeom>
+        </p:spPr>
+        <p:txBody>
+          <a:bodyPr vert="horz" lIns="91440" tIns="45720" rIns="91440" bIns="45720" rtlCol="0" anchor="b"/>
+          <a:lstStyle>
+            <a:lvl1pPr algn="r">
+              <a:defRPr sz="1200"/>
+            </a:lvl1pPr>
+          </a:lstStyle>
+          <a:p>
+            <a:fld id="{864F6BCB-B361-45B6-A013-8A5CFE1A8CCB}" type="slidenum">
+              <a:rPr lang="zh-CN" altLang="en-US" smtClean="0"/>
+              <a:t>‹#›</a:t>
+            </a:fld>
+            <a:endParaRPr lang="zh-CN" altLang="en-US"/>
+          </a:p>
+        </p:txBody>
+      </p:sp>
+    </p:spTree>
+    <p:extLst>
+      <p:ext uri="{BB962C8B-B14F-4D97-AF65-F5344CB8AC3E}">
+        <p14:creationId xmlns:p14="http://schemas.microsoft.com/office/powerpoint/2010/main" val="847551144"/>
+      </p:ext>
+    </p:extLst>
+  </p:cSld>
+  <p:clrMap bg1="lt1" tx1="dk1" bg2="lt2" tx2="dk2" accent1="accent1" accent2="accent2" accent3="accent3" accent4="accent4" accent5="accent5" accent6="accent6" hlink="hlink" folHlink="folHlink"/>
+  <p:notesStyle>
+    <a:lvl1pPr marL="0" algn="l" defTabSz="914400" rtl="0" eaLnBrk="1" latinLnBrk="0" hangingPunct="1">
+      <a:defRPr sz="1200" kern="1200">
+        <a:solidFill>
+          <a:schemeClr val="tx1"/>
+        </a:solidFill>
+        <a:latin typeface="+mn-lt"/>
+        <a:ea typeface="+mn-ea"/>
+        <a:cs typeface="+mn-cs"/>
+      </a:defRPr>
+    </a:lvl1pPr>
+    <a:lvl2pPr marL="457200" algn="l" defTabSz="914400" rtl="0" eaLnBrk="1" latinLnBrk="0" hangingPunct="1">
+      <a:defRPr sz="1200" kern="1200">
+        <a:solidFill>
+          <a:schemeClr val="tx1"/>
+        </a:solidFill>
+        <a:latin typeface="+mn-lt"/>
+        <a:ea typeface="+mn-ea"/>
+        <a:cs typeface="+mn-cs"/>
+      </a:defRPr>
+    </a:lvl2pPr>
+    <a:lvl3pPr marL="914400" algn="l" defTabSz="914400" rtl="0" eaLnBrk="1" latinLnBrk="0" hangingPunct="1">
+      <a:defRPr sz="1200" kern="1200">
+        <a:solidFill>
+          <a:schemeClr val="tx1"/>
+        </a:solidFill>
+        <a:latin typeface="+mn-lt"/>
+        <a:ea typeface="+mn-ea"/>
+        <a:cs typeface="+mn-cs"/>
+      </a:defRPr>
+    </a:lvl3pPr>
+    <a:lvl4pPr marL="1371600" algn="l" defTabSz="914400" rtl="0" eaLnBrk="1" latinLnBrk="0" hangingPunct="1">
+      <a:defRPr sz="1200" kern="1200">
+        <a:solidFill>
+          <a:schemeClr val="tx1"/>
+        </a:solidFill>
+        <a:latin typeface="+mn-lt"/>
+        <a:ea typeface="+mn-ea"/>
+        <a:cs typeface="+mn-cs"/>
+      </a:defRPr>
+    </a:lvl4pPr>
+    <a:lvl5pPr marL="1828800" algn="l" defTabSz="914400" rtl="0" eaLnBrk="1" latinLnBrk="0" hangingPunct="1">
+      <a:defRPr sz="1200" kern="1200">
+        <a:solidFill>
+          <a:schemeClr val="tx1"/>
+        </a:solidFill>
+        <a:latin typeface="+mn-lt"/>
+        <a:ea typeface="+mn-ea"/>
+        <a:cs typeface="+mn-cs"/>
+      </a:defRPr>
+    </a:lvl5pPr>
+    <a:lvl6pPr marL="2286000" algn="l" defTabSz="914400" rtl="0" eaLnBrk="1" latinLnBrk="0" hangingPunct="1">
+      <a:defRPr sz="1200" kern="1200">
+        <a:solidFill>
+          <a:schemeClr val="tx1"/>
+        </a:solidFill>
+        <a:latin typeface="+mn-lt"/>
+        <a:ea typeface="+mn-ea"/>
+        <a:cs typeface="+mn-cs"/>
+      </a:defRPr>
+    </a:lvl6pPr>
+    <a:lvl7pPr marL="2743200" algn="l" defTabSz="914400" rtl="0" eaLnBrk="1" latinLnBrk="0" hangingPunct="1">
+      <a:defRPr sz="1200" kern="1200">
+        <a:solidFill>
+          <a:schemeClr val="tx1"/>
+        </a:solidFill>
+        <a:latin typeface="+mn-lt"/>
+        <a:ea typeface="+mn-ea"/>
+        <a:cs typeface="+mn-cs"/>
+      </a:defRPr>
+    </a:lvl7pPr>
+    <a:lvl8pPr marL="3200400" algn="l" defTabSz="914400" rtl="0" eaLnBrk="1" latinLnBrk="0" hangingPunct="1">
+      <a:defRPr sz="1200" kern="1200">
+        <a:solidFill>
+          <a:schemeClr val="tx1"/>
+        </a:solidFill>
+        <a:latin typeface="+mn-lt"/>
+        <a:ea typeface="+mn-ea"/>
+        <a:cs typeface="+mn-cs"/>
+      </a:defRPr>
+    </a:lvl8pPr>
+    <a:lvl9pPr marL="3657600" algn="l" defTabSz="914400" rtl="0" eaLnBrk="1" latinLnBrk="0" hangingPunct="1">
+      <a:defRPr sz="1200" kern="1200">
+        <a:solidFill>
+          <a:schemeClr val="tx1"/>
+        </a:solidFill>
+        <a:latin typeface="+mn-lt"/>
+        <a:ea typeface="+mn-ea"/>
+        <a:cs typeface="+mn-cs"/>
+      </a:defRPr>
+    </a:lvl9pPr>
+  </p:notesStyle>
+</p:notesMaster>
+</file>
+
+<file path=ppt/notesSlides/notesSlide1.xml><?xml version="1.0" encoding="utf-8"?>
+<p:notes xmlns:a="http://schemas.openxmlformats.org/drawingml/2006/main" xmlns:r="http://schemas.openxmlformats.org/officeDocument/2006/relationships" xmlns:p="http://schemas.openxmlformats.org/presentationml/2006/main">
+  <p:cSld>
+    <p:spTree>
+      <p:nvGrpSpPr>
+        <p:cNvPr id="1" name=""/>
+        <p:cNvGrpSpPr/>
+        <p:nvPr/>
+      </p:nvGrpSpPr>
+      <p:grpSpPr>
+        <a:xfrm>
+          <a:off x="0" y="0"/>
+          <a:ext cx="0" cy="0"/>
+          <a:chOff x="0" y="0"/>
+          <a:chExt cx="0" cy="0"/>
+        </a:xfrm>
+      </p:grpSpPr>
+      <p:sp>
+        <p:nvSpPr>
+          <p:cNvPr id="2" name="幻灯片图像占位符 1"/>
+          <p:cNvSpPr>
+            <a:spLocks noGrp="1" noRot="1" noChangeAspect="1"/>
+          </p:cNvSpPr>
+          <p:nvPr>
+            <p:ph type="sldImg"/>
+          </p:nvPr>
+        </p:nvSpPr>
+        <p:spPr/>
+      </p:sp>
+      <p:sp>
+        <p:nvSpPr>
+          <p:cNvPr id="3" name="备注占位符 2"/>
+          <p:cNvSpPr>
+            <a:spLocks noGrp="1"/>
+          </p:cNvSpPr>
+          <p:nvPr>
+            <p:ph type="body" idx="1"/>
+          </p:nvPr>
+        </p:nvSpPr>
+        <p:spPr/>
+        <p:txBody>
+          <a:bodyPr/>
+          <a:lstStyle/>
+          <a:p>
+            <a:endParaRPr lang="zh-CN" altLang="en-US" dirty="0"/>
+          </a:p>
+        </p:txBody>
+      </p:sp>
+      <p:sp>
+        <p:nvSpPr>
+          <p:cNvPr id="4" name="灯片编号占位符 3"/>
+          <p:cNvSpPr>
+            <a:spLocks noGrp="1"/>
+          </p:cNvSpPr>
+          <p:nvPr>
+            <p:ph type="sldNum" sz="quarter" idx="10"/>
+          </p:nvPr>
+        </p:nvSpPr>
+        <p:spPr/>
+        <p:txBody>
+          <a:bodyPr/>
+          <a:lstStyle/>
+          <a:p>
+            <a:fld id="{268C3F19-532C-4836-AB5A-5A9132B4A718}" type="slidenum">
+              <a:rPr lang="zh-CN" altLang="en-US" smtClean="0">
+                <a:solidFill>
+                  <a:prstClr val="black"/>
+                </a:solidFill>
+                <a:latin typeface="DengXian" panose="020F0502020204030204"/>
+                <a:ea typeface="DengXian" panose="02010600030101010101" pitchFamily="2" charset="-122"/>
+              </a:rPr>
+              <a:pPr/>
+              <a:t>2</a:t>
+            </a:fld>
+            <a:endParaRPr lang="zh-CN" altLang="en-US">
+              <a:solidFill>
+                <a:prstClr val="black"/>
+              </a:solidFill>
+              <a:latin typeface="DengXian" panose="020F0502020204030204"/>
+              <a:ea typeface="DengXian" panose="02010600030101010101" pitchFamily="2" charset="-122"/>
+            </a:endParaRPr>
+          </a:p>
+        </p:txBody>
+      </p:sp>
+    </p:spTree>
+    <p:extLst>
+      <p:ext uri="{BB962C8B-B14F-4D97-AF65-F5344CB8AC3E}">
+        <p14:creationId xmlns:p14="http://schemas.microsoft.com/office/powerpoint/2010/main" val="1891153717"/>
+      </p:ext>
+    </p:extLst>
+  </p:cSld>
+  <p:clrMapOvr>
+    <a:masterClrMapping/>
+  </p:clrMapOvr>
+</p:notes>
+</file>
+
 <file path=ppt/slideLayouts/slideLayout1.xml><?xml version="1.0" encoding="utf-8"?>
 <p:sldLayout xmlns:a="http://schemas.openxmlformats.org/drawingml/2006/main" xmlns:r="http://schemas.openxmlformats.org/officeDocument/2006/relationships" xmlns:p="http://schemas.openxmlformats.org/presentationml/2006/main" type="title" preserve="1">
   <p:cSld name="标题幻灯片">
@@ -271,7 +721,7 @@
           <a:p>
             <a:fld id="{16952747-A5EC-4D1B-AE9D-3AC195362527}" type="datetimeFigureOut">
               <a:rPr lang="zh-CN" altLang="en-US" smtClean="0"/>
-              <a:t>2020/6/23</a:t>
+              <a:t>2020/6/24</a:t>
             </a:fld>
             <a:endParaRPr lang="zh-CN" altLang="en-US"/>
           </a:p>
@@ -589,7 +1039,7 @@
           <a:p>
             <a:fld id="{16952747-A5EC-4D1B-AE9D-3AC195362527}" type="datetimeFigureOut">
               <a:rPr lang="zh-CN" altLang="en-US" smtClean="0"/>
-              <a:t>2020/6/23</a:t>
+              <a:t>2020/6/24</a:t>
             </a:fld>
             <a:endParaRPr lang="zh-CN" altLang="en-US"/>
           </a:p>
@@ -995,7 +1445,7 @@
           <a:p>
             <a:fld id="{16952747-A5EC-4D1B-AE9D-3AC195362527}" type="datetimeFigureOut">
               <a:rPr lang="zh-CN" altLang="en-US" smtClean="0"/>
-              <a:t>2020/6/23</a:t>
+              <a:t>2020/6/24</a:t>
             </a:fld>
             <a:endParaRPr lang="zh-CN" altLang="en-US"/>
           </a:p>
@@ -1401,7 +1851,7 @@
           <a:p>
             <a:fld id="{16952747-A5EC-4D1B-AE9D-3AC195362527}" type="datetimeFigureOut">
               <a:rPr lang="zh-CN" altLang="en-US" smtClean="0"/>
-              <a:t>2020/6/23</a:t>
+              <a:t>2020/6/24</a:t>
             </a:fld>
             <a:endParaRPr lang="zh-CN" altLang="en-US"/>
           </a:p>
@@ -1808,7 +2258,7 @@
           <a:p>
             <a:fld id="{16952747-A5EC-4D1B-AE9D-3AC195362527}" type="datetimeFigureOut">
               <a:rPr lang="zh-CN" altLang="en-US" smtClean="0"/>
-              <a:t>2020/6/23</a:t>
+              <a:t>2020/6/24</a:t>
             </a:fld>
             <a:endParaRPr lang="zh-CN" altLang="en-US"/>
           </a:p>
@@ -2056,7 +2506,7 @@
           <a:p>
             <a:fld id="{16952747-A5EC-4D1B-AE9D-3AC195362527}" type="datetimeFigureOut">
               <a:rPr lang="zh-CN" altLang="en-US" smtClean="0"/>
-              <a:t>2020/6/23</a:t>
+              <a:t>2020/6/24</a:t>
             </a:fld>
             <a:endParaRPr lang="zh-CN" altLang="en-US"/>
           </a:p>
@@ -2926,7 +3376,7 @@
           <a:p>
             <a:fld id="{16952747-A5EC-4D1B-AE9D-3AC195362527}" type="datetimeFigureOut">
               <a:rPr lang="zh-CN" altLang="en-US" smtClean="0"/>
-              <a:t>2020/6/23</a:t>
+              <a:t>2020/6/24</a:t>
             </a:fld>
             <a:endParaRPr lang="zh-CN" altLang="en-US"/>
           </a:p>
@@ -3572,7 +4022,7 @@
           <a:p>
             <a:fld id="{16952747-A5EC-4D1B-AE9D-3AC195362527}" type="datetimeFigureOut">
               <a:rPr lang="zh-CN" altLang="en-US" smtClean="0"/>
-              <a:t>2020/6/23</a:t>
+              <a:t>2020/6/24</a:t>
             </a:fld>
             <a:endParaRPr lang="zh-CN" altLang="en-US"/>
           </a:p>
@@ -3910,7 +4360,7 @@
           <a:p>
             <a:fld id="{16952747-A5EC-4D1B-AE9D-3AC195362527}" type="datetimeFigureOut">
               <a:rPr lang="zh-CN" altLang="en-US" smtClean="0"/>
-              <a:t>2020/6/23</a:t>
+              <a:t>2020/6/24</a:t>
             </a:fld>
             <a:endParaRPr lang="zh-CN" altLang="en-US"/>
           </a:p>
@@ -4005,7 +4455,7 @@
           <a:p>
             <a:fld id="{16952747-A5EC-4D1B-AE9D-3AC195362527}" type="datetimeFigureOut">
               <a:rPr lang="zh-CN" altLang="en-US" smtClean="0"/>
-              <a:t>2020/6/23</a:t>
+              <a:t>2020/6/24</a:t>
             </a:fld>
             <a:endParaRPr lang="zh-CN" altLang="en-US"/>
           </a:p>
@@ -4106,7 +4556,7 @@
           <a:p>
             <a:fld id="{16952747-A5EC-4D1B-AE9D-3AC195362527}" type="datetimeFigureOut">
               <a:rPr lang="zh-CN" altLang="en-US" smtClean="0"/>
-              <a:t>2020/6/23</a:t>
+              <a:t>2020/6/24</a:t>
             </a:fld>
             <a:endParaRPr lang="zh-CN" altLang="en-US"/>
           </a:p>
@@ -4930,7 +5380,7 @@
           <a:p>
             <a:fld id="{16952747-A5EC-4D1B-AE9D-3AC195362527}" type="datetimeFigureOut">
               <a:rPr lang="zh-CN" altLang="en-US" smtClean="0"/>
-              <a:t>2020/6/23</a:t>
+              <a:t>2020/6/24</a:t>
             </a:fld>
             <a:endParaRPr lang="zh-CN" altLang="en-US"/>
           </a:p>
@@ -5141,7 +5591,7 @@
           <a:p>
             <a:fld id="{16952747-A5EC-4D1B-AE9D-3AC195362527}" type="datetimeFigureOut">
               <a:rPr lang="zh-CN" altLang="en-US" smtClean="0"/>
-              <a:t>2020/6/23</a:t>
+              <a:t>2020/6/24</a:t>
             </a:fld>
             <a:endParaRPr lang="zh-CN" altLang="en-US"/>
           </a:p>
@@ -5542,6 +5992,13 @@
               <a:rPr lang="en-US" altLang="zh-CN" dirty="0"/>
               <a:t>EVE</a:t>
             </a:r>
+            <a:br>
+              <a:rPr lang="en-US" altLang="zh-CN" dirty="0"/>
+            </a:br>
+            <a:r>
+              <a:rPr lang="en-US" altLang="zh-CN" dirty="0"/>
+              <a:t>(Edge Virtualization Engine)</a:t>
+            </a:r>
             <a:endParaRPr lang="zh-CN" altLang="en-US" dirty="0"/>
           </a:p>
         </p:txBody>
@@ -5573,16 +6030,20 @@
               <a:buNone/>
             </a:pPr>
             <a:r>
-              <a:rPr lang="zh-CN" altLang="en-US" dirty="0"/>
-              <a:t>用</a:t>
-            </a:r>
-            <a:r>
               <a:rPr lang="en-US" altLang="zh-CN" dirty="0"/>
               <a:t>Xen</a:t>
             </a:r>
             <a:r>
               <a:rPr lang="zh-CN" altLang="en-US" dirty="0"/>
-              <a:t>虚拟机实现更安全的</a:t>
+              <a:t>虚拟机</a:t>
+            </a:r>
+            <a:r>
+              <a:rPr lang="en-US" altLang="zh-CN" dirty="0"/>
+              <a:t>+</a:t>
+            </a:r>
+            <a:r>
+              <a:rPr lang="zh-CN" altLang="en-US" dirty="0"/>
+              <a:t>裸金属架构实现更安全的</a:t>
             </a:r>
             <a:r>
               <a:rPr lang="en-US" altLang="zh-CN" dirty="0"/>
@@ -5627,7 +6088,7 @@
           <p:cNvPr id="2" name="标题 1">
             <a:extLst>
               <a:ext uri="{FF2B5EF4-FFF2-40B4-BE49-F238E27FC236}">
-                <a16:creationId xmlns:a16="http://schemas.microsoft.com/office/drawing/2014/main" id="{3F90512A-55A9-4FAF-B7AC-2F821508A799}"/>
+                <a16:creationId xmlns:a16="http://schemas.microsoft.com/office/drawing/2014/main" id="{B837D2D8-1D57-4C69-B90A-62B2C2E3727A}"/>
               </a:ext>
             </a:extLst>
           </p:cNvPr>
@@ -5640,94 +6101,55 @@
         </p:nvSpPr>
         <p:spPr/>
         <p:txBody>
-          <a:bodyPr>
-            <a:normAutofit fontScale="90000"/>
-          </a:bodyPr>
+          <a:bodyPr/>
           <a:lstStyle/>
           <a:p>
             <a:r>
-              <a:rPr lang="en-US" altLang="zh-CN" dirty="0"/>
-              <a:t>Device Identity Onboarding</a:t>
-            </a:r>
-            <a:br>
-              <a:rPr lang="en-US" altLang="zh-CN" dirty="0"/>
-            </a:br>
-            <a:r>
-              <a:rPr lang="en-US" altLang="zh-CN" dirty="0"/>
-              <a:t>Security Foundation</a:t>
-            </a:r>
-            <a:endParaRPr lang="zh-CN" altLang="en-US" dirty="0"/>
-          </a:p>
-        </p:txBody>
-      </p:sp>
-      <p:sp>
-        <p:nvSpPr>
-          <p:cNvPr id="3" name="内容占位符 2">
+              <a:rPr lang="zh-CN" altLang="en-US" dirty="0"/>
+              <a:t>架构图</a:t>
+            </a:r>
+          </a:p>
+        </p:txBody>
+      </p:sp>
+      <p:pic>
+        <p:nvPicPr>
+          <p:cNvPr id="5" name="内容占位符 4">
             <a:extLst>
               <a:ext uri="{FF2B5EF4-FFF2-40B4-BE49-F238E27FC236}">
-                <a16:creationId xmlns:a16="http://schemas.microsoft.com/office/drawing/2014/main" id="{15259BA2-9D49-4E97-970B-18DA0EB82A65}"/>
+                <a16:creationId xmlns:a16="http://schemas.microsoft.com/office/drawing/2014/main" id="{D7D10B6C-D63A-4242-8552-7B6EB7A5D494}"/>
               </a:ext>
             </a:extLst>
           </p:cNvPr>
-          <p:cNvSpPr>
-            <a:spLocks noGrp="1"/>
-          </p:cNvSpPr>
+          <p:cNvPicPr>
+            <a:picLocks noGrp="1" noChangeAspect="1"/>
+          </p:cNvPicPr>
           <p:nvPr>
             <p:ph idx="1"/>
           </p:nvPr>
-        </p:nvSpPr>
-        <p:spPr/>
-        <p:txBody>
-          <a:bodyPr/>
-          <a:lstStyle/>
-          <a:p>
-            <a:r>
-              <a:rPr lang="zh-CN" altLang="en-US" dirty="0"/>
-              <a:t>设备识别和验证</a:t>
-            </a:r>
-            <a:endParaRPr lang="en-US" altLang="zh-CN" dirty="0"/>
-          </a:p>
-          <a:p>
-            <a:pPr lvl="1"/>
-            <a:r>
-              <a:rPr lang="zh-CN" altLang="en-US" dirty="0"/>
-              <a:t>设备以公钥为</a:t>
-            </a:r>
-            <a:r>
-              <a:rPr lang="en-US" altLang="zh-CN" dirty="0"/>
-              <a:t>ID</a:t>
-            </a:r>
-          </a:p>
-          <a:p>
-            <a:pPr lvl="1"/>
-            <a:r>
-              <a:rPr lang="zh-CN" altLang="en-US" dirty="0"/>
-              <a:t>公钥在制造时即写入设备，私钥和设备打包销售</a:t>
-            </a:r>
-            <a:endParaRPr lang="en-US" altLang="zh-CN" dirty="0"/>
-          </a:p>
-          <a:p>
-            <a:pPr lvl="1"/>
-            <a:r>
-              <a:rPr lang="zh-CN" altLang="en-US" dirty="0"/>
-              <a:t>启动时扫描验证设备序列号</a:t>
-            </a:r>
-            <a:endParaRPr lang="en-US" altLang="zh-CN" dirty="0"/>
-          </a:p>
-          <a:p>
-            <a:pPr lvl="1"/>
-            <a:r>
-              <a:rPr lang="zh-CN" altLang="en-US" dirty="0"/>
-              <a:t>设备私钥用于磁盘加密、远程认证等</a:t>
-            </a:r>
-            <a:endParaRPr lang="en-US" altLang="zh-CN" dirty="0"/>
-          </a:p>
-        </p:txBody>
-      </p:sp>
+        </p:nvPicPr>
+        <p:blipFill>
+          <a:blip r:embed="rId2">
+            <a:extLst>
+              <a:ext uri="{28A0092B-C50C-407E-A947-70E740481C1C}">
+                <a14:useLocalDpi xmlns:a14="http://schemas.microsoft.com/office/drawing/2010/main" val="0"/>
+              </a:ext>
+            </a:extLst>
+          </a:blip>
+          <a:stretch>
+            <a:fillRect/>
+          </a:stretch>
+        </p:blipFill>
+        <p:spPr>
+          <a:xfrm>
+            <a:off x="1428118" y="1033463"/>
+            <a:ext cx="9335763" cy="5092700"/>
+          </a:xfrm>
+        </p:spPr>
+      </p:pic>
     </p:spTree>
     <p:extLst>
       <p:ext uri="{BB962C8B-B14F-4D97-AF65-F5344CB8AC3E}">
-        <p14:creationId xmlns:p14="http://schemas.microsoft.com/office/powerpoint/2010/main" val="2817355610"/>
+        <p14:creationId xmlns:p14="http://schemas.microsoft.com/office/powerpoint/2010/main" val="518272566"/>
       </p:ext>
     </p:extLst>
   </p:cSld>
@@ -5759,7 +6181,7 @@
           <p:cNvPr id="2" name="标题 1">
             <a:extLst>
               <a:ext uri="{FF2B5EF4-FFF2-40B4-BE49-F238E27FC236}">
-                <a16:creationId xmlns:a16="http://schemas.microsoft.com/office/drawing/2014/main" id="{4BE5C46D-37BB-42F8-AA27-3A54E9DEC650}"/>
+                <a16:creationId xmlns:a16="http://schemas.microsoft.com/office/drawing/2014/main" id="{3F90512A-55A9-4FAF-B7AC-2F821508A799}"/>
               </a:ext>
             </a:extLst>
           </p:cNvPr>
@@ -5772,12 +6194,21 @@
         </p:nvSpPr>
         <p:spPr/>
         <p:txBody>
-          <a:bodyPr/>
+          <a:bodyPr>
+            <a:normAutofit fontScale="90000"/>
+          </a:bodyPr>
           <a:lstStyle/>
           <a:p>
             <a:r>
               <a:rPr lang="en-US" altLang="zh-CN" dirty="0"/>
-              <a:t>Self Update</a:t>
+              <a:t>Device Identity Onboarding</a:t>
+            </a:r>
+            <a:br>
+              <a:rPr lang="en-US" altLang="zh-CN" dirty="0"/>
+            </a:br>
+            <a:r>
+              <a:rPr lang="en-US" altLang="zh-CN" dirty="0"/>
+              <a:t>Security Foundation</a:t>
             </a:r>
             <a:endParaRPr lang="zh-CN" altLang="en-US" dirty="0"/>
           </a:p>
@@ -5788,7 +6219,7 @@
           <p:cNvPr id="3" name="内容占位符 2">
             <a:extLst>
               <a:ext uri="{FF2B5EF4-FFF2-40B4-BE49-F238E27FC236}">
-                <a16:creationId xmlns:a16="http://schemas.microsoft.com/office/drawing/2014/main" id="{70DF0446-71C1-4011-9DDE-22F0748152BD}"/>
+                <a16:creationId xmlns:a16="http://schemas.microsoft.com/office/drawing/2014/main" id="{15259BA2-9D49-4E97-970B-18DA0EB82A65}"/>
               </a:ext>
             </a:extLst>
           </p:cNvPr>
@@ -5806,15 +6237,26 @@
           <a:p>
             <a:r>
               <a:rPr lang="zh-CN" altLang="en-US" dirty="0"/>
-              <a:t>更新</a:t>
+              <a:t>设备识别和验证</a:t>
+            </a:r>
+            <a:endParaRPr lang="en-US" altLang="zh-CN" dirty="0"/>
+          </a:p>
+          <a:p>
+            <a:pPr lvl="1"/>
+            <a:r>
+              <a:rPr lang="zh-CN" altLang="en-US" dirty="0"/>
+              <a:t>设备以公钥为</a:t>
             </a:r>
             <a:r>
               <a:rPr lang="en-US" altLang="zh-CN" dirty="0"/>
-              <a:t>EVE</a:t>
-            </a:r>
+              <a:t>ID</a:t>
+            </a:r>
+          </a:p>
+          <a:p>
+            <a:pPr lvl="1"/>
             <a:r>
               <a:rPr lang="zh-CN" altLang="en-US" dirty="0"/>
-              <a:t>本身</a:t>
+              <a:t>公钥在制造时即写入设备，私钥和设备打包销售</a:t>
             </a:r>
             <a:endParaRPr lang="en-US" altLang="zh-CN" dirty="0"/>
           </a:p>
@@ -5822,7 +6264,7 @@
             <a:pPr lvl="1"/>
             <a:r>
               <a:rPr lang="zh-CN" altLang="en-US" dirty="0"/>
-              <a:t>处理更新时的一些错误</a:t>
+              <a:t>启动时扫描验证设备序列号</a:t>
             </a:r>
             <a:endParaRPr lang="en-US" altLang="zh-CN" dirty="0"/>
           </a:p>
@@ -5830,15 +6272,16 @@
             <a:pPr lvl="1"/>
             <a:r>
               <a:rPr lang="zh-CN" altLang="en-US" dirty="0"/>
-              <a:t>必要时回滚更新</a:t>
-            </a:r>
+              <a:t>设备私钥用于磁盘加密、远程认证等</a:t>
+            </a:r>
+            <a:endParaRPr lang="en-US" altLang="zh-CN" dirty="0"/>
           </a:p>
         </p:txBody>
       </p:sp>
     </p:spTree>
     <p:extLst>
       <p:ext uri="{BB962C8B-B14F-4D97-AF65-F5344CB8AC3E}">
-        <p14:creationId xmlns:p14="http://schemas.microsoft.com/office/powerpoint/2010/main" val="4031009180"/>
+        <p14:creationId xmlns:p14="http://schemas.microsoft.com/office/powerpoint/2010/main" val="2817355610"/>
       </p:ext>
     </p:extLst>
   </p:cSld>
@@ -5870,6 +6313,117 @@
           <p:cNvPr id="2" name="标题 1">
             <a:extLst>
               <a:ext uri="{FF2B5EF4-FFF2-40B4-BE49-F238E27FC236}">
+                <a16:creationId xmlns:a16="http://schemas.microsoft.com/office/drawing/2014/main" id="{4BE5C46D-37BB-42F8-AA27-3A54E9DEC650}"/>
+              </a:ext>
+            </a:extLst>
+          </p:cNvPr>
+          <p:cNvSpPr>
+            <a:spLocks noGrp="1"/>
+          </p:cNvSpPr>
+          <p:nvPr>
+            <p:ph type="title"/>
+          </p:nvPr>
+        </p:nvSpPr>
+        <p:spPr/>
+        <p:txBody>
+          <a:bodyPr/>
+          <a:lstStyle/>
+          <a:p>
+            <a:r>
+              <a:rPr lang="en-US" altLang="zh-CN" dirty="0"/>
+              <a:t>Self Update</a:t>
+            </a:r>
+            <a:endParaRPr lang="zh-CN" altLang="en-US" dirty="0"/>
+          </a:p>
+        </p:txBody>
+      </p:sp>
+      <p:sp>
+        <p:nvSpPr>
+          <p:cNvPr id="3" name="内容占位符 2">
+            <a:extLst>
+              <a:ext uri="{FF2B5EF4-FFF2-40B4-BE49-F238E27FC236}">
+                <a16:creationId xmlns:a16="http://schemas.microsoft.com/office/drawing/2014/main" id="{70DF0446-71C1-4011-9DDE-22F0748152BD}"/>
+              </a:ext>
+            </a:extLst>
+          </p:cNvPr>
+          <p:cNvSpPr>
+            <a:spLocks noGrp="1"/>
+          </p:cNvSpPr>
+          <p:nvPr>
+            <p:ph idx="1"/>
+          </p:nvPr>
+        </p:nvSpPr>
+        <p:spPr/>
+        <p:txBody>
+          <a:bodyPr/>
+          <a:lstStyle/>
+          <a:p>
+            <a:r>
+              <a:rPr lang="zh-CN" altLang="en-US" dirty="0"/>
+              <a:t>更新</a:t>
+            </a:r>
+            <a:r>
+              <a:rPr lang="en-US" altLang="zh-CN" dirty="0"/>
+              <a:t>EVE</a:t>
+            </a:r>
+            <a:r>
+              <a:rPr lang="zh-CN" altLang="en-US" dirty="0"/>
+              <a:t>本身</a:t>
+            </a:r>
+            <a:endParaRPr lang="en-US" altLang="zh-CN" dirty="0"/>
+          </a:p>
+          <a:p>
+            <a:pPr lvl="1"/>
+            <a:r>
+              <a:rPr lang="zh-CN" altLang="en-US" dirty="0"/>
+              <a:t>处理更新时的一些错误</a:t>
+            </a:r>
+            <a:endParaRPr lang="en-US" altLang="zh-CN" dirty="0"/>
+          </a:p>
+          <a:p>
+            <a:pPr lvl="1"/>
+            <a:r>
+              <a:rPr lang="zh-CN" altLang="en-US" dirty="0"/>
+              <a:t>必要时回滚更新</a:t>
+            </a:r>
+          </a:p>
+        </p:txBody>
+      </p:sp>
+    </p:spTree>
+    <p:extLst>
+      <p:ext uri="{BB962C8B-B14F-4D97-AF65-F5344CB8AC3E}">
+        <p14:creationId xmlns:p14="http://schemas.microsoft.com/office/powerpoint/2010/main" val="4031009180"/>
+      </p:ext>
+    </p:extLst>
+  </p:cSld>
+  <p:clrMapOvr>
+    <a:masterClrMapping/>
+  </p:clrMapOvr>
+</p:sld>
+</file>
+
+<file path=ppt/slides/slide13.xml><?xml version="1.0" encoding="utf-8"?>
+<p:sld xmlns:a="http://schemas.openxmlformats.org/drawingml/2006/main" xmlns:r="http://schemas.openxmlformats.org/officeDocument/2006/relationships" xmlns:p="http://schemas.openxmlformats.org/presentationml/2006/main">
+  <p:cSld>
+    <p:spTree>
+      <p:nvGrpSpPr>
+        <p:cNvPr id="1" name=""/>
+        <p:cNvGrpSpPr/>
+        <p:nvPr/>
+      </p:nvGrpSpPr>
+      <p:grpSpPr>
+        <a:xfrm>
+          <a:off x="0" y="0"/>
+          <a:ext cx="0" cy="0"/>
+          <a:chOff x="0" y="0"/>
+          <a:chExt cx="0" cy="0"/>
+        </a:xfrm>
+      </p:grpSpPr>
+      <p:sp>
+        <p:nvSpPr>
+          <p:cNvPr id="2" name="标题 1">
+            <a:extLst>
+              <a:ext uri="{FF2B5EF4-FFF2-40B4-BE49-F238E27FC236}">
                 <a16:creationId xmlns:a16="http://schemas.microsoft.com/office/drawing/2014/main" id="{11F8CC80-B06C-4C1A-B6E1-57E179AFD7C0}"/>
               </a:ext>
             </a:extLst>
@@ -6002,7 +6556,7 @@
 </p:sld>
 </file>
 
-<file path=ppt/slides/slide13.xml><?xml version="1.0" encoding="utf-8"?>
+<file path=ppt/slides/slide14.xml><?xml version="1.0" encoding="utf-8"?>
 <p:sld xmlns:a="http://schemas.openxmlformats.org/drawingml/2006/main" xmlns:r="http://schemas.openxmlformats.org/officeDocument/2006/relationships" xmlns:p="http://schemas.openxmlformats.org/presentationml/2006/main">
   <p:cSld>
     <p:spTree>
@@ -6636,142 +7190,6 @@
 </p:sld>
 </file>
 
-<file path=ppt/slides/slide14.xml><?xml version="1.0" encoding="utf-8"?>
-<p:sld xmlns:a="http://schemas.openxmlformats.org/drawingml/2006/main" xmlns:r="http://schemas.openxmlformats.org/officeDocument/2006/relationships" xmlns:p="http://schemas.openxmlformats.org/presentationml/2006/main">
-  <p:cSld>
-    <p:spTree>
-      <p:nvGrpSpPr>
-        <p:cNvPr id="1" name=""/>
-        <p:cNvGrpSpPr/>
-        <p:nvPr/>
-      </p:nvGrpSpPr>
-      <p:grpSpPr>
-        <a:xfrm>
-          <a:off x="0" y="0"/>
-          <a:ext cx="0" cy="0"/>
-          <a:chOff x="0" y="0"/>
-          <a:chExt cx="0" cy="0"/>
-        </a:xfrm>
-      </p:grpSpPr>
-      <p:sp>
-        <p:nvSpPr>
-          <p:cNvPr id="2" name="标题 1">
-            <a:extLst>
-              <a:ext uri="{FF2B5EF4-FFF2-40B4-BE49-F238E27FC236}">
-                <a16:creationId xmlns:a16="http://schemas.microsoft.com/office/drawing/2014/main" id="{87BAEDF1-C446-4755-9ED7-A8314F8AF655}"/>
-              </a:ext>
-            </a:extLst>
-          </p:cNvPr>
-          <p:cNvSpPr>
-            <a:spLocks noGrp="1"/>
-          </p:cNvSpPr>
-          <p:nvPr>
-            <p:ph type="title"/>
-          </p:nvPr>
-        </p:nvSpPr>
-        <p:spPr/>
-        <p:txBody>
-          <a:bodyPr/>
-          <a:lstStyle/>
-          <a:p>
-            <a:r>
-              <a:rPr lang="en-US" altLang="zh-CN" dirty="0"/>
-              <a:t>Edge Container runtime</a:t>
-            </a:r>
-            <a:endParaRPr lang="zh-CN" altLang="en-US" dirty="0"/>
-          </a:p>
-        </p:txBody>
-      </p:sp>
-      <p:sp>
-        <p:nvSpPr>
-          <p:cNvPr id="3" name="内容占位符 2">
-            <a:extLst>
-              <a:ext uri="{FF2B5EF4-FFF2-40B4-BE49-F238E27FC236}">
-                <a16:creationId xmlns:a16="http://schemas.microsoft.com/office/drawing/2014/main" id="{D667C9F6-4CFC-4181-88C9-BDC22FE64677}"/>
-              </a:ext>
-            </a:extLst>
-          </p:cNvPr>
-          <p:cNvSpPr>
-            <a:spLocks noGrp="1"/>
-          </p:cNvSpPr>
-          <p:nvPr>
-            <p:ph idx="1"/>
-          </p:nvPr>
-        </p:nvSpPr>
-        <p:spPr/>
-        <p:txBody>
-          <a:bodyPr/>
-          <a:lstStyle/>
-          <a:p>
-            <a:r>
-              <a:rPr lang="zh-CN" altLang="en-US" dirty="0"/>
-              <a:t>容器运行时</a:t>
-            </a:r>
-            <a:endParaRPr lang="en-US" altLang="zh-CN" dirty="0"/>
-          </a:p>
-          <a:p>
-            <a:pPr lvl="1"/>
-            <a:r>
-              <a:rPr lang="zh-CN" altLang="en-US" dirty="0"/>
-              <a:t>基于</a:t>
-            </a:r>
-            <a:r>
-              <a:rPr lang="en-US" altLang="zh-CN" dirty="0"/>
-              <a:t>Xen</a:t>
-            </a:r>
-            <a:r>
-              <a:rPr lang="zh-CN" altLang="en-US" dirty="0"/>
-              <a:t>虚拟化</a:t>
-            </a:r>
-            <a:endParaRPr lang="en-US" altLang="zh-CN" dirty="0"/>
-          </a:p>
-          <a:p>
-            <a:pPr lvl="1"/>
-            <a:r>
-              <a:rPr lang="zh-CN" altLang="en-US" dirty="0"/>
-              <a:t>可以直接运行</a:t>
-            </a:r>
-            <a:r>
-              <a:rPr lang="en-US" altLang="zh-CN" dirty="0"/>
-              <a:t>Docker</a:t>
-            </a:r>
-            <a:r>
-              <a:rPr lang="zh-CN" altLang="en-US" dirty="0"/>
-              <a:t>容器（基于</a:t>
-            </a:r>
-            <a:r>
-              <a:rPr lang="en-US" altLang="zh-CN" dirty="0" err="1"/>
-              <a:t>rkt</a:t>
-            </a:r>
-            <a:r>
-              <a:rPr lang="zh-CN" altLang="en-US" dirty="0"/>
-              <a:t>引擎）</a:t>
-            </a:r>
-            <a:endParaRPr lang="en-US" altLang="zh-CN" dirty="0"/>
-          </a:p>
-          <a:p>
-            <a:pPr lvl="1"/>
-            <a:r>
-              <a:rPr lang="zh-CN" altLang="en-US" dirty="0"/>
-              <a:t>提供一套设置容器连接的工具链</a:t>
-            </a:r>
-            <a:endParaRPr lang="en-US" altLang="zh-CN" dirty="0"/>
-          </a:p>
-        </p:txBody>
-      </p:sp>
-    </p:spTree>
-    <p:extLst>
-      <p:ext uri="{BB962C8B-B14F-4D97-AF65-F5344CB8AC3E}">
-        <p14:creationId xmlns:p14="http://schemas.microsoft.com/office/powerpoint/2010/main" val="223254166"/>
-      </p:ext>
-    </p:extLst>
-  </p:cSld>
-  <p:clrMapOvr>
-    <a:masterClrMapping/>
-  </p:clrMapOvr>
-</p:sld>
-</file>
-
 <file path=ppt/slides/slide15.xml><?xml version="1.0" encoding="utf-8"?>
 <p:sld xmlns:a="http://schemas.openxmlformats.org/drawingml/2006/main" xmlns:r="http://schemas.openxmlformats.org/officeDocument/2006/relationships" xmlns:p="http://schemas.openxmlformats.org/presentationml/2006/main">
   <p:cSld>
@@ -6794,7 +7212,7 @@
           <p:cNvPr id="2" name="标题 1">
             <a:extLst>
               <a:ext uri="{FF2B5EF4-FFF2-40B4-BE49-F238E27FC236}">
-                <a16:creationId xmlns:a16="http://schemas.microsoft.com/office/drawing/2014/main" id="{A1DF3A5F-B5B2-499C-9C6D-C4C988252CCC}"/>
+                <a16:creationId xmlns:a16="http://schemas.microsoft.com/office/drawing/2014/main" id="{87BAEDF1-C446-4755-9ED7-A8314F8AF655}"/>
               </a:ext>
             </a:extLst>
           </p:cNvPr>
@@ -6812,7 +7230,7 @@
           <a:p>
             <a:r>
               <a:rPr lang="en-US" altLang="zh-CN" dirty="0"/>
-              <a:t>Edge Container Connectivity</a:t>
+              <a:t>Edge Container runtime</a:t>
             </a:r>
             <a:endParaRPr lang="zh-CN" altLang="en-US" dirty="0"/>
           </a:p>
@@ -6823,7 +7241,7 @@
           <p:cNvPr id="3" name="内容占位符 2">
             <a:extLst>
               <a:ext uri="{FF2B5EF4-FFF2-40B4-BE49-F238E27FC236}">
-                <a16:creationId xmlns:a16="http://schemas.microsoft.com/office/drawing/2014/main" id="{0FBB00BB-1349-488C-B67A-908BC6CFF25C}"/>
+                <a16:creationId xmlns:a16="http://schemas.microsoft.com/office/drawing/2014/main" id="{D667C9F6-4CFC-4181-88C9-BDC22FE64677}"/>
               </a:ext>
             </a:extLst>
           </p:cNvPr>
@@ -6841,7 +7259,7 @@
           <a:p>
             <a:r>
               <a:rPr lang="zh-CN" altLang="en-US" dirty="0"/>
-              <a:t>容器间连接</a:t>
+              <a:t>容器运行时</a:t>
             </a:r>
             <a:endParaRPr lang="en-US" altLang="zh-CN" dirty="0"/>
           </a:p>
@@ -6849,34 +7267,39 @@
             <a:pPr lvl="1"/>
             <a:r>
               <a:rPr lang="zh-CN" altLang="en-US" dirty="0"/>
-              <a:t>默认通过</a:t>
+              <a:t>基于</a:t>
             </a:r>
             <a:r>
               <a:rPr lang="en-US" altLang="zh-CN" dirty="0"/>
-              <a:t>NAT</a:t>
-            </a:r>
+              <a:t>Xen</a:t>
+            </a:r>
+            <a:r>
+              <a:rPr lang="zh-CN" altLang="en-US" dirty="0"/>
+              <a:t>虚拟化</a:t>
+            </a:r>
+            <a:endParaRPr lang="en-US" altLang="zh-CN" dirty="0"/>
           </a:p>
           <a:p>
             <a:pPr lvl="1"/>
             <a:r>
               <a:rPr lang="zh-CN" altLang="en-US" dirty="0"/>
-              <a:t>可以设置</a:t>
+              <a:t>可以直接运行</a:t>
             </a:r>
             <a:r>
               <a:rPr lang="en-US" altLang="zh-CN" dirty="0"/>
-              <a:t>USB</a:t>
+              <a:t>Docker</a:t>
             </a:r>
             <a:r>
               <a:rPr lang="zh-CN" altLang="en-US" dirty="0"/>
-              <a:t>或者</a:t>
-            </a:r>
-            <a:r>
-              <a:rPr lang="en-US" altLang="zh-CN" dirty="0"/>
-              <a:t>COM</a:t>
+              <a:t>容器（基于</a:t>
+            </a:r>
+            <a:r>
+              <a:rPr lang="en-US" altLang="zh-CN" dirty="0" err="1"/>
+              <a:t>rkt</a:t>
             </a:r>
             <a:r>
               <a:rPr lang="zh-CN" altLang="en-US" dirty="0"/>
-              <a:t>口连接</a:t>
+              <a:t>引擎）</a:t>
             </a:r>
             <a:endParaRPr lang="en-US" altLang="zh-CN" dirty="0"/>
           </a:p>
@@ -6884,63 +7307,16 @@
             <a:pPr lvl="1"/>
             <a:r>
               <a:rPr lang="zh-CN" altLang="en-US" dirty="0"/>
-              <a:t>可以设置交换网络</a:t>
+              <a:t>提供一套设置容器连接的工具链</a:t>
             </a:r>
             <a:endParaRPr lang="en-US" altLang="zh-CN" dirty="0"/>
-          </a:p>
-          <a:p>
-            <a:pPr lvl="1"/>
-            <a:r>
-              <a:rPr lang="zh-CN" altLang="en-US" dirty="0"/>
-              <a:t>可以设置云网络连接到</a:t>
-            </a:r>
-            <a:r>
-              <a:rPr lang="en-US" altLang="zh-CN" dirty="0"/>
-              <a:t>AWS VPN</a:t>
-            </a:r>
-            <a:r>
-              <a:rPr lang="zh-CN" altLang="en-US" dirty="0"/>
-              <a:t>或者</a:t>
-            </a:r>
-            <a:r>
-              <a:rPr lang="en-US" altLang="zh-CN" dirty="0"/>
-              <a:t>Azure VPN</a:t>
-            </a:r>
-            <a:r>
-              <a:rPr lang="zh-CN" altLang="en-US" dirty="0"/>
-              <a:t>等</a:t>
-            </a:r>
-            <a:endParaRPr lang="en-US" altLang="zh-CN" dirty="0"/>
-          </a:p>
-          <a:p>
-            <a:pPr lvl="1"/>
-            <a:r>
-              <a:rPr lang="zh-CN" altLang="en-US" dirty="0"/>
-              <a:t>可以设置</a:t>
-            </a:r>
-            <a:r>
-              <a:rPr lang="en-US" altLang="zh-CN" dirty="0"/>
-              <a:t>mesh network</a:t>
-            </a:r>
-            <a:r>
-              <a:rPr lang="zh-CN" altLang="en-US" dirty="0"/>
-              <a:t>实现</a:t>
-            </a:r>
-            <a:r>
-              <a:rPr lang="en-US" altLang="zh-CN" dirty="0"/>
-              <a:t>Edge-to-Edge</a:t>
-            </a:r>
-            <a:r>
-              <a:rPr lang="zh-CN" altLang="en-US" dirty="0"/>
-              <a:t>连接</a:t>
-            </a:r>
           </a:p>
         </p:txBody>
       </p:sp>
     </p:spTree>
     <p:extLst>
       <p:ext uri="{BB962C8B-B14F-4D97-AF65-F5344CB8AC3E}">
-        <p14:creationId xmlns:p14="http://schemas.microsoft.com/office/powerpoint/2010/main" val="4035629224"/>
+        <p14:creationId xmlns:p14="http://schemas.microsoft.com/office/powerpoint/2010/main" val="223254166"/>
       </p:ext>
     </p:extLst>
   </p:cSld>
@@ -6972,6 +7348,184 @@
           <p:cNvPr id="2" name="标题 1">
             <a:extLst>
               <a:ext uri="{FF2B5EF4-FFF2-40B4-BE49-F238E27FC236}">
+                <a16:creationId xmlns:a16="http://schemas.microsoft.com/office/drawing/2014/main" id="{A1DF3A5F-B5B2-499C-9C6D-C4C988252CCC}"/>
+              </a:ext>
+            </a:extLst>
+          </p:cNvPr>
+          <p:cNvSpPr>
+            <a:spLocks noGrp="1"/>
+          </p:cNvSpPr>
+          <p:nvPr>
+            <p:ph type="title"/>
+          </p:nvPr>
+        </p:nvSpPr>
+        <p:spPr/>
+        <p:txBody>
+          <a:bodyPr/>
+          <a:lstStyle/>
+          <a:p>
+            <a:r>
+              <a:rPr lang="en-US" altLang="zh-CN" dirty="0"/>
+              <a:t>Edge Container Connectivity</a:t>
+            </a:r>
+            <a:endParaRPr lang="zh-CN" altLang="en-US" dirty="0"/>
+          </a:p>
+        </p:txBody>
+      </p:sp>
+      <p:sp>
+        <p:nvSpPr>
+          <p:cNvPr id="3" name="内容占位符 2">
+            <a:extLst>
+              <a:ext uri="{FF2B5EF4-FFF2-40B4-BE49-F238E27FC236}">
+                <a16:creationId xmlns:a16="http://schemas.microsoft.com/office/drawing/2014/main" id="{0FBB00BB-1349-488C-B67A-908BC6CFF25C}"/>
+              </a:ext>
+            </a:extLst>
+          </p:cNvPr>
+          <p:cNvSpPr>
+            <a:spLocks noGrp="1"/>
+          </p:cNvSpPr>
+          <p:nvPr>
+            <p:ph idx="1"/>
+          </p:nvPr>
+        </p:nvSpPr>
+        <p:spPr/>
+        <p:txBody>
+          <a:bodyPr/>
+          <a:lstStyle/>
+          <a:p>
+            <a:r>
+              <a:rPr lang="zh-CN" altLang="en-US" dirty="0"/>
+              <a:t>容器间连接</a:t>
+            </a:r>
+            <a:endParaRPr lang="en-US" altLang="zh-CN" dirty="0"/>
+          </a:p>
+          <a:p>
+            <a:pPr lvl="1"/>
+            <a:r>
+              <a:rPr lang="zh-CN" altLang="en-US" dirty="0"/>
+              <a:t>默认通过</a:t>
+            </a:r>
+            <a:r>
+              <a:rPr lang="en-US" altLang="zh-CN" dirty="0"/>
+              <a:t>NAT</a:t>
+            </a:r>
+          </a:p>
+          <a:p>
+            <a:pPr lvl="1"/>
+            <a:r>
+              <a:rPr lang="zh-CN" altLang="en-US" dirty="0"/>
+              <a:t>可以设置</a:t>
+            </a:r>
+            <a:r>
+              <a:rPr lang="en-US" altLang="zh-CN" dirty="0"/>
+              <a:t>USB</a:t>
+            </a:r>
+            <a:r>
+              <a:rPr lang="zh-CN" altLang="en-US" dirty="0"/>
+              <a:t>或者</a:t>
+            </a:r>
+            <a:r>
+              <a:rPr lang="en-US" altLang="zh-CN" dirty="0"/>
+              <a:t>COM</a:t>
+            </a:r>
+            <a:r>
+              <a:rPr lang="zh-CN" altLang="en-US" dirty="0"/>
+              <a:t>口连接</a:t>
+            </a:r>
+            <a:endParaRPr lang="en-US" altLang="zh-CN" dirty="0"/>
+          </a:p>
+          <a:p>
+            <a:pPr lvl="1"/>
+            <a:r>
+              <a:rPr lang="zh-CN" altLang="en-US" dirty="0"/>
+              <a:t>可以设置交换网络</a:t>
+            </a:r>
+            <a:endParaRPr lang="en-US" altLang="zh-CN" dirty="0"/>
+          </a:p>
+          <a:p>
+            <a:pPr lvl="1"/>
+            <a:r>
+              <a:rPr lang="zh-CN" altLang="en-US" dirty="0"/>
+              <a:t>可以设置云网络连接到</a:t>
+            </a:r>
+            <a:r>
+              <a:rPr lang="en-US" altLang="zh-CN" dirty="0"/>
+              <a:t>AWS VPN</a:t>
+            </a:r>
+            <a:r>
+              <a:rPr lang="zh-CN" altLang="en-US" dirty="0"/>
+              <a:t>或者</a:t>
+            </a:r>
+            <a:r>
+              <a:rPr lang="en-US" altLang="zh-CN" dirty="0"/>
+              <a:t>Azure VPN</a:t>
+            </a:r>
+            <a:r>
+              <a:rPr lang="zh-CN" altLang="en-US" dirty="0"/>
+              <a:t>等</a:t>
+            </a:r>
+            <a:endParaRPr lang="en-US" altLang="zh-CN" dirty="0"/>
+          </a:p>
+          <a:p>
+            <a:pPr lvl="1"/>
+            <a:r>
+              <a:rPr lang="zh-CN" altLang="en-US" dirty="0"/>
+              <a:t>可以设置</a:t>
+            </a:r>
+            <a:r>
+              <a:rPr lang="en-US" altLang="zh-CN" dirty="0"/>
+              <a:t>mesh network</a:t>
+            </a:r>
+            <a:r>
+              <a:rPr lang="zh-CN" altLang="en-US" dirty="0"/>
+              <a:t>实现</a:t>
+            </a:r>
+            <a:r>
+              <a:rPr lang="en-US" altLang="zh-CN" dirty="0"/>
+              <a:t>Edge-to-Edge</a:t>
+            </a:r>
+            <a:r>
+              <a:rPr lang="zh-CN" altLang="en-US" dirty="0"/>
+              <a:t>连接</a:t>
+            </a:r>
+          </a:p>
+        </p:txBody>
+      </p:sp>
+    </p:spTree>
+    <p:extLst>
+      <p:ext uri="{BB962C8B-B14F-4D97-AF65-F5344CB8AC3E}">
+        <p14:creationId xmlns:p14="http://schemas.microsoft.com/office/powerpoint/2010/main" val="4035629224"/>
+      </p:ext>
+    </p:extLst>
+  </p:cSld>
+  <p:clrMapOvr>
+    <a:masterClrMapping/>
+  </p:clrMapOvr>
+</p:sld>
+</file>
+
+<file path=ppt/slides/slide17.xml><?xml version="1.0" encoding="utf-8"?>
+<p:sld xmlns:a="http://schemas.openxmlformats.org/drawingml/2006/main" xmlns:r="http://schemas.openxmlformats.org/officeDocument/2006/relationships" xmlns:p="http://schemas.openxmlformats.org/presentationml/2006/main">
+  <p:cSld>
+    <p:spTree>
+      <p:nvGrpSpPr>
+        <p:cNvPr id="1" name=""/>
+        <p:cNvGrpSpPr/>
+        <p:nvPr/>
+      </p:nvGrpSpPr>
+      <p:grpSpPr>
+        <a:xfrm>
+          <a:off x="0" y="0"/>
+          <a:ext cx="0" cy="0"/>
+          <a:chOff x="0" y="0"/>
+          <a:chExt cx="0" cy="0"/>
+        </a:xfrm>
+      </p:grpSpPr>
+      <p:sp>
+        <p:nvSpPr>
+          <p:cNvPr id="2" name="标题 1">
+            <a:extLst>
+              <a:ext uri="{FF2B5EF4-FFF2-40B4-BE49-F238E27FC236}">
                 <a16:creationId xmlns:a16="http://schemas.microsoft.com/office/drawing/2014/main" id="{56BB1613-E9CF-4656-A401-0DA794EBFC29}"/>
               </a:ext>
             </a:extLst>
@@ -7070,7 +7624,7 @@
 </p:sld>
 </file>
 
-<file path=ppt/slides/slide17.xml><?xml version="1.0" encoding="utf-8"?>
+<file path=ppt/slides/slide18.xml><?xml version="1.0" encoding="utf-8"?>
 <p:sld xmlns:a="http://schemas.openxmlformats.org/drawingml/2006/main" xmlns:r="http://schemas.openxmlformats.org/officeDocument/2006/relationships" xmlns:p="http://schemas.openxmlformats.org/presentationml/2006/main">
   <p:cSld>
     <p:spTree>
@@ -7189,63 +7743,362 @@
           <a:chExt cx="0" cy="0"/>
         </a:xfrm>
       </p:grpSpPr>
-      <p:sp>
-        <p:nvSpPr>
-          <p:cNvPr id="2" name="标题 1">
+      <p:grpSp>
+        <p:nvGrpSpPr>
+          <p:cNvPr id="59" name="Group 51">
             <a:extLst>
               <a:ext uri="{FF2B5EF4-FFF2-40B4-BE49-F238E27FC236}">
-                <a16:creationId xmlns:a16="http://schemas.microsoft.com/office/drawing/2014/main" id="{63334533-9E65-400C-AE6F-B1DFFBFE1081}"/>
+                <a16:creationId xmlns:a16="http://schemas.microsoft.com/office/drawing/2014/main" id="{08023E16-B204-4905-BA61-9D9964A23655}"/>
               </a:ext>
             </a:extLst>
           </p:cNvPr>
-          <p:cNvSpPr>
-            <a:spLocks noGrp="1"/>
-          </p:cNvSpPr>
-          <p:nvPr>
-            <p:ph type="title"/>
-          </p:nvPr>
-        </p:nvSpPr>
-        <p:spPr/>
-        <p:txBody>
-          <a:bodyPr/>
-          <a:lstStyle/>
-          <a:p>
-            <a:r>
-              <a:rPr lang="zh-CN" altLang="en-US" dirty="0"/>
-              <a:t>层次</a:t>
-            </a:r>
-          </a:p>
-        </p:txBody>
-      </p:sp>
-      <p:sp>
-        <p:nvSpPr>
-          <p:cNvPr id="3" name="文本占位符 2">
+          <p:cNvGrpSpPr>
+            <a:grpSpLocks/>
+          </p:cNvGrpSpPr>
+          <p:nvPr/>
+        </p:nvGrpSpPr>
+        <p:grpSpPr bwMode="auto">
+          <a:xfrm>
+            <a:off x="3759995" y="2439393"/>
+            <a:ext cx="4672013" cy="792163"/>
+            <a:chOff x="1329" y="1795"/>
+            <a:chExt cx="2943" cy="499"/>
+          </a:xfrm>
+          <a:solidFill>
+            <a:srgbClr val="02409A"/>
+          </a:solidFill>
+        </p:grpSpPr>
+        <p:sp>
+          <p:nvSpPr>
+            <p:cNvPr id="62" name="AutoShape 52">
+              <a:extLst>
+                <a:ext uri="{FF2B5EF4-FFF2-40B4-BE49-F238E27FC236}">
+                  <a16:creationId xmlns:a16="http://schemas.microsoft.com/office/drawing/2014/main" id="{80FD6FFA-4AD8-42F7-B043-5BE376BAD265}"/>
+                </a:ext>
+              </a:extLst>
+            </p:cNvPr>
+            <p:cNvSpPr>
+              <a:spLocks noChangeArrowheads="1"/>
+            </p:cNvSpPr>
+            <p:nvPr/>
+          </p:nvSpPr>
+          <p:spPr bwMode="gray">
+            <a:xfrm>
+              <a:off x="1536" y="1840"/>
+              <a:ext cx="2736" cy="409"/>
+            </a:xfrm>
+            <a:prstGeom prst="roundRect">
+              <a:avLst>
+                <a:gd name="adj" fmla="val 16667"/>
+              </a:avLst>
+            </a:prstGeom>
+            <a:grpFill/>
+            <a:ln>
+              <a:solidFill>
+                <a:srgbClr val="02409A"/>
+              </a:solidFill>
+              <a:headEnd/>
+              <a:tailEnd/>
+            </a:ln>
+          </p:spPr>
+          <p:style>
+            <a:lnRef idx="1">
+              <a:schemeClr val="accent1"/>
+            </a:lnRef>
+            <a:fillRef idx="3">
+              <a:schemeClr val="accent1"/>
+            </a:fillRef>
+            <a:effectRef idx="2">
+              <a:schemeClr val="accent1"/>
+            </a:effectRef>
+            <a:fontRef idx="minor">
+              <a:schemeClr val="lt1"/>
+            </a:fontRef>
+          </p:style>
+          <p:txBody>
+            <a:bodyPr wrap="none" anchor="ctr"/>
+            <a:lstStyle/>
+            <a:p>
+              <a:pPr algn="ctr">
+                <a:defRPr/>
+              </a:pPr>
+              <a:r>
+                <a:rPr lang="zh-CN" altLang="en-US" sz="2400" b="1" dirty="0">
+                  <a:solidFill>
+                    <a:schemeClr val="bg1">
+                      <a:lumMod val="95000"/>
+                    </a:schemeClr>
+                  </a:solidFill>
+                  <a:ea typeface="微软雅黑" pitchFamily="34" charset="-122"/>
+                </a:rPr>
+                <a:t>架构</a:t>
+              </a:r>
+              <a:endParaRPr lang="en-US" altLang="zh-CN" sz="2400" b="1" dirty="0">
+                <a:solidFill>
+                  <a:schemeClr val="bg1">
+                    <a:lumMod val="95000"/>
+                  </a:schemeClr>
+                </a:solidFill>
+                <a:ea typeface="微软雅黑" pitchFamily="34" charset="-122"/>
+              </a:endParaRPr>
+            </a:p>
+          </p:txBody>
+        </p:sp>
+        <p:sp>
+          <p:nvSpPr>
+            <p:cNvPr id="65" name="AutoShape 53">
+              <a:extLst>
+                <a:ext uri="{FF2B5EF4-FFF2-40B4-BE49-F238E27FC236}">
+                  <a16:creationId xmlns:a16="http://schemas.microsoft.com/office/drawing/2014/main" id="{F152860F-69CF-44C6-ADB1-DE60F6489242}"/>
+                </a:ext>
+              </a:extLst>
+            </p:cNvPr>
+            <p:cNvSpPr>
+              <a:spLocks noChangeArrowheads="1"/>
+            </p:cNvSpPr>
+            <p:nvPr/>
+          </p:nvSpPr>
+          <p:spPr bwMode="gray">
+            <a:xfrm>
+              <a:off x="1329" y="1795"/>
+              <a:ext cx="499" cy="499"/>
+            </a:xfrm>
+            <a:prstGeom prst="diamond">
+              <a:avLst/>
+            </a:prstGeom>
+            <a:grpFill/>
+            <a:ln>
+              <a:solidFill>
+                <a:srgbClr val="02409A"/>
+              </a:solidFill>
+              <a:headEnd/>
+              <a:tailEnd/>
+            </a:ln>
+          </p:spPr>
+          <p:style>
+            <a:lnRef idx="1">
+              <a:schemeClr val="accent1"/>
+            </a:lnRef>
+            <a:fillRef idx="3">
+              <a:schemeClr val="accent1"/>
+            </a:fillRef>
+            <a:effectRef idx="2">
+              <a:schemeClr val="accent1"/>
+            </a:effectRef>
+            <a:fontRef idx="minor">
+              <a:schemeClr val="lt1"/>
+            </a:fontRef>
+          </p:style>
+          <p:txBody>
+            <a:bodyPr wrap="none" anchor="ctr"/>
+            <a:lstStyle/>
+            <a:p>
+              <a:pPr algn="ctr">
+                <a:defRPr/>
+              </a:pPr>
+              <a:r>
+                <a:rPr lang="zh-CN" altLang="zh-CN" sz="2400" b="1" kern="0" dirty="0">
+                  <a:solidFill>
+                    <a:srgbClr val="F2F2F2"/>
+                  </a:solidFill>
+                  <a:latin typeface="微软雅黑"/>
+                  <a:ea typeface="微软雅黑"/>
+                  <a:cs typeface="微软雅黑"/>
+                </a:rPr>
+                <a:t>2</a:t>
+              </a:r>
+              <a:endParaRPr lang="zh-CN" altLang="en-US" sz="2400" b="1" kern="0" dirty="0">
+                <a:solidFill>
+                  <a:srgbClr val="F2F2F2"/>
+                </a:solidFill>
+                <a:latin typeface="微软雅黑"/>
+                <a:ea typeface="微软雅黑"/>
+                <a:cs typeface="微软雅黑"/>
+              </a:endParaRPr>
+            </a:p>
+          </p:txBody>
+        </p:sp>
+      </p:grpSp>
+      <p:grpSp>
+        <p:nvGrpSpPr>
+          <p:cNvPr id="68" name="Group 51">
             <a:extLst>
               <a:ext uri="{FF2B5EF4-FFF2-40B4-BE49-F238E27FC236}">
-                <a16:creationId xmlns:a16="http://schemas.microsoft.com/office/drawing/2014/main" id="{45096986-0460-4E97-ABF1-C8E922D61DEA}"/>
+                <a16:creationId xmlns:a16="http://schemas.microsoft.com/office/drawing/2014/main" id="{26DDA1E1-CB46-4572-93B2-0178AFE50BCC}"/>
               </a:ext>
             </a:extLst>
           </p:cNvPr>
-          <p:cNvSpPr>
-            <a:spLocks noGrp="1"/>
-          </p:cNvSpPr>
-          <p:nvPr>
-            <p:ph type="body" idx="1"/>
-          </p:nvPr>
-        </p:nvSpPr>
-        <p:spPr/>
-        <p:txBody>
-          <a:bodyPr/>
-          <a:lstStyle/>
-          <a:p>
-            <a:endParaRPr lang="zh-CN" altLang="en-US"/>
-          </a:p>
-        </p:txBody>
-      </p:sp>
+          <p:cNvGrpSpPr>
+            <a:grpSpLocks/>
+          </p:cNvGrpSpPr>
+          <p:nvPr/>
+        </p:nvGrpSpPr>
+        <p:grpSpPr bwMode="auto">
+          <a:xfrm>
+            <a:off x="3759994" y="1413471"/>
+            <a:ext cx="4672012" cy="792162"/>
+            <a:chOff x="1329" y="1795"/>
+            <a:chExt cx="2943" cy="499"/>
+          </a:xfrm>
+          <a:solidFill>
+            <a:srgbClr val="02409A"/>
+          </a:solidFill>
+        </p:grpSpPr>
+        <p:sp>
+          <p:nvSpPr>
+            <p:cNvPr id="71" name="AutoShape 52">
+              <a:extLst>
+                <a:ext uri="{FF2B5EF4-FFF2-40B4-BE49-F238E27FC236}">
+                  <a16:creationId xmlns:a16="http://schemas.microsoft.com/office/drawing/2014/main" id="{24CF72B0-E90A-4772-A6ED-121C83FBFFEF}"/>
+                </a:ext>
+              </a:extLst>
+            </p:cNvPr>
+            <p:cNvSpPr>
+              <a:spLocks noChangeArrowheads="1"/>
+            </p:cNvSpPr>
+            <p:nvPr/>
+          </p:nvSpPr>
+          <p:spPr bwMode="gray">
+            <a:xfrm>
+              <a:off x="1536" y="1840"/>
+              <a:ext cx="2736" cy="409"/>
+            </a:xfrm>
+            <a:prstGeom prst="roundRect">
+              <a:avLst>
+                <a:gd name="adj" fmla="val 16667"/>
+              </a:avLst>
+            </a:prstGeom>
+            <a:grpFill/>
+            <a:ln>
+              <a:solidFill>
+                <a:srgbClr val="02409A"/>
+              </a:solidFill>
+              <a:headEnd/>
+              <a:tailEnd/>
+            </a:ln>
+          </p:spPr>
+          <p:style>
+            <a:lnRef idx="1">
+              <a:schemeClr val="accent1"/>
+            </a:lnRef>
+            <a:fillRef idx="3">
+              <a:schemeClr val="accent1"/>
+            </a:fillRef>
+            <a:effectRef idx="2">
+              <a:schemeClr val="accent1"/>
+            </a:effectRef>
+            <a:fontRef idx="minor">
+              <a:schemeClr val="lt1"/>
+            </a:fontRef>
+          </p:style>
+          <p:txBody>
+            <a:bodyPr wrap="none" anchor="ctr"/>
+            <a:lstStyle/>
+            <a:p>
+              <a:pPr algn="ctr">
+                <a:defRPr/>
+              </a:pPr>
+              <a:r>
+                <a:rPr lang="zh-CN" altLang="en-US" sz="2400" b="1" dirty="0">
+                  <a:solidFill>
+                    <a:schemeClr val="bg1">
+                      <a:lumMod val="95000"/>
+                    </a:schemeClr>
+                  </a:solidFill>
+                  <a:ea typeface="微软雅黑" pitchFamily="34" charset="-122"/>
+                </a:rPr>
+                <a:t>层次</a:t>
+              </a:r>
+              <a:endParaRPr lang="en-US" altLang="zh-CN" sz="2400" b="1" dirty="0">
+                <a:solidFill>
+                  <a:schemeClr val="bg1">
+                    <a:lumMod val="95000"/>
+                  </a:schemeClr>
+                </a:solidFill>
+                <a:ea typeface="微软雅黑" pitchFamily="34" charset="-122"/>
+              </a:endParaRPr>
+            </a:p>
+          </p:txBody>
+        </p:sp>
+        <p:sp>
+          <p:nvSpPr>
+            <p:cNvPr id="72" name="AutoShape 53">
+              <a:extLst>
+                <a:ext uri="{FF2B5EF4-FFF2-40B4-BE49-F238E27FC236}">
+                  <a16:creationId xmlns:a16="http://schemas.microsoft.com/office/drawing/2014/main" id="{5616BEF9-52EF-48CD-B8D0-34A8AF6C4D3D}"/>
+                </a:ext>
+              </a:extLst>
+            </p:cNvPr>
+            <p:cNvSpPr>
+              <a:spLocks noChangeArrowheads="1"/>
+            </p:cNvSpPr>
+            <p:nvPr/>
+          </p:nvSpPr>
+          <p:spPr bwMode="gray">
+            <a:xfrm>
+              <a:off x="1329" y="1795"/>
+              <a:ext cx="499" cy="499"/>
+            </a:xfrm>
+            <a:prstGeom prst="diamond">
+              <a:avLst/>
+            </a:prstGeom>
+            <a:grpFill/>
+            <a:ln>
+              <a:solidFill>
+                <a:srgbClr val="02409A"/>
+              </a:solidFill>
+              <a:headEnd/>
+              <a:tailEnd/>
+            </a:ln>
+          </p:spPr>
+          <p:style>
+            <a:lnRef idx="1">
+              <a:schemeClr val="accent1"/>
+            </a:lnRef>
+            <a:fillRef idx="3">
+              <a:schemeClr val="accent1"/>
+            </a:fillRef>
+            <a:effectRef idx="2">
+              <a:schemeClr val="accent1"/>
+            </a:effectRef>
+            <a:fontRef idx="minor">
+              <a:schemeClr val="lt1"/>
+            </a:fontRef>
+          </p:style>
+          <p:txBody>
+            <a:bodyPr wrap="none" anchor="ctr"/>
+            <a:lstStyle/>
+            <a:p>
+              <a:pPr algn="ctr">
+                <a:defRPr/>
+              </a:pPr>
+              <a:r>
+                <a:rPr lang="en-US" altLang="zh-CN" sz="2400" b="1" kern="0" dirty="0">
+                  <a:solidFill>
+                    <a:srgbClr val="F2F2F2"/>
+                  </a:solidFill>
+                  <a:latin typeface="微软雅黑"/>
+                  <a:ea typeface="微软雅黑"/>
+                  <a:cs typeface="微软雅黑"/>
+                </a:rPr>
+                <a:t>1</a:t>
+              </a:r>
+              <a:endParaRPr lang="zh-CN" altLang="en-US" sz="2400" b="1" kern="0" dirty="0">
+                <a:solidFill>
+                  <a:srgbClr val="F2F2F2"/>
+                </a:solidFill>
+                <a:latin typeface="微软雅黑"/>
+                <a:ea typeface="微软雅黑"/>
+                <a:cs typeface="微软雅黑"/>
+              </a:endParaRPr>
+            </a:p>
+          </p:txBody>
+        </p:sp>
+      </p:grpSp>
     </p:spTree>
     <p:extLst>
       <p:ext uri="{BB962C8B-B14F-4D97-AF65-F5344CB8AC3E}">
-        <p14:creationId xmlns:p14="http://schemas.microsoft.com/office/powerpoint/2010/main" val="119511849"/>
+        <p14:creationId xmlns:p14="http://schemas.microsoft.com/office/powerpoint/2010/main" val="1011158944"/>
       </p:ext>
     </p:extLst>
   </p:cSld>
@@ -7277,7 +8130,7 @@
           <p:cNvPr id="2" name="标题 1">
             <a:extLst>
               <a:ext uri="{FF2B5EF4-FFF2-40B4-BE49-F238E27FC236}">
-                <a16:creationId xmlns:a16="http://schemas.microsoft.com/office/drawing/2014/main" id="{A8E7F5C7-32F6-4748-B52B-FA178EA9E4FB}"/>
+                <a16:creationId xmlns:a16="http://schemas.microsoft.com/office/drawing/2014/main" id="{63334533-9E65-400C-AE6F-B1DFFBFE1081}"/>
               </a:ext>
             </a:extLst>
           </p:cNvPr>
@@ -7302,10 +8155,10 @@
       </p:sp>
       <p:sp>
         <p:nvSpPr>
-          <p:cNvPr id="3" name="内容占位符 2">
+          <p:cNvPr id="3" name="文本占位符 2">
             <a:extLst>
               <a:ext uri="{FF2B5EF4-FFF2-40B4-BE49-F238E27FC236}">
-                <a16:creationId xmlns:a16="http://schemas.microsoft.com/office/drawing/2014/main" id="{5A4E155E-2C38-4024-9947-BBC907CC79E0}"/>
+                <a16:creationId xmlns:a16="http://schemas.microsoft.com/office/drawing/2014/main" id="{45096986-0460-4E97-ABF1-C8E922D61DEA}"/>
               </a:ext>
             </a:extLst>
           </p:cNvPr>
@@ -7313,7 +8166,7 @@
             <a:spLocks noGrp="1"/>
           </p:cNvSpPr>
           <p:nvPr>
-            <p:ph idx="1"/>
+            <p:ph type="body" idx="1"/>
           </p:nvPr>
         </p:nvSpPr>
         <p:spPr/>
@@ -7321,84 +8174,6 @@
           <a:bodyPr/>
           <a:lstStyle/>
           <a:p>
-            <a:r>
-              <a:rPr lang="zh-CN" altLang="en-US" dirty="0"/>
-              <a:t>上层应用</a:t>
-            </a:r>
-            <a:endParaRPr lang="en-US" altLang="zh-CN" dirty="0"/>
-          </a:p>
-          <a:p>
-            <a:r>
-              <a:rPr lang="en-US" altLang="zh-CN" dirty="0"/>
-              <a:t>Edge container runtime</a:t>
-            </a:r>
-          </a:p>
-          <a:p>
-            <a:r>
-              <a:rPr lang="en-US" altLang="zh-CN" dirty="0"/>
-              <a:t>Operating system services</a:t>
-            </a:r>
-          </a:p>
-          <a:p>
-            <a:r>
-              <a:rPr lang="en-US" altLang="zh-CN" dirty="0"/>
-              <a:t>Device connectivity and management interfaces</a:t>
-            </a:r>
-          </a:p>
-          <a:p>
-            <a:r>
-              <a:rPr lang="en-US" altLang="zh-CN" dirty="0"/>
-              <a:t>Type-1 hypervisor</a:t>
-            </a:r>
-          </a:p>
-          <a:p>
-            <a:r>
-              <a:rPr lang="zh-CN" altLang="en-US" dirty="0"/>
-              <a:t>底层硬件</a:t>
-            </a:r>
-          </a:p>
-        </p:txBody>
-      </p:sp>
-      <p:sp>
-        <p:nvSpPr>
-          <p:cNvPr id="4" name="箭头: 下 3">
-            <a:extLst>
-              <a:ext uri="{FF2B5EF4-FFF2-40B4-BE49-F238E27FC236}">
-                <a16:creationId xmlns:a16="http://schemas.microsoft.com/office/drawing/2014/main" id="{4D33D159-6499-473F-8608-63E97FB402E6}"/>
-              </a:ext>
-            </a:extLst>
-          </p:cNvPr>
-          <p:cNvSpPr/>
-          <p:nvPr/>
-        </p:nvSpPr>
-        <p:spPr>
-          <a:xfrm>
-            <a:off x="353568" y="1930400"/>
-            <a:ext cx="484632" cy="2926080"/>
-          </a:xfrm>
-          <a:prstGeom prst="downArrow">
-            <a:avLst/>
-          </a:prstGeom>
-        </p:spPr>
-        <p:style>
-          <a:lnRef idx="2">
-            <a:schemeClr val="dk1"/>
-          </a:lnRef>
-          <a:fillRef idx="1">
-            <a:schemeClr val="lt1"/>
-          </a:fillRef>
-          <a:effectRef idx="0">
-            <a:schemeClr val="dk1"/>
-          </a:effectRef>
-          <a:fontRef idx="minor">
-            <a:schemeClr val="dk1"/>
-          </a:fontRef>
-        </p:style>
-        <p:txBody>
-          <a:bodyPr rtlCol="0" anchor="ctr"/>
-          <a:lstStyle/>
-          <a:p>
-            <a:pPr algn="ctr"/>
             <a:endParaRPr lang="zh-CN" altLang="en-US"/>
           </a:p>
         </p:txBody>
@@ -7406,7 +8181,7 @@
     </p:spTree>
     <p:extLst>
       <p:ext uri="{BB962C8B-B14F-4D97-AF65-F5344CB8AC3E}">
-        <p14:creationId xmlns:p14="http://schemas.microsoft.com/office/powerpoint/2010/main" val="3844996641"/>
+        <p14:creationId xmlns:p14="http://schemas.microsoft.com/office/powerpoint/2010/main" val="119511849"/>
       </p:ext>
     </p:extLst>
   </p:cSld>
@@ -7438,7 +8213,7 @@
           <p:cNvPr id="2" name="标题 1">
             <a:extLst>
               <a:ext uri="{FF2B5EF4-FFF2-40B4-BE49-F238E27FC236}">
-                <a16:creationId xmlns:a16="http://schemas.microsoft.com/office/drawing/2014/main" id="{E47CFFE7-F0F1-4869-BF2E-21CE504389F3}"/>
+                <a16:creationId xmlns:a16="http://schemas.microsoft.com/office/drawing/2014/main" id="{A8E7F5C7-32F6-4748-B52B-FA178EA9E4FB}"/>
               </a:ext>
             </a:extLst>
           </p:cNvPr>
@@ -7455,10 +8230,9 @@
           <a:lstStyle/>
           <a:p>
             <a:r>
-              <a:rPr lang="en-US" altLang="zh-CN" dirty="0"/>
-              <a:t>Type-1 hypervisor</a:t>
-            </a:r>
-            <a:endParaRPr lang="zh-CN" altLang="en-US" dirty="0"/>
+              <a:rPr lang="zh-CN" altLang="en-US" dirty="0"/>
+              <a:t>层次</a:t>
+            </a:r>
           </a:p>
         </p:txBody>
       </p:sp>
@@ -7467,7 +8241,7 @@
           <p:cNvPr id="3" name="内容占位符 2">
             <a:extLst>
               <a:ext uri="{FF2B5EF4-FFF2-40B4-BE49-F238E27FC236}">
-                <a16:creationId xmlns:a16="http://schemas.microsoft.com/office/drawing/2014/main" id="{A2A5468A-B3BF-41DB-A20E-FF2571D74A9F}"/>
+                <a16:creationId xmlns:a16="http://schemas.microsoft.com/office/drawing/2014/main" id="{5A4E155E-2C38-4024-9947-BBC907CC79E0}"/>
               </a:ext>
             </a:extLst>
           </p:cNvPr>
@@ -7484,93 +8258,91 @@
           <a:lstStyle/>
           <a:p>
             <a:r>
+              <a:rPr lang="zh-CN" altLang="en-US" dirty="0"/>
+              <a:t>上层应用</a:t>
+            </a:r>
+            <a:endParaRPr lang="en-US" altLang="zh-CN" dirty="0"/>
+          </a:p>
+          <a:p>
+            <a:r>
               <a:rPr lang="en-US" altLang="zh-CN" dirty="0"/>
-              <a:t>EVE</a:t>
-            </a:r>
-            <a:r>
-              <a:rPr lang="zh-CN" altLang="en-US" dirty="0"/>
-              <a:t>底层是一个基于</a:t>
-            </a:r>
+              <a:t>Edge container runtime</a:t>
+            </a:r>
+          </a:p>
+          <a:p>
             <a:r>
               <a:rPr lang="en-US" altLang="zh-CN" dirty="0"/>
-              <a:t>Xen</a:t>
-            </a:r>
-            <a:r>
-              <a:rPr lang="zh-CN" altLang="en-US" dirty="0"/>
-              <a:t>虚拟机的</a:t>
-            </a:r>
+              <a:t>Operating system services</a:t>
+            </a:r>
+          </a:p>
+          <a:p>
+            <a:r>
+              <a:rPr lang="en-US" altLang="zh-CN" dirty="0"/>
+              <a:t>Device connectivity and management interfaces</a:t>
+            </a:r>
+          </a:p>
+          <a:p>
             <a:r>
               <a:rPr lang="en-US" altLang="zh-CN" dirty="0"/>
               <a:t>Type-1 hypervisor</a:t>
             </a:r>
           </a:p>
           <a:p>
-            <a:pPr lvl="1"/>
             <a:r>
               <a:rPr lang="zh-CN" altLang="en-US" dirty="0"/>
-              <a:t>裸金属架构</a:t>
-            </a:r>
-            <a:endParaRPr lang="en-US" altLang="zh-CN" dirty="0"/>
-          </a:p>
-          <a:p>
-            <a:r>
-              <a:rPr lang="zh-CN" altLang="en-US" dirty="0"/>
-              <a:t>基于虚拟机的架构赋予</a:t>
-            </a:r>
-            <a:r>
-              <a:rPr lang="en-US" altLang="zh-CN" dirty="0"/>
-              <a:t>EVE</a:t>
-            </a:r>
-            <a:r>
-              <a:rPr lang="zh-CN" altLang="en-US" dirty="0"/>
-              <a:t>以下优点：</a:t>
-            </a:r>
-            <a:endParaRPr lang="en-US" altLang="zh-CN" dirty="0"/>
-          </a:p>
-          <a:p>
-            <a:pPr lvl="1"/>
-            <a:r>
-              <a:rPr lang="zh-CN" altLang="en-US" dirty="0"/>
-              <a:t>可以在边缘设备上运行多种操作系统</a:t>
-            </a:r>
-            <a:endParaRPr lang="en-US" altLang="zh-CN" dirty="0"/>
-          </a:p>
-          <a:p>
-            <a:pPr lvl="1"/>
-            <a:r>
-              <a:rPr lang="zh-CN" altLang="en-US" dirty="0"/>
-              <a:t>可以在边缘设备上运行任何边缘计算框架，如</a:t>
-            </a:r>
-            <a:r>
-              <a:rPr lang="en-US" altLang="zh-CN" dirty="0" err="1"/>
-              <a:t>EdgeX</a:t>
-            </a:r>
-            <a:r>
-              <a:rPr lang="en-US" altLang="zh-CN" dirty="0"/>
-              <a:t> Foundry, Azure IoT, AWS IoT</a:t>
-            </a:r>
-            <a:r>
-              <a:rPr lang="zh-CN" altLang="en-US" dirty="0"/>
-              <a:t>等</a:t>
-            </a:r>
-            <a:endParaRPr lang="en-US" altLang="zh-CN" dirty="0"/>
-          </a:p>
-          <a:p>
-            <a:pPr lvl="1"/>
-            <a:r>
-              <a:rPr lang="zh-CN" altLang="en-US" dirty="0"/>
-              <a:t>隔离性好，安全性高</a:t>
-            </a:r>
-          </a:p>
-          <a:p>
-            <a:endParaRPr lang="zh-CN" altLang="en-US" dirty="0"/>
+              <a:t>底层硬件</a:t>
+            </a:r>
+          </a:p>
+        </p:txBody>
+      </p:sp>
+      <p:sp>
+        <p:nvSpPr>
+          <p:cNvPr id="4" name="箭头: 下 3">
+            <a:extLst>
+              <a:ext uri="{FF2B5EF4-FFF2-40B4-BE49-F238E27FC236}">
+                <a16:creationId xmlns:a16="http://schemas.microsoft.com/office/drawing/2014/main" id="{4D33D159-6499-473F-8608-63E97FB402E6}"/>
+              </a:ext>
+            </a:extLst>
+          </p:cNvPr>
+          <p:cNvSpPr/>
+          <p:nvPr/>
+        </p:nvSpPr>
+        <p:spPr>
+          <a:xfrm>
+            <a:off x="353568" y="1930400"/>
+            <a:ext cx="484632" cy="2926080"/>
+          </a:xfrm>
+          <a:prstGeom prst="downArrow">
+            <a:avLst/>
+          </a:prstGeom>
+        </p:spPr>
+        <p:style>
+          <a:lnRef idx="2">
+            <a:schemeClr val="dk1"/>
+          </a:lnRef>
+          <a:fillRef idx="1">
+            <a:schemeClr val="lt1"/>
+          </a:fillRef>
+          <a:effectRef idx="0">
+            <a:schemeClr val="dk1"/>
+          </a:effectRef>
+          <a:fontRef idx="minor">
+            <a:schemeClr val="dk1"/>
+          </a:fontRef>
+        </p:style>
+        <p:txBody>
+          <a:bodyPr rtlCol="0" anchor="ctr"/>
+          <a:lstStyle/>
+          <a:p>
+            <a:pPr algn="ctr"/>
+            <a:endParaRPr lang="zh-CN" altLang="en-US"/>
           </a:p>
         </p:txBody>
       </p:sp>
     </p:spTree>
     <p:extLst>
       <p:ext uri="{BB962C8B-B14F-4D97-AF65-F5344CB8AC3E}">
-        <p14:creationId xmlns:p14="http://schemas.microsoft.com/office/powerpoint/2010/main" val="2459772601"/>
+        <p14:creationId xmlns:p14="http://schemas.microsoft.com/office/powerpoint/2010/main" val="3844996641"/>
       </p:ext>
     </p:extLst>
   </p:cSld>
@@ -7602,7 +8374,7 @@
           <p:cNvPr id="2" name="标题 1">
             <a:extLst>
               <a:ext uri="{FF2B5EF4-FFF2-40B4-BE49-F238E27FC236}">
-                <a16:creationId xmlns:a16="http://schemas.microsoft.com/office/drawing/2014/main" id="{4B79B142-9AC3-46F4-BD3C-5B3608D47172}"/>
+                <a16:creationId xmlns:a16="http://schemas.microsoft.com/office/drawing/2014/main" id="{E47CFFE7-F0F1-4869-BF2E-21CE504389F3}"/>
               </a:ext>
             </a:extLst>
           </p:cNvPr>
@@ -7620,7 +8392,7 @@
           <a:p>
             <a:r>
               <a:rPr lang="en-US" altLang="zh-CN" dirty="0"/>
-              <a:t>Device connectivity and management interfaces</a:t>
+              <a:t>Type-1 hypervisor</a:t>
             </a:r>
             <a:endParaRPr lang="zh-CN" altLang="en-US" dirty="0"/>
           </a:p>
@@ -7631,7 +8403,7 @@
           <p:cNvPr id="3" name="内容占位符 2">
             <a:extLst>
               <a:ext uri="{FF2B5EF4-FFF2-40B4-BE49-F238E27FC236}">
-                <a16:creationId xmlns:a16="http://schemas.microsoft.com/office/drawing/2014/main" id="{0287737D-7262-4020-B308-37C969FFC146}"/>
+                <a16:creationId xmlns:a16="http://schemas.microsoft.com/office/drawing/2014/main" id="{A2A5468A-B3BF-41DB-A20E-FF2571D74A9F}"/>
               </a:ext>
             </a:extLst>
           </p:cNvPr>
@@ -7648,59 +8420,93 @@
           <a:lstStyle/>
           <a:p>
             <a:r>
-              <a:rPr lang="zh-CN" altLang="en-US" dirty="0"/>
-              <a:t>通过接口管理</a:t>
-            </a:r>
-            <a:r>
               <a:rPr lang="en-US" altLang="zh-CN" dirty="0"/>
               <a:t>EVE</a:t>
             </a:r>
             <a:r>
               <a:rPr lang="zh-CN" altLang="en-US" dirty="0"/>
-              <a:t>设备</a:t>
+              <a:t>底层是一个基于</a:t>
+            </a:r>
+            <a:r>
+              <a:rPr lang="en-US" altLang="zh-CN" dirty="0"/>
+              <a:t>Xen</a:t>
+            </a:r>
+            <a:r>
+              <a:rPr lang="zh-CN" altLang="en-US" dirty="0"/>
+              <a:t>虚拟机的</a:t>
+            </a:r>
+            <a:r>
+              <a:rPr lang="en-US" altLang="zh-CN" dirty="0"/>
+              <a:t>Type-1 hypervisor</a:t>
+            </a:r>
+          </a:p>
+          <a:p>
+            <a:pPr lvl="1"/>
+            <a:r>
+              <a:rPr lang="zh-CN" altLang="en-US" dirty="0"/>
+              <a:t>裸金属架构</a:t>
             </a:r>
             <a:endParaRPr lang="en-US" altLang="zh-CN" dirty="0"/>
           </a:p>
           <a:p>
-            <a:pPr lvl="1"/>
+            <a:r>
+              <a:rPr lang="zh-CN" altLang="en-US" dirty="0"/>
+              <a:t>基于虚拟机的架构赋予</a:t>
+            </a:r>
             <a:r>
               <a:rPr lang="en-US" altLang="zh-CN" dirty="0"/>
               <a:t>EVE</a:t>
             </a:r>
             <a:r>
               <a:rPr lang="zh-CN" altLang="en-US" dirty="0"/>
-              <a:t>终端设备连接到</a:t>
+              <a:t>以下优点：</a:t>
+            </a:r>
+            <a:endParaRPr lang="en-US" altLang="zh-CN" dirty="0"/>
+          </a:p>
+          <a:p>
+            <a:pPr lvl="1"/>
+            <a:r>
+              <a:rPr lang="zh-CN" altLang="en-US" dirty="0"/>
+              <a:t>可以在边缘设备上运行多种操作系统</a:t>
+            </a:r>
+            <a:endParaRPr lang="en-US" altLang="zh-CN" dirty="0"/>
+          </a:p>
+          <a:p>
+            <a:pPr lvl="1"/>
+            <a:r>
+              <a:rPr lang="zh-CN" altLang="en-US" dirty="0"/>
+              <a:t>可以在边缘设备上运行任何边缘计算框架，如</a:t>
+            </a:r>
+            <a:r>
+              <a:rPr lang="en-US" altLang="zh-CN" dirty="0" err="1"/>
+              <a:t>EdgeX</a:t>
             </a:r>
             <a:r>
               <a:rPr lang="en-US" altLang="zh-CN" dirty="0"/>
-              <a:t>EVC(Edge Virtualization Controller)</a:t>
-            </a:r>
-            <a:r>
-              <a:rPr lang="zh-CN" altLang="en-US" dirty="0"/>
-              <a:t>统一管理</a:t>
-            </a:r>
-          </a:p>
-          <a:p>
-            <a:pPr lvl="1"/>
-            <a:r>
-              <a:rPr lang="zh-CN" altLang="en-US" dirty="0"/>
-              <a:t>支持多种协议，包括网络和</a:t>
-            </a:r>
-            <a:r>
-              <a:rPr lang="en-US" altLang="zh-CN" dirty="0"/>
-              <a:t>USB</a:t>
+              <a:t> Foundry, Azure IoT, AWS IoT</a:t>
             </a:r>
             <a:r>
               <a:rPr lang="zh-CN" altLang="en-US" dirty="0"/>
               <a:t>等</a:t>
             </a:r>
+            <a:endParaRPr lang="en-US" altLang="zh-CN" dirty="0"/>
+          </a:p>
+          <a:p>
+            <a:pPr lvl="1"/>
+            <a:r>
+              <a:rPr lang="zh-CN" altLang="en-US" dirty="0"/>
+              <a:t>隔离性好，安全性高</a:t>
+            </a:r>
+          </a:p>
+          <a:p>
+            <a:endParaRPr lang="zh-CN" altLang="en-US" dirty="0"/>
           </a:p>
         </p:txBody>
       </p:sp>
     </p:spTree>
     <p:extLst>
       <p:ext uri="{BB962C8B-B14F-4D97-AF65-F5344CB8AC3E}">
-        <p14:creationId xmlns:p14="http://schemas.microsoft.com/office/powerpoint/2010/main" val="1756455787"/>
+        <p14:creationId xmlns:p14="http://schemas.microsoft.com/office/powerpoint/2010/main" val="2459772601"/>
       </p:ext>
     </p:extLst>
   </p:cSld>
@@ -7732,7 +8538,7 @@
           <p:cNvPr id="2" name="标题 1">
             <a:extLst>
               <a:ext uri="{FF2B5EF4-FFF2-40B4-BE49-F238E27FC236}">
-                <a16:creationId xmlns:a16="http://schemas.microsoft.com/office/drawing/2014/main" id="{B63B71EA-2D53-4FF7-B8B0-949421697632}"/>
+                <a16:creationId xmlns:a16="http://schemas.microsoft.com/office/drawing/2014/main" id="{4B79B142-9AC3-46F4-BD3C-5B3608D47172}"/>
               </a:ext>
             </a:extLst>
           </p:cNvPr>
@@ -7750,7 +8556,7 @@
           <a:p>
             <a:r>
               <a:rPr lang="en-US" altLang="zh-CN" dirty="0"/>
-              <a:t>Operating system services</a:t>
+              <a:t>Device connectivity and management interfaces</a:t>
             </a:r>
             <a:endParaRPr lang="zh-CN" altLang="en-US" dirty="0"/>
           </a:p>
@@ -7761,7 +8567,7 @@
           <p:cNvPr id="3" name="内容占位符 2">
             <a:extLst>
               <a:ext uri="{FF2B5EF4-FFF2-40B4-BE49-F238E27FC236}">
-                <a16:creationId xmlns:a16="http://schemas.microsoft.com/office/drawing/2014/main" id="{1497B4FF-7E8C-4D0A-A422-6F0509E72A8C}"/>
+                <a16:creationId xmlns:a16="http://schemas.microsoft.com/office/drawing/2014/main" id="{0287737D-7262-4020-B308-37C969FFC146}"/>
               </a:ext>
             </a:extLst>
           </p:cNvPr>
@@ -7779,15 +8585,7 @@
           <a:p>
             <a:r>
               <a:rPr lang="zh-CN" altLang="en-US" dirty="0"/>
-              <a:t>提供一个可信计算平台，包含以下功能</a:t>
-            </a:r>
-            <a:endParaRPr lang="en-US" altLang="zh-CN" dirty="0"/>
-          </a:p>
-          <a:p>
-            <a:pPr lvl="1"/>
-            <a:r>
-              <a:rPr lang="zh-CN" altLang="en-US" dirty="0"/>
-              <a:t>更新</a:t>
+              <a:t>通过接口管理</a:t>
             </a:r>
             <a:r>
               <a:rPr lang="en-US" altLang="zh-CN" dirty="0"/>
@@ -7795,39 +8593,42 @@
             </a:r>
             <a:r>
               <a:rPr lang="zh-CN" altLang="en-US" dirty="0"/>
-              <a:t>本身</a:t>
+              <a:t>设备</a:t>
             </a:r>
             <a:endParaRPr lang="en-US" altLang="zh-CN" dirty="0"/>
           </a:p>
           <a:p>
             <a:pPr lvl="1"/>
             <a:r>
+              <a:rPr lang="en-US" altLang="zh-CN" dirty="0"/>
+              <a:t>EVE</a:t>
+            </a:r>
+            <a:r>
               <a:rPr lang="zh-CN" altLang="en-US" dirty="0"/>
-              <a:t>身份验证</a:t>
-            </a:r>
-            <a:endParaRPr lang="en-US" altLang="zh-CN" dirty="0"/>
+              <a:t>终端设备连接到</a:t>
+            </a:r>
+            <a:r>
+              <a:rPr lang="en-US" altLang="zh-CN" dirty="0"/>
+              <a:t>EVC(Edge Virtualization Controller)</a:t>
+            </a:r>
+            <a:r>
+              <a:rPr lang="zh-CN" altLang="en-US" dirty="0"/>
+              <a:t>统一管理</a:t>
+            </a:r>
           </a:p>
           <a:p>
             <a:pPr lvl="1"/>
             <a:r>
               <a:rPr lang="zh-CN" altLang="en-US" dirty="0"/>
-              <a:t>内存隔离</a:t>
-            </a:r>
-            <a:endParaRPr lang="en-US" altLang="zh-CN" dirty="0"/>
-          </a:p>
-          <a:p>
-            <a:pPr lvl="1"/>
+              <a:t>支持多种协议，包括网络和</a:t>
+            </a:r>
+            <a:r>
+              <a:rPr lang="en-US" altLang="zh-CN" dirty="0"/>
+              <a:t>USB</a:t>
+            </a:r>
             <a:r>
               <a:rPr lang="zh-CN" altLang="en-US" dirty="0"/>
-              <a:t>存储加密</a:t>
-            </a:r>
-            <a:endParaRPr lang="en-US" altLang="zh-CN" dirty="0"/>
-          </a:p>
-          <a:p>
-            <a:pPr lvl="1"/>
-            <a:r>
-              <a:rPr lang="zh-CN" altLang="en-US" dirty="0"/>
-              <a:t>安全的网络服务</a:t>
+              <a:t>等</a:t>
             </a:r>
           </a:p>
         </p:txBody>
@@ -7835,7 +8636,7 @@
     </p:spTree>
     <p:extLst>
       <p:ext uri="{BB962C8B-B14F-4D97-AF65-F5344CB8AC3E}">
-        <p14:creationId xmlns:p14="http://schemas.microsoft.com/office/powerpoint/2010/main" val="2467182022"/>
+        <p14:creationId xmlns:p14="http://schemas.microsoft.com/office/powerpoint/2010/main" val="1756455787"/>
       </p:ext>
     </p:extLst>
   </p:cSld>
@@ -7867,7 +8668,7 @@
           <p:cNvPr id="2" name="标题 1">
             <a:extLst>
               <a:ext uri="{FF2B5EF4-FFF2-40B4-BE49-F238E27FC236}">
-                <a16:creationId xmlns:a16="http://schemas.microsoft.com/office/drawing/2014/main" id="{E823A747-AC66-44DB-AADB-040D6A5A3A94}"/>
+                <a16:creationId xmlns:a16="http://schemas.microsoft.com/office/drawing/2014/main" id="{B63B71EA-2D53-4FF7-B8B0-949421697632}"/>
               </a:ext>
             </a:extLst>
           </p:cNvPr>
@@ -7885,7 +8686,7 @@
           <a:p>
             <a:r>
               <a:rPr lang="en-US" altLang="zh-CN" dirty="0"/>
-              <a:t>Edge container runtime</a:t>
+              <a:t>Operating system services</a:t>
             </a:r>
             <a:endParaRPr lang="zh-CN" altLang="en-US" dirty="0"/>
           </a:p>
@@ -7896,7 +8697,7 @@
           <p:cNvPr id="3" name="内容占位符 2">
             <a:extLst>
               <a:ext uri="{FF2B5EF4-FFF2-40B4-BE49-F238E27FC236}">
-                <a16:creationId xmlns:a16="http://schemas.microsoft.com/office/drawing/2014/main" id="{0CCF7847-10A0-4E56-AFCA-E1EC58326798}"/>
+                <a16:creationId xmlns:a16="http://schemas.microsoft.com/office/drawing/2014/main" id="{1497B4FF-7E8C-4D0A-A422-6F0509E72A8C}"/>
               </a:ext>
             </a:extLst>
           </p:cNvPr>
@@ -7914,15 +8715,23 @@
           <a:p>
             <a:r>
               <a:rPr lang="zh-CN" altLang="en-US" dirty="0"/>
-              <a:t>容器运行控制</a:t>
+              <a:t>提供一个可信计算平台，包含以下功能</a:t>
+            </a:r>
+            <a:endParaRPr lang="en-US" altLang="zh-CN" dirty="0"/>
+          </a:p>
+          <a:p>
+            <a:pPr lvl="1"/>
+            <a:r>
+              <a:rPr lang="zh-CN" altLang="en-US" dirty="0"/>
+              <a:t>更新</a:t>
             </a:r>
             <a:r>
               <a:rPr lang="en-US" altLang="zh-CN" dirty="0"/>
-              <a:t>/</a:t>
+              <a:t>EVE</a:t>
             </a:r>
             <a:r>
               <a:rPr lang="zh-CN" altLang="en-US" dirty="0"/>
-              <a:t>容器编排工具</a:t>
+              <a:t>本身</a:t>
             </a:r>
             <a:endParaRPr lang="en-US" altLang="zh-CN" dirty="0"/>
           </a:p>
@@ -7930,40 +8739,31 @@
             <a:pPr lvl="1"/>
             <a:r>
               <a:rPr lang="zh-CN" altLang="en-US" dirty="0"/>
-              <a:t>域控制</a:t>
-            </a:r>
+              <a:t>身份验证</a:t>
+            </a:r>
+            <a:endParaRPr lang="en-US" altLang="zh-CN" dirty="0"/>
           </a:p>
           <a:p>
             <a:pPr lvl="1"/>
             <a:r>
               <a:rPr lang="zh-CN" altLang="en-US" dirty="0"/>
-              <a:t>实例编排</a:t>
-            </a:r>
+              <a:t>内存隔离</a:t>
+            </a:r>
+            <a:endParaRPr lang="en-US" altLang="zh-CN" dirty="0"/>
           </a:p>
           <a:p>
             <a:pPr lvl="1"/>
             <a:r>
               <a:rPr lang="zh-CN" altLang="en-US" dirty="0"/>
-              <a:t>虚拟</a:t>
-            </a:r>
-            <a:r>
-              <a:rPr lang="en-US" altLang="zh-CN" dirty="0"/>
-              <a:t>IO</a:t>
-            </a:r>
+              <a:t>存储加密</a:t>
+            </a:r>
+            <a:endParaRPr lang="en-US" altLang="zh-CN" dirty="0"/>
           </a:p>
           <a:p>
             <a:pPr lvl="1"/>
             <a:r>
               <a:rPr lang="zh-CN" altLang="en-US" dirty="0"/>
-              <a:t>实例间的动态联网</a:t>
-            </a:r>
-            <a:endParaRPr lang="en-US" altLang="zh-CN" dirty="0"/>
-          </a:p>
-          <a:p>
-            <a:pPr lvl="1"/>
-            <a:r>
-              <a:rPr lang="zh-CN" altLang="en-US" dirty="0"/>
-              <a:t>远程控制容器运行</a:t>
+              <a:t>安全的网络服务</a:t>
             </a:r>
           </a:p>
         </p:txBody>
@@ -7971,7 +8771,7 @@
     </p:spTree>
     <p:extLst>
       <p:ext uri="{BB962C8B-B14F-4D97-AF65-F5344CB8AC3E}">
-        <p14:creationId xmlns:p14="http://schemas.microsoft.com/office/powerpoint/2010/main" val="3289378408"/>
+        <p14:creationId xmlns:p14="http://schemas.microsoft.com/office/powerpoint/2010/main" val="2467182022"/>
       </p:ext>
     </p:extLst>
   </p:cSld>
@@ -8003,7 +8803,7 @@
           <p:cNvPr id="2" name="标题 1">
             <a:extLst>
               <a:ext uri="{FF2B5EF4-FFF2-40B4-BE49-F238E27FC236}">
-                <a16:creationId xmlns:a16="http://schemas.microsoft.com/office/drawing/2014/main" id="{01BF7116-9938-42F5-BD6B-82767B0EFA64}"/>
+                <a16:creationId xmlns:a16="http://schemas.microsoft.com/office/drawing/2014/main" id="{E823A747-AC66-44DB-AADB-040D6A5A3A94}"/>
               </a:ext>
             </a:extLst>
           </p:cNvPr>
@@ -8020,18 +8820,19 @@
           <a:lstStyle/>
           <a:p>
             <a:r>
-              <a:rPr lang="zh-CN" altLang="en-US" dirty="0"/>
-              <a:t>架构</a:t>
-            </a:r>
-          </a:p>
-        </p:txBody>
-      </p:sp>
-      <p:sp>
-        <p:nvSpPr>
-          <p:cNvPr id="3" name="文本占位符 2">
+              <a:rPr lang="en-US" altLang="zh-CN" dirty="0"/>
+              <a:t>Edge container runtime</a:t>
+            </a:r>
+            <a:endParaRPr lang="zh-CN" altLang="en-US" dirty="0"/>
+          </a:p>
+        </p:txBody>
+      </p:sp>
+      <p:sp>
+        <p:nvSpPr>
+          <p:cNvPr id="3" name="内容占位符 2">
             <a:extLst>
               <a:ext uri="{FF2B5EF4-FFF2-40B4-BE49-F238E27FC236}">
-                <a16:creationId xmlns:a16="http://schemas.microsoft.com/office/drawing/2014/main" id="{C7061B7D-9105-481D-AD95-C8406E34A11A}"/>
+                <a16:creationId xmlns:a16="http://schemas.microsoft.com/office/drawing/2014/main" id="{0CCF7847-10A0-4E56-AFCA-E1EC58326798}"/>
               </a:ext>
             </a:extLst>
           </p:cNvPr>
@@ -8039,7 +8840,7 @@
             <a:spLocks noGrp="1"/>
           </p:cNvSpPr>
           <p:nvPr>
-            <p:ph type="body" idx="1"/>
+            <p:ph idx="1"/>
           </p:nvPr>
         </p:nvSpPr>
         <p:spPr/>
@@ -8047,14 +8848,66 @@
           <a:bodyPr/>
           <a:lstStyle/>
           <a:p>
-            <a:endParaRPr lang="zh-CN" altLang="en-US"/>
+            <a:r>
+              <a:rPr lang="zh-CN" altLang="en-US" dirty="0"/>
+              <a:t>容器运行控制</a:t>
+            </a:r>
+            <a:r>
+              <a:rPr lang="en-US" altLang="zh-CN" dirty="0"/>
+              <a:t>/</a:t>
+            </a:r>
+            <a:r>
+              <a:rPr lang="zh-CN" altLang="en-US" dirty="0"/>
+              <a:t>容器编排工具</a:t>
+            </a:r>
+            <a:endParaRPr lang="en-US" altLang="zh-CN" dirty="0"/>
+          </a:p>
+          <a:p>
+            <a:pPr lvl="1"/>
+            <a:r>
+              <a:rPr lang="zh-CN" altLang="en-US" dirty="0"/>
+              <a:t>域控制</a:t>
+            </a:r>
+          </a:p>
+          <a:p>
+            <a:pPr lvl="1"/>
+            <a:r>
+              <a:rPr lang="zh-CN" altLang="en-US" dirty="0"/>
+              <a:t>实例编排</a:t>
+            </a:r>
+          </a:p>
+          <a:p>
+            <a:pPr lvl="1"/>
+            <a:r>
+              <a:rPr lang="zh-CN" altLang="en-US" dirty="0"/>
+              <a:t>虚拟</a:t>
+            </a:r>
+            <a:r>
+              <a:rPr lang="en-US" altLang="zh-CN" dirty="0"/>
+              <a:t>IO</a:t>
+            </a:r>
+          </a:p>
+          <a:p>
+            <a:pPr lvl="1"/>
+            <a:r>
+              <a:rPr lang="zh-CN" altLang="en-US" dirty="0"/>
+              <a:t>实例间的动态联网</a:t>
+            </a:r>
+            <a:endParaRPr lang="en-US" altLang="zh-CN" dirty="0"/>
+          </a:p>
+          <a:p>
+            <a:pPr lvl="1"/>
+            <a:r>
+              <a:rPr lang="zh-CN" altLang="en-US" dirty="0"/>
+              <a:t>远程控制容器运行</a:t>
+            </a:r>
           </a:p>
         </p:txBody>
       </p:sp>
     </p:spTree>
     <p:extLst>
       <p:ext uri="{BB962C8B-B14F-4D97-AF65-F5344CB8AC3E}">
-        <p14:creationId xmlns:p14="http://schemas.microsoft.com/office/powerpoint/2010/main" val="3460012491"/>
+        <p14:creationId xmlns:p14="http://schemas.microsoft.com/office/powerpoint/2010/main" val="3289378408"/>
       </p:ext>
     </p:extLst>
   </p:cSld>
@@ -8086,7 +8939,7 @@
           <p:cNvPr id="2" name="标题 1">
             <a:extLst>
               <a:ext uri="{FF2B5EF4-FFF2-40B4-BE49-F238E27FC236}">
-                <a16:creationId xmlns:a16="http://schemas.microsoft.com/office/drawing/2014/main" id="{B837D2D8-1D57-4C69-B90A-62B2C2E3727A}"/>
+                <a16:creationId xmlns:a16="http://schemas.microsoft.com/office/drawing/2014/main" id="{01BF7116-9938-42F5-BD6B-82767B0EFA64}"/>
               </a:ext>
             </a:extLst>
           </p:cNvPr>
@@ -8104,50 +8957,40 @@
           <a:p>
             <a:r>
               <a:rPr lang="zh-CN" altLang="en-US" dirty="0"/>
-              <a:t>架构图</a:t>
-            </a:r>
-          </a:p>
-        </p:txBody>
-      </p:sp>
-      <p:pic>
-        <p:nvPicPr>
-          <p:cNvPr id="5" name="内容占位符 4">
+              <a:t>架构</a:t>
+            </a:r>
+          </a:p>
+        </p:txBody>
+      </p:sp>
+      <p:sp>
+        <p:nvSpPr>
+          <p:cNvPr id="3" name="文本占位符 2">
             <a:extLst>
               <a:ext uri="{FF2B5EF4-FFF2-40B4-BE49-F238E27FC236}">
-                <a16:creationId xmlns:a16="http://schemas.microsoft.com/office/drawing/2014/main" id="{D7D10B6C-D63A-4242-8552-7B6EB7A5D494}"/>
+                <a16:creationId xmlns:a16="http://schemas.microsoft.com/office/drawing/2014/main" id="{C7061B7D-9105-481D-AD95-C8406E34A11A}"/>
               </a:ext>
             </a:extLst>
           </p:cNvPr>
-          <p:cNvPicPr>
-            <a:picLocks noGrp="1" noChangeAspect="1"/>
-          </p:cNvPicPr>
-          <p:nvPr>
-            <p:ph idx="1"/>
-          </p:nvPr>
-        </p:nvPicPr>
-        <p:blipFill>
-          <a:blip r:embed="rId2">
-            <a:extLst>
-              <a:ext uri="{28A0092B-C50C-407E-A947-70E740481C1C}">
-                <a14:useLocalDpi xmlns:a14="http://schemas.microsoft.com/office/drawing/2010/main" val="0"/>
-              </a:ext>
-            </a:extLst>
-          </a:blip>
-          <a:stretch>
-            <a:fillRect/>
-          </a:stretch>
-        </p:blipFill>
-        <p:spPr>
-          <a:xfrm>
-            <a:off x="1428118" y="1033463"/>
-            <a:ext cx="9335763" cy="5092700"/>
-          </a:xfrm>
-        </p:spPr>
-      </p:pic>
+          <p:cNvSpPr>
+            <a:spLocks noGrp="1"/>
+          </p:cNvSpPr>
+          <p:nvPr>
+            <p:ph type="body" idx="1"/>
+          </p:nvPr>
+        </p:nvSpPr>
+        <p:spPr/>
+        <p:txBody>
+          <a:bodyPr/>
+          <a:lstStyle/>
+          <a:p>
+            <a:endParaRPr lang="zh-CN" altLang="en-US"/>
+          </a:p>
+        </p:txBody>
+      </p:sp>
     </p:spTree>
     <p:extLst>
       <p:ext uri="{BB962C8B-B14F-4D97-AF65-F5344CB8AC3E}">
-        <p14:creationId xmlns:p14="http://schemas.microsoft.com/office/powerpoint/2010/main" val="518272566"/>
+        <p14:creationId xmlns:p14="http://schemas.microsoft.com/office/powerpoint/2010/main" val="3460012491"/>
       </p:ext>
     </p:extLst>
   </p:cSld>
@@ -8443,4 +9286,299 @@
     </a:ext>
   </a:extLst>
 </a:theme>
+</file>
+
+<file path=ppt/theme/theme2.xml><?xml version="1.0" encoding="utf-8"?>
+<a:theme xmlns:a="http://schemas.openxmlformats.org/drawingml/2006/main" name="Office 主题​​">
+  <a:themeElements>
+    <a:clrScheme name="Office">
+      <a:dk1>
+        <a:sysClr val="windowText" lastClr="000000"/>
+      </a:dk1>
+      <a:lt1>
+        <a:sysClr val="window" lastClr="FFFFFF"/>
+      </a:lt1>
+      <a:dk2>
+        <a:srgbClr val="44546A"/>
+      </a:dk2>
+      <a:lt2>
+        <a:srgbClr val="E7E6E6"/>
+      </a:lt2>
+      <a:accent1>
+        <a:srgbClr val="4472C4"/>
+      </a:accent1>
+      <a:accent2>
+        <a:srgbClr val="ED7D31"/>
+      </a:accent2>
+      <a:accent3>
+        <a:srgbClr val="A5A5A5"/>
+      </a:accent3>
+      <a:accent4>
+        <a:srgbClr val="FFC000"/>
+      </a:accent4>
+      <a:accent5>
+        <a:srgbClr val="5B9BD5"/>
+      </a:accent5>
+      <a:accent6>
+        <a:srgbClr val="70AD47"/>
+      </a:accent6>
+      <a:hlink>
+        <a:srgbClr val="0563C1"/>
+      </a:hlink>
+      <a:folHlink>
+        <a:srgbClr val="954F72"/>
+      </a:folHlink>
+    </a:clrScheme>
+    <a:fontScheme name="Office">
+      <a:majorFont>
+        <a:latin typeface="等线 Light" panose="020F0302020204030204"/>
+        <a:ea typeface=""/>
+        <a:cs typeface=""/>
+        <a:font script="Jpan" typeface="游ゴシック Light"/>
+        <a:font script="Hang" typeface="맑은 고딕"/>
+        <a:font script="Hans" typeface="等线 Light"/>
+        <a:font script="Hant" typeface="新細明體"/>
+        <a:font script="Arab" typeface="Times New Roman"/>
+        <a:font script="Hebr" typeface="Times New Roman"/>
+        <a:font script="Thai" typeface="Angsana New"/>
+        <a:font script="Ethi" typeface="Nyala"/>
+        <a:font script="Beng" typeface="Vrinda"/>
+        <a:font script="Gujr" typeface="Shruti"/>
+        <a:font script="Khmr" typeface="MoolBoran"/>
+        <a:font script="Knda" typeface="Tunga"/>
+        <a:font script="Guru" typeface="Raavi"/>
+        <a:font script="Cans" typeface="Euphemia"/>
+        <a:font script="Cher" typeface="Plantagenet Cherokee"/>
+        <a:font script="Yiii" typeface="Microsoft Yi Baiti"/>
+        <a:font script="Tibt" typeface="Microsoft Himalaya"/>
+        <a:font script="Thaa" typeface="MV Boli"/>
+        <a:font script="Deva" typeface="Mangal"/>
+        <a:font script="Telu" typeface="Gautami"/>
+        <a:font script="Taml" typeface="Latha"/>
+        <a:font script="Syrc" typeface="Estrangelo Edessa"/>
+        <a:font script="Orya" typeface="Kalinga"/>
+        <a:font script="Mlym" typeface="Kartika"/>
+        <a:font script="Laoo" typeface="DokChampa"/>
+        <a:font script="Sinh" typeface="Iskoola Pota"/>
+        <a:font script="Mong" typeface="Mongolian Baiti"/>
+        <a:font script="Viet" typeface="Times New Roman"/>
+        <a:font script="Uigh" typeface="Microsoft Uighur"/>
+        <a:font script="Geor" typeface="Sylfaen"/>
+        <a:font script="Armn" typeface="Arial"/>
+        <a:font script="Bugi" typeface="Leelawadee UI"/>
+        <a:font script="Bopo" typeface="Microsoft JhengHei"/>
+        <a:font script="Java" typeface="Javanese Text"/>
+        <a:font script="Lisu" typeface="Segoe UI"/>
+        <a:font script="Mymr" typeface="Myanmar Text"/>
+        <a:font script="Nkoo" typeface="Ebrima"/>
+        <a:font script="Olck" typeface="Nirmala UI"/>
+        <a:font script="Osma" typeface="Ebrima"/>
+        <a:font script="Phag" typeface="Phagspa"/>
+        <a:font script="Syrn" typeface="Estrangelo Edessa"/>
+        <a:font script="Syrj" typeface="Estrangelo Edessa"/>
+        <a:font script="Syre" typeface="Estrangelo Edessa"/>
+        <a:font script="Sora" typeface="Nirmala UI"/>
+        <a:font script="Tale" typeface="Microsoft Tai Le"/>
+        <a:font script="Talu" typeface="Microsoft New Tai Lue"/>
+        <a:font script="Tfng" typeface="Ebrima"/>
+      </a:majorFont>
+      <a:minorFont>
+        <a:latin typeface="等线" panose="020F0502020204030204"/>
+        <a:ea typeface=""/>
+        <a:cs typeface=""/>
+        <a:font script="Jpan" typeface="游ゴシック"/>
+        <a:font script="Hang" typeface="맑은 고딕"/>
+        <a:font script="Hans" typeface="等线"/>
+        <a:font script="Hant" typeface="新細明體"/>
+        <a:font script="Arab" typeface="Arial"/>
+        <a:font script="Hebr" typeface="Arial"/>
+        <a:font script="Thai" typeface="Cordia New"/>
+        <a:font script="Ethi" typeface="Nyala"/>
+        <a:font script="Beng" typeface="Vrinda"/>
+        <a:font script="Gujr" typeface="Shruti"/>
+        <a:font script="Khmr" typeface="DaunPenh"/>
+        <a:font script="Knda" typeface="Tunga"/>
+        <a:font script="Guru" typeface="Raavi"/>
+        <a:font script="Cans" typeface="Euphemia"/>
+        <a:font script="Cher" typeface="Plantagenet Cherokee"/>
+        <a:font script="Yiii" typeface="Microsoft Yi Baiti"/>
+        <a:font script="Tibt" typeface="Microsoft Himalaya"/>
+        <a:font script="Thaa" typeface="MV Boli"/>
+        <a:font script="Deva" typeface="Mangal"/>
+        <a:font script="Telu" typeface="Gautami"/>
+        <a:font script="Taml" typeface="Latha"/>
+        <a:font script="Syrc" typeface="Estrangelo Edessa"/>
+        <a:font script="Orya" typeface="Kalinga"/>
+        <a:font script="Mlym" typeface="Kartika"/>
+        <a:font script="Laoo" typeface="DokChampa"/>
+        <a:font script="Sinh" typeface="Iskoola Pota"/>
+        <a:font script="Mong" typeface="Mongolian Baiti"/>
+        <a:font script="Viet" typeface="Arial"/>
+        <a:font script="Uigh" typeface="Microsoft Uighur"/>
+        <a:font script="Geor" typeface="Sylfaen"/>
+        <a:font script="Armn" typeface="Arial"/>
+        <a:font script="Bugi" typeface="Leelawadee UI"/>
+        <a:font script="Bopo" typeface="Microsoft JhengHei"/>
+        <a:font script="Java" typeface="Javanese Text"/>
+        <a:font script="Lisu" typeface="Segoe UI"/>
+        <a:font script="Mymr" typeface="Myanmar Text"/>
+        <a:font script="Nkoo" typeface="Ebrima"/>
+        <a:font script="Olck" typeface="Nirmala UI"/>
+        <a:font script="Osma" typeface="Ebrima"/>
+        <a:font script="Phag" typeface="Phagspa"/>
+        <a:font script="Syrn" typeface="Estrangelo Edessa"/>
+        <a:font script="Syrj" typeface="Estrangelo Edessa"/>
+        <a:font script="Syre" typeface="Estrangelo Edessa"/>
+        <a:font script="Sora" typeface="Nirmala UI"/>
+        <a:font script="Tale" typeface="Microsoft Tai Le"/>
+        <a:font script="Talu" typeface="Microsoft New Tai Lue"/>
+        <a:font script="Tfng" typeface="Ebrima"/>
+      </a:minorFont>
+    </a:fontScheme>
+    <a:fmtScheme name="Office">
+      <a:fillStyleLst>
+        <a:solidFill>
+          <a:schemeClr val="phClr"/>
+        </a:solidFill>
+        <a:gradFill rotWithShape="1">
+          <a:gsLst>
+            <a:gs pos="0">
+              <a:schemeClr val="phClr">
+                <a:lumMod val="110000"/>
+                <a:satMod val="105000"/>
+                <a:tint val="67000"/>
+              </a:schemeClr>
+            </a:gs>
+            <a:gs pos="50000">
+              <a:schemeClr val="phClr">
+                <a:lumMod val="105000"/>
+                <a:satMod val="103000"/>
+                <a:tint val="73000"/>
+              </a:schemeClr>
+            </a:gs>
+            <a:gs pos="100000">
+              <a:schemeClr val="phClr">
+                <a:lumMod val="105000"/>
+                <a:satMod val="109000"/>
+                <a:tint val="81000"/>
+              </a:schemeClr>
+            </a:gs>
+          </a:gsLst>
+          <a:lin ang="5400000" scaled="0"/>
+        </a:gradFill>
+        <a:gradFill rotWithShape="1">
+          <a:gsLst>
+            <a:gs pos="0">
+              <a:schemeClr val="phClr">
+                <a:satMod val="103000"/>
+                <a:lumMod val="102000"/>
+                <a:tint val="94000"/>
+              </a:schemeClr>
+            </a:gs>
+            <a:gs pos="50000">
+              <a:schemeClr val="phClr">
+                <a:satMod val="110000"/>
+                <a:lumMod val="100000"/>
+                <a:shade val="100000"/>
+              </a:schemeClr>
+            </a:gs>
+            <a:gs pos="100000">
+              <a:schemeClr val="phClr">
+                <a:lumMod val="99000"/>
+                <a:satMod val="120000"/>
+                <a:shade val="78000"/>
+              </a:schemeClr>
+            </a:gs>
+          </a:gsLst>
+          <a:lin ang="5400000" scaled="0"/>
+        </a:gradFill>
+      </a:fillStyleLst>
+      <a:lnStyleLst>
+        <a:ln w="6350" cap="flat" cmpd="sng" algn="ctr">
+          <a:solidFill>
+            <a:schemeClr val="phClr"/>
+          </a:solidFill>
+          <a:prstDash val="solid"/>
+          <a:miter lim="800000"/>
+        </a:ln>
+        <a:ln w="12700" cap="flat" cmpd="sng" algn="ctr">
+          <a:solidFill>
+            <a:schemeClr val="phClr"/>
+          </a:solidFill>
+          <a:prstDash val="solid"/>
+          <a:miter lim="800000"/>
+        </a:ln>
+        <a:ln w="19050" cap="flat" cmpd="sng" algn="ctr">
+          <a:solidFill>
+            <a:schemeClr val="phClr"/>
+          </a:solidFill>
+          <a:prstDash val="solid"/>
+          <a:miter lim="800000"/>
+        </a:ln>
+      </a:lnStyleLst>
+      <a:effectStyleLst>
+        <a:effectStyle>
+          <a:effectLst/>
+        </a:effectStyle>
+        <a:effectStyle>
+          <a:effectLst/>
+        </a:effectStyle>
+        <a:effectStyle>
+          <a:effectLst>
+            <a:outerShdw blurRad="57150" dist="19050" dir="5400000" algn="ctr" rotWithShape="0">
+              <a:srgbClr val="000000">
+                <a:alpha val="63000"/>
+              </a:srgbClr>
+            </a:outerShdw>
+          </a:effectLst>
+        </a:effectStyle>
+      </a:effectStyleLst>
+      <a:bgFillStyleLst>
+        <a:solidFill>
+          <a:schemeClr val="phClr"/>
+        </a:solidFill>
+        <a:solidFill>
+          <a:schemeClr val="phClr">
+            <a:tint val="95000"/>
+            <a:satMod val="170000"/>
+          </a:schemeClr>
+        </a:solidFill>
+        <a:gradFill rotWithShape="1">
+          <a:gsLst>
+            <a:gs pos="0">
+              <a:schemeClr val="phClr">
+                <a:tint val="93000"/>
+                <a:satMod val="150000"/>
+                <a:shade val="98000"/>
+                <a:lumMod val="102000"/>
+              </a:schemeClr>
+            </a:gs>
+            <a:gs pos="50000">
+              <a:schemeClr val="phClr">
+                <a:tint val="98000"/>
+                <a:satMod val="130000"/>
+                <a:shade val="90000"/>
+                <a:lumMod val="103000"/>
+              </a:schemeClr>
+            </a:gs>
+            <a:gs pos="100000">
+              <a:schemeClr val="phClr">
+                <a:shade val="63000"/>
+                <a:satMod val="120000"/>
+              </a:schemeClr>
+            </a:gs>
+          </a:gsLst>
+          <a:lin ang="5400000" scaled="0"/>
+        </a:gradFill>
+      </a:bgFillStyleLst>
+    </a:fmtScheme>
+  </a:themeElements>
+  <a:objectDefaults/>
+  <a:extraClrSchemeLst/>
+  <a:extLst>
+    <a:ext uri="{05A4C25C-085E-4340-85A3-A5531E510DB2}">
+      <thm15:themeFamily xmlns:thm15="http://schemas.microsoft.com/office/thememl/2012/main" name="Office Theme" id="{62F939B6-93AF-4DB8-9C6B-D6C7DFDC589F}" vid="{4A3C46E8-61CC-4603-A589-7422A47A8E4A}"/>
+    </a:ext>
+  </a:extLst>
+</a:theme>
 </file>